--- a/Prezentacie/prezentacia.pptx
+++ b/Prezentacie/prezentacia.pptx
@@ -5,20 +5,23 @@
     <p:sldMasterId id="2147483732" r:id="rId1"/>
   </p:sldMasterIdLst>
   <p:notesMasterIdLst>
-    <p:notesMasterId r:id="rId13"/>
+    <p:notesMasterId r:id="rId16"/>
   </p:notesMasterIdLst>
   <p:sldIdLst>
     <p:sldId id="256" r:id="rId2"/>
     <p:sldId id="258" r:id="rId3"/>
     <p:sldId id="266" r:id="rId4"/>
     <p:sldId id="259" r:id="rId5"/>
-    <p:sldId id="260" r:id="rId6"/>
-    <p:sldId id="265" r:id="rId7"/>
-    <p:sldId id="261" r:id="rId8"/>
-    <p:sldId id="264" r:id="rId9"/>
-    <p:sldId id="257" r:id="rId10"/>
-    <p:sldId id="262" r:id="rId11"/>
-    <p:sldId id="263" r:id="rId12"/>
+    <p:sldId id="269" r:id="rId6"/>
+    <p:sldId id="260" r:id="rId7"/>
+    <p:sldId id="267" r:id="rId8"/>
+    <p:sldId id="265" r:id="rId9"/>
+    <p:sldId id="268" r:id="rId10"/>
+    <p:sldId id="261" r:id="rId11"/>
+    <p:sldId id="264" r:id="rId12"/>
+    <p:sldId id="257" r:id="rId13"/>
+    <p:sldId id="262" r:id="rId14"/>
+    <p:sldId id="263" r:id="rId15"/>
   </p:sldIdLst>
   <p:sldSz cx="9144000" cy="6858000" type="screen4x3"/>
   <p:notesSz cx="6858000" cy="9144000"/>
@@ -117,6 +120,11 @@
       </a:defRPr>
     </a:lvl9pPr>
   </p:defaultTextStyle>
+  <p:extLst>
+    <p:ext uri="{EFAFB233-063F-42B5-8137-9DF3F51BA10A}">
+      <p15:sldGuideLst xmlns:p15="http://schemas.microsoft.com/office/powerpoint/2012/main"/>
+    </p:ext>
+  </p:extLst>
 </p:presentation>
 </file>
 
@@ -214,7 +222,7 @@
           <a:p>
             <a:fld id="{727BC873-594E-428D-B555-A2FF5C533890}" type="datetimeFigureOut">
               <a:rPr lang="sk-SK" smtClean="0"/>
-              <a:t>17.11.2016</a:t>
+              <a:t>20.11.2016</a:t>
             </a:fld>
             <a:endParaRPr lang="sk-SK"/>
           </a:p>
@@ -799,7 +807,7 @@
           <a:p>
             <a:fld id="{7D6D0391-8265-4269-93B7-356634E1ADBE}" type="slidenum">
               <a:rPr lang="sk-SK" smtClean="0"/>
-              <a:t>6</a:t>
+              <a:t>8</a:t>
             </a:fld>
             <a:endParaRPr lang="sk-SK"/>
           </a:p>
@@ -809,6 +817,90 @@
     <p:extLst>
       <p:ext uri="{BB962C8B-B14F-4D97-AF65-F5344CB8AC3E}">
         <p14:creationId xmlns:p14="http://schemas.microsoft.com/office/powerpoint/2010/main" val="4016460977"/>
+      </p:ext>
+    </p:extLst>
+  </p:cSld>
+  <p:clrMapOvr>
+    <a:masterClrMapping/>
+  </p:clrMapOvr>
+</p:notes>
+</file>
+
+<file path=ppt/notesSlides/notesSlide4.xml><?xml version="1.0" encoding="utf-8"?>
+<p:notes xmlns:a="http://schemas.openxmlformats.org/drawingml/2006/main" xmlns:r="http://schemas.openxmlformats.org/officeDocument/2006/relationships" xmlns:p="http://schemas.openxmlformats.org/presentationml/2006/main">
+  <p:cSld>
+    <p:spTree>
+      <p:nvGrpSpPr>
+        <p:cNvPr id="1" name=""/>
+        <p:cNvGrpSpPr/>
+        <p:nvPr/>
+      </p:nvGrpSpPr>
+      <p:grpSpPr>
+        <a:xfrm>
+          <a:off x="0" y="0"/>
+          <a:ext cx="0" cy="0"/>
+          <a:chOff x="0" y="0"/>
+          <a:chExt cx="0" cy="0"/>
+        </a:xfrm>
+      </p:grpSpPr>
+      <p:sp>
+        <p:nvSpPr>
+          <p:cNvPr id="2" name="Zástupný objekt pre obrázok snímky 1"/>
+          <p:cNvSpPr>
+            <a:spLocks noGrp="1" noRot="1" noChangeAspect="1"/>
+          </p:cNvSpPr>
+          <p:nvPr>
+            <p:ph type="sldImg"/>
+          </p:nvPr>
+        </p:nvSpPr>
+        <p:spPr/>
+      </p:sp>
+      <p:sp>
+        <p:nvSpPr>
+          <p:cNvPr id="3" name="Zástupný objekt pre poznámky 2"/>
+          <p:cNvSpPr>
+            <a:spLocks noGrp="1"/>
+          </p:cNvSpPr>
+          <p:nvPr>
+            <p:ph type="body" idx="1"/>
+          </p:nvPr>
+        </p:nvSpPr>
+        <p:spPr/>
+        <p:txBody>
+          <a:bodyPr/>
+          <a:lstStyle/>
+          <a:p>
+            <a:endParaRPr lang="sk-SK" dirty="0"/>
+          </a:p>
+        </p:txBody>
+      </p:sp>
+      <p:sp>
+        <p:nvSpPr>
+          <p:cNvPr id="4" name="Zástupný objekt pre číslo snímky 3"/>
+          <p:cNvSpPr>
+            <a:spLocks noGrp="1"/>
+          </p:cNvSpPr>
+          <p:nvPr>
+            <p:ph type="sldNum" sz="quarter" idx="10"/>
+          </p:nvPr>
+        </p:nvSpPr>
+        <p:spPr/>
+        <p:txBody>
+          <a:bodyPr/>
+          <a:lstStyle/>
+          <a:p>
+            <a:fld id="{7D6D0391-8265-4269-93B7-356634E1ADBE}" type="slidenum">
+              <a:rPr lang="sk-SK" smtClean="0"/>
+              <a:t>9</a:t>
+            </a:fld>
+            <a:endParaRPr lang="sk-SK"/>
+          </a:p>
+        </p:txBody>
+      </p:sp>
+    </p:spTree>
+    <p:extLst>
+      <p:ext uri="{BB962C8B-B14F-4D97-AF65-F5344CB8AC3E}">
+        <p14:creationId xmlns:p14="http://schemas.microsoft.com/office/powerpoint/2010/main" val="2461503205"/>
       </p:ext>
     </p:extLst>
   </p:cSld>
@@ -1044,7 +1136,7 @@
           <a:p>
             <a:fld id="{770B05AF-427F-4A9B-9C35-E082EAC8C421}" type="datetimeFigureOut">
               <a:rPr lang="sk-SK" smtClean="0"/>
-              <a:t>17.11.2016</a:t>
+              <a:t>20.11.2016</a:t>
             </a:fld>
             <a:endParaRPr lang="sk-SK"/>
           </a:p>
@@ -1252,7 +1344,7 @@
           <a:p>
             <a:fld id="{770B05AF-427F-4A9B-9C35-E082EAC8C421}" type="datetimeFigureOut">
               <a:rPr lang="sk-SK" smtClean="0"/>
-              <a:t>17.11.2016</a:t>
+              <a:t>20.11.2016</a:t>
             </a:fld>
             <a:endParaRPr lang="sk-SK"/>
           </a:p>
@@ -1508,7 +1600,7 @@
           <a:p>
             <a:fld id="{770B05AF-427F-4A9B-9C35-E082EAC8C421}" type="datetimeFigureOut">
               <a:rPr lang="sk-SK" smtClean="0"/>
-              <a:t>17.11.2016</a:t>
+              <a:t>20.11.2016</a:t>
             </a:fld>
             <a:endParaRPr lang="sk-SK"/>
           </a:p>
@@ -1678,7 +1770,7 @@
           <a:p>
             <a:fld id="{770B05AF-427F-4A9B-9C35-E082EAC8C421}" type="datetimeFigureOut">
               <a:rPr lang="sk-SK" smtClean="0"/>
-              <a:t>17.11.2016</a:t>
+              <a:t>20.11.2016</a:t>
             </a:fld>
             <a:endParaRPr lang="sk-SK"/>
           </a:p>
@@ -2021,7 +2113,7 @@
           <a:p>
             <a:fld id="{770B05AF-427F-4A9B-9C35-E082EAC8C421}" type="datetimeFigureOut">
               <a:rPr lang="sk-SK" smtClean="0"/>
-              <a:t>17.11.2016</a:t>
+              <a:t>20.11.2016</a:t>
             </a:fld>
             <a:endParaRPr lang="sk-SK"/>
           </a:p>
@@ -2296,7 +2388,7 @@
           <a:p>
             <a:fld id="{770B05AF-427F-4A9B-9C35-E082EAC8C421}" type="datetimeFigureOut">
               <a:rPr lang="sk-SK" smtClean="0"/>
-              <a:t>17.11.2016</a:t>
+              <a:t>20.11.2016</a:t>
             </a:fld>
             <a:endParaRPr lang="sk-SK"/>
           </a:p>
@@ -2675,7 +2767,7 @@
           <a:p>
             <a:fld id="{770B05AF-427F-4A9B-9C35-E082EAC8C421}" type="datetimeFigureOut">
               <a:rPr lang="sk-SK" smtClean="0"/>
-              <a:t>17.11.2016</a:t>
+              <a:t>20.11.2016</a:t>
             </a:fld>
             <a:endParaRPr lang="sk-SK"/>
           </a:p>
@@ -2793,7 +2885,7 @@
           <a:p>
             <a:fld id="{770B05AF-427F-4A9B-9C35-E082EAC8C421}" type="datetimeFigureOut">
               <a:rPr lang="sk-SK" smtClean="0"/>
-              <a:t>17.11.2016</a:t>
+              <a:t>20.11.2016</a:t>
             </a:fld>
             <a:endParaRPr lang="sk-SK"/>
           </a:p>
@@ -2964,7 +3056,7 @@
           <a:p>
             <a:fld id="{770B05AF-427F-4A9B-9C35-E082EAC8C421}" type="datetimeFigureOut">
               <a:rPr lang="sk-SK" smtClean="0"/>
-              <a:t>17.11.2016</a:t>
+              <a:t>20.11.2016</a:t>
             </a:fld>
             <a:endParaRPr lang="sk-SK"/>
           </a:p>
@@ -3318,7 +3410,7 @@
           <a:p>
             <a:fld id="{770B05AF-427F-4A9B-9C35-E082EAC8C421}" type="datetimeFigureOut">
               <a:rPr lang="sk-SK" smtClean="0"/>
-              <a:t>17.11.2016</a:t>
+              <a:t>20.11.2016</a:t>
             </a:fld>
             <a:endParaRPr lang="sk-SK"/>
           </a:p>
@@ -3695,7 +3787,7 @@
           <a:p>
             <a:fld id="{770B05AF-427F-4A9B-9C35-E082EAC8C421}" type="datetimeFigureOut">
               <a:rPr lang="sk-SK" smtClean="0"/>
-              <a:t>17.11.2016</a:t>
+              <a:t>20.11.2016</a:t>
             </a:fld>
             <a:endParaRPr lang="sk-SK"/>
           </a:p>
@@ -3982,7 +4074,7 @@
           <a:p>
             <a:fld id="{770B05AF-427F-4A9B-9C35-E082EAC8C421}" type="datetimeFigureOut">
               <a:rPr lang="sk-SK" smtClean="0"/>
-              <a:t>17.11.2016</a:t>
+              <a:t>20.11.2016</a:t>
             </a:fld>
             <a:endParaRPr lang="sk-SK"/>
           </a:p>
@@ -4598,6 +4690,13 @@
   <p:clrMapOvr>
     <a:masterClrMapping/>
   </p:clrMapOvr>
+  <p:timing>
+    <p:tnLst>
+      <p:par>
+        <p:cTn id="1" dur="indefinite" restart="never" nodeType="tmRoot"/>
+      </p:par>
+    </p:tnLst>
+  </p:timing>
 </p:sld>
 </file>
 
@@ -4635,7 +4734,7 @@
           <a:p>
             <a:r>
               <a:rPr lang="sk-SK" dirty="0" smtClean="0"/>
-              <a:t>Literatúra</a:t>
+              <a:t>Naša vízia (komponenty)</a:t>
             </a:r>
             <a:endParaRPr lang="sk-SK" dirty="0"/>
           </a:p>
@@ -4643,228 +4742,439 @@
       </p:sp>
       <p:sp>
         <p:nvSpPr>
-          <p:cNvPr id="3" name="Zástupný objekt pre obsah 2"/>
-          <p:cNvSpPr>
-            <a:spLocks noGrp="1"/>
-          </p:cNvSpPr>
-          <p:nvPr>
-            <p:ph idx="1"/>
-          </p:nvPr>
-        </p:nvSpPr>
-        <p:spPr/>
+          <p:cNvPr id="6" name="Obdĺžnik s dvoma protiľahlými odstrihnutými rohmi 5"/>
+          <p:cNvSpPr/>
+          <p:nvPr/>
+        </p:nvSpPr>
+        <p:spPr>
+          <a:xfrm>
+            <a:off x="1002324" y="2062024"/>
+            <a:ext cx="2860660" cy="2694613"/>
+          </a:xfrm>
+          <a:prstGeom prst="snip2DiagRect">
+            <a:avLst/>
+          </a:prstGeom>
+          <a:solidFill>
+            <a:schemeClr val="accent4">
+              <a:alpha val="50000"/>
+            </a:schemeClr>
+          </a:solidFill>
+          <a:ln>
+            <a:noFill/>
+          </a:ln>
+        </p:spPr>
+        <p:style>
+          <a:lnRef idx="0">
+            <a:scrgbClr r="0" g="0" b="0"/>
+          </a:lnRef>
+          <a:fillRef idx="0">
+            <a:scrgbClr r="0" g="0" b="0"/>
+          </a:fillRef>
+          <a:effectRef idx="0">
+            <a:scrgbClr r="0" g="0" b="0"/>
+          </a:effectRef>
+          <a:fontRef idx="minor">
+            <a:schemeClr val="lt1"/>
+          </a:fontRef>
+        </p:style>
         <p:txBody>
-          <a:bodyPr/>
+          <a:bodyPr rtlCol="0" anchor="ctr"/>
           <a:lstStyle/>
           <a:p>
-            <a:pPr marL="457200" indent="-457200">
-              <a:buFont typeface="+mj-lt"/>
-              <a:buAutoNum type="arabicPeriod"/>
+            <a:pPr algn="ctr"/>
+            <a:endParaRPr lang="sk-SK"/>
+          </a:p>
+        </p:txBody>
+      </p:sp>
+      <p:sp>
+        <p:nvSpPr>
+          <p:cNvPr id="7" name="BlokTextu 6"/>
+          <p:cNvSpPr txBox="1"/>
+          <p:nvPr/>
+        </p:nvSpPr>
+        <p:spPr>
+          <a:xfrm>
+            <a:off x="1169377" y="2171701"/>
+            <a:ext cx="1720279" cy="646331"/>
+          </a:xfrm>
+          <a:prstGeom prst="rect">
+            <a:avLst/>
+          </a:prstGeom>
+          <a:noFill/>
+        </p:spPr>
+        <p:txBody>
+          <a:bodyPr wrap="none" rtlCol="0">
+            <a:spAutoFit/>
+          </a:bodyPr>
+          <a:lstStyle/>
+          <a:p>
+            <a:r>
+              <a:rPr lang="sk-SK" sz="3600" b="1" dirty="0"/>
+              <a:t>Č</a:t>
+            </a:r>
+            <a:r>
+              <a:rPr lang="sk-SK" sz="3600" b="1" dirty="0" smtClean="0"/>
+              <a:t>asovač</a:t>
+            </a:r>
+            <a:endParaRPr lang="sk-SK" sz="3600" b="1" dirty="0"/>
+          </a:p>
+        </p:txBody>
+      </p:sp>
+      <p:sp>
+        <p:nvSpPr>
+          <p:cNvPr id="8" name="BlokTextu 7"/>
+          <p:cNvSpPr txBox="1"/>
+          <p:nvPr/>
+        </p:nvSpPr>
+        <p:spPr>
+          <a:xfrm>
+            <a:off x="1080746" y="2927709"/>
+            <a:ext cx="2782237" cy="1338828"/>
+          </a:xfrm>
+          <a:prstGeom prst="rect">
+            <a:avLst/>
+          </a:prstGeom>
+          <a:noFill/>
+        </p:spPr>
+        <p:txBody>
+          <a:bodyPr wrap="none" rtlCol="0">
+            <a:spAutoFit/>
+          </a:bodyPr>
+          <a:lstStyle/>
+          <a:p>
+            <a:pPr>
+              <a:lnSpc>
+                <a:spcPct val="150000"/>
+              </a:lnSpc>
             </a:pPr>
             <a:r>
+              <a:rPr lang="sk-SK" dirty="0" smtClean="0"/>
+              <a:t>Názov:		</a:t>
+            </a:r>
+            <a:r>
+              <a:rPr lang="sk-SK" b="1" dirty="0" err="1" smtClean="0"/>
+              <a:t>blinkTimer</a:t>
+            </a:r>
+            <a:endParaRPr lang="sk-SK" b="1" dirty="0" smtClean="0"/>
+          </a:p>
+          <a:p>
+            <a:pPr>
+              <a:lnSpc>
+                <a:spcPct val="150000"/>
+              </a:lnSpc>
+            </a:pPr>
+            <a:r>
+              <a:rPr lang="sk-SK" dirty="0" smtClean="0"/>
+              <a:t>Interval:		</a:t>
+            </a:r>
+            <a:r>
+              <a:rPr lang="sk-SK" b="1" dirty="0" smtClean="0"/>
+              <a:t>1000</a:t>
+            </a:r>
+          </a:p>
+          <a:p>
+            <a:pPr>
+              <a:lnSpc>
+                <a:spcPct val="150000"/>
+              </a:lnSpc>
+            </a:pPr>
+            <a:r>
               <a:rPr lang="sk-SK" dirty="0" err="1" smtClean="0"/>
-              <a:t>Doukas</a:t>
-            </a:r>
-            <a:r>
-              <a:rPr lang="sk-SK" dirty="0"/>
-              <a:t>, C. (2012) </a:t>
-            </a:r>
-            <a:r>
-              <a:rPr lang="sk-SK" b="1" dirty="0" err="1"/>
-              <a:t>Building</a:t>
-            </a:r>
-            <a:r>
-              <a:rPr lang="sk-SK" b="1" dirty="0"/>
-              <a:t> Internet of </a:t>
-            </a:r>
-            <a:r>
-              <a:rPr lang="sk-SK" b="1" dirty="0" err="1"/>
-              <a:t>Things</a:t>
-            </a:r>
-            <a:r>
-              <a:rPr lang="sk-SK" b="1" dirty="0"/>
+              <a:t>OnTick</a:t>
+            </a:r>
+            <a:r>
+              <a:rPr lang="sk-SK" dirty="0" smtClean="0"/>
+              <a:t>:		</a:t>
+            </a:r>
+            <a:r>
+              <a:rPr lang="sk-SK" b="1" dirty="0" err="1" smtClean="0"/>
+              <a:t>changeLed</a:t>
+            </a:r>
+            <a:r>
+              <a:rPr lang="sk-SK" b="1" dirty="0" smtClean="0"/>
+              <a:t>()</a:t>
+            </a:r>
+            <a:endParaRPr lang="sk-SK" b="1" dirty="0"/>
+          </a:p>
+        </p:txBody>
+      </p:sp>
+      <p:sp>
+        <p:nvSpPr>
+          <p:cNvPr id="9" name="Obdĺžnik s dvoma protiľahlými odstrihnutými rohmi 8"/>
+          <p:cNvSpPr/>
+          <p:nvPr/>
+        </p:nvSpPr>
+        <p:spPr>
+          <a:xfrm>
+            <a:off x="4594860" y="2062024"/>
+            <a:ext cx="2734407" cy="2204513"/>
+          </a:xfrm>
+          <a:prstGeom prst="snip2DiagRect">
+            <a:avLst/>
+          </a:prstGeom>
+          <a:solidFill>
+            <a:schemeClr val="accent4">
+              <a:alpha val="50000"/>
+            </a:schemeClr>
+          </a:solidFill>
+          <a:ln>
+            <a:noFill/>
+          </a:ln>
+        </p:spPr>
+        <p:style>
+          <a:lnRef idx="0">
+            <a:scrgbClr r="0" g="0" b="0"/>
+          </a:lnRef>
+          <a:fillRef idx="0">
+            <a:scrgbClr r="0" g="0" b="0"/>
+          </a:fillRef>
+          <a:effectRef idx="0">
+            <a:scrgbClr r="0" g="0" b="0"/>
+          </a:effectRef>
+          <a:fontRef idx="minor">
+            <a:schemeClr val="lt1"/>
+          </a:fontRef>
+        </p:style>
+        <p:txBody>
+          <a:bodyPr rtlCol="0" anchor="ctr"/>
+          <a:lstStyle/>
+          <a:p>
+            <a:pPr algn="ctr"/>
+            <a:endParaRPr lang="sk-SK"/>
+          </a:p>
+        </p:txBody>
+      </p:sp>
+      <p:sp>
+        <p:nvSpPr>
+          <p:cNvPr id="10" name="BlokTextu 9"/>
+          <p:cNvSpPr txBox="1"/>
+          <p:nvPr/>
+        </p:nvSpPr>
+        <p:spPr>
+          <a:xfrm>
+            <a:off x="4761914" y="2171701"/>
+            <a:ext cx="1853008" cy="646331"/>
+          </a:xfrm>
+          <a:prstGeom prst="rect">
+            <a:avLst/>
+          </a:prstGeom>
+          <a:noFill/>
+        </p:spPr>
+        <p:txBody>
+          <a:bodyPr wrap="none" rtlCol="0">
+            <a:spAutoFit/>
+          </a:bodyPr>
+          <a:lstStyle/>
+          <a:p>
+            <a:r>
+              <a:rPr lang="sk-SK" sz="3600" b="1" dirty="0" smtClean="0"/>
+              <a:t>Prepínač</a:t>
+            </a:r>
+            <a:endParaRPr lang="sk-SK" sz="3600" b="1" dirty="0"/>
+          </a:p>
+        </p:txBody>
+      </p:sp>
+      <p:sp>
+        <p:nvSpPr>
+          <p:cNvPr id="11" name="BlokTextu 10"/>
+          <p:cNvSpPr txBox="1"/>
+          <p:nvPr/>
+        </p:nvSpPr>
+        <p:spPr>
+          <a:xfrm>
+            <a:off x="4673283" y="2927709"/>
+            <a:ext cx="1864613" cy="923330"/>
+          </a:xfrm>
+          <a:prstGeom prst="rect">
+            <a:avLst/>
+          </a:prstGeom>
+          <a:noFill/>
+        </p:spPr>
+        <p:txBody>
+          <a:bodyPr wrap="none" rtlCol="0">
+            <a:spAutoFit/>
+          </a:bodyPr>
+          <a:lstStyle/>
+          <a:p>
+            <a:pPr>
+              <a:lnSpc>
+                <a:spcPct val="150000"/>
+              </a:lnSpc>
+            </a:pPr>
+            <a:r>
+              <a:rPr lang="sk-SK" dirty="0" smtClean="0"/>
+              <a:t>Názov:		</a:t>
+            </a:r>
+            <a:r>
+              <a:rPr lang="sk-SK" b="1" dirty="0" err="1" smtClean="0"/>
+              <a:t>led</a:t>
+            </a:r>
+            <a:endParaRPr lang="sk-SK" b="1" dirty="0" smtClean="0"/>
+          </a:p>
+          <a:p>
+            <a:pPr>
+              <a:lnSpc>
+                <a:spcPct val="150000"/>
+              </a:lnSpc>
+            </a:pPr>
+            <a:r>
+              <a:rPr lang="sk-SK" dirty="0" err="1" smtClean="0"/>
+              <a:t>Pin</a:t>
+            </a:r>
+            <a:r>
+              <a:rPr lang="sk-SK" dirty="0" smtClean="0"/>
+              <a:t>:			</a:t>
+            </a:r>
+            <a:r>
+              <a:rPr lang="sk-SK" b="1" dirty="0" smtClean="0"/>
+              <a:t>13</a:t>
+            </a:r>
+            <a:endParaRPr lang="sk-SK" b="1" dirty="0"/>
+          </a:p>
+        </p:txBody>
+      </p:sp>
+      <p:sp>
+        <p:nvSpPr>
+          <p:cNvPr id="13" name="BlokTextu 12"/>
+          <p:cNvSpPr txBox="1"/>
+          <p:nvPr/>
+        </p:nvSpPr>
+        <p:spPr>
+          <a:xfrm>
+            <a:off x="4826977" y="4756637"/>
+            <a:ext cx="3727938" cy="923330"/>
+          </a:xfrm>
+          <a:prstGeom prst="rect">
+            <a:avLst/>
+          </a:prstGeom>
+          <a:noFill/>
+        </p:spPr>
+        <p:txBody>
+          <a:bodyPr wrap="square" rtlCol="0">
+            <a:spAutoFit/>
+          </a:bodyPr>
+          <a:lstStyle/>
+          <a:p>
+            <a:r>
+              <a:rPr lang="sk-SK" dirty="0" err="1">
+                <a:solidFill>
+                  <a:srgbClr val="A71D5D"/>
+                </a:solidFill>
+                <a:latin typeface="Consolas" panose="020B0609020204030204" pitchFamily="49" charset="0"/>
+              </a:rPr>
+              <a:t>void</a:t>
+            </a:r>
+            <a:r>
+              <a:rPr lang="sk-SK" dirty="0">
+                <a:solidFill>
+                  <a:srgbClr val="333333"/>
+                </a:solidFill>
+                <a:latin typeface="Consolas" panose="020B0609020204030204" pitchFamily="49" charset="0"/>
+              </a:rPr>
               <a:t> </a:t>
             </a:r>
             <a:r>
-              <a:rPr lang="sk-SK" b="1" dirty="0" err="1"/>
-              <a:t>with</a:t>
-            </a:r>
-            <a:r>
-              <a:rPr lang="sk-SK" b="1" dirty="0"/>
-              <a:t> </a:t>
-            </a:r>
-            <a:r>
-              <a:rPr lang="sk-SK" b="1" dirty="0" err="1"/>
-              <a:t>the</a:t>
-            </a:r>
-            <a:r>
-              <a:rPr lang="sk-SK" b="1" dirty="0"/>
-              <a:t> </a:t>
-            </a:r>
-            <a:r>
-              <a:rPr lang="sk-SK" b="1" dirty="0" err="1"/>
-              <a:t>Arduino</a:t>
-            </a:r>
-            <a:r>
-              <a:rPr lang="sk-SK" dirty="0"/>
-              <a:t>. </a:t>
-            </a:r>
-            <a:r>
-              <a:rPr lang="sk-SK" dirty="0" err="1"/>
-              <a:t>CreateSpace</a:t>
-            </a:r>
-            <a:r>
-              <a:rPr lang="sk-SK" dirty="0"/>
-              <a:t> </a:t>
-            </a:r>
-            <a:r>
-              <a:rPr lang="sk-SK" dirty="0" err="1"/>
-              <a:t>Independent</a:t>
-            </a:r>
-            <a:r>
-              <a:rPr lang="sk-SK" dirty="0"/>
-              <a:t> </a:t>
-            </a:r>
-            <a:r>
-              <a:rPr lang="sk-SK" dirty="0" err="1"/>
-              <a:t>Publishing</a:t>
-            </a:r>
-            <a:r>
-              <a:rPr lang="sk-SK" dirty="0"/>
-              <a:t> </a:t>
-            </a:r>
-            <a:r>
-              <a:rPr lang="sk-SK" dirty="0" err="1"/>
-              <a:t>Platform</a:t>
-            </a:r>
-            <a:r>
-              <a:rPr lang="sk-SK" dirty="0"/>
-              <a:t>, ISBN: 978-1470023430</a:t>
-            </a:r>
-          </a:p>
-          <a:p>
-            <a:pPr marL="457200" indent="-457200">
-              <a:buFont typeface="+mj-lt"/>
-              <a:buAutoNum type="arabicPeriod"/>
-            </a:pPr>
-            <a:r>
-              <a:rPr lang="sk-SK" dirty="0" smtClean="0"/>
-              <a:t>Schwartz</a:t>
-            </a:r>
-            <a:r>
-              <a:rPr lang="sk-SK" dirty="0"/>
-              <a:t>, M. (2016) </a:t>
-            </a:r>
-            <a:r>
-              <a:rPr lang="sk-SK" b="1" dirty="0"/>
-              <a:t>Internet of </a:t>
-            </a:r>
-            <a:r>
-              <a:rPr lang="sk-SK" b="1" dirty="0" err="1"/>
-              <a:t>Things</a:t>
-            </a:r>
-            <a:r>
-              <a:rPr lang="sk-SK" b="1" dirty="0"/>
-              <a:t> </a:t>
-            </a:r>
-            <a:r>
-              <a:rPr lang="sk-SK" b="1" dirty="0" err="1"/>
-              <a:t>with</a:t>
-            </a:r>
-            <a:r>
-              <a:rPr lang="sk-SK" b="1" dirty="0"/>
-              <a:t> </a:t>
-            </a:r>
-            <a:r>
-              <a:rPr lang="sk-SK" b="1" dirty="0" err="1"/>
-              <a:t>Arduino</a:t>
-            </a:r>
-            <a:r>
-              <a:rPr lang="sk-SK" b="1" dirty="0"/>
-              <a:t> </a:t>
-            </a:r>
-            <a:r>
-              <a:rPr lang="sk-SK" b="1" dirty="0" err="1"/>
-              <a:t>Cookbook</a:t>
-            </a:r>
-            <a:r>
-              <a:rPr lang="sk-SK" dirty="0"/>
-              <a:t>. </a:t>
-            </a:r>
-            <a:r>
-              <a:rPr lang="sk-SK" dirty="0" err="1"/>
-              <a:t>Packt</a:t>
-            </a:r>
-            <a:r>
-              <a:rPr lang="sk-SK" dirty="0"/>
-              <a:t> </a:t>
-            </a:r>
-            <a:r>
-              <a:rPr lang="sk-SK" dirty="0" err="1"/>
-              <a:t>Publishing</a:t>
-            </a:r>
-            <a:r>
-              <a:rPr lang="sk-SK" dirty="0"/>
-              <a:t>, ISBN: 978-1785286582</a:t>
-            </a:r>
-          </a:p>
-          <a:p>
-            <a:pPr marL="457200" indent="-457200">
-              <a:buFont typeface="+mj-lt"/>
-              <a:buAutoNum type="arabicPeriod"/>
-            </a:pPr>
-            <a:r>
-              <a:rPr lang="sk-SK" dirty="0" err="1" smtClean="0"/>
-              <a:t>Waher</a:t>
-            </a:r>
-            <a:r>
-              <a:rPr lang="sk-SK" dirty="0"/>
-              <a:t>, P. (2015) </a:t>
-            </a:r>
-            <a:r>
-              <a:rPr lang="sk-SK" b="1" dirty="0" err="1"/>
-              <a:t>Learning</a:t>
-            </a:r>
-            <a:r>
-              <a:rPr lang="sk-SK" b="1" dirty="0"/>
-              <a:t> Internet of </a:t>
-            </a:r>
-            <a:r>
-              <a:rPr lang="sk-SK" b="1" dirty="0" err="1"/>
-              <a:t>Things</a:t>
-            </a:r>
-            <a:r>
-              <a:rPr lang="sk-SK" dirty="0"/>
-              <a:t>. </a:t>
-            </a:r>
-            <a:r>
-              <a:rPr lang="sk-SK" dirty="0" err="1"/>
-              <a:t>Packt</a:t>
-            </a:r>
-            <a:r>
-              <a:rPr lang="sk-SK" dirty="0"/>
-              <a:t> </a:t>
-            </a:r>
-            <a:r>
-              <a:rPr lang="sk-SK" dirty="0" err="1"/>
-              <a:t>Publishing</a:t>
-            </a:r>
-            <a:r>
-              <a:rPr lang="sk-SK" dirty="0"/>
-              <a:t>, ISBN 978-1783553532.</a:t>
-            </a:r>
+              <a:rPr lang="sk-SK" dirty="0" err="1" smtClean="0">
+                <a:solidFill>
+                  <a:srgbClr val="795DA3"/>
+                </a:solidFill>
+                <a:latin typeface="Consolas" panose="020B0609020204030204" pitchFamily="49" charset="0"/>
+              </a:rPr>
+              <a:t>changeLed</a:t>
+            </a:r>
+            <a:r>
+              <a:rPr lang="sk-SK" dirty="0" smtClean="0">
+                <a:solidFill>
+                  <a:srgbClr val="333333"/>
+                </a:solidFill>
+                <a:latin typeface="Consolas" panose="020B0609020204030204" pitchFamily="49" charset="0"/>
+              </a:rPr>
+              <a:t>() </a:t>
+            </a:r>
+            <a:r>
+              <a:rPr lang="sk-SK" dirty="0">
+                <a:solidFill>
+                  <a:srgbClr val="333333"/>
+                </a:solidFill>
+                <a:latin typeface="Consolas" panose="020B0609020204030204" pitchFamily="49" charset="0"/>
+              </a:rPr>
+              <a:t>{</a:t>
+            </a:r>
+          </a:p>
+          <a:p>
+            <a:r>
+              <a:rPr lang="sk-SK" dirty="0" smtClean="0">
+                <a:solidFill>
+                  <a:srgbClr val="333333"/>
+                </a:solidFill>
+                <a:latin typeface="Consolas" panose="020B0609020204030204" pitchFamily="49" charset="0"/>
+              </a:rPr>
+              <a:t>	</a:t>
+            </a:r>
+            <a:r>
+              <a:rPr lang="sk-SK" dirty="0" err="1" smtClean="0">
+                <a:solidFill>
+                  <a:srgbClr val="333333"/>
+                </a:solidFill>
+                <a:latin typeface="Consolas" panose="020B0609020204030204" pitchFamily="49" charset="0"/>
+              </a:rPr>
+              <a:t>led.</a:t>
+            </a:r>
+            <a:r>
+              <a:rPr lang="sk-SK" dirty="0" err="1" smtClean="0">
+                <a:solidFill>
+                  <a:srgbClr val="0086B3"/>
+                </a:solidFill>
+                <a:latin typeface="Consolas" panose="020B0609020204030204" pitchFamily="49" charset="0"/>
+              </a:rPr>
+              <a:t>revert</a:t>
+            </a:r>
+            <a:r>
+              <a:rPr lang="sk-SK" dirty="0">
+                <a:solidFill>
+                  <a:srgbClr val="333333"/>
+                </a:solidFill>
+                <a:latin typeface="Consolas" panose="020B0609020204030204" pitchFamily="49" charset="0"/>
+              </a:rPr>
+              <a:t>();</a:t>
+            </a:r>
+          </a:p>
+          <a:p>
+            <a:r>
+              <a:rPr lang="sk-SK" dirty="0" smtClean="0">
+                <a:solidFill>
+                  <a:srgbClr val="333333"/>
+                </a:solidFill>
+                <a:latin typeface="Consolas" panose="020B0609020204030204" pitchFamily="49" charset="0"/>
+              </a:rPr>
+              <a:t>}</a:t>
+            </a:r>
+            <a:endParaRPr lang="sk-SK" dirty="0">
+              <a:solidFill>
+                <a:srgbClr val="333333"/>
+              </a:solidFill>
+              <a:latin typeface="Consolas" panose="020B0609020204030204" pitchFamily="49" charset="0"/>
+            </a:endParaRPr>
           </a:p>
         </p:txBody>
       </p:sp>
     </p:spTree>
     <p:extLst>
       <p:ext uri="{BB962C8B-B14F-4D97-AF65-F5344CB8AC3E}">
-        <p14:creationId xmlns:p14="http://schemas.microsoft.com/office/powerpoint/2010/main" val="1082607457"/>
+        <p14:creationId xmlns:p14="http://schemas.microsoft.com/office/powerpoint/2010/main" val="895722038"/>
       </p:ext>
     </p:extLst>
   </p:cSld>
   <p:clrMapOvr>
     <a:masterClrMapping/>
   </p:clrMapOvr>
+  <p:timing>
+    <p:tnLst>
+      <p:par>
+        <p:cTn id="1" dur="indefinite" restart="never" nodeType="tmRoot"/>
+      </p:par>
+    </p:tnLst>
+  </p:timing>
 </p:sld>
 </file>
 
@@ -4887,6 +5197,650 @@
       </p:grpSpPr>
       <p:sp>
         <p:nvSpPr>
+          <p:cNvPr id="2" name="Nadpis 1"/>
+          <p:cNvSpPr>
+            <a:spLocks noGrp="1"/>
+          </p:cNvSpPr>
+          <p:nvPr>
+            <p:ph type="title"/>
+          </p:nvPr>
+        </p:nvSpPr>
+        <p:spPr/>
+        <p:txBody>
+          <a:bodyPr/>
+          <a:lstStyle/>
+          <a:p>
+            <a:r>
+              <a:rPr lang="sk-SK" dirty="0" smtClean="0"/>
+              <a:t>Podobné riešenia</a:t>
+            </a:r>
+            <a:endParaRPr lang="sk-SK" dirty="0"/>
+          </a:p>
+        </p:txBody>
+      </p:sp>
+      <p:pic>
+        <p:nvPicPr>
+          <p:cNvPr id="6146" name="Picture 2" descr="https://i.ytimg.com/vi/4PoYotGZ-I8/maxresdefault.jpg"/>
+          <p:cNvPicPr>
+            <a:picLocks noChangeAspect="1" noChangeArrowheads="1"/>
+          </p:cNvPicPr>
+          <p:nvPr/>
+        </p:nvPicPr>
+        <p:blipFill rotWithShape="1">
+          <a:blip r:embed="rId2">
+            <a:extLst>
+              <a:ext uri="{28A0092B-C50C-407E-A947-70E740481C1C}">
+                <a14:useLocalDpi xmlns:a14="http://schemas.microsoft.com/office/drawing/2010/main" val="0"/>
+              </a:ext>
+            </a:extLst>
+          </a:blip>
+          <a:srcRect r="30378" b="53865"/>
+          <a:stretch/>
+        </p:blipFill>
+        <p:spPr bwMode="auto">
+          <a:xfrm>
+            <a:off x="1386499" y="2200082"/>
+            <a:ext cx="4231787" cy="1577339"/>
+          </a:xfrm>
+          <a:prstGeom prst="rect">
+            <a:avLst/>
+          </a:prstGeom>
+          <a:noFill/>
+          <a:extLst>
+            <a:ext uri="{909E8E84-426E-40DD-AFC4-6F175D3DCCD1}">
+              <a14:hiddenFill xmlns:a14="http://schemas.microsoft.com/office/drawing/2010/main">
+                <a:solidFill>
+                  <a:srgbClr val="FFFFFF"/>
+                </a:solidFill>
+              </a14:hiddenFill>
+            </a:ext>
+          </a:extLst>
+        </p:spPr>
+      </p:pic>
+      <p:pic>
+        <p:nvPicPr>
+          <p:cNvPr id="6148" name="Picture 4" descr="http://www.state-machine.com/img/logo_qm256.jpg"/>
+          <p:cNvPicPr>
+            <a:picLocks noChangeAspect="1" noChangeArrowheads="1"/>
+          </p:cNvPicPr>
+          <p:nvPr/>
+        </p:nvPicPr>
+        <p:blipFill>
+          <a:blip r:embed="rId3">
+            <a:extLst>
+              <a:ext uri="{28A0092B-C50C-407E-A947-70E740481C1C}">
+                <a14:useLocalDpi xmlns:a14="http://schemas.microsoft.com/office/drawing/2010/main" val="0"/>
+              </a:ext>
+            </a:extLst>
+          </a:blip>
+          <a:srcRect/>
+          <a:stretch>
+            <a:fillRect/>
+          </a:stretch>
+        </p:blipFill>
+        <p:spPr bwMode="auto">
+          <a:xfrm>
+            <a:off x="6251331" y="2200082"/>
+            <a:ext cx="1574068" cy="1574068"/>
+          </a:xfrm>
+          <a:prstGeom prst="rect">
+            <a:avLst/>
+          </a:prstGeom>
+          <a:noFill/>
+          <a:extLst>
+            <a:ext uri="{909E8E84-426E-40DD-AFC4-6F175D3DCCD1}">
+              <a14:hiddenFill xmlns:a14="http://schemas.microsoft.com/office/drawing/2010/main">
+                <a:solidFill>
+                  <a:srgbClr val="FFFFFF"/>
+                </a:solidFill>
+              </a14:hiddenFill>
+            </a:ext>
+          </a:extLst>
+        </p:spPr>
+      </p:pic>
+      <p:sp>
+        <p:nvSpPr>
+          <p:cNvPr id="4" name="BlokTextu 3"/>
+          <p:cNvSpPr txBox="1"/>
+          <p:nvPr/>
+        </p:nvSpPr>
+        <p:spPr>
+          <a:xfrm>
+            <a:off x="984738" y="4202723"/>
+            <a:ext cx="7382022" cy="369332"/>
+          </a:xfrm>
+          <a:prstGeom prst="rect">
+            <a:avLst/>
+          </a:prstGeom>
+          <a:noFill/>
+        </p:spPr>
+        <p:txBody>
+          <a:bodyPr wrap="square" rtlCol="0">
+            <a:spAutoFit/>
+          </a:bodyPr>
+          <a:lstStyle/>
+          <a:p>
+            <a:pPr marL="285750" indent="-285750">
+              <a:buFont typeface="Arial" panose="020B0604020202020204" pitchFamily="34" charset="0"/>
+              <a:buChar char="•"/>
+            </a:pPr>
+            <a:r>
+              <a:rPr lang="sk-SK" dirty="0"/>
+              <a:t>g</a:t>
+            </a:r>
+            <a:r>
+              <a:rPr lang="sk-SK" dirty="0" smtClean="0"/>
+              <a:t>ithub.com/</a:t>
+            </a:r>
+            <a:r>
+              <a:rPr lang="sk-SK" dirty="0" err="1" smtClean="0"/>
+              <a:t>igormiktor</a:t>
+            </a:r>
+            <a:r>
+              <a:rPr lang="sk-SK" dirty="0" smtClean="0"/>
+              <a:t>/</a:t>
+            </a:r>
+            <a:r>
+              <a:rPr lang="sk-SK" b="1" dirty="0" err="1" smtClean="0"/>
+              <a:t>arduino-EventManager</a:t>
+            </a:r>
+            <a:endParaRPr lang="sk-SK" b="1" dirty="0"/>
+          </a:p>
+        </p:txBody>
+      </p:sp>
+    </p:spTree>
+    <p:extLst>
+      <p:ext uri="{BB962C8B-B14F-4D97-AF65-F5344CB8AC3E}">
+        <p14:creationId xmlns:p14="http://schemas.microsoft.com/office/powerpoint/2010/main" val="4194924989"/>
+      </p:ext>
+    </p:extLst>
+  </p:cSld>
+  <p:clrMapOvr>
+    <a:masterClrMapping/>
+  </p:clrMapOvr>
+  <p:timing>
+    <p:tnLst>
+      <p:par>
+        <p:cTn id="1" dur="indefinite" restart="never" nodeType="tmRoot"/>
+      </p:par>
+    </p:tnLst>
+  </p:timing>
+</p:sld>
+</file>
+
+<file path=ppt/slides/slide12.xml><?xml version="1.0" encoding="utf-8"?>
+<p:sld xmlns:a="http://schemas.openxmlformats.org/drawingml/2006/main" xmlns:r="http://schemas.openxmlformats.org/officeDocument/2006/relationships" xmlns:p="http://schemas.openxmlformats.org/presentationml/2006/main">
+  <p:cSld>
+    <p:spTree>
+      <p:nvGrpSpPr>
+        <p:cNvPr id="1" name=""/>
+        <p:cNvGrpSpPr/>
+        <p:nvPr/>
+      </p:nvGrpSpPr>
+      <p:grpSpPr>
+        <a:xfrm>
+          <a:off x="0" y="0"/>
+          <a:ext cx="0" cy="0"/>
+          <a:chOff x="0" y="0"/>
+          <a:chExt cx="0" cy="0"/>
+        </a:xfrm>
+      </p:grpSpPr>
+      <p:sp>
+        <p:nvSpPr>
+          <p:cNvPr id="2" name="Nadpis 1"/>
+          <p:cNvSpPr>
+            <a:spLocks noGrp="1"/>
+          </p:cNvSpPr>
+          <p:nvPr>
+            <p:ph type="title"/>
+          </p:nvPr>
+        </p:nvSpPr>
+        <p:spPr/>
+        <p:txBody>
+          <a:bodyPr/>
+          <a:lstStyle/>
+          <a:p>
+            <a:r>
+              <a:rPr lang="sk-SK" dirty="0" smtClean="0"/>
+              <a:t>Ciele práce</a:t>
+            </a:r>
+            <a:endParaRPr lang="sk-SK" dirty="0"/>
+          </a:p>
+        </p:txBody>
+      </p:sp>
+      <p:sp>
+        <p:nvSpPr>
+          <p:cNvPr id="3" name="Zástupný objekt pre obsah 2"/>
+          <p:cNvSpPr>
+            <a:spLocks noGrp="1"/>
+          </p:cNvSpPr>
+          <p:nvPr>
+            <p:ph idx="1"/>
+          </p:nvPr>
+        </p:nvSpPr>
+        <p:spPr/>
+        <p:txBody>
+          <a:bodyPr/>
+          <a:lstStyle/>
+          <a:p>
+            <a:pPr marL="457200" indent="-457200">
+              <a:buFont typeface="+mj-lt"/>
+              <a:buAutoNum type="arabicPeriod"/>
+            </a:pPr>
+            <a:r>
+              <a:rPr lang="sk-SK" dirty="0" smtClean="0"/>
+              <a:t>Preskúmať</a:t>
+            </a:r>
+            <a:r>
+              <a:rPr lang="sk-SK" dirty="0"/>
+              <a:t>, analyzovať a porovnať existujúce prístupy, softvérové aplikácie a knižnice využívané pri programovaní </a:t>
+            </a:r>
+            <a:r>
+              <a:rPr lang="sk-SK" dirty="0" err="1"/>
+              <a:t>Arduino</a:t>
+            </a:r>
+            <a:r>
+              <a:rPr lang="sk-SK" dirty="0"/>
+              <a:t> zariadení.</a:t>
+            </a:r>
+          </a:p>
+          <a:p>
+            <a:pPr marL="457200" indent="-457200">
+              <a:buFont typeface="+mj-lt"/>
+              <a:buAutoNum type="arabicPeriod"/>
+            </a:pPr>
+            <a:r>
+              <a:rPr lang="sk-SK" dirty="0" smtClean="0"/>
+              <a:t>Preskúmať </a:t>
+            </a:r>
+            <a:r>
+              <a:rPr lang="sk-SK" dirty="0"/>
+              <a:t>a analyzovať možnosti komponentového a udalosťami riadeného programovania s ohľadom na hardvérové obmedzenia </a:t>
+            </a:r>
+            <a:r>
+              <a:rPr lang="sk-SK" dirty="0" err="1"/>
+              <a:t>Arduino</a:t>
+            </a:r>
+            <a:r>
+              <a:rPr lang="sk-SK" dirty="0"/>
+              <a:t> zariadení.</a:t>
+            </a:r>
+          </a:p>
+          <a:p>
+            <a:pPr marL="457200" indent="-457200">
+              <a:buFont typeface="+mj-lt"/>
+              <a:buAutoNum type="arabicPeriod"/>
+            </a:pPr>
+            <a:r>
+              <a:rPr lang="sk-SK" dirty="0" smtClean="0"/>
+              <a:t>Vychádzajúc </a:t>
+            </a:r>
+            <a:r>
+              <a:rPr lang="sk-SK" dirty="0"/>
+              <a:t>z existujúcich </a:t>
+            </a:r>
+            <a:r>
+              <a:rPr lang="sk-SK" dirty="0" err="1"/>
+              <a:t>open-source</a:t>
+            </a:r>
+            <a:r>
+              <a:rPr lang="sk-SK" dirty="0"/>
+              <a:t> projektov a knižníc navrhnúť a implementovať </a:t>
+            </a:r>
+            <a:r>
+              <a:rPr lang="sk-SK" dirty="0" err="1"/>
+              <a:t>uživateľsky</a:t>
+            </a:r>
+            <a:r>
+              <a:rPr lang="sk-SK" dirty="0"/>
+              <a:t> prívetivé riešenie na jednoduché komponentovo-orientované a udalosťami riadené programovanie </a:t>
+            </a:r>
+            <a:r>
+              <a:rPr lang="sk-SK" dirty="0" err="1"/>
+              <a:t>Arduino</a:t>
+            </a:r>
+            <a:r>
+              <a:rPr lang="sk-SK" dirty="0"/>
+              <a:t> zariadení.</a:t>
+            </a:r>
+          </a:p>
+          <a:p>
+            <a:pPr marL="457200" indent="-457200">
+              <a:buFont typeface="+mj-lt"/>
+              <a:buAutoNum type="arabicPeriod"/>
+            </a:pPr>
+            <a:r>
+              <a:rPr lang="sk-SK" dirty="0" smtClean="0"/>
+              <a:t>Implementovať </a:t>
+            </a:r>
+            <a:r>
+              <a:rPr lang="sk-SK" dirty="0"/>
+              <a:t>vzorové komponenty využiteľné pri návrhu a implementácii </a:t>
+            </a:r>
+            <a:r>
+              <a:rPr lang="sk-SK" dirty="0" err="1"/>
+              <a:t>IoT</a:t>
+            </a:r>
+            <a:r>
+              <a:rPr lang="sk-SK" dirty="0"/>
+              <a:t> riešení.</a:t>
+            </a:r>
+          </a:p>
+        </p:txBody>
+      </p:sp>
+    </p:spTree>
+    <p:extLst>
+      <p:ext uri="{BB962C8B-B14F-4D97-AF65-F5344CB8AC3E}">
+        <p14:creationId xmlns:p14="http://schemas.microsoft.com/office/powerpoint/2010/main" val="3366293578"/>
+      </p:ext>
+    </p:extLst>
+  </p:cSld>
+  <p:clrMapOvr>
+    <a:masterClrMapping/>
+  </p:clrMapOvr>
+  <p:timing>
+    <p:tnLst>
+      <p:par>
+        <p:cTn id="1" dur="indefinite" restart="never" nodeType="tmRoot"/>
+      </p:par>
+    </p:tnLst>
+  </p:timing>
+</p:sld>
+</file>
+
+<file path=ppt/slides/slide13.xml><?xml version="1.0" encoding="utf-8"?>
+<p:sld xmlns:a="http://schemas.openxmlformats.org/drawingml/2006/main" xmlns:r="http://schemas.openxmlformats.org/officeDocument/2006/relationships" xmlns:p="http://schemas.openxmlformats.org/presentationml/2006/main">
+  <p:cSld>
+    <p:spTree>
+      <p:nvGrpSpPr>
+        <p:cNvPr id="1" name=""/>
+        <p:cNvGrpSpPr/>
+        <p:nvPr/>
+      </p:nvGrpSpPr>
+      <p:grpSpPr>
+        <a:xfrm>
+          <a:off x="0" y="0"/>
+          <a:ext cx="0" cy="0"/>
+          <a:chOff x="0" y="0"/>
+          <a:chExt cx="0" cy="0"/>
+        </a:xfrm>
+      </p:grpSpPr>
+      <p:sp>
+        <p:nvSpPr>
+          <p:cNvPr id="2" name="Nadpis 1"/>
+          <p:cNvSpPr>
+            <a:spLocks noGrp="1"/>
+          </p:cNvSpPr>
+          <p:nvPr>
+            <p:ph type="title"/>
+          </p:nvPr>
+        </p:nvSpPr>
+        <p:spPr/>
+        <p:txBody>
+          <a:bodyPr/>
+          <a:lstStyle/>
+          <a:p>
+            <a:r>
+              <a:rPr lang="sk-SK" dirty="0" smtClean="0"/>
+              <a:t>Literatúra</a:t>
+            </a:r>
+            <a:endParaRPr lang="sk-SK" dirty="0"/>
+          </a:p>
+        </p:txBody>
+      </p:sp>
+      <p:sp>
+        <p:nvSpPr>
+          <p:cNvPr id="3" name="Zástupný objekt pre obsah 2"/>
+          <p:cNvSpPr>
+            <a:spLocks noGrp="1"/>
+          </p:cNvSpPr>
+          <p:nvPr>
+            <p:ph idx="1"/>
+          </p:nvPr>
+        </p:nvSpPr>
+        <p:spPr/>
+        <p:txBody>
+          <a:bodyPr/>
+          <a:lstStyle/>
+          <a:p>
+            <a:pPr marL="457200" indent="-457200">
+              <a:buFont typeface="+mj-lt"/>
+              <a:buAutoNum type="arabicPeriod"/>
+            </a:pPr>
+            <a:r>
+              <a:rPr lang="sk-SK" dirty="0" err="1" smtClean="0"/>
+              <a:t>Doukas</a:t>
+            </a:r>
+            <a:r>
+              <a:rPr lang="sk-SK" dirty="0"/>
+              <a:t>, C. (2012) </a:t>
+            </a:r>
+            <a:r>
+              <a:rPr lang="sk-SK" b="1" dirty="0" err="1"/>
+              <a:t>Building</a:t>
+            </a:r>
+            <a:r>
+              <a:rPr lang="sk-SK" b="1" dirty="0"/>
+              <a:t> Internet of </a:t>
+            </a:r>
+            <a:r>
+              <a:rPr lang="sk-SK" b="1" dirty="0" err="1"/>
+              <a:t>Things</a:t>
+            </a:r>
+            <a:r>
+              <a:rPr lang="sk-SK" b="1" dirty="0"/>
+              <a:t> </a:t>
+            </a:r>
+            <a:r>
+              <a:rPr lang="sk-SK" b="1" dirty="0" err="1"/>
+              <a:t>with</a:t>
+            </a:r>
+            <a:r>
+              <a:rPr lang="sk-SK" b="1" dirty="0"/>
+              <a:t> </a:t>
+            </a:r>
+            <a:r>
+              <a:rPr lang="sk-SK" b="1" dirty="0" err="1"/>
+              <a:t>the</a:t>
+            </a:r>
+            <a:r>
+              <a:rPr lang="sk-SK" b="1" dirty="0"/>
+              <a:t> </a:t>
+            </a:r>
+            <a:r>
+              <a:rPr lang="sk-SK" b="1" dirty="0" err="1"/>
+              <a:t>Arduino</a:t>
+            </a:r>
+            <a:r>
+              <a:rPr lang="sk-SK" dirty="0"/>
+              <a:t>. </a:t>
+            </a:r>
+            <a:r>
+              <a:rPr lang="sk-SK" dirty="0" err="1"/>
+              <a:t>CreateSpace</a:t>
+            </a:r>
+            <a:r>
+              <a:rPr lang="sk-SK" dirty="0"/>
+              <a:t> </a:t>
+            </a:r>
+            <a:r>
+              <a:rPr lang="sk-SK" dirty="0" err="1"/>
+              <a:t>Independent</a:t>
+            </a:r>
+            <a:r>
+              <a:rPr lang="sk-SK" dirty="0"/>
+              <a:t> </a:t>
+            </a:r>
+            <a:r>
+              <a:rPr lang="sk-SK" dirty="0" err="1"/>
+              <a:t>Publishing</a:t>
+            </a:r>
+            <a:r>
+              <a:rPr lang="sk-SK" dirty="0"/>
+              <a:t> </a:t>
+            </a:r>
+            <a:r>
+              <a:rPr lang="sk-SK" dirty="0" err="1"/>
+              <a:t>Platform</a:t>
+            </a:r>
+            <a:r>
+              <a:rPr lang="sk-SK" dirty="0"/>
+              <a:t>, ISBN: 978-1470023430</a:t>
+            </a:r>
+          </a:p>
+          <a:p>
+            <a:pPr marL="457200" indent="-457200">
+              <a:buFont typeface="+mj-lt"/>
+              <a:buAutoNum type="arabicPeriod"/>
+            </a:pPr>
+            <a:r>
+              <a:rPr lang="sk-SK" dirty="0" smtClean="0"/>
+              <a:t>Schwartz</a:t>
+            </a:r>
+            <a:r>
+              <a:rPr lang="sk-SK" dirty="0"/>
+              <a:t>, M. (2016) </a:t>
+            </a:r>
+            <a:r>
+              <a:rPr lang="sk-SK" b="1" dirty="0"/>
+              <a:t>Internet of </a:t>
+            </a:r>
+            <a:r>
+              <a:rPr lang="sk-SK" b="1" dirty="0" err="1"/>
+              <a:t>Things</a:t>
+            </a:r>
+            <a:r>
+              <a:rPr lang="sk-SK" b="1" dirty="0"/>
+              <a:t> </a:t>
+            </a:r>
+            <a:r>
+              <a:rPr lang="sk-SK" b="1" dirty="0" err="1"/>
+              <a:t>with</a:t>
+            </a:r>
+            <a:r>
+              <a:rPr lang="sk-SK" b="1" dirty="0"/>
+              <a:t> </a:t>
+            </a:r>
+            <a:r>
+              <a:rPr lang="sk-SK" b="1" dirty="0" err="1"/>
+              <a:t>Arduino</a:t>
+            </a:r>
+            <a:r>
+              <a:rPr lang="sk-SK" b="1" dirty="0"/>
+              <a:t> </a:t>
+            </a:r>
+            <a:r>
+              <a:rPr lang="sk-SK" b="1" dirty="0" err="1"/>
+              <a:t>Cookbook</a:t>
+            </a:r>
+            <a:r>
+              <a:rPr lang="sk-SK" dirty="0"/>
+              <a:t>. </a:t>
+            </a:r>
+            <a:r>
+              <a:rPr lang="sk-SK" dirty="0" err="1"/>
+              <a:t>Packt</a:t>
+            </a:r>
+            <a:r>
+              <a:rPr lang="sk-SK" dirty="0"/>
+              <a:t> </a:t>
+            </a:r>
+            <a:r>
+              <a:rPr lang="sk-SK" dirty="0" err="1"/>
+              <a:t>Publishing</a:t>
+            </a:r>
+            <a:r>
+              <a:rPr lang="sk-SK" dirty="0"/>
+              <a:t>, ISBN: 978-1785286582</a:t>
+            </a:r>
+          </a:p>
+          <a:p>
+            <a:pPr marL="457200" indent="-457200">
+              <a:buFont typeface="+mj-lt"/>
+              <a:buAutoNum type="arabicPeriod"/>
+            </a:pPr>
+            <a:r>
+              <a:rPr lang="sk-SK" dirty="0" err="1" smtClean="0"/>
+              <a:t>Waher</a:t>
+            </a:r>
+            <a:r>
+              <a:rPr lang="sk-SK" dirty="0"/>
+              <a:t>, P. (2015) </a:t>
+            </a:r>
+            <a:r>
+              <a:rPr lang="sk-SK" b="1" dirty="0" err="1"/>
+              <a:t>Learning</a:t>
+            </a:r>
+            <a:r>
+              <a:rPr lang="sk-SK" b="1" dirty="0"/>
+              <a:t> Internet of </a:t>
+            </a:r>
+            <a:r>
+              <a:rPr lang="sk-SK" b="1" dirty="0" err="1"/>
+              <a:t>Things</a:t>
+            </a:r>
+            <a:r>
+              <a:rPr lang="sk-SK" dirty="0"/>
+              <a:t>. </a:t>
+            </a:r>
+            <a:r>
+              <a:rPr lang="sk-SK" dirty="0" err="1"/>
+              <a:t>Packt</a:t>
+            </a:r>
+            <a:r>
+              <a:rPr lang="sk-SK" dirty="0"/>
+              <a:t> </a:t>
+            </a:r>
+            <a:r>
+              <a:rPr lang="sk-SK" dirty="0" err="1"/>
+              <a:t>Publishing</a:t>
+            </a:r>
+            <a:r>
+              <a:rPr lang="sk-SK" dirty="0"/>
+              <a:t>, ISBN 978-1783553532.</a:t>
+            </a:r>
+          </a:p>
+        </p:txBody>
+      </p:sp>
+    </p:spTree>
+    <p:extLst>
+      <p:ext uri="{BB962C8B-B14F-4D97-AF65-F5344CB8AC3E}">
+        <p14:creationId xmlns:p14="http://schemas.microsoft.com/office/powerpoint/2010/main" val="1082607457"/>
+      </p:ext>
+    </p:extLst>
+  </p:cSld>
+  <p:clrMapOvr>
+    <a:masterClrMapping/>
+  </p:clrMapOvr>
+  <p:timing>
+    <p:tnLst>
+      <p:par>
+        <p:cTn id="1" dur="indefinite" restart="never" nodeType="tmRoot"/>
+      </p:par>
+    </p:tnLst>
+  </p:timing>
+</p:sld>
+</file>
+
+<file path=ppt/slides/slide14.xml><?xml version="1.0" encoding="utf-8"?>
+<p:sld xmlns:a="http://schemas.openxmlformats.org/drawingml/2006/main" xmlns:r="http://schemas.openxmlformats.org/officeDocument/2006/relationships" xmlns:p="http://schemas.openxmlformats.org/presentationml/2006/main">
+  <p:cSld>
+    <p:spTree>
+      <p:nvGrpSpPr>
+        <p:cNvPr id="1" name=""/>
+        <p:cNvGrpSpPr/>
+        <p:nvPr/>
+      </p:nvGrpSpPr>
+      <p:grpSpPr>
+        <a:xfrm>
+          <a:off x="0" y="0"/>
+          <a:ext cx="0" cy="0"/>
+          <a:chOff x="0" y="0"/>
+          <a:chExt cx="0" cy="0"/>
+        </a:xfrm>
+      </p:grpSpPr>
+      <p:sp>
+        <p:nvSpPr>
           <p:cNvPr id="4" name="Nadpis 3"/>
           <p:cNvSpPr>
             <a:spLocks noGrp="1"/>
@@ -4977,6 +5931,13 @@
   <p:clrMapOvr>
     <a:masterClrMapping/>
   </p:clrMapOvr>
+  <p:timing>
+    <p:tnLst>
+      <p:par>
+        <p:cTn id="1" dur="indefinite" restart="never" nodeType="tmRoot"/>
+      </p:par>
+    </p:tnLst>
+  </p:timing>
 </p:sld>
 </file>
 
@@ -5110,6 +6071,13 @@
   <p:clrMapOvr>
     <a:masterClrMapping/>
   </p:clrMapOvr>
+  <p:timing>
+    <p:tnLst>
+      <p:par>
+        <p:cTn id="1" dur="indefinite" restart="never" nodeType="tmRoot"/>
+      </p:par>
+    </p:tnLst>
+  </p:timing>
 </p:sld>
 </file>
 
@@ -6192,10 +7160,111 @@
   <p:clrMapOvr>
     <a:masterClrMapping/>
   </p:clrMapOvr>
+  <p:timing>
+    <p:tnLst>
+      <p:par>
+        <p:cTn id="1" dur="indefinite" restart="never" nodeType="tmRoot"/>
+      </p:par>
+    </p:tnLst>
+  </p:timing>
 </p:sld>
 </file>
 
 <file path=ppt/slides/slide4.xml><?xml version="1.0" encoding="utf-8"?>
+<p:sld xmlns:a="http://schemas.openxmlformats.org/drawingml/2006/main" xmlns:r="http://schemas.openxmlformats.org/officeDocument/2006/relationships" xmlns:p="http://schemas.openxmlformats.org/presentationml/2006/main">
+  <p:cSld>
+    <p:spTree>
+      <p:nvGrpSpPr>
+        <p:cNvPr id="1" name=""/>
+        <p:cNvGrpSpPr/>
+        <p:nvPr/>
+      </p:nvGrpSpPr>
+      <p:grpSpPr>
+        <a:xfrm>
+          <a:off x="0" y="0"/>
+          <a:ext cx="0" cy="0"/>
+          <a:chOff x="0" y="0"/>
+          <a:chExt cx="0" cy="0"/>
+        </a:xfrm>
+      </p:grpSpPr>
+      <p:sp>
+        <p:nvSpPr>
+          <p:cNvPr id="4" name="Nadpis 3"/>
+          <p:cNvSpPr>
+            <a:spLocks noGrp="1"/>
+          </p:cNvSpPr>
+          <p:nvPr>
+            <p:ph type="title"/>
+          </p:nvPr>
+        </p:nvSpPr>
+        <p:spPr/>
+        <p:txBody>
+          <a:bodyPr/>
+          <a:lstStyle/>
+          <a:p>
+            <a:r>
+              <a:rPr lang="sk-SK" dirty="0" smtClean="0"/>
+              <a:t>Demo projekt</a:t>
+            </a:r>
+            <a:endParaRPr lang="sk-SK" dirty="0"/>
+          </a:p>
+        </p:txBody>
+      </p:sp>
+      <p:sp>
+        <p:nvSpPr>
+          <p:cNvPr id="2" name="BlokTextu 1"/>
+          <p:cNvSpPr txBox="1"/>
+          <p:nvPr/>
+        </p:nvSpPr>
+        <p:spPr>
+          <a:xfrm>
+            <a:off x="1081454" y="3481755"/>
+            <a:ext cx="7464670" cy="369332"/>
+          </a:xfrm>
+          <a:prstGeom prst="rect">
+            <a:avLst/>
+          </a:prstGeom>
+          <a:noFill/>
+        </p:spPr>
+        <p:txBody>
+          <a:bodyPr wrap="square" rtlCol="0">
+            <a:spAutoFit/>
+          </a:bodyPr>
+          <a:lstStyle/>
+          <a:p>
+            <a:r>
+              <a:rPr lang="sk-SK" dirty="0" err="1" smtClean="0"/>
+              <a:t>Schema</a:t>
+            </a:r>
+            <a:r>
+              <a:rPr lang="sk-SK" dirty="0" smtClean="0"/>
+              <a:t> projektu</a:t>
+            </a:r>
+            <a:endParaRPr lang="sk-SK" dirty="0"/>
+          </a:p>
+        </p:txBody>
+      </p:sp>
+    </p:spTree>
+    <p:extLst>
+      <p:ext uri="{BB962C8B-B14F-4D97-AF65-F5344CB8AC3E}">
+        <p14:creationId xmlns:p14="http://schemas.microsoft.com/office/powerpoint/2010/main" val="1495961778"/>
+      </p:ext>
+    </p:extLst>
+  </p:cSld>
+  <p:clrMapOvr>
+    <a:masterClrMapping/>
+  </p:clrMapOvr>
+  <p:timing>
+    <p:tnLst>
+      <p:par>
+        <p:cTn id="1" dur="indefinite" restart="never" nodeType="tmRoot"/>
+      </p:par>
+    </p:tnLst>
+  </p:timing>
+</p:sld>
+</file>
+
+<file path=ppt/slides/slide5.xml><?xml version="1.0" encoding="utf-8"?>
 <p:sld xmlns:a="http://schemas.openxmlformats.org/drawingml/2006/main" xmlns:r="http://schemas.openxmlformats.org/officeDocument/2006/relationships" xmlns:p="http://schemas.openxmlformats.org/presentationml/2006/main">
   <p:cSld>
     <p:spTree>
@@ -7621,17 +8690,24 @@
     </p:spTree>
     <p:extLst>
       <p:ext uri="{BB962C8B-B14F-4D97-AF65-F5344CB8AC3E}">
-        <p14:creationId xmlns:p14="http://schemas.microsoft.com/office/powerpoint/2010/main" val="1495961778"/>
+        <p14:creationId xmlns:p14="http://schemas.microsoft.com/office/powerpoint/2010/main" val="136372637"/>
       </p:ext>
     </p:extLst>
   </p:cSld>
   <p:clrMapOvr>
     <a:masterClrMapping/>
   </p:clrMapOvr>
+  <p:timing>
+    <p:tnLst>
+      <p:par>
+        <p:cTn id="1" dur="indefinite" restart="never" nodeType="tmRoot"/>
+      </p:par>
+    </p:tnLst>
+  </p:timing>
 </p:sld>
 </file>
 
-<file path=ppt/slides/slide5.xml><?xml version="1.0" encoding="utf-8"?>
+<file path=ppt/slides/slide6.xml><?xml version="1.0" encoding="utf-8"?>
 <p:sld xmlns:a="http://schemas.openxmlformats.org/drawingml/2006/main" xmlns:r="http://schemas.openxmlformats.org/officeDocument/2006/relationships" xmlns:p="http://schemas.openxmlformats.org/presentationml/2006/main">
   <p:cSld>
     <p:spTree>
@@ -7712,39 +8788,9 @@
             <a:endParaRPr lang="sk-SK" b="1" dirty="0" smtClean="0"/>
           </a:p>
           <a:p>
-            <a:r>
-              <a:rPr lang="sk-SK" b="1" dirty="0" err="1" smtClean="0">
-                <a:solidFill>
-                  <a:srgbClr val="FF0000"/>
-                </a:solidFill>
-              </a:rPr>
-              <a:t>delay</a:t>
-            </a:r>
-            <a:r>
-              <a:rPr lang="sk-SK" b="1" dirty="0" smtClean="0">
-                <a:solidFill>
-                  <a:srgbClr val="FF0000"/>
-                </a:solidFill>
-              </a:rPr>
-              <a:t>(1000)</a:t>
-            </a:r>
-            <a:br>
-              <a:rPr lang="sk-SK" b="1" dirty="0" smtClean="0">
-                <a:solidFill>
-                  <a:srgbClr val="FF0000"/>
-                </a:solidFill>
-              </a:rPr>
-            </a:br>
-            <a:r>
-              <a:rPr lang="sk-SK" dirty="0" smtClean="0">
-                <a:solidFill>
-                  <a:srgbClr val="FF0000"/>
-                </a:solidFill>
-              </a:rPr>
-              <a:t>program je uspatý na 1 sekundu a neprijíma žiadne stlačenia.</a:t>
-            </a:r>
-          </a:p>
-          <a:p>
+            <a:pPr marL="0" indent="0">
+              <a:buNone/>
+            </a:pPr>
             <a:endParaRPr lang="sk-SK" dirty="0"/>
           </a:p>
         </p:txBody>
@@ -8437,10 +9483,833 @@
   <p:clrMapOvr>
     <a:masterClrMapping/>
   </p:clrMapOvr>
+  <p:timing>
+    <p:tnLst>
+      <p:par>
+        <p:cTn id="1" dur="indefinite" restart="never" nodeType="tmRoot"/>
+      </p:par>
+    </p:tnLst>
+  </p:timing>
 </p:sld>
 </file>
 
-<file path=ppt/slides/slide6.xml><?xml version="1.0" encoding="utf-8"?>
+<file path=ppt/slides/slide7.xml><?xml version="1.0" encoding="utf-8"?>
+<p:sld xmlns:a="http://schemas.openxmlformats.org/drawingml/2006/main" xmlns:r="http://schemas.openxmlformats.org/officeDocument/2006/relationships" xmlns:p="http://schemas.openxmlformats.org/presentationml/2006/main">
+  <p:cSld>
+    <p:spTree>
+      <p:nvGrpSpPr>
+        <p:cNvPr id="1" name=""/>
+        <p:cNvGrpSpPr/>
+        <p:nvPr/>
+      </p:nvGrpSpPr>
+      <p:grpSpPr>
+        <a:xfrm>
+          <a:off x="0" y="0"/>
+          <a:ext cx="0" cy="0"/>
+          <a:chOff x="0" y="0"/>
+          <a:chExt cx="0" cy="0"/>
+        </a:xfrm>
+      </p:grpSpPr>
+      <p:sp>
+        <p:nvSpPr>
+          <p:cNvPr id="2" name="Nadpis 1"/>
+          <p:cNvSpPr>
+            <a:spLocks noGrp="1"/>
+          </p:cNvSpPr>
+          <p:nvPr>
+            <p:ph type="title"/>
+          </p:nvPr>
+        </p:nvSpPr>
+        <p:spPr/>
+        <p:txBody>
+          <a:bodyPr/>
+          <a:lstStyle/>
+          <a:p>
+            <a:r>
+              <a:rPr lang="sk-SK" dirty="0" smtClean="0"/>
+              <a:t>Problém?</a:t>
+            </a:r>
+            <a:endParaRPr lang="sk-SK" dirty="0"/>
+          </a:p>
+        </p:txBody>
+      </p:sp>
+      <p:sp>
+        <p:nvSpPr>
+          <p:cNvPr id="3" name="Zástupný objekt pre obsah 2"/>
+          <p:cNvSpPr>
+            <a:spLocks noGrp="1"/>
+          </p:cNvSpPr>
+          <p:nvPr>
+            <p:ph idx="1"/>
+          </p:nvPr>
+        </p:nvSpPr>
+        <p:spPr>
+          <a:xfrm>
+            <a:off x="822957" y="1845734"/>
+            <a:ext cx="7543801" cy="4023360"/>
+          </a:xfrm>
+        </p:spPr>
+        <p:txBody>
+          <a:bodyPr/>
+          <a:lstStyle/>
+          <a:p>
+            <a:r>
+              <a:rPr lang="sk-SK" dirty="0" smtClean="0"/>
+              <a:t>Po stlačení tlačidla sa nič nedeje.</a:t>
+            </a:r>
+          </a:p>
+          <a:p>
+            <a:endParaRPr lang="sk-SK" dirty="0"/>
+          </a:p>
+          <a:p>
+            <a:endParaRPr lang="sk-SK" dirty="0" smtClean="0"/>
+          </a:p>
+          <a:p>
+            <a:endParaRPr lang="sk-SK" dirty="0"/>
+          </a:p>
+          <a:p>
+            <a:endParaRPr lang="sk-SK" dirty="0" smtClean="0"/>
+          </a:p>
+          <a:p>
+            <a:endParaRPr lang="sk-SK" b="1" dirty="0" smtClean="0"/>
+          </a:p>
+          <a:p>
+            <a:r>
+              <a:rPr lang="sk-SK" b="1" dirty="0" err="1" smtClean="0">
+                <a:solidFill>
+                  <a:srgbClr val="FF0000"/>
+                </a:solidFill>
+              </a:rPr>
+              <a:t>delay</a:t>
+            </a:r>
+            <a:r>
+              <a:rPr lang="sk-SK" b="1" dirty="0" smtClean="0">
+                <a:solidFill>
+                  <a:srgbClr val="FF0000"/>
+                </a:solidFill>
+              </a:rPr>
+              <a:t>(1000)</a:t>
+            </a:r>
+            <a:br>
+              <a:rPr lang="sk-SK" b="1" dirty="0" smtClean="0">
+                <a:solidFill>
+                  <a:srgbClr val="FF0000"/>
+                </a:solidFill>
+              </a:rPr>
+            </a:br>
+            <a:r>
+              <a:rPr lang="sk-SK" dirty="0" smtClean="0">
+                <a:solidFill>
+                  <a:srgbClr val="FF0000"/>
+                </a:solidFill>
+              </a:rPr>
+              <a:t>program je uspatý na 1 sekundu a neprijíma žiadne stlačenia.</a:t>
+            </a:r>
+          </a:p>
+          <a:p>
+            <a:endParaRPr lang="sk-SK" dirty="0"/>
+          </a:p>
+        </p:txBody>
+      </p:sp>
+      <p:sp>
+        <p:nvSpPr>
+          <p:cNvPr id="4" name="Rectangle 1"/>
+          <p:cNvSpPr>
+            <a:spLocks noChangeArrowheads="1"/>
+          </p:cNvSpPr>
+          <p:nvPr/>
+        </p:nvSpPr>
+        <p:spPr bwMode="auto">
+          <a:xfrm>
+            <a:off x="990010" y="2437531"/>
+            <a:ext cx="7209693" cy="1815882"/>
+          </a:xfrm>
+          <a:prstGeom prst="rect">
+            <a:avLst/>
+          </a:prstGeom>
+          <a:solidFill>
+            <a:srgbClr val="FFFFFF"/>
+          </a:solidFill>
+          <a:ln>
+            <a:noFill/>
+          </a:ln>
+          <a:effectLst/>
+          <a:extLst>
+            <a:ext uri="{91240B29-F687-4F45-9708-019B960494DF}">
+              <a14:hiddenLine xmlns:a14="http://schemas.microsoft.com/office/drawing/2010/main" w="9525">
+                <a:solidFill>
+                  <a:schemeClr val="tx1"/>
+                </a:solidFill>
+                <a:miter lim="800000"/>
+                <a:headEnd/>
+                <a:tailEnd/>
+              </a14:hiddenLine>
+            </a:ext>
+            <a:ext uri="{AF507438-7753-43E0-B8FC-AC1667EBCBE1}">
+              <a14:hiddenEffects xmlns:a14="http://schemas.microsoft.com/office/drawing/2010/main">
+                <a:effectLst>
+                  <a:outerShdw dist="35921" dir="2700000" algn="ctr" rotWithShape="0">
+                    <a:schemeClr val="bg2"/>
+                  </a:outerShdw>
+                </a:effectLst>
+              </a14:hiddenEffects>
+            </a:ext>
+          </a:extLst>
+        </p:spPr>
+        <p:txBody>
+          <a:bodyPr vert="horz" wrap="square" lIns="91440" tIns="45720" rIns="91440" bIns="45720" numCol="1" anchor="ctr" anchorCtr="0" compatLnSpc="1">
+            <a:prstTxWarp prst="textNoShape">
+              <a:avLst/>
+            </a:prstTxWarp>
+            <a:spAutoFit/>
+          </a:bodyPr>
+          <a:lstStyle/>
+          <a:p>
+            <a:pPr marL="0" marR="0" lvl="0" indent="0" algn="l" defTabSz="914400" rtl="0" eaLnBrk="0" fontAlgn="base" latinLnBrk="0" hangingPunct="0">
+              <a:lnSpc>
+                <a:spcPct val="100000"/>
+              </a:lnSpc>
+              <a:spcBef>
+                <a:spcPct val="0"/>
+              </a:spcBef>
+              <a:spcAft>
+                <a:spcPct val="0"/>
+              </a:spcAft>
+              <a:buClrTx/>
+              <a:buSzTx/>
+              <a:buFontTx/>
+              <a:buNone/>
+              <a:tabLst/>
+            </a:pPr>
+            <a:r>
+              <a:rPr kumimoji="0" lang="sk-SK" altLang="sk-SK" sz="1400" b="0" i="0" u="none" strike="noStrike" cap="none" normalizeH="0" baseline="0" dirty="0" smtClean="0">
+                <a:ln>
+                  <a:noFill/>
+                </a:ln>
+                <a:solidFill>
+                  <a:srgbClr val="000000"/>
+                </a:solidFill>
+                <a:effectLst/>
+                <a:latin typeface="Courier New" panose="02070309020205020404" pitchFamily="49" charset="0"/>
+                <a:cs typeface="Courier New" panose="02070309020205020404" pitchFamily="49" charset="0"/>
+              </a:rPr>
+              <a:t>    </a:t>
+            </a:r>
+            <a:r>
+              <a:rPr kumimoji="0" lang="sk-SK" altLang="sk-SK" sz="1400" b="1" i="0" u="none" strike="noStrike" cap="none" normalizeH="0" baseline="0" dirty="0" err="1" smtClean="0">
+                <a:ln>
+                  <a:noFill/>
+                </a:ln>
+                <a:solidFill>
+                  <a:srgbClr val="000080"/>
+                </a:solidFill>
+                <a:effectLst/>
+                <a:latin typeface="Courier New" panose="02070309020205020404" pitchFamily="49" charset="0"/>
+                <a:cs typeface="Courier New" panose="02070309020205020404" pitchFamily="49" charset="0"/>
+              </a:rPr>
+              <a:t>if</a:t>
+            </a:r>
+            <a:r>
+              <a:rPr kumimoji="0" lang="sk-SK" altLang="sk-SK" sz="1400" b="0" i="0" u="none" strike="noStrike" cap="none" normalizeH="0" baseline="0" dirty="0" smtClean="0">
+                <a:ln>
+                  <a:noFill/>
+                </a:ln>
+                <a:solidFill>
+                  <a:srgbClr val="000000"/>
+                </a:solidFill>
+                <a:effectLst/>
+                <a:latin typeface="Courier New" panose="02070309020205020404" pitchFamily="49" charset="0"/>
+                <a:cs typeface="Courier New" panose="02070309020205020404" pitchFamily="49" charset="0"/>
+              </a:rPr>
+              <a:t>(</a:t>
+            </a:r>
+            <a:r>
+              <a:rPr kumimoji="0" lang="sk-SK" altLang="sk-SK" sz="1400" b="0" i="0" u="none" strike="noStrike" cap="none" normalizeH="0" baseline="0" dirty="0" err="1" smtClean="0">
+                <a:ln>
+                  <a:noFill/>
+                </a:ln>
+                <a:solidFill>
+                  <a:srgbClr val="000000"/>
+                </a:solidFill>
+                <a:effectLst/>
+                <a:latin typeface="Courier New" panose="02070309020205020404" pitchFamily="49" charset="0"/>
+                <a:cs typeface="Courier New" panose="02070309020205020404" pitchFamily="49" charset="0"/>
+              </a:rPr>
+              <a:t>buttonState</a:t>
+            </a:r>
+            <a:r>
+              <a:rPr kumimoji="0" lang="sk-SK" altLang="sk-SK" sz="1400" b="0" i="0" u="none" strike="noStrike" cap="none" normalizeH="0" baseline="0" dirty="0" smtClean="0">
+                <a:ln>
+                  <a:noFill/>
+                </a:ln>
+                <a:solidFill>
+                  <a:srgbClr val="000000"/>
+                </a:solidFill>
+                <a:effectLst/>
+                <a:latin typeface="Courier New" panose="02070309020205020404" pitchFamily="49" charset="0"/>
+                <a:cs typeface="Courier New" panose="02070309020205020404" pitchFamily="49" charset="0"/>
+              </a:rPr>
+              <a:t> == </a:t>
+            </a:r>
+            <a:r>
+              <a:rPr kumimoji="0" lang="sk-SK" altLang="sk-SK" sz="1400" b="0" i="0" u="none" strike="noStrike" cap="none" normalizeH="0" baseline="0" dirty="0" smtClean="0">
+                <a:ln>
+                  <a:noFill/>
+                </a:ln>
+                <a:solidFill>
+                  <a:srgbClr val="0000FF"/>
+                </a:solidFill>
+                <a:effectLst/>
+                <a:latin typeface="Courier New" panose="02070309020205020404" pitchFamily="49" charset="0"/>
+                <a:cs typeface="Courier New" panose="02070309020205020404" pitchFamily="49" charset="0"/>
+              </a:rPr>
+              <a:t>0</a:t>
+            </a:r>
+            <a:r>
+              <a:rPr kumimoji="0" lang="sk-SK" altLang="sk-SK" sz="1400" b="0" i="0" u="none" strike="noStrike" cap="none" normalizeH="0" baseline="0" dirty="0" smtClean="0">
+                <a:ln>
+                  <a:noFill/>
+                </a:ln>
+                <a:solidFill>
+                  <a:srgbClr val="000000"/>
+                </a:solidFill>
+                <a:effectLst/>
+                <a:latin typeface="Courier New" panose="02070309020205020404" pitchFamily="49" charset="0"/>
+                <a:cs typeface="Courier New" panose="02070309020205020404" pitchFamily="49" charset="0"/>
+              </a:rPr>
+              <a:t>) {</a:t>
+            </a:r>
+            <a:br>
+              <a:rPr kumimoji="0" lang="sk-SK" altLang="sk-SK" sz="1400" b="0" i="0" u="none" strike="noStrike" cap="none" normalizeH="0" baseline="0" dirty="0" smtClean="0">
+                <a:ln>
+                  <a:noFill/>
+                </a:ln>
+                <a:solidFill>
+                  <a:srgbClr val="000000"/>
+                </a:solidFill>
+                <a:effectLst/>
+                <a:latin typeface="Courier New" panose="02070309020205020404" pitchFamily="49" charset="0"/>
+                <a:cs typeface="Courier New" panose="02070309020205020404" pitchFamily="49" charset="0"/>
+              </a:rPr>
+            </a:br>
+            <a:r>
+              <a:rPr kumimoji="0" lang="sk-SK" altLang="sk-SK" sz="1400" b="0" i="0" u="none" strike="noStrike" cap="none" normalizeH="0" baseline="0" dirty="0" smtClean="0">
+                <a:ln>
+                  <a:noFill/>
+                </a:ln>
+                <a:solidFill>
+                  <a:srgbClr val="000000"/>
+                </a:solidFill>
+                <a:effectLst/>
+                <a:latin typeface="Courier New" panose="02070309020205020404" pitchFamily="49" charset="0"/>
+                <a:cs typeface="Courier New" panose="02070309020205020404" pitchFamily="49" charset="0"/>
+              </a:rPr>
+              <a:t>        </a:t>
+            </a:r>
+            <a:r>
+              <a:rPr kumimoji="0" lang="sk-SK" altLang="sk-SK" sz="1400" b="0" i="0" u="none" strike="noStrike" cap="none" normalizeH="0" baseline="0" dirty="0" err="1" smtClean="0">
+                <a:ln>
+                  <a:noFill/>
+                </a:ln>
+                <a:solidFill>
+                  <a:srgbClr val="000000"/>
+                </a:solidFill>
+                <a:effectLst/>
+                <a:latin typeface="Courier New" panose="02070309020205020404" pitchFamily="49" charset="0"/>
+                <a:cs typeface="Courier New" panose="02070309020205020404" pitchFamily="49" charset="0"/>
+              </a:rPr>
+              <a:t>digitalWrite</a:t>
+            </a:r>
+            <a:r>
+              <a:rPr kumimoji="0" lang="sk-SK" altLang="sk-SK" sz="1400" b="0" i="0" u="none" strike="noStrike" cap="none" normalizeH="0" baseline="0" dirty="0" smtClean="0">
+                <a:ln>
+                  <a:noFill/>
+                </a:ln>
+                <a:solidFill>
+                  <a:srgbClr val="000000"/>
+                </a:solidFill>
+                <a:effectLst/>
+                <a:latin typeface="Courier New" panose="02070309020205020404" pitchFamily="49" charset="0"/>
+                <a:cs typeface="Courier New" panose="02070309020205020404" pitchFamily="49" charset="0"/>
+              </a:rPr>
+              <a:t>(</a:t>
+            </a:r>
+            <a:r>
+              <a:rPr kumimoji="0" lang="sk-SK" altLang="sk-SK" sz="1400" b="0" i="0" u="none" strike="noStrike" cap="none" normalizeH="0" baseline="0" dirty="0" err="1" smtClean="0">
+                <a:ln>
+                  <a:noFill/>
+                </a:ln>
+                <a:solidFill>
+                  <a:srgbClr val="000000"/>
+                </a:solidFill>
+                <a:effectLst/>
+                <a:latin typeface="Courier New" panose="02070309020205020404" pitchFamily="49" charset="0"/>
+                <a:cs typeface="Courier New" panose="02070309020205020404" pitchFamily="49" charset="0"/>
+              </a:rPr>
+              <a:t>ledPin</a:t>
+            </a:r>
+            <a:r>
+              <a:rPr kumimoji="0" lang="sk-SK" altLang="sk-SK" sz="1400" b="0" i="0" u="none" strike="noStrike" cap="none" normalizeH="0" baseline="0" dirty="0" smtClean="0">
+                <a:ln>
+                  <a:noFill/>
+                </a:ln>
+                <a:solidFill>
+                  <a:srgbClr val="000000"/>
+                </a:solidFill>
+                <a:effectLst/>
+                <a:latin typeface="Courier New" panose="02070309020205020404" pitchFamily="49" charset="0"/>
+                <a:cs typeface="Courier New" panose="02070309020205020404" pitchFamily="49" charset="0"/>
+              </a:rPr>
+              <a:t>, HIGH);</a:t>
+            </a:r>
+            <a:br>
+              <a:rPr kumimoji="0" lang="sk-SK" altLang="sk-SK" sz="1400" b="0" i="0" u="none" strike="noStrike" cap="none" normalizeH="0" baseline="0" dirty="0" smtClean="0">
+                <a:ln>
+                  <a:noFill/>
+                </a:ln>
+                <a:solidFill>
+                  <a:srgbClr val="000000"/>
+                </a:solidFill>
+                <a:effectLst/>
+                <a:latin typeface="Courier New" panose="02070309020205020404" pitchFamily="49" charset="0"/>
+                <a:cs typeface="Courier New" panose="02070309020205020404" pitchFamily="49" charset="0"/>
+              </a:rPr>
+            </a:br>
+            <a:r>
+              <a:rPr kumimoji="0" lang="sk-SK" altLang="sk-SK" sz="1400" b="0" i="0" u="none" strike="noStrike" cap="none" normalizeH="0" baseline="0" dirty="0" smtClean="0">
+                <a:ln>
+                  <a:noFill/>
+                </a:ln>
+                <a:solidFill>
+                  <a:srgbClr val="000000"/>
+                </a:solidFill>
+                <a:effectLst/>
+                <a:latin typeface="Courier New" panose="02070309020205020404" pitchFamily="49" charset="0"/>
+                <a:cs typeface="Courier New" panose="02070309020205020404" pitchFamily="49" charset="0"/>
+              </a:rPr>
+              <a:t>    }</a:t>
+            </a:r>
+            <a:br>
+              <a:rPr kumimoji="0" lang="sk-SK" altLang="sk-SK" sz="1400" b="0" i="0" u="none" strike="noStrike" cap="none" normalizeH="0" baseline="0" dirty="0" smtClean="0">
+                <a:ln>
+                  <a:noFill/>
+                </a:ln>
+                <a:solidFill>
+                  <a:srgbClr val="000000"/>
+                </a:solidFill>
+                <a:effectLst/>
+                <a:latin typeface="Courier New" panose="02070309020205020404" pitchFamily="49" charset="0"/>
+                <a:cs typeface="Courier New" panose="02070309020205020404" pitchFamily="49" charset="0"/>
+              </a:rPr>
+            </a:br>
+            <a:r>
+              <a:rPr kumimoji="0" lang="sk-SK" altLang="sk-SK" sz="1400" b="0" i="0" u="none" strike="noStrike" cap="none" normalizeH="0" baseline="0" dirty="0" smtClean="0">
+                <a:ln>
+                  <a:noFill/>
+                </a:ln>
+                <a:solidFill>
+                  <a:srgbClr val="000000"/>
+                </a:solidFill>
+                <a:effectLst/>
+                <a:latin typeface="Courier New" panose="02070309020205020404" pitchFamily="49" charset="0"/>
+                <a:cs typeface="Courier New" panose="02070309020205020404" pitchFamily="49" charset="0"/>
+              </a:rPr>
+              <a:t>    </a:t>
+            </a:r>
+            <a:r>
+              <a:rPr kumimoji="0" lang="sk-SK" altLang="sk-SK" sz="1400" b="0" i="0" u="none" strike="noStrike" cap="none" normalizeH="0" baseline="0" dirty="0" err="1" smtClean="0">
+                <a:ln>
+                  <a:noFill/>
+                </a:ln>
+                <a:solidFill>
+                  <a:srgbClr val="000000"/>
+                </a:solidFill>
+                <a:effectLst/>
+                <a:latin typeface="Courier New" panose="02070309020205020404" pitchFamily="49" charset="0"/>
+                <a:cs typeface="Courier New" panose="02070309020205020404" pitchFamily="49" charset="0"/>
+              </a:rPr>
+              <a:t>delay</a:t>
+            </a:r>
+            <a:r>
+              <a:rPr kumimoji="0" lang="sk-SK" altLang="sk-SK" sz="1400" b="0" i="0" u="none" strike="noStrike" cap="none" normalizeH="0" baseline="0" dirty="0" smtClean="0">
+                <a:ln>
+                  <a:noFill/>
+                </a:ln>
+                <a:solidFill>
+                  <a:srgbClr val="000000"/>
+                </a:solidFill>
+                <a:effectLst/>
+                <a:latin typeface="Courier New" panose="02070309020205020404" pitchFamily="49" charset="0"/>
+                <a:cs typeface="Courier New" panose="02070309020205020404" pitchFamily="49" charset="0"/>
+              </a:rPr>
+              <a:t>(</a:t>
+            </a:r>
+            <a:r>
+              <a:rPr kumimoji="0" lang="sk-SK" altLang="sk-SK" sz="1400" b="0" i="0" u="none" strike="noStrike" cap="none" normalizeH="0" baseline="0" dirty="0" smtClean="0">
+                <a:ln>
+                  <a:noFill/>
+                </a:ln>
+                <a:solidFill>
+                  <a:srgbClr val="0000FF"/>
+                </a:solidFill>
+                <a:effectLst/>
+                <a:latin typeface="Courier New" panose="02070309020205020404" pitchFamily="49" charset="0"/>
+                <a:cs typeface="Courier New" panose="02070309020205020404" pitchFamily="49" charset="0"/>
+              </a:rPr>
+              <a:t>1000</a:t>
+            </a:r>
+            <a:r>
+              <a:rPr kumimoji="0" lang="sk-SK" altLang="sk-SK" sz="1400" b="0" i="0" u="none" strike="noStrike" cap="none" normalizeH="0" baseline="0" dirty="0" smtClean="0">
+                <a:ln>
+                  <a:noFill/>
+                </a:ln>
+                <a:solidFill>
+                  <a:srgbClr val="000000"/>
+                </a:solidFill>
+                <a:effectLst/>
+                <a:latin typeface="Courier New" panose="02070309020205020404" pitchFamily="49" charset="0"/>
+                <a:cs typeface="Courier New" panose="02070309020205020404" pitchFamily="49" charset="0"/>
+              </a:rPr>
+              <a:t>);</a:t>
+            </a:r>
+            <a:br>
+              <a:rPr kumimoji="0" lang="sk-SK" altLang="sk-SK" sz="1400" b="0" i="0" u="none" strike="noStrike" cap="none" normalizeH="0" baseline="0" dirty="0" smtClean="0">
+                <a:ln>
+                  <a:noFill/>
+                </a:ln>
+                <a:solidFill>
+                  <a:srgbClr val="000000"/>
+                </a:solidFill>
+                <a:effectLst/>
+                <a:latin typeface="Courier New" panose="02070309020205020404" pitchFamily="49" charset="0"/>
+                <a:cs typeface="Courier New" panose="02070309020205020404" pitchFamily="49" charset="0"/>
+              </a:rPr>
+            </a:br>
+            <a:r>
+              <a:rPr kumimoji="0" lang="sk-SK" altLang="sk-SK" sz="1400" b="0" i="0" u="none" strike="noStrike" cap="none" normalizeH="0" baseline="0" dirty="0" smtClean="0">
+                <a:ln>
+                  <a:noFill/>
+                </a:ln>
+                <a:solidFill>
+                  <a:srgbClr val="000000"/>
+                </a:solidFill>
+                <a:effectLst/>
+                <a:latin typeface="Courier New" panose="02070309020205020404" pitchFamily="49" charset="0"/>
+                <a:cs typeface="Courier New" panose="02070309020205020404" pitchFamily="49" charset="0"/>
+              </a:rPr>
+              <a:t>    </a:t>
+            </a:r>
+            <a:r>
+              <a:rPr kumimoji="0" lang="sk-SK" altLang="sk-SK" sz="1400" b="0" i="0" u="none" strike="noStrike" cap="none" normalizeH="0" baseline="0" dirty="0" err="1" smtClean="0">
+                <a:ln>
+                  <a:noFill/>
+                </a:ln>
+                <a:solidFill>
+                  <a:srgbClr val="000000"/>
+                </a:solidFill>
+                <a:effectLst/>
+                <a:latin typeface="Courier New" panose="02070309020205020404" pitchFamily="49" charset="0"/>
+                <a:cs typeface="Courier New" panose="02070309020205020404" pitchFamily="49" charset="0"/>
+              </a:rPr>
+              <a:t>digitalWrite</a:t>
+            </a:r>
+            <a:r>
+              <a:rPr kumimoji="0" lang="sk-SK" altLang="sk-SK" sz="1400" b="0" i="0" u="none" strike="noStrike" cap="none" normalizeH="0" baseline="0" dirty="0" smtClean="0">
+                <a:ln>
+                  <a:noFill/>
+                </a:ln>
+                <a:solidFill>
+                  <a:srgbClr val="000000"/>
+                </a:solidFill>
+                <a:effectLst/>
+                <a:latin typeface="Courier New" panose="02070309020205020404" pitchFamily="49" charset="0"/>
+                <a:cs typeface="Courier New" panose="02070309020205020404" pitchFamily="49" charset="0"/>
+              </a:rPr>
+              <a:t>(</a:t>
+            </a:r>
+            <a:r>
+              <a:rPr kumimoji="0" lang="sk-SK" altLang="sk-SK" sz="1400" b="0" i="0" u="none" strike="noStrike" cap="none" normalizeH="0" baseline="0" dirty="0" err="1" smtClean="0">
+                <a:ln>
+                  <a:noFill/>
+                </a:ln>
+                <a:solidFill>
+                  <a:srgbClr val="000000"/>
+                </a:solidFill>
+                <a:effectLst/>
+                <a:latin typeface="Courier New" panose="02070309020205020404" pitchFamily="49" charset="0"/>
+                <a:cs typeface="Courier New" panose="02070309020205020404" pitchFamily="49" charset="0"/>
+              </a:rPr>
+              <a:t>ledPin</a:t>
+            </a:r>
+            <a:r>
+              <a:rPr kumimoji="0" lang="sk-SK" altLang="sk-SK" sz="1400" b="0" i="0" u="none" strike="noStrike" cap="none" normalizeH="0" baseline="0" dirty="0" smtClean="0">
+                <a:ln>
+                  <a:noFill/>
+                </a:ln>
+                <a:solidFill>
+                  <a:srgbClr val="000000"/>
+                </a:solidFill>
+                <a:effectLst/>
+                <a:latin typeface="Courier New" panose="02070309020205020404" pitchFamily="49" charset="0"/>
+                <a:cs typeface="Courier New" panose="02070309020205020404" pitchFamily="49" charset="0"/>
+              </a:rPr>
+              <a:t>, LOW);</a:t>
+            </a:r>
+            <a:br>
+              <a:rPr kumimoji="0" lang="sk-SK" altLang="sk-SK" sz="1400" b="0" i="0" u="none" strike="noStrike" cap="none" normalizeH="0" baseline="0" dirty="0" smtClean="0">
+                <a:ln>
+                  <a:noFill/>
+                </a:ln>
+                <a:solidFill>
+                  <a:srgbClr val="000000"/>
+                </a:solidFill>
+                <a:effectLst/>
+                <a:latin typeface="Courier New" panose="02070309020205020404" pitchFamily="49" charset="0"/>
+                <a:cs typeface="Courier New" panose="02070309020205020404" pitchFamily="49" charset="0"/>
+              </a:rPr>
+            </a:br>
+            <a:r>
+              <a:rPr kumimoji="0" lang="sk-SK" altLang="sk-SK" sz="1400" b="0" i="0" u="none" strike="noStrike" cap="none" normalizeH="0" baseline="0" dirty="0" smtClean="0">
+                <a:ln>
+                  <a:noFill/>
+                </a:ln>
+                <a:solidFill>
+                  <a:srgbClr val="000000"/>
+                </a:solidFill>
+                <a:effectLst/>
+                <a:latin typeface="Courier New" panose="02070309020205020404" pitchFamily="49" charset="0"/>
+                <a:cs typeface="Courier New" panose="02070309020205020404" pitchFamily="49" charset="0"/>
+              </a:rPr>
+              <a:t>    </a:t>
+            </a:r>
+            <a:r>
+              <a:rPr kumimoji="0" lang="sk-SK" altLang="sk-SK" sz="1400" b="0" i="0" u="none" strike="noStrike" cap="none" normalizeH="0" baseline="0" dirty="0" err="1" smtClean="0">
+                <a:ln>
+                  <a:noFill/>
+                </a:ln>
+                <a:solidFill>
+                  <a:srgbClr val="000000"/>
+                </a:solidFill>
+                <a:effectLst/>
+                <a:latin typeface="Courier New" panose="02070309020205020404" pitchFamily="49" charset="0"/>
+                <a:cs typeface="Courier New" panose="02070309020205020404" pitchFamily="49" charset="0"/>
+              </a:rPr>
+              <a:t>delay</a:t>
+            </a:r>
+            <a:r>
+              <a:rPr kumimoji="0" lang="sk-SK" altLang="sk-SK" sz="1400" b="0" i="0" u="none" strike="noStrike" cap="none" normalizeH="0" baseline="0" dirty="0" smtClean="0">
+                <a:ln>
+                  <a:noFill/>
+                </a:ln>
+                <a:solidFill>
+                  <a:srgbClr val="000000"/>
+                </a:solidFill>
+                <a:effectLst/>
+                <a:latin typeface="Courier New" panose="02070309020205020404" pitchFamily="49" charset="0"/>
+                <a:cs typeface="Courier New" panose="02070309020205020404" pitchFamily="49" charset="0"/>
+              </a:rPr>
+              <a:t>(</a:t>
+            </a:r>
+            <a:r>
+              <a:rPr kumimoji="0" lang="sk-SK" altLang="sk-SK" sz="1400" b="0" i="0" u="none" strike="noStrike" cap="none" normalizeH="0" baseline="0" dirty="0" smtClean="0">
+                <a:ln>
+                  <a:noFill/>
+                </a:ln>
+                <a:solidFill>
+                  <a:srgbClr val="0000FF"/>
+                </a:solidFill>
+                <a:effectLst/>
+                <a:latin typeface="Courier New" panose="02070309020205020404" pitchFamily="49" charset="0"/>
+                <a:cs typeface="Courier New" panose="02070309020205020404" pitchFamily="49" charset="0"/>
+              </a:rPr>
+              <a:t>1000</a:t>
+            </a:r>
+            <a:r>
+              <a:rPr kumimoji="0" lang="sk-SK" altLang="sk-SK" sz="1400" b="0" i="0" u="none" strike="noStrike" cap="none" normalizeH="0" baseline="0" dirty="0" smtClean="0">
+                <a:ln>
+                  <a:noFill/>
+                </a:ln>
+                <a:solidFill>
+                  <a:srgbClr val="000000"/>
+                </a:solidFill>
+                <a:effectLst/>
+                <a:latin typeface="Courier New" panose="02070309020205020404" pitchFamily="49" charset="0"/>
+                <a:cs typeface="Courier New" panose="02070309020205020404" pitchFamily="49" charset="0"/>
+              </a:rPr>
+              <a:t>);</a:t>
+            </a:r>
+            <a:br>
+              <a:rPr kumimoji="0" lang="sk-SK" altLang="sk-SK" sz="1400" b="0" i="0" u="none" strike="noStrike" cap="none" normalizeH="0" baseline="0" dirty="0" smtClean="0">
+                <a:ln>
+                  <a:noFill/>
+                </a:ln>
+                <a:solidFill>
+                  <a:srgbClr val="000000"/>
+                </a:solidFill>
+                <a:effectLst/>
+                <a:latin typeface="Courier New" panose="02070309020205020404" pitchFamily="49" charset="0"/>
+                <a:cs typeface="Courier New" panose="02070309020205020404" pitchFamily="49" charset="0"/>
+              </a:rPr>
+            </a:br>
+            <a:r>
+              <a:rPr kumimoji="0" lang="sk-SK" altLang="sk-SK" sz="1400" b="0" i="0" u="none" strike="noStrike" cap="none" normalizeH="0" baseline="0" dirty="0" smtClean="0">
+                <a:ln>
+                  <a:noFill/>
+                </a:ln>
+                <a:solidFill>
+                  <a:srgbClr val="000000"/>
+                </a:solidFill>
+                <a:effectLst/>
+                <a:latin typeface="Courier New" panose="02070309020205020404" pitchFamily="49" charset="0"/>
+                <a:cs typeface="Courier New" panose="02070309020205020404" pitchFamily="49" charset="0"/>
+              </a:rPr>
+              <a:t/>
+            </a:r>
+            <a:br>
+              <a:rPr kumimoji="0" lang="sk-SK" altLang="sk-SK" sz="1400" b="0" i="0" u="none" strike="noStrike" cap="none" normalizeH="0" baseline="0" dirty="0" smtClean="0">
+                <a:ln>
+                  <a:noFill/>
+                </a:ln>
+                <a:solidFill>
+                  <a:srgbClr val="000000"/>
+                </a:solidFill>
+                <a:effectLst/>
+                <a:latin typeface="Courier New" panose="02070309020205020404" pitchFamily="49" charset="0"/>
+                <a:cs typeface="Courier New" panose="02070309020205020404" pitchFamily="49" charset="0"/>
+              </a:rPr>
+            </a:br>
+            <a:r>
+              <a:rPr kumimoji="0" lang="sk-SK" altLang="sk-SK" sz="1400" b="0" i="0" u="none" strike="noStrike" cap="none" normalizeH="0" baseline="0" dirty="0" smtClean="0">
+                <a:ln>
+                  <a:noFill/>
+                </a:ln>
+                <a:solidFill>
+                  <a:srgbClr val="000000"/>
+                </a:solidFill>
+                <a:effectLst/>
+                <a:latin typeface="Courier New" panose="02070309020205020404" pitchFamily="49" charset="0"/>
+                <a:cs typeface="Courier New" panose="02070309020205020404" pitchFamily="49" charset="0"/>
+              </a:rPr>
+              <a:t>    </a:t>
+            </a:r>
+            <a:r>
+              <a:rPr kumimoji="0" lang="sk-SK" altLang="sk-SK" sz="1400" b="0" i="0" u="none" strike="noStrike" cap="none" normalizeH="0" baseline="0" dirty="0" err="1" smtClean="0">
+                <a:ln>
+                  <a:noFill/>
+                </a:ln>
+                <a:solidFill>
+                  <a:srgbClr val="000000"/>
+                </a:solidFill>
+                <a:effectLst/>
+                <a:latin typeface="Courier New" panose="02070309020205020404" pitchFamily="49" charset="0"/>
+                <a:cs typeface="Courier New" panose="02070309020205020404" pitchFamily="49" charset="0"/>
+              </a:rPr>
+              <a:t>buttonState</a:t>
+            </a:r>
+            <a:r>
+              <a:rPr kumimoji="0" lang="sk-SK" altLang="sk-SK" sz="1400" b="0" i="0" u="none" strike="noStrike" cap="none" normalizeH="0" baseline="0" dirty="0" smtClean="0">
+                <a:ln>
+                  <a:noFill/>
+                </a:ln>
+                <a:solidFill>
+                  <a:srgbClr val="000000"/>
+                </a:solidFill>
+                <a:effectLst/>
+                <a:latin typeface="Courier New" panose="02070309020205020404" pitchFamily="49" charset="0"/>
+                <a:cs typeface="Courier New" panose="02070309020205020404" pitchFamily="49" charset="0"/>
+              </a:rPr>
+              <a:t> = </a:t>
+            </a:r>
+            <a:r>
+              <a:rPr kumimoji="0" lang="sk-SK" altLang="sk-SK" sz="1400" b="0" i="0" u="none" strike="noStrike" cap="none" normalizeH="0" baseline="0" dirty="0" err="1" smtClean="0">
+                <a:ln>
+                  <a:noFill/>
+                </a:ln>
+                <a:solidFill>
+                  <a:srgbClr val="000000"/>
+                </a:solidFill>
+                <a:effectLst/>
+                <a:latin typeface="Courier New" panose="02070309020205020404" pitchFamily="49" charset="0"/>
+                <a:cs typeface="Courier New" panose="02070309020205020404" pitchFamily="49" charset="0"/>
+              </a:rPr>
+              <a:t>digitalRead</a:t>
+            </a:r>
+            <a:r>
+              <a:rPr kumimoji="0" lang="sk-SK" altLang="sk-SK" sz="1400" b="0" i="0" u="none" strike="noStrike" cap="none" normalizeH="0" baseline="0" dirty="0" smtClean="0">
+                <a:ln>
+                  <a:noFill/>
+                </a:ln>
+                <a:solidFill>
+                  <a:srgbClr val="000000"/>
+                </a:solidFill>
+                <a:effectLst/>
+                <a:latin typeface="Courier New" panose="02070309020205020404" pitchFamily="49" charset="0"/>
+                <a:cs typeface="Courier New" panose="02070309020205020404" pitchFamily="49" charset="0"/>
+              </a:rPr>
+              <a:t>(</a:t>
+            </a:r>
+            <a:r>
+              <a:rPr kumimoji="0" lang="sk-SK" altLang="sk-SK" sz="1400" b="0" i="0" u="none" strike="noStrike" cap="none" normalizeH="0" baseline="0" dirty="0" err="1" smtClean="0">
+                <a:ln>
+                  <a:noFill/>
+                </a:ln>
+                <a:solidFill>
+                  <a:srgbClr val="000000"/>
+                </a:solidFill>
+                <a:effectLst/>
+                <a:latin typeface="Courier New" panose="02070309020205020404" pitchFamily="49" charset="0"/>
+                <a:cs typeface="Courier New" panose="02070309020205020404" pitchFamily="49" charset="0"/>
+              </a:rPr>
+              <a:t>buttonPin</a:t>
+            </a:r>
+            <a:r>
+              <a:rPr kumimoji="0" lang="sk-SK" altLang="sk-SK" sz="1400" b="0" i="0" u="none" strike="noStrike" cap="none" normalizeH="0" baseline="0" dirty="0" smtClean="0">
+                <a:ln>
+                  <a:noFill/>
+                </a:ln>
+                <a:solidFill>
+                  <a:srgbClr val="000000"/>
+                </a:solidFill>
+                <a:effectLst/>
+                <a:latin typeface="Courier New" panose="02070309020205020404" pitchFamily="49" charset="0"/>
+                <a:cs typeface="Courier New" panose="02070309020205020404" pitchFamily="49" charset="0"/>
+              </a:rPr>
+              <a:t>);</a:t>
+            </a:r>
+            <a:endParaRPr kumimoji="0" lang="sk-SK" altLang="sk-SK" sz="1400" b="0" i="0" u="none" strike="noStrike" cap="none" normalizeH="0" baseline="0" dirty="0" smtClean="0">
+              <a:ln>
+                <a:noFill/>
+              </a:ln>
+              <a:solidFill>
+                <a:schemeClr val="tx1"/>
+              </a:solidFill>
+              <a:effectLst/>
+              <a:latin typeface="Arial" panose="020B0604020202020204" pitchFamily="34" charset="0"/>
+            </a:endParaRPr>
+          </a:p>
+        </p:txBody>
+      </p:sp>
+    </p:spTree>
+    <p:extLst>
+      <p:ext uri="{BB962C8B-B14F-4D97-AF65-F5344CB8AC3E}">
+        <p14:creationId xmlns:p14="http://schemas.microsoft.com/office/powerpoint/2010/main" val="791358256"/>
+      </p:ext>
+    </p:extLst>
+  </p:cSld>
+  <p:clrMapOvr>
+    <a:masterClrMapping/>
+  </p:clrMapOvr>
+  <p:timing>
+    <p:tnLst>
+      <p:par>
+        <p:cTn id="1" dur="indefinite" restart="never" nodeType="tmRoot"/>
+      </p:par>
+    </p:tnLst>
+  </p:timing>
+</p:sld>
+</file>
+
+<file path=ppt/slides/slide8.xml><?xml version="1.0" encoding="utf-8"?>
 <p:sld xmlns:a="http://schemas.openxmlformats.org/drawingml/2006/main" xmlns:r="http://schemas.openxmlformats.org/officeDocument/2006/relationships" xmlns:p="http://schemas.openxmlformats.org/presentationml/2006/main">
   <p:cSld>
     <p:spTree>
@@ -8518,7 +10387,7 @@
 </p:sld>
 </file>
 
-<file path=ppt/slides/slide7.xml><?xml version="1.0" encoding="utf-8"?>
+<file path=ppt/slides/slide9.xml><?xml version="1.0" encoding="utf-8"?>
 <p:sld xmlns:a="http://schemas.openxmlformats.org/drawingml/2006/main" xmlns:r="http://schemas.openxmlformats.org/officeDocument/2006/relationships" xmlns:p="http://schemas.openxmlformats.org/presentationml/2006/main">
   <p:cSld>
     <p:spTree>
@@ -8535,540 +10404,9 @@
           <a:chExt cx="0" cy="0"/>
         </a:xfrm>
       </p:grpSpPr>
-      <p:sp>
-        <p:nvSpPr>
-          <p:cNvPr id="2" name="Nadpis 1"/>
-          <p:cNvSpPr>
-            <a:spLocks noGrp="1"/>
-          </p:cNvSpPr>
-          <p:nvPr>
-            <p:ph type="title"/>
-          </p:nvPr>
-        </p:nvSpPr>
-        <p:spPr/>
-        <p:txBody>
-          <a:bodyPr/>
-          <a:lstStyle/>
-          <a:p>
-            <a:r>
-              <a:rPr lang="sk-SK" dirty="0" smtClean="0"/>
-              <a:t>Naša vízia (komponenty)</a:t>
-            </a:r>
-            <a:endParaRPr lang="sk-SK" dirty="0"/>
-          </a:p>
-        </p:txBody>
-      </p:sp>
-      <p:sp>
-        <p:nvSpPr>
-          <p:cNvPr id="6" name="Obdĺžnik s dvoma protiľahlými odstrihnutými rohmi 5"/>
-          <p:cNvSpPr/>
-          <p:nvPr/>
-        </p:nvSpPr>
-        <p:spPr>
-          <a:xfrm>
-            <a:off x="1002323" y="2062024"/>
-            <a:ext cx="2734407" cy="2694613"/>
-          </a:xfrm>
-          <a:prstGeom prst="snip2DiagRect">
-            <a:avLst/>
-          </a:prstGeom>
-          <a:solidFill>
-            <a:schemeClr val="accent4">
-              <a:alpha val="50000"/>
-            </a:schemeClr>
-          </a:solidFill>
-          <a:ln>
-            <a:noFill/>
-          </a:ln>
-        </p:spPr>
-        <p:style>
-          <a:lnRef idx="0">
-            <a:scrgbClr r="0" g="0" b="0"/>
-          </a:lnRef>
-          <a:fillRef idx="0">
-            <a:scrgbClr r="0" g="0" b="0"/>
-          </a:fillRef>
-          <a:effectRef idx="0">
-            <a:scrgbClr r="0" g="0" b="0"/>
-          </a:effectRef>
-          <a:fontRef idx="minor">
-            <a:schemeClr val="lt1"/>
-          </a:fontRef>
-        </p:style>
-        <p:txBody>
-          <a:bodyPr rtlCol="0" anchor="ctr"/>
-          <a:lstStyle/>
-          <a:p>
-            <a:pPr algn="ctr"/>
-            <a:endParaRPr lang="sk-SK"/>
-          </a:p>
-        </p:txBody>
-      </p:sp>
-      <p:sp>
-        <p:nvSpPr>
-          <p:cNvPr id="7" name="BlokTextu 6"/>
-          <p:cNvSpPr txBox="1"/>
-          <p:nvPr/>
-        </p:nvSpPr>
-        <p:spPr>
-          <a:xfrm>
-            <a:off x="1169377" y="2171701"/>
-            <a:ext cx="1720279" cy="646331"/>
-          </a:xfrm>
-          <a:prstGeom prst="rect">
-            <a:avLst/>
-          </a:prstGeom>
-          <a:noFill/>
-        </p:spPr>
-        <p:txBody>
-          <a:bodyPr wrap="none" rtlCol="0">
-            <a:spAutoFit/>
-          </a:bodyPr>
-          <a:lstStyle/>
-          <a:p>
-            <a:r>
-              <a:rPr lang="sk-SK" sz="3600" b="1" dirty="0"/>
-              <a:t>Č</a:t>
-            </a:r>
-            <a:r>
-              <a:rPr lang="sk-SK" sz="3600" b="1" dirty="0" smtClean="0"/>
-              <a:t>asovač</a:t>
-            </a:r>
-            <a:endParaRPr lang="sk-SK" sz="3600" b="1" dirty="0"/>
-          </a:p>
-        </p:txBody>
-      </p:sp>
-      <p:sp>
-        <p:nvSpPr>
-          <p:cNvPr id="8" name="BlokTextu 7"/>
-          <p:cNvSpPr txBox="1"/>
-          <p:nvPr/>
-        </p:nvSpPr>
-        <p:spPr>
-          <a:xfrm>
-            <a:off x="1080746" y="2927709"/>
-            <a:ext cx="2593980" cy="1338828"/>
-          </a:xfrm>
-          <a:prstGeom prst="rect">
-            <a:avLst/>
-          </a:prstGeom>
-          <a:noFill/>
-        </p:spPr>
-        <p:txBody>
-          <a:bodyPr wrap="none" rtlCol="0">
-            <a:spAutoFit/>
-          </a:bodyPr>
-          <a:lstStyle/>
-          <a:p>
-            <a:pPr>
-              <a:lnSpc>
-                <a:spcPct val="150000"/>
-              </a:lnSpc>
-            </a:pPr>
-            <a:r>
-              <a:rPr lang="sk-SK" dirty="0" smtClean="0"/>
-              <a:t>Názov:		</a:t>
-            </a:r>
-            <a:r>
-              <a:rPr lang="sk-SK" b="1" dirty="0" err="1" smtClean="0"/>
-              <a:t>blinkTimer</a:t>
-            </a:r>
-            <a:endParaRPr lang="sk-SK" b="1" dirty="0" smtClean="0"/>
-          </a:p>
-          <a:p>
-            <a:pPr>
-              <a:lnSpc>
-                <a:spcPct val="150000"/>
-              </a:lnSpc>
-            </a:pPr>
-            <a:r>
-              <a:rPr lang="sk-SK" dirty="0" smtClean="0"/>
-              <a:t>Interval:		</a:t>
-            </a:r>
-            <a:r>
-              <a:rPr lang="sk-SK" b="1" dirty="0" smtClean="0"/>
-              <a:t>1000</a:t>
-            </a:r>
-          </a:p>
-          <a:p>
-            <a:pPr>
-              <a:lnSpc>
-                <a:spcPct val="150000"/>
-              </a:lnSpc>
-            </a:pPr>
-            <a:r>
-              <a:rPr lang="sk-SK" dirty="0" err="1" smtClean="0"/>
-              <a:t>OnTick</a:t>
-            </a:r>
-            <a:r>
-              <a:rPr lang="sk-SK" dirty="0" smtClean="0"/>
-              <a:t>:		</a:t>
-            </a:r>
-            <a:r>
-              <a:rPr lang="sk-SK" b="1" dirty="0" err="1" smtClean="0"/>
-              <a:t>onBlink</a:t>
-            </a:r>
-            <a:r>
-              <a:rPr lang="sk-SK" b="1" dirty="0" smtClean="0"/>
-              <a:t>()</a:t>
-            </a:r>
-            <a:endParaRPr lang="sk-SK" b="1" dirty="0"/>
-          </a:p>
-        </p:txBody>
-      </p:sp>
-      <p:sp>
-        <p:nvSpPr>
-          <p:cNvPr id="9" name="Obdĺžnik s dvoma protiľahlými odstrihnutými rohmi 8"/>
-          <p:cNvSpPr/>
-          <p:nvPr/>
-        </p:nvSpPr>
-        <p:spPr>
-          <a:xfrm>
-            <a:off x="4594860" y="2062024"/>
-            <a:ext cx="2734407" cy="2204513"/>
-          </a:xfrm>
-          <a:prstGeom prst="snip2DiagRect">
-            <a:avLst/>
-          </a:prstGeom>
-          <a:solidFill>
-            <a:schemeClr val="accent4">
-              <a:alpha val="50000"/>
-            </a:schemeClr>
-          </a:solidFill>
-          <a:ln>
-            <a:noFill/>
-          </a:ln>
-        </p:spPr>
-        <p:style>
-          <a:lnRef idx="0">
-            <a:scrgbClr r="0" g="0" b="0"/>
-          </a:lnRef>
-          <a:fillRef idx="0">
-            <a:scrgbClr r="0" g="0" b="0"/>
-          </a:fillRef>
-          <a:effectRef idx="0">
-            <a:scrgbClr r="0" g="0" b="0"/>
-          </a:effectRef>
-          <a:fontRef idx="minor">
-            <a:schemeClr val="lt1"/>
-          </a:fontRef>
-        </p:style>
-        <p:txBody>
-          <a:bodyPr rtlCol="0" anchor="ctr"/>
-          <a:lstStyle/>
-          <a:p>
-            <a:pPr algn="ctr"/>
-            <a:endParaRPr lang="sk-SK"/>
-          </a:p>
-        </p:txBody>
-      </p:sp>
-      <p:sp>
-        <p:nvSpPr>
-          <p:cNvPr id="10" name="BlokTextu 9"/>
-          <p:cNvSpPr txBox="1"/>
-          <p:nvPr/>
-        </p:nvSpPr>
-        <p:spPr>
-          <a:xfrm>
-            <a:off x="4761914" y="2171701"/>
-            <a:ext cx="1853008" cy="646331"/>
-          </a:xfrm>
-          <a:prstGeom prst="rect">
-            <a:avLst/>
-          </a:prstGeom>
-          <a:noFill/>
-        </p:spPr>
-        <p:txBody>
-          <a:bodyPr wrap="none" rtlCol="0">
-            <a:spAutoFit/>
-          </a:bodyPr>
-          <a:lstStyle/>
-          <a:p>
-            <a:r>
-              <a:rPr lang="sk-SK" sz="3600" b="1" dirty="0" smtClean="0"/>
-              <a:t>Prepínač</a:t>
-            </a:r>
-            <a:endParaRPr lang="sk-SK" sz="3600" b="1" dirty="0"/>
-          </a:p>
-        </p:txBody>
-      </p:sp>
-      <p:sp>
-        <p:nvSpPr>
-          <p:cNvPr id="11" name="BlokTextu 10"/>
-          <p:cNvSpPr txBox="1"/>
-          <p:nvPr/>
-        </p:nvSpPr>
-        <p:spPr>
-          <a:xfrm>
-            <a:off x="4673283" y="2927709"/>
-            <a:ext cx="1864613" cy="923330"/>
-          </a:xfrm>
-          <a:prstGeom prst="rect">
-            <a:avLst/>
-          </a:prstGeom>
-          <a:noFill/>
-        </p:spPr>
-        <p:txBody>
-          <a:bodyPr wrap="none" rtlCol="0">
-            <a:spAutoFit/>
-          </a:bodyPr>
-          <a:lstStyle/>
-          <a:p>
-            <a:pPr>
-              <a:lnSpc>
-                <a:spcPct val="150000"/>
-              </a:lnSpc>
-            </a:pPr>
-            <a:r>
-              <a:rPr lang="sk-SK" dirty="0" smtClean="0"/>
-              <a:t>Názov:		</a:t>
-            </a:r>
-            <a:r>
-              <a:rPr lang="sk-SK" b="1" dirty="0" err="1" smtClean="0"/>
-              <a:t>led</a:t>
-            </a:r>
-            <a:endParaRPr lang="sk-SK" b="1" dirty="0" smtClean="0"/>
-          </a:p>
-          <a:p>
-            <a:pPr>
-              <a:lnSpc>
-                <a:spcPct val="150000"/>
-              </a:lnSpc>
-            </a:pPr>
-            <a:r>
-              <a:rPr lang="sk-SK" dirty="0" err="1" smtClean="0"/>
-              <a:t>Pin</a:t>
-            </a:r>
-            <a:r>
-              <a:rPr lang="sk-SK" dirty="0" smtClean="0"/>
-              <a:t>:			</a:t>
-            </a:r>
-            <a:r>
-              <a:rPr lang="sk-SK" b="1" dirty="0" smtClean="0"/>
-              <a:t>13</a:t>
-            </a:r>
-            <a:endParaRPr lang="sk-SK" b="1" dirty="0"/>
-          </a:p>
-        </p:txBody>
-      </p:sp>
-      <p:sp>
-        <p:nvSpPr>
-          <p:cNvPr id="13" name="BlokTextu 12"/>
-          <p:cNvSpPr txBox="1"/>
-          <p:nvPr/>
-        </p:nvSpPr>
-        <p:spPr>
-          <a:xfrm>
-            <a:off x="4826977" y="4756637"/>
-            <a:ext cx="3727938" cy="923330"/>
-          </a:xfrm>
-          <a:prstGeom prst="rect">
-            <a:avLst/>
-          </a:prstGeom>
-          <a:noFill/>
-        </p:spPr>
-        <p:txBody>
-          <a:bodyPr wrap="square" rtlCol="0">
-            <a:spAutoFit/>
-          </a:bodyPr>
-          <a:lstStyle/>
-          <a:p>
-            <a:r>
-              <a:rPr lang="sk-SK" dirty="0" err="1">
-                <a:solidFill>
-                  <a:srgbClr val="A71D5D"/>
-                </a:solidFill>
-                <a:latin typeface="Consolas" panose="020B0609020204030204" pitchFamily="49" charset="0"/>
-              </a:rPr>
-              <a:t>void</a:t>
-            </a:r>
-            <a:r>
-              <a:rPr lang="sk-SK" dirty="0">
-                <a:solidFill>
-                  <a:srgbClr val="333333"/>
-                </a:solidFill>
-                <a:latin typeface="Consolas" panose="020B0609020204030204" pitchFamily="49" charset="0"/>
-              </a:rPr>
-              <a:t> </a:t>
-            </a:r>
-            <a:r>
-              <a:rPr lang="sk-SK" dirty="0" err="1">
-                <a:solidFill>
-                  <a:srgbClr val="795DA3"/>
-                </a:solidFill>
-                <a:latin typeface="Consolas" panose="020B0609020204030204" pitchFamily="49" charset="0"/>
-              </a:rPr>
-              <a:t>onBlink</a:t>
-            </a:r>
-            <a:r>
-              <a:rPr lang="sk-SK" dirty="0">
-                <a:solidFill>
-                  <a:srgbClr val="333333"/>
-                </a:solidFill>
-                <a:latin typeface="Consolas" panose="020B0609020204030204" pitchFamily="49" charset="0"/>
-              </a:rPr>
-              <a:t>() {</a:t>
-            </a:r>
-          </a:p>
-          <a:p>
-            <a:r>
-              <a:rPr lang="sk-SK" dirty="0" smtClean="0">
-                <a:solidFill>
-                  <a:srgbClr val="333333"/>
-                </a:solidFill>
-                <a:latin typeface="Consolas" panose="020B0609020204030204" pitchFamily="49" charset="0"/>
-              </a:rPr>
-              <a:t>	</a:t>
-            </a:r>
-            <a:r>
-              <a:rPr lang="sk-SK" dirty="0" err="1" smtClean="0">
-                <a:solidFill>
-                  <a:srgbClr val="333333"/>
-                </a:solidFill>
-                <a:latin typeface="Consolas" panose="020B0609020204030204" pitchFamily="49" charset="0"/>
-              </a:rPr>
-              <a:t>led.</a:t>
-            </a:r>
-            <a:r>
-              <a:rPr lang="sk-SK" dirty="0" err="1" smtClean="0">
-                <a:solidFill>
-                  <a:srgbClr val="0086B3"/>
-                </a:solidFill>
-                <a:latin typeface="Consolas" panose="020B0609020204030204" pitchFamily="49" charset="0"/>
-              </a:rPr>
-              <a:t>revert</a:t>
-            </a:r>
-            <a:r>
-              <a:rPr lang="sk-SK" dirty="0">
-                <a:solidFill>
-                  <a:srgbClr val="333333"/>
-                </a:solidFill>
-                <a:latin typeface="Consolas" panose="020B0609020204030204" pitchFamily="49" charset="0"/>
-              </a:rPr>
-              <a:t>();</a:t>
-            </a:r>
-          </a:p>
-          <a:p>
-            <a:r>
-              <a:rPr lang="sk-SK" dirty="0" smtClean="0">
-                <a:solidFill>
-                  <a:srgbClr val="333333"/>
-                </a:solidFill>
-                <a:latin typeface="Consolas" panose="020B0609020204030204" pitchFamily="49" charset="0"/>
-              </a:rPr>
-              <a:t>}</a:t>
-            </a:r>
-            <a:endParaRPr lang="sk-SK" dirty="0">
-              <a:solidFill>
-                <a:srgbClr val="333333"/>
-              </a:solidFill>
-              <a:latin typeface="Consolas" panose="020B0609020204030204" pitchFamily="49" charset="0"/>
-            </a:endParaRPr>
-          </a:p>
-        </p:txBody>
-      </p:sp>
-    </p:spTree>
-    <p:extLst>
-      <p:ext uri="{BB962C8B-B14F-4D97-AF65-F5344CB8AC3E}">
-        <p14:creationId xmlns:p14="http://schemas.microsoft.com/office/powerpoint/2010/main" val="895722038"/>
-      </p:ext>
-    </p:extLst>
-  </p:cSld>
-  <p:clrMapOvr>
-    <a:masterClrMapping/>
-  </p:clrMapOvr>
-  <p:timing>
-    <p:tnLst>
-      <p:par>
-        <p:cTn id="1" dur="indefinite" restart="never" nodeType="tmRoot"/>
-      </p:par>
-    </p:tnLst>
-  </p:timing>
-</p:sld>
-</file>
-
-<file path=ppt/slides/slide8.xml><?xml version="1.0" encoding="utf-8"?>
-<p:sld xmlns:a="http://schemas.openxmlformats.org/drawingml/2006/main" xmlns:r="http://schemas.openxmlformats.org/officeDocument/2006/relationships" xmlns:p="http://schemas.openxmlformats.org/presentationml/2006/main">
-  <p:cSld>
-    <p:spTree>
-      <p:nvGrpSpPr>
-        <p:cNvPr id="1" name=""/>
-        <p:cNvGrpSpPr/>
-        <p:nvPr/>
-      </p:nvGrpSpPr>
-      <p:grpSpPr>
-        <a:xfrm>
-          <a:off x="0" y="0"/>
-          <a:ext cx="0" cy="0"/>
-          <a:chOff x="0" y="0"/>
-          <a:chExt cx="0" cy="0"/>
-        </a:xfrm>
-      </p:grpSpPr>
-      <p:sp>
-        <p:nvSpPr>
-          <p:cNvPr id="2" name="Nadpis 1"/>
-          <p:cNvSpPr>
-            <a:spLocks noGrp="1"/>
-          </p:cNvSpPr>
-          <p:nvPr>
-            <p:ph type="title"/>
-          </p:nvPr>
-        </p:nvSpPr>
-        <p:spPr/>
-        <p:txBody>
-          <a:bodyPr/>
-          <a:lstStyle/>
-          <a:p>
-            <a:r>
-              <a:rPr lang="sk-SK" dirty="0" smtClean="0"/>
-              <a:t>Podobné riešenia</a:t>
-            </a:r>
-            <a:endParaRPr lang="sk-SK" dirty="0"/>
-          </a:p>
-        </p:txBody>
-      </p:sp>
       <p:pic>
         <p:nvPicPr>
-          <p:cNvPr id="6146" name="Picture 2" descr="https://i.ytimg.com/vi/4PoYotGZ-I8/maxresdefault.jpg"/>
-          <p:cNvPicPr>
-            <a:picLocks noChangeAspect="1" noChangeArrowheads="1"/>
-          </p:cNvPicPr>
-          <p:nvPr/>
-        </p:nvPicPr>
-        <p:blipFill rotWithShape="1">
-          <a:blip r:embed="rId2">
-            <a:extLst>
-              <a:ext uri="{28A0092B-C50C-407E-A947-70E740481C1C}">
-                <a14:useLocalDpi xmlns:a14="http://schemas.microsoft.com/office/drawing/2010/main" val="0"/>
-              </a:ext>
-            </a:extLst>
-          </a:blip>
-          <a:srcRect r="30378" b="53865"/>
-          <a:stretch/>
-        </p:blipFill>
-        <p:spPr bwMode="auto">
-          <a:xfrm>
-            <a:off x="1386499" y="2200082"/>
-            <a:ext cx="4231787" cy="1577339"/>
-          </a:xfrm>
-          <a:prstGeom prst="rect">
-            <a:avLst/>
-          </a:prstGeom>
-          <a:noFill/>
-          <a:extLst>
-            <a:ext uri="{909E8E84-426E-40DD-AFC4-6F175D3DCCD1}">
-              <a14:hiddenFill xmlns:a14="http://schemas.microsoft.com/office/drawing/2010/main">
-                <a:solidFill>
-                  <a:srgbClr val="FFFFFF"/>
-                </a:solidFill>
-              </a14:hiddenFill>
-            </a:ext>
-          </a:extLst>
-        </p:spPr>
-      </p:pic>
-      <p:pic>
-        <p:nvPicPr>
-          <p:cNvPr id="6148" name="Picture 4" descr="http://www.state-machine.com/img/logo_qm256.jpg"/>
+          <p:cNvPr id="7170" name="Picture 2" descr="https://developer.android.com/studio/images/hero_image_studio_2-2_2x.png"/>
           <p:cNvPicPr>
             <a:picLocks noChangeAspect="1" noChangeArrowheads="1"/>
           </p:cNvPicPr>
@@ -9089,8 +10427,8 @@
         </p:blipFill>
         <p:spPr bwMode="auto">
           <a:xfrm>
-            <a:off x="6251331" y="2200082"/>
-            <a:ext cx="1574068" cy="1574068"/>
+            <a:off x="-81817" y="19050"/>
+            <a:ext cx="9144000" cy="6838950"/>
           </a:xfrm>
           <a:prstGeom prst="rect">
             <a:avLst/>
@@ -9109,14 +10447,1409 @@
       </p:pic>
       <p:sp>
         <p:nvSpPr>
+          <p:cNvPr id="2" name="Rectangle 1"/>
+          <p:cNvSpPr>
+            <a:spLocks noChangeArrowheads="1"/>
+          </p:cNvSpPr>
+          <p:nvPr/>
+        </p:nvSpPr>
+        <p:spPr bwMode="auto">
+          <a:xfrm>
+            <a:off x="1283678" y="695589"/>
+            <a:ext cx="6295292" cy="4278094"/>
+          </a:xfrm>
+          <a:prstGeom prst="rect">
+            <a:avLst/>
+          </a:prstGeom>
+          <a:solidFill>
+            <a:srgbClr val="FFFFFF"/>
+          </a:solidFill>
+          <a:ln>
+            <a:noFill/>
+          </a:ln>
+          <a:effectLst/>
+          <a:extLst>
+            <a:ext uri="{91240B29-F687-4F45-9708-019B960494DF}">
+              <a14:hiddenLine xmlns:a14="http://schemas.microsoft.com/office/drawing/2010/main" w="9525">
+                <a:solidFill>
+                  <a:schemeClr val="tx1"/>
+                </a:solidFill>
+                <a:miter lim="800000"/>
+                <a:headEnd/>
+                <a:tailEnd/>
+              </a14:hiddenLine>
+            </a:ext>
+            <a:ext uri="{AF507438-7753-43E0-B8FC-AC1667EBCBE1}">
+              <a14:hiddenEffects xmlns:a14="http://schemas.microsoft.com/office/drawing/2010/main">
+                <a:effectLst>
+                  <a:outerShdw dist="35921" dir="2700000" algn="ctr" rotWithShape="0">
+                    <a:schemeClr val="bg2"/>
+                  </a:outerShdw>
+                </a:effectLst>
+              </a14:hiddenEffects>
+            </a:ext>
+          </a:extLst>
+        </p:spPr>
+        <p:txBody>
+          <a:bodyPr vert="horz" wrap="square" lIns="91440" tIns="45720" rIns="91440" bIns="45720" numCol="1" anchor="ctr" anchorCtr="0" compatLnSpc="1">
+            <a:prstTxWarp prst="textNoShape">
+              <a:avLst/>
+            </a:prstTxWarp>
+            <a:spAutoFit/>
+          </a:bodyPr>
+          <a:lstStyle/>
+          <a:p>
+            <a:pPr marL="0" marR="0" lvl="0" indent="0" algn="l" defTabSz="914400" rtl="0" eaLnBrk="0" fontAlgn="base" latinLnBrk="0" hangingPunct="0">
+              <a:lnSpc>
+                <a:spcPct val="100000"/>
+              </a:lnSpc>
+              <a:spcBef>
+                <a:spcPct val="0"/>
+              </a:spcBef>
+              <a:spcAft>
+                <a:spcPct val="0"/>
+              </a:spcAft>
+              <a:buClrTx/>
+              <a:buSzTx/>
+              <a:buFontTx/>
+              <a:buNone/>
+              <a:tabLst/>
+            </a:pPr>
+            <a:r>
+              <a:rPr kumimoji="0" lang="sk-SK" altLang="sk-SK" sz="1600" b="1" i="0" u="none" strike="noStrike" cap="none" normalizeH="0" baseline="0" dirty="0" err="1" smtClean="0">
+                <a:ln>
+                  <a:noFill/>
+                </a:ln>
+                <a:solidFill>
+                  <a:srgbClr val="000080"/>
+                </a:solidFill>
+                <a:effectLst/>
+                <a:latin typeface="Courier New" panose="02070309020205020404" pitchFamily="49" charset="0"/>
+                <a:cs typeface="Courier New" panose="02070309020205020404" pitchFamily="49" charset="0"/>
+              </a:rPr>
+              <a:t>public</a:t>
+            </a:r>
+            <a:r>
+              <a:rPr kumimoji="0" lang="sk-SK" altLang="sk-SK" sz="1600" b="1" i="0" u="none" strike="noStrike" cap="none" normalizeH="0" baseline="0" dirty="0" smtClean="0">
+                <a:ln>
+                  <a:noFill/>
+                </a:ln>
+                <a:solidFill>
+                  <a:srgbClr val="000080"/>
+                </a:solidFill>
+                <a:effectLst/>
+                <a:latin typeface="Courier New" panose="02070309020205020404" pitchFamily="49" charset="0"/>
+                <a:cs typeface="Courier New" panose="02070309020205020404" pitchFamily="49" charset="0"/>
+              </a:rPr>
+              <a:t> </a:t>
+            </a:r>
+            <a:r>
+              <a:rPr kumimoji="0" lang="sk-SK" altLang="sk-SK" sz="1600" b="1" i="0" u="none" strike="noStrike" cap="none" normalizeH="0" baseline="0" dirty="0" err="1" smtClean="0">
+                <a:ln>
+                  <a:noFill/>
+                </a:ln>
+                <a:solidFill>
+                  <a:srgbClr val="000080"/>
+                </a:solidFill>
+                <a:effectLst/>
+                <a:latin typeface="Courier New" panose="02070309020205020404" pitchFamily="49" charset="0"/>
+                <a:cs typeface="Courier New" panose="02070309020205020404" pitchFamily="49" charset="0"/>
+              </a:rPr>
+              <a:t>class</a:t>
+            </a:r>
+            <a:r>
+              <a:rPr kumimoji="0" lang="sk-SK" altLang="sk-SK" sz="1600" b="1" i="0" u="none" strike="noStrike" cap="none" normalizeH="0" baseline="0" dirty="0" smtClean="0">
+                <a:ln>
+                  <a:noFill/>
+                </a:ln>
+                <a:solidFill>
+                  <a:srgbClr val="000080"/>
+                </a:solidFill>
+                <a:effectLst/>
+                <a:latin typeface="Courier New" panose="02070309020205020404" pitchFamily="49" charset="0"/>
+                <a:cs typeface="Courier New" panose="02070309020205020404" pitchFamily="49" charset="0"/>
+              </a:rPr>
+              <a:t> </a:t>
+            </a:r>
+            <a:r>
+              <a:rPr kumimoji="0" lang="sk-SK" altLang="sk-SK" sz="1600" b="0" i="0" u="none" strike="noStrike" cap="none" normalizeH="0" baseline="0" dirty="0" err="1" smtClean="0">
+                <a:ln>
+                  <a:noFill/>
+                </a:ln>
+                <a:solidFill>
+                  <a:srgbClr val="000000"/>
+                </a:solidFill>
+                <a:effectLst/>
+                <a:latin typeface="Courier New" panose="02070309020205020404" pitchFamily="49" charset="0"/>
+                <a:cs typeface="Courier New" panose="02070309020205020404" pitchFamily="49" charset="0"/>
+              </a:rPr>
+              <a:t>FooPanel</a:t>
+            </a:r>
+            <a:r>
+              <a:rPr kumimoji="0" lang="sk-SK" altLang="sk-SK" sz="1600" b="0" i="0" u="none" strike="noStrike" cap="none" normalizeH="0" baseline="0" dirty="0" smtClean="0">
+                <a:ln>
+                  <a:noFill/>
+                </a:ln>
+                <a:solidFill>
+                  <a:srgbClr val="000000"/>
+                </a:solidFill>
+                <a:effectLst/>
+                <a:latin typeface="Courier New" panose="02070309020205020404" pitchFamily="49" charset="0"/>
+                <a:cs typeface="Courier New" panose="02070309020205020404" pitchFamily="49" charset="0"/>
+              </a:rPr>
+              <a:t> </a:t>
+            </a:r>
+            <a:r>
+              <a:rPr kumimoji="0" lang="sk-SK" altLang="sk-SK" sz="1600" b="1" i="0" u="none" strike="noStrike" cap="none" normalizeH="0" baseline="0" dirty="0" err="1" smtClean="0">
+                <a:ln>
+                  <a:noFill/>
+                </a:ln>
+                <a:solidFill>
+                  <a:srgbClr val="000080"/>
+                </a:solidFill>
+                <a:effectLst/>
+                <a:latin typeface="Courier New" panose="02070309020205020404" pitchFamily="49" charset="0"/>
+                <a:cs typeface="Courier New" panose="02070309020205020404" pitchFamily="49" charset="0"/>
+              </a:rPr>
+              <a:t>extends</a:t>
+            </a:r>
+            <a:r>
+              <a:rPr kumimoji="0" lang="sk-SK" altLang="sk-SK" sz="1600" b="1" i="0" u="none" strike="noStrike" cap="none" normalizeH="0" baseline="0" dirty="0" smtClean="0">
+                <a:ln>
+                  <a:noFill/>
+                </a:ln>
+                <a:solidFill>
+                  <a:srgbClr val="000080"/>
+                </a:solidFill>
+                <a:effectLst/>
+                <a:latin typeface="Courier New" panose="02070309020205020404" pitchFamily="49" charset="0"/>
+                <a:cs typeface="Courier New" panose="02070309020205020404" pitchFamily="49" charset="0"/>
+              </a:rPr>
+              <a:t> </a:t>
+            </a:r>
+            <a:r>
+              <a:rPr kumimoji="0" lang="sk-SK" altLang="sk-SK" sz="1600" b="0" i="0" u="none" strike="noStrike" cap="none" normalizeH="0" baseline="0" dirty="0" err="1" smtClean="0">
+                <a:ln>
+                  <a:noFill/>
+                </a:ln>
+                <a:solidFill>
+                  <a:srgbClr val="000000"/>
+                </a:solidFill>
+                <a:effectLst/>
+                <a:latin typeface="Courier New" panose="02070309020205020404" pitchFamily="49" charset="0"/>
+                <a:cs typeface="Courier New" panose="02070309020205020404" pitchFamily="49" charset="0"/>
+              </a:rPr>
+              <a:t>JPanel</a:t>
+            </a:r>
+            <a:r>
+              <a:rPr kumimoji="0" lang="sk-SK" altLang="sk-SK" sz="1600" b="0" i="0" u="none" strike="noStrike" cap="none" normalizeH="0" baseline="0" dirty="0" smtClean="0">
+                <a:ln>
+                  <a:noFill/>
+                </a:ln>
+                <a:solidFill>
+                  <a:srgbClr val="000000"/>
+                </a:solidFill>
+                <a:effectLst/>
+                <a:latin typeface="Courier New" panose="02070309020205020404" pitchFamily="49" charset="0"/>
+                <a:cs typeface="Courier New" panose="02070309020205020404" pitchFamily="49" charset="0"/>
+              </a:rPr>
+              <a:t> </a:t>
+            </a:r>
+            <a:r>
+              <a:rPr kumimoji="0" lang="sk-SK" altLang="sk-SK" sz="1600" b="1" i="0" u="none" strike="noStrike" cap="none" normalizeH="0" baseline="0" dirty="0" err="1" smtClean="0">
+                <a:ln>
+                  <a:noFill/>
+                </a:ln>
+                <a:solidFill>
+                  <a:srgbClr val="000080"/>
+                </a:solidFill>
+                <a:effectLst/>
+                <a:latin typeface="Courier New" panose="02070309020205020404" pitchFamily="49" charset="0"/>
+                <a:cs typeface="Courier New" panose="02070309020205020404" pitchFamily="49" charset="0"/>
+              </a:rPr>
+              <a:t>implements</a:t>
+            </a:r>
+            <a:r>
+              <a:rPr kumimoji="0" lang="sk-SK" altLang="sk-SK" sz="1600" b="1" i="0" u="none" strike="noStrike" cap="none" normalizeH="0" baseline="0" dirty="0" smtClean="0">
+                <a:ln>
+                  <a:noFill/>
+                </a:ln>
+                <a:solidFill>
+                  <a:srgbClr val="000080"/>
+                </a:solidFill>
+                <a:effectLst/>
+                <a:latin typeface="Courier New" panose="02070309020205020404" pitchFamily="49" charset="0"/>
+                <a:cs typeface="Courier New" panose="02070309020205020404" pitchFamily="49" charset="0"/>
+              </a:rPr>
+              <a:t> </a:t>
+            </a:r>
+            <a:r>
+              <a:rPr kumimoji="0" lang="sk-SK" altLang="sk-SK" sz="1600" b="0" i="0" u="none" strike="noStrike" cap="none" normalizeH="0" baseline="0" dirty="0" err="1" smtClean="0">
+                <a:ln>
+                  <a:noFill/>
+                </a:ln>
+                <a:solidFill>
+                  <a:srgbClr val="000000"/>
+                </a:solidFill>
+                <a:effectLst/>
+                <a:latin typeface="Courier New" panose="02070309020205020404" pitchFamily="49" charset="0"/>
+                <a:cs typeface="Courier New" panose="02070309020205020404" pitchFamily="49" charset="0"/>
+              </a:rPr>
+              <a:t>ActionListener</a:t>
+            </a:r>
+            <a:r>
+              <a:rPr kumimoji="0" lang="sk-SK" altLang="sk-SK" sz="1600" b="0" i="0" u="none" strike="noStrike" cap="none" normalizeH="0" baseline="0" dirty="0" smtClean="0">
+                <a:ln>
+                  <a:noFill/>
+                </a:ln>
+                <a:solidFill>
+                  <a:srgbClr val="000000"/>
+                </a:solidFill>
+                <a:effectLst/>
+                <a:latin typeface="Courier New" panose="02070309020205020404" pitchFamily="49" charset="0"/>
+                <a:cs typeface="Courier New" panose="02070309020205020404" pitchFamily="49" charset="0"/>
+              </a:rPr>
+              <a:t> {</a:t>
+            </a:r>
+            <a:br>
+              <a:rPr kumimoji="0" lang="sk-SK" altLang="sk-SK" sz="1600" b="0" i="0" u="none" strike="noStrike" cap="none" normalizeH="0" baseline="0" dirty="0" smtClean="0">
+                <a:ln>
+                  <a:noFill/>
+                </a:ln>
+                <a:solidFill>
+                  <a:srgbClr val="000000"/>
+                </a:solidFill>
+                <a:effectLst/>
+                <a:latin typeface="Courier New" panose="02070309020205020404" pitchFamily="49" charset="0"/>
+                <a:cs typeface="Courier New" panose="02070309020205020404" pitchFamily="49" charset="0"/>
+              </a:rPr>
+            </a:br>
+            <a:r>
+              <a:rPr kumimoji="0" lang="sk-SK" altLang="sk-SK" sz="1600" b="0" i="0" u="none" strike="noStrike" cap="none" normalizeH="0" baseline="0" dirty="0" smtClean="0">
+                <a:ln>
+                  <a:noFill/>
+                </a:ln>
+                <a:solidFill>
+                  <a:srgbClr val="000000"/>
+                </a:solidFill>
+                <a:effectLst/>
+                <a:latin typeface="Courier New" panose="02070309020205020404" pitchFamily="49" charset="0"/>
+                <a:cs typeface="Courier New" panose="02070309020205020404" pitchFamily="49" charset="0"/>
+              </a:rPr>
+              <a:t>    </a:t>
+            </a:r>
+            <a:r>
+              <a:rPr kumimoji="0" lang="sk-SK" altLang="sk-SK" sz="1600" b="1" i="0" u="none" strike="noStrike" cap="none" normalizeH="0" baseline="0" dirty="0" err="1" smtClean="0">
+                <a:ln>
+                  <a:noFill/>
+                </a:ln>
+                <a:solidFill>
+                  <a:srgbClr val="000080"/>
+                </a:solidFill>
+                <a:effectLst/>
+                <a:latin typeface="Courier New" panose="02070309020205020404" pitchFamily="49" charset="0"/>
+                <a:cs typeface="Courier New" panose="02070309020205020404" pitchFamily="49" charset="0"/>
+              </a:rPr>
+              <a:t>public</a:t>
+            </a:r>
+            <a:r>
+              <a:rPr kumimoji="0" lang="sk-SK" altLang="sk-SK" sz="1600" b="1" i="0" u="none" strike="noStrike" cap="none" normalizeH="0" baseline="0" dirty="0" smtClean="0">
+                <a:ln>
+                  <a:noFill/>
+                </a:ln>
+                <a:solidFill>
+                  <a:srgbClr val="000080"/>
+                </a:solidFill>
+                <a:effectLst/>
+                <a:latin typeface="Courier New" panose="02070309020205020404" pitchFamily="49" charset="0"/>
+                <a:cs typeface="Courier New" panose="02070309020205020404" pitchFamily="49" charset="0"/>
+              </a:rPr>
+              <a:t> </a:t>
+            </a:r>
+            <a:r>
+              <a:rPr kumimoji="0" lang="sk-SK" altLang="sk-SK" sz="1600" b="0" i="0" u="none" strike="noStrike" cap="none" normalizeH="0" baseline="0" dirty="0" err="1" smtClean="0">
+                <a:ln>
+                  <a:noFill/>
+                </a:ln>
+                <a:solidFill>
+                  <a:srgbClr val="000000"/>
+                </a:solidFill>
+                <a:effectLst/>
+                <a:latin typeface="Courier New" panose="02070309020205020404" pitchFamily="49" charset="0"/>
+                <a:cs typeface="Courier New" panose="02070309020205020404" pitchFamily="49" charset="0"/>
+              </a:rPr>
+              <a:t>FooPanel</a:t>
+            </a:r>
+            <a:r>
+              <a:rPr kumimoji="0" lang="sk-SK" altLang="sk-SK" sz="1600" b="0" i="0" u="none" strike="noStrike" cap="none" normalizeH="0" baseline="0" dirty="0" smtClean="0">
+                <a:ln>
+                  <a:noFill/>
+                </a:ln>
+                <a:solidFill>
+                  <a:srgbClr val="000000"/>
+                </a:solidFill>
+                <a:effectLst/>
+                <a:latin typeface="Courier New" panose="02070309020205020404" pitchFamily="49" charset="0"/>
+                <a:cs typeface="Courier New" panose="02070309020205020404" pitchFamily="49" charset="0"/>
+              </a:rPr>
+              <a:t>() {</a:t>
+            </a:r>
+            <a:br>
+              <a:rPr kumimoji="0" lang="sk-SK" altLang="sk-SK" sz="1600" b="0" i="0" u="none" strike="noStrike" cap="none" normalizeH="0" baseline="0" dirty="0" smtClean="0">
+                <a:ln>
+                  <a:noFill/>
+                </a:ln>
+                <a:solidFill>
+                  <a:srgbClr val="000000"/>
+                </a:solidFill>
+                <a:effectLst/>
+                <a:latin typeface="Courier New" panose="02070309020205020404" pitchFamily="49" charset="0"/>
+                <a:cs typeface="Courier New" panose="02070309020205020404" pitchFamily="49" charset="0"/>
+              </a:rPr>
+            </a:br>
+            <a:r>
+              <a:rPr kumimoji="0" lang="sk-SK" altLang="sk-SK" sz="1600" b="0" i="0" u="none" strike="noStrike" cap="none" normalizeH="0" baseline="0" dirty="0" smtClean="0">
+                <a:ln>
+                  <a:noFill/>
+                </a:ln>
+                <a:solidFill>
+                  <a:srgbClr val="000000"/>
+                </a:solidFill>
+                <a:effectLst/>
+                <a:latin typeface="Courier New" panose="02070309020205020404" pitchFamily="49" charset="0"/>
+                <a:cs typeface="Courier New" panose="02070309020205020404" pitchFamily="49" charset="0"/>
+              </a:rPr>
+              <a:t>        </a:t>
+            </a:r>
+            <a:r>
+              <a:rPr kumimoji="0" lang="sk-SK" altLang="sk-SK" sz="1600" b="1" i="0" u="none" strike="noStrike" cap="none" normalizeH="0" baseline="0" dirty="0" smtClean="0">
+                <a:ln>
+                  <a:noFill/>
+                </a:ln>
+                <a:solidFill>
+                  <a:srgbClr val="000080"/>
+                </a:solidFill>
+                <a:effectLst/>
+                <a:latin typeface="Courier New" panose="02070309020205020404" pitchFamily="49" charset="0"/>
+                <a:cs typeface="Courier New" panose="02070309020205020404" pitchFamily="49" charset="0"/>
+              </a:rPr>
+              <a:t>super</a:t>
+            </a:r>
+            <a:r>
+              <a:rPr kumimoji="0" lang="sk-SK" altLang="sk-SK" sz="1600" b="0" i="0" u="none" strike="noStrike" cap="none" normalizeH="0" baseline="0" dirty="0" smtClean="0">
+                <a:ln>
+                  <a:noFill/>
+                </a:ln>
+                <a:solidFill>
+                  <a:srgbClr val="000000"/>
+                </a:solidFill>
+                <a:effectLst/>
+                <a:latin typeface="Courier New" panose="02070309020205020404" pitchFamily="49" charset="0"/>
+                <a:cs typeface="Courier New" panose="02070309020205020404" pitchFamily="49" charset="0"/>
+              </a:rPr>
+              <a:t>();</a:t>
+            </a:r>
+            <a:br>
+              <a:rPr kumimoji="0" lang="sk-SK" altLang="sk-SK" sz="1600" b="0" i="0" u="none" strike="noStrike" cap="none" normalizeH="0" baseline="0" dirty="0" smtClean="0">
+                <a:ln>
+                  <a:noFill/>
+                </a:ln>
+                <a:solidFill>
+                  <a:srgbClr val="000000"/>
+                </a:solidFill>
+                <a:effectLst/>
+                <a:latin typeface="Courier New" panose="02070309020205020404" pitchFamily="49" charset="0"/>
+                <a:cs typeface="Courier New" panose="02070309020205020404" pitchFamily="49" charset="0"/>
+              </a:rPr>
+            </a:br>
+            <a:r>
+              <a:rPr kumimoji="0" lang="sk-SK" altLang="sk-SK" sz="1600" b="0" i="0" u="none" strike="noStrike" cap="none" normalizeH="0" baseline="0" dirty="0" smtClean="0">
+                <a:ln>
+                  <a:noFill/>
+                </a:ln>
+                <a:solidFill>
+                  <a:srgbClr val="000000"/>
+                </a:solidFill>
+                <a:effectLst/>
+                <a:latin typeface="Courier New" panose="02070309020205020404" pitchFamily="49" charset="0"/>
+                <a:cs typeface="Courier New" panose="02070309020205020404" pitchFamily="49" charset="0"/>
+              </a:rPr>
+              <a:t/>
+            </a:r>
+            <a:br>
+              <a:rPr kumimoji="0" lang="sk-SK" altLang="sk-SK" sz="1600" b="0" i="0" u="none" strike="noStrike" cap="none" normalizeH="0" baseline="0" dirty="0" smtClean="0">
+                <a:ln>
+                  <a:noFill/>
+                </a:ln>
+                <a:solidFill>
+                  <a:srgbClr val="000000"/>
+                </a:solidFill>
+                <a:effectLst/>
+                <a:latin typeface="Courier New" panose="02070309020205020404" pitchFamily="49" charset="0"/>
+                <a:cs typeface="Courier New" panose="02070309020205020404" pitchFamily="49" charset="0"/>
+              </a:rPr>
+            </a:br>
+            <a:r>
+              <a:rPr kumimoji="0" lang="sk-SK" altLang="sk-SK" sz="1600" b="0" i="0" u="none" strike="noStrike" cap="none" normalizeH="0" baseline="0" dirty="0" smtClean="0">
+                <a:ln>
+                  <a:noFill/>
+                </a:ln>
+                <a:solidFill>
+                  <a:srgbClr val="000000"/>
+                </a:solidFill>
+                <a:effectLst/>
+                <a:latin typeface="Courier New" panose="02070309020205020404" pitchFamily="49" charset="0"/>
+                <a:cs typeface="Courier New" panose="02070309020205020404" pitchFamily="49" charset="0"/>
+              </a:rPr>
+              <a:t>        </a:t>
+            </a:r>
+            <a:r>
+              <a:rPr kumimoji="0" lang="sk-SK" altLang="sk-SK" sz="1600" b="0" i="0" u="none" strike="noStrike" cap="none" normalizeH="0" baseline="0" dirty="0" err="1" smtClean="0">
+                <a:ln>
+                  <a:noFill/>
+                </a:ln>
+                <a:solidFill>
+                  <a:srgbClr val="000000"/>
+                </a:solidFill>
+                <a:effectLst/>
+                <a:latin typeface="Courier New" panose="02070309020205020404" pitchFamily="49" charset="0"/>
+                <a:cs typeface="Courier New" panose="02070309020205020404" pitchFamily="49" charset="0"/>
+              </a:rPr>
+              <a:t>JButton</a:t>
+            </a:r>
+            <a:r>
+              <a:rPr kumimoji="0" lang="sk-SK" altLang="sk-SK" sz="1600" b="0" i="0" u="none" strike="noStrike" cap="none" normalizeH="0" baseline="0" dirty="0" smtClean="0">
+                <a:ln>
+                  <a:noFill/>
+                </a:ln>
+                <a:solidFill>
+                  <a:srgbClr val="000000"/>
+                </a:solidFill>
+                <a:effectLst/>
+                <a:latin typeface="Courier New" panose="02070309020205020404" pitchFamily="49" charset="0"/>
+                <a:cs typeface="Courier New" panose="02070309020205020404" pitchFamily="49" charset="0"/>
+              </a:rPr>
+              <a:t> </a:t>
+            </a:r>
+            <a:r>
+              <a:rPr kumimoji="0" lang="sk-SK" altLang="sk-SK" sz="1600" b="0" i="0" u="none" strike="noStrike" cap="none" normalizeH="0" baseline="0" dirty="0" err="1" smtClean="0">
+                <a:ln>
+                  <a:noFill/>
+                </a:ln>
+                <a:solidFill>
+                  <a:srgbClr val="000000"/>
+                </a:solidFill>
+                <a:effectLst/>
+                <a:latin typeface="Courier New" panose="02070309020205020404" pitchFamily="49" charset="0"/>
+                <a:cs typeface="Courier New" panose="02070309020205020404" pitchFamily="49" charset="0"/>
+              </a:rPr>
+              <a:t>btn</a:t>
+            </a:r>
+            <a:r>
+              <a:rPr kumimoji="0" lang="sk-SK" altLang="sk-SK" sz="1600" b="0" i="0" u="none" strike="noStrike" cap="none" normalizeH="0" baseline="0" dirty="0" smtClean="0">
+                <a:ln>
+                  <a:noFill/>
+                </a:ln>
+                <a:solidFill>
+                  <a:srgbClr val="000000"/>
+                </a:solidFill>
+                <a:effectLst/>
+                <a:latin typeface="Courier New" panose="02070309020205020404" pitchFamily="49" charset="0"/>
+                <a:cs typeface="Courier New" panose="02070309020205020404" pitchFamily="49" charset="0"/>
+              </a:rPr>
+              <a:t> = </a:t>
+            </a:r>
+            <a:r>
+              <a:rPr kumimoji="0" lang="sk-SK" altLang="sk-SK" sz="1600" b="1" i="0" u="none" strike="noStrike" cap="none" normalizeH="0" baseline="0" dirty="0" smtClean="0">
+                <a:ln>
+                  <a:noFill/>
+                </a:ln>
+                <a:solidFill>
+                  <a:srgbClr val="000080"/>
+                </a:solidFill>
+                <a:effectLst/>
+                <a:latin typeface="Courier New" panose="02070309020205020404" pitchFamily="49" charset="0"/>
+                <a:cs typeface="Courier New" panose="02070309020205020404" pitchFamily="49" charset="0"/>
+              </a:rPr>
+              <a:t>new </a:t>
+            </a:r>
+            <a:r>
+              <a:rPr kumimoji="0" lang="sk-SK" altLang="sk-SK" sz="1600" b="0" i="0" u="none" strike="noStrike" cap="none" normalizeH="0" baseline="0" dirty="0" err="1" smtClean="0">
+                <a:ln>
+                  <a:noFill/>
+                </a:ln>
+                <a:solidFill>
+                  <a:srgbClr val="000000"/>
+                </a:solidFill>
+                <a:effectLst/>
+                <a:latin typeface="Courier New" panose="02070309020205020404" pitchFamily="49" charset="0"/>
+                <a:cs typeface="Courier New" panose="02070309020205020404" pitchFamily="49" charset="0"/>
+              </a:rPr>
+              <a:t>JButton</a:t>
+            </a:r>
+            <a:r>
+              <a:rPr kumimoji="0" lang="sk-SK" altLang="sk-SK" sz="1600" b="0" i="0" u="none" strike="noStrike" cap="none" normalizeH="0" baseline="0" dirty="0" smtClean="0">
+                <a:ln>
+                  <a:noFill/>
+                </a:ln>
+                <a:solidFill>
+                  <a:srgbClr val="000000"/>
+                </a:solidFill>
+                <a:effectLst/>
+                <a:latin typeface="Courier New" panose="02070309020205020404" pitchFamily="49" charset="0"/>
+                <a:cs typeface="Courier New" panose="02070309020205020404" pitchFamily="49" charset="0"/>
+              </a:rPr>
+              <a:t>(</a:t>
+            </a:r>
+            <a:r>
+              <a:rPr kumimoji="0" lang="sk-SK" altLang="sk-SK" sz="1600" b="1" i="0" u="none" strike="noStrike" cap="none" normalizeH="0" baseline="0" dirty="0" smtClean="0">
+                <a:ln>
+                  <a:noFill/>
+                </a:ln>
+                <a:solidFill>
+                  <a:srgbClr val="008000"/>
+                </a:solidFill>
+                <a:effectLst/>
+                <a:latin typeface="Courier New" panose="02070309020205020404" pitchFamily="49" charset="0"/>
+                <a:cs typeface="Courier New" panose="02070309020205020404" pitchFamily="49" charset="0"/>
+              </a:rPr>
+              <a:t>"</a:t>
+            </a:r>
+            <a:r>
+              <a:rPr kumimoji="0" lang="sk-SK" altLang="sk-SK" sz="1600" b="1" i="0" u="none" strike="noStrike" cap="none" normalizeH="0" baseline="0" dirty="0" err="1" smtClean="0">
+                <a:ln>
+                  <a:noFill/>
+                </a:ln>
+                <a:solidFill>
+                  <a:srgbClr val="008000"/>
+                </a:solidFill>
+                <a:effectLst/>
+                <a:latin typeface="Courier New" panose="02070309020205020404" pitchFamily="49" charset="0"/>
+                <a:cs typeface="Courier New" panose="02070309020205020404" pitchFamily="49" charset="0"/>
+              </a:rPr>
+              <a:t>Click</a:t>
+            </a:r>
+            <a:r>
+              <a:rPr kumimoji="0" lang="sk-SK" altLang="sk-SK" sz="1600" b="1" i="0" u="none" strike="noStrike" cap="none" normalizeH="0" baseline="0" dirty="0" smtClean="0">
+                <a:ln>
+                  <a:noFill/>
+                </a:ln>
+                <a:solidFill>
+                  <a:srgbClr val="008000"/>
+                </a:solidFill>
+                <a:effectLst/>
+                <a:latin typeface="Courier New" panose="02070309020205020404" pitchFamily="49" charset="0"/>
+                <a:cs typeface="Courier New" panose="02070309020205020404" pitchFamily="49" charset="0"/>
+              </a:rPr>
+              <a:t> </a:t>
+            </a:r>
+            <a:r>
+              <a:rPr kumimoji="0" lang="sk-SK" altLang="sk-SK" sz="1600" b="1" i="0" u="none" strike="noStrike" cap="none" normalizeH="0" baseline="0" dirty="0" err="1" smtClean="0">
+                <a:ln>
+                  <a:noFill/>
+                </a:ln>
+                <a:solidFill>
+                  <a:srgbClr val="008000"/>
+                </a:solidFill>
+                <a:effectLst/>
+                <a:latin typeface="Courier New" panose="02070309020205020404" pitchFamily="49" charset="0"/>
+                <a:cs typeface="Courier New" panose="02070309020205020404" pitchFamily="49" charset="0"/>
+              </a:rPr>
+              <a:t>Me</a:t>
+            </a:r>
+            <a:r>
+              <a:rPr kumimoji="0" lang="sk-SK" altLang="sk-SK" sz="1600" b="1" i="0" u="none" strike="noStrike" cap="none" normalizeH="0" baseline="0" dirty="0" smtClean="0">
+                <a:ln>
+                  <a:noFill/>
+                </a:ln>
+                <a:solidFill>
+                  <a:srgbClr val="008000"/>
+                </a:solidFill>
+                <a:effectLst/>
+                <a:latin typeface="Courier New" panose="02070309020205020404" pitchFamily="49" charset="0"/>
+                <a:cs typeface="Courier New" panose="02070309020205020404" pitchFamily="49" charset="0"/>
+              </a:rPr>
+              <a:t>!"</a:t>
+            </a:r>
+            <a:r>
+              <a:rPr kumimoji="0" lang="sk-SK" altLang="sk-SK" sz="1600" b="0" i="0" u="none" strike="noStrike" cap="none" normalizeH="0" baseline="0" dirty="0" smtClean="0">
+                <a:ln>
+                  <a:noFill/>
+                </a:ln>
+                <a:solidFill>
+                  <a:srgbClr val="000000"/>
+                </a:solidFill>
+                <a:effectLst/>
+                <a:latin typeface="Courier New" panose="02070309020205020404" pitchFamily="49" charset="0"/>
+                <a:cs typeface="Courier New" panose="02070309020205020404" pitchFamily="49" charset="0"/>
+              </a:rPr>
+              <a:t>);</a:t>
+            </a:r>
+            <a:br>
+              <a:rPr kumimoji="0" lang="sk-SK" altLang="sk-SK" sz="1600" b="0" i="0" u="none" strike="noStrike" cap="none" normalizeH="0" baseline="0" dirty="0" smtClean="0">
+                <a:ln>
+                  <a:noFill/>
+                </a:ln>
+                <a:solidFill>
+                  <a:srgbClr val="000000"/>
+                </a:solidFill>
+                <a:effectLst/>
+                <a:latin typeface="Courier New" panose="02070309020205020404" pitchFamily="49" charset="0"/>
+                <a:cs typeface="Courier New" panose="02070309020205020404" pitchFamily="49" charset="0"/>
+              </a:rPr>
+            </a:br>
+            <a:r>
+              <a:rPr kumimoji="0" lang="sk-SK" altLang="sk-SK" sz="1600" b="0" i="0" u="none" strike="noStrike" cap="none" normalizeH="0" baseline="0" dirty="0" smtClean="0">
+                <a:ln>
+                  <a:noFill/>
+                </a:ln>
+                <a:solidFill>
+                  <a:srgbClr val="000000"/>
+                </a:solidFill>
+                <a:effectLst/>
+                <a:latin typeface="Courier New" panose="02070309020205020404" pitchFamily="49" charset="0"/>
+                <a:cs typeface="Courier New" panose="02070309020205020404" pitchFamily="49" charset="0"/>
+              </a:rPr>
+              <a:t>        </a:t>
+            </a:r>
+            <a:r>
+              <a:rPr kumimoji="0" lang="sk-SK" altLang="sk-SK" sz="1600" b="0" i="0" u="none" strike="noStrike" cap="none" normalizeH="0" baseline="0" dirty="0" err="1" smtClean="0">
+                <a:ln>
+                  <a:noFill/>
+                </a:ln>
+                <a:solidFill>
+                  <a:srgbClr val="000000"/>
+                </a:solidFill>
+                <a:effectLst/>
+                <a:latin typeface="Courier New" panose="02070309020205020404" pitchFamily="49" charset="0"/>
+                <a:cs typeface="Courier New" panose="02070309020205020404" pitchFamily="49" charset="0"/>
+              </a:rPr>
+              <a:t>btn.addActionListener</a:t>
+            </a:r>
+            <a:r>
+              <a:rPr kumimoji="0" lang="sk-SK" altLang="sk-SK" sz="1600" b="0" i="0" u="none" strike="noStrike" cap="none" normalizeH="0" baseline="0" dirty="0" smtClean="0">
+                <a:ln>
+                  <a:noFill/>
+                </a:ln>
+                <a:solidFill>
+                  <a:srgbClr val="000000"/>
+                </a:solidFill>
+                <a:effectLst/>
+                <a:latin typeface="Courier New" panose="02070309020205020404" pitchFamily="49" charset="0"/>
+                <a:cs typeface="Courier New" panose="02070309020205020404" pitchFamily="49" charset="0"/>
+              </a:rPr>
+              <a:t>(</a:t>
+            </a:r>
+            <a:r>
+              <a:rPr kumimoji="0" lang="sk-SK" altLang="sk-SK" sz="1600" b="1" i="0" u="none" strike="noStrike" cap="none" normalizeH="0" baseline="0" dirty="0" err="1" smtClean="0">
+                <a:ln>
+                  <a:noFill/>
+                </a:ln>
+                <a:solidFill>
+                  <a:srgbClr val="000080"/>
+                </a:solidFill>
+                <a:effectLst/>
+                <a:latin typeface="Courier New" panose="02070309020205020404" pitchFamily="49" charset="0"/>
+                <a:cs typeface="Courier New" panose="02070309020205020404" pitchFamily="49" charset="0"/>
+              </a:rPr>
+              <a:t>this</a:t>
+            </a:r>
+            <a:r>
+              <a:rPr kumimoji="0" lang="sk-SK" altLang="sk-SK" sz="1600" b="0" i="0" u="none" strike="noStrike" cap="none" normalizeH="0" baseline="0" dirty="0" smtClean="0">
+                <a:ln>
+                  <a:noFill/>
+                </a:ln>
+                <a:solidFill>
+                  <a:srgbClr val="000000"/>
+                </a:solidFill>
+                <a:effectLst/>
+                <a:latin typeface="Courier New" panose="02070309020205020404" pitchFamily="49" charset="0"/>
+                <a:cs typeface="Courier New" panose="02070309020205020404" pitchFamily="49" charset="0"/>
+              </a:rPr>
+              <a:t>);</a:t>
+            </a:r>
+            <a:br>
+              <a:rPr kumimoji="0" lang="sk-SK" altLang="sk-SK" sz="1600" b="0" i="0" u="none" strike="noStrike" cap="none" normalizeH="0" baseline="0" dirty="0" smtClean="0">
+                <a:ln>
+                  <a:noFill/>
+                </a:ln>
+                <a:solidFill>
+                  <a:srgbClr val="000000"/>
+                </a:solidFill>
+                <a:effectLst/>
+                <a:latin typeface="Courier New" panose="02070309020205020404" pitchFamily="49" charset="0"/>
+                <a:cs typeface="Courier New" panose="02070309020205020404" pitchFamily="49" charset="0"/>
+              </a:rPr>
+            </a:br>
+            <a:r>
+              <a:rPr kumimoji="0" lang="sk-SK" altLang="sk-SK" sz="1600" b="0" i="0" u="none" strike="noStrike" cap="none" normalizeH="0" baseline="0" dirty="0" smtClean="0">
+                <a:ln>
+                  <a:noFill/>
+                </a:ln>
+                <a:solidFill>
+                  <a:srgbClr val="000000"/>
+                </a:solidFill>
+                <a:effectLst/>
+                <a:latin typeface="Courier New" panose="02070309020205020404" pitchFamily="49" charset="0"/>
+                <a:cs typeface="Courier New" panose="02070309020205020404" pitchFamily="49" charset="0"/>
+              </a:rPr>
+              <a:t/>
+            </a:r>
+            <a:br>
+              <a:rPr kumimoji="0" lang="sk-SK" altLang="sk-SK" sz="1600" b="0" i="0" u="none" strike="noStrike" cap="none" normalizeH="0" baseline="0" dirty="0" smtClean="0">
+                <a:ln>
+                  <a:noFill/>
+                </a:ln>
+                <a:solidFill>
+                  <a:srgbClr val="000000"/>
+                </a:solidFill>
+                <a:effectLst/>
+                <a:latin typeface="Courier New" panose="02070309020205020404" pitchFamily="49" charset="0"/>
+                <a:cs typeface="Courier New" panose="02070309020205020404" pitchFamily="49" charset="0"/>
+              </a:rPr>
+            </a:br>
+            <a:r>
+              <a:rPr kumimoji="0" lang="sk-SK" altLang="sk-SK" sz="1600" b="0" i="0" u="none" strike="noStrike" cap="none" normalizeH="0" baseline="0" dirty="0" smtClean="0">
+                <a:ln>
+                  <a:noFill/>
+                </a:ln>
+                <a:solidFill>
+                  <a:srgbClr val="000000"/>
+                </a:solidFill>
+                <a:effectLst/>
+                <a:latin typeface="Courier New" panose="02070309020205020404" pitchFamily="49" charset="0"/>
+                <a:cs typeface="Courier New" panose="02070309020205020404" pitchFamily="49" charset="0"/>
+              </a:rPr>
+              <a:t>        </a:t>
+            </a:r>
+            <a:r>
+              <a:rPr kumimoji="0" lang="sk-SK" altLang="sk-SK" sz="1600" b="1" i="0" u="none" strike="noStrike" cap="none" normalizeH="0" baseline="0" dirty="0" err="1" smtClean="0">
+                <a:ln>
+                  <a:noFill/>
+                </a:ln>
+                <a:solidFill>
+                  <a:srgbClr val="000080"/>
+                </a:solidFill>
+                <a:effectLst/>
+                <a:latin typeface="Courier New" panose="02070309020205020404" pitchFamily="49" charset="0"/>
+                <a:cs typeface="Courier New" panose="02070309020205020404" pitchFamily="49" charset="0"/>
+              </a:rPr>
+              <a:t>this</a:t>
+            </a:r>
+            <a:r>
+              <a:rPr kumimoji="0" lang="sk-SK" altLang="sk-SK" sz="1600" b="0" i="0" u="none" strike="noStrike" cap="none" normalizeH="0" baseline="0" dirty="0" err="1" smtClean="0">
+                <a:ln>
+                  <a:noFill/>
+                </a:ln>
+                <a:solidFill>
+                  <a:srgbClr val="000000"/>
+                </a:solidFill>
+                <a:effectLst/>
+                <a:latin typeface="Courier New" panose="02070309020205020404" pitchFamily="49" charset="0"/>
+                <a:cs typeface="Courier New" panose="02070309020205020404" pitchFamily="49" charset="0"/>
+              </a:rPr>
+              <a:t>.add</a:t>
+            </a:r>
+            <a:r>
+              <a:rPr kumimoji="0" lang="sk-SK" altLang="sk-SK" sz="1600" b="0" i="0" u="none" strike="noStrike" cap="none" normalizeH="0" baseline="0" dirty="0" smtClean="0">
+                <a:ln>
+                  <a:noFill/>
+                </a:ln>
+                <a:solidFill>
+                  <a:srgbClr val="000000"/>
+                </a:solidFill>
+                <a:effectLst/>
+                <a:latin typeface="Courier New" panose="02070309020205020404" pitchFamily="49" charset="0"/>
+                <a:cs typeface="Courier New" panose="02070309020205020404" pitchFamily="49" charset="0"/>
+              </a:rPr>
+              <a:t>(</a:t>
+            </a:r>
+            <a:r>
+              <a:rPr kumimoji="0" lang="sk-SK" altLang="sk-SK" sz="1600" b="0" i="0" u="none" strike="noStrike" cap="none" normalizeH="0" baseline="0" dirty="0" err="1" smtClean="0">
+                <a:ln>
+                  <a:noFill/>
+                </a:ln>
+                <a:solidFill>
+                  <a:srgbClr val="000000"/>
+                </a:solidFill>
+                <a:effectLst/>
+                <a:latin typeface="Courier New" panose="02070309020205020404" pitchFamily="49" charset="0"/>
+                <a:cs typeface="Courier New" panose="02070309020205020404" pitchFamily="49" charset="0"/>
+              </a:rPr>
+              <a:t>btn</a:t>
+            </a:r>
+            <a:r>
+              <a:rPr kumimoji="0" lang="sk-SK" altLang="sk-SK" sz="1600" b="0" i="0" u="none" strike="noStrike" cap="none" normalizeH="0" baseline="0" dirty="0" smtClean="0">
+                <a:ln>
+                  <a:noFill/>
+                </a:ln>
+                <a:solidFill>
+                  <a:srgbClr val="000000"/>
+                </a:solidFill>
+                <a:effectLst/>
+                <a:latin typeface="Courier New" panose="02070309020205020404" pitchFamily="49" charset="0"/>
+                <a:cs typeface="Courier New" panose="02070309020205020404" pitchFamily="49" charset="0"/>
+              </a:rPr>
+              <a:t>);</a:t>
+            </a:r>
+            <a:br>
+              <a:rPr kumimoji="0" lang="sk-SK" altLang="sk-SK" sz="1600" b="0" i="0" u="none" strike="noStrike" cap="none" normalizeH="0" baseline="0" dirty="0" smtClean="0">
+                <a:ln>
+                  <a:noFill/>
+                </a:ln>
+                <a:solidFill>
+                  <a:srgbClr val="000000"/>
+                </a:solidFill>
+                <a:effectLst/>
+                <a:latin typeface="Courier New" panose="02070309020205020404" pitchFamily="49" charset="0"/>
+                <a:cs typeface="Courier New" panose="02070309020205020404" pitchFamily="49" charset="0"/>
+              </a:rPr>
+            </a:br>
+            <a:r>
+              <a:rPr kumimoji="0" lang="sk-SK" altLang="sk-SK" sz="1600" b="0" i="0" u="none" strike="noStrike" cap="none" normalizeH="0" baseline="0" dirty="0" smtClean="0">
+                <a:ln>
+                  <a:noFill/>
+                </a:ln>
+                <a:solidFill>
+                  <a:srgbClr val="000000"/>
+                </a:solidFill>
+                <a:effectLst/>
+                <a:latin typeface="Courier New" panose="02070309020205020404" pitchFamily="49" charset="0"/>
+                <a:cs typeface="Courier New" panose="02070309020205020404" pitchFamily="49" charset="0"/>
+              </a:rPr>
+              <a:t>    }</a:t>
+            </a:r>
+            <a:br>
+              <a:rPr kumimoji="0" lang="sk-SK" altLang="sk-SK" sz="1600" b="0" i="0" u="none" strike="noStrike" cap="none" normalizeH="0" baseline="0" dirty="0" smtClean="0">
+                <a:ln>
+                  <a:noFill/>
+                </a:ln>
+                <a:solidFill>
+                  <a:srgbClr val="000000"/>
+                </a:solidFill>
+                <a:effectLst/>
+                <a:latin typeface="Courier New" panose="02070309020205020404" pitchFamily="49" charset="0"/>
+                <a:cs typeface="Courier New" panose="02070309020205020404" pitchFamily="49" charset="0"/>
+              </a:rPr>
+            </a:br>
+            <a:r>
+              <a:rPr kumimoji="0" lang="sk-SK" altLang="sk-SK" sz="1600" b="0" i="0" u="none" strike="noStrike" cap="none" normalizeH="0" baseline="0" dirty="0" smtClean="0">
+                <a:ln>
+                  <a:noFill/>
+                </a:ln>
+                <a:solidFill>
+                  <a:srgbClr val="000000"/>
+                </a:solidFill>
+                <a:effectLst/>
+                <a:latin typeface="Courier New" panose="02070309020205020404" pitchFamily="49" charset="0"/>
+                <a:cs typeface="Courier New" panose="02070309020205020404" pitchFamily="49" charset="0"/>
+              </a:rPr>
+              <a:t/>
+            </a:r>
+            <a:br>
+              <a:rPr kumimoji="0" lang="sk-SK" altLang="sk-SK" sz="1600" b="0" i="0" u="none" strike="noStrike" cap="none" normalizeH="0" baseline="0" dirty="0" smtClean="0">
+                <a:ln>
+                  <a:noFill/>
+                </a:ln>
+                <a:solidFill>
+                  <a:srgbClr val="000000"/>
+                </a:solidFill>
+                <a:effectLst/>
+                <a:latin typeface="Courier New" panose="02070309020205020404" pitchFamily="49" charset="0"/>
+                <a:cs typeface="Courier New" panose="02070309020205020404" pitchFamily="49" charset="0"/>
+              </a:rPr>
+            </a:br>
+            <a:r>
+              <a:rPr kumimoji="0" lang="sk-SK" altLang="sk-SK" sz="1600" b="0" i="0" u="none" strike="noStrike" cap="none" normalizeH="0" baseline="0" dirty="0" smtClean="0">
+                <a:ln>
+                  <a:noFill/>
+                </a:ln>
+                <a:solidFill>
+                  <a:srgbClr val="000000"/>
+                </a:solidFill>
+                <a:effectLst/>
+                <a:latin typeface="Courier New" panose="02070309020205020404" pitchFamily="49" charset="0"/>
+                <a:cs typeface="Courier New" panose="02070309020205020404" pitchFamily="49" charset="0"/>
+              </a:rPr>
+              <a:t>    @</a:t>
+            </a:r>
+            <a:r>
+              <a:rPr kumimoji="0" lang="sk-SK" altLang="sk-SK" sz="1600" b="0" i="0" u="none" strike="noStrike" cap="none" normalizeH="0" baseline="0" dirty="0" err="1" smtClean="0">
+                <a:ln>
+                  <a:noFill/>
+                </a:ln>
+                <a:solidFill>
+                  <a:srgbClr val="000000"/>
+                </a:solidFill>
+                <a:effectLst/>
+                <a:latin typeface="Courier New" panose="02070309020205020404" pitchFamily="49" charset="0"/>
+                <a:cs typeface="Courier New" panose="02070309020205020404" pitchFamily="49" charset="0"/>
+              </a:rPr>
+              <a:t>Override</a:t>
+            </a:r>
+            <a:r>
+              <a:rPr kumimoji="0" lang="sk-SK" altLang="sk-SK" sz="1600" b="0" i="0" u="none" strike="noStrike" cap="none" normalizeH="0" baseline="0" dirty="0" smtClean="0">
+                <a:ln>
+                  <a:noFill/>
+                </a:ln>
+                <a:solidFill>
+                  <a:srgbClr val="000000"/>
+                </a:solidFill>
+                <a:effectLst/>
+                <a:latin typeface="Courier New" panose="02070309020205020404" pitchFamily="49" charset="0"/>
+                <a:cs typeface="Courier New" panose="02070309020205020404" pitchFamily="49" charset="0"/>
+              </a:rPr>
+              <a:t/>
+            </a:r>
+            <a:br>
+              <a:rPr kumimoji="0" lang="sk-SK" altLang="sk-SK" sz="1600" b="0" i="0" u="none" strike="noStrike" cap="none" normalizeH="0" baseline="0" dirty="0" smtClean="0">
+                <a:ln>
+                  <a:noFill/>
+                </a:ln>
+                <a:solidFill>
+                  <a:srgbClr val="000000"/>
+                </a:solidFill>
+                <a:effectLst/>
+                <a:latin typeface="Courier New" panose="02070309020205020404" pitchFamily="49" charset="0"/>
+                <a:cs typeface="Courier New" panose="02070309020205020404" pitchFamily="49" charset="0"/>
+              </a:rPr>
+            </a:br>
+            <a:r>
+              <a:rPr kumimoji="0" lang="sk-SK" altLang="sk-SK" sz="1600" b="0" i="0" u="none" strike="noStrike" cap="none" normalizeH="0" baseline="0" dirty="0" smtClean="0">
+                <a:ln>
+                  <a:noFill/>
+                </a:ln>
+                <a:solidFill>
+                  <a:srgbClr val="000000"/>
+                </a:solidFill>
+                <a:effectLst/>
+                <a:latin typeface="Courier New" panose="02070309020205020404" pitchFamily="49" charset="0"/>
+                <a:cs typeface="Courier New" panose="02070309020205020404" pitchFamily="49" charset="0"/>
+              </a:rPr>
+              <a:t>    </a:t>
+            </a:r>
+            <a:r>
+              <a:rPr kumimoji="0" lang="sk-SK" altLang="sk-SK" sz="1600" b="1" i="0" u="none" strike="noStrike" cap="none" normalizeH="0" baseline="0" dirty="0" err="1" smtClean="0">
+                <a:ln>
+                  <a:noFill/>
+                </a:ln>
+                <a:solidFill>
+                  <a:srgbClr val="000080"/>
+                </a:solidFill>
+                <a:effectLst/>
+                <a:latin typeface="Courier New" panose="02070309020205020404" pitchFamily="49" charset="0"/>
+                <a:cs typeface="Courier New" panose="02070309020205020404" pitchFamily="49" charset="0"/>
+              </a:rPr>
+              <a:t>public</a:t>
+            </a:r>
+            <a:r>
+              <a:rPr kumimoji="0" lang="sk-SK" altLang="sk-SK" sz="1600" b="1" i="0" u="none" strike="noStrike" cap="none" normalizeH="0" baseline="0" dirty="0" smtClean="0">
+                <a:ln>
+                  <a:noFill/>
+                </a:ln>
+                <a:solidFill>
+                  <a:srgbClr val="000080"/>
+                </a:solidFill>
+                <a:effectLst/>
+                <a:latin typeface="Courier New" panose="02070309020205020404" pitchFamily="49" charset="0"/>
+                <a:cs typeface="Courier New" panose="02070309020205020404" pitchFamily="49" charset="0"/>
+              </a:rPr>
+              <a:t> </a:t>
+            </a:r>
+            <a:r>
+              <a:rPr kumimoji="0" lang="sk-SK" altLang="sk-SK" sz="1600" b="1" i="0" u="none" strike="noStrike" cap="none" normalizeH="0" baseline="0" dirty="0" err="1" smtClean="0">
+                <a:ln>
+                  <a:noFill/>
+                </a:ln>
+                <a:solidFill>
+                  <a:srgbClr val="000080"/>
+                </a:solidFill>
+                <a:effectLst/>
+                <a:latin typeface="Courier New" panose="02070309020205020404" pitchFamily="49" charset="0"/>
+                <a:cs typeface="Courier New" panose="02070309020205020404" pitchFamily="49" charset="0"/>
+              </a:rPr>
+              <a:t>void</a:t>
+            </a:r>
+            <a:r>
+              <a:rPr kumimoji="0" lang="sk-SK" altLang="sk-SK" sz="1600" b="1" i="0" u="none" strike="noStrike" cap="none" normalizeH="0" baseline="0" dirty="0" smtClean="0">
+                <a:ln>
+                  <a:noFill/>
+                </a:ln>
+                <a:solidFill>
+                  <a:srgbClr val="000080"/>
+                </a:solidFill>
+                <a:effectLst/>
+                <a:latin typeface="Courier New" panose="02070309020205020404" pitchFamily="49" charset="0"/>
+                <a:cs typeface="Courier New" panose="02070309020205020404" pitchFamily="49" charset="0"/>
+              </a:rPr>
+              <a:t> </a:t>
+            </a:r>
+            <a:r>
+              <a:rPr kumimoji="0" lang="sk-SK" altLang="sk-SK" sz="1600" b="0" i="0" u="none" strike="noStrike" cap="none" normalizeH="0" baseline="0" dirty="0" err="1" smtClean="0">
+                <a:ln>
+                  <a:noFill/>
+                </a:ln>
+                <a:solidFill>
+                  <a:srgbClr val="000000"/>
+                </a:solidFill>
+                <a:effectLst/>
+                <a:latin typeface="Courier New" panose="02070309020205020404" pitchFamily="49" charset="0"/>
+                <a:cs typeface="Courier New" panose="02070309020205020404" pitchFamily="49" charset="0"/>
+              </a:rPr>
+              <a:t>actionPerformed</a:t>
+            </a:r>
+            <a:r>
+              <a:rPr kumimoji="0" lang="sk-SK" altLang="sk-SK" sz="1600" b="0" i="0" u="none" strike="noStrike" cap="none" normalizeH="0" baseline="0" dirty="0" smtClean="0">
+                <a:ln>
+                  <a:noFill/>
+                </a:ln>
+                <a:solidFill>
+                  <a:srgbClr val="000000"/>
+                </a:solidFill>
+                <a:effectLst/>
+                <a:latin typeface="Courier New" panose="02070309020205020404" pitchFamily="49" charset="0"/>
+                <a:cs typeface="Courier New" panose="02070309020205020404" pitchFamily="49" charset="0"/>
+              </a:rPr>
+              <a:t>(</a:t>
+            </a:r>
+            <a:r>
+              <a:rPr kumimoji="0" lang="sk-SK" altLang="sk-SK" sz="1600" b="0" i="0" u="none" strike="noStrike" cap="none" normalizeH="0" baseline="0" dirty="0" err="1" smtClean="0">
+                <a:ln>
+                  <a:noFill/>
+                </a:ln>
+                <a:solidFill>
+                  <a:srgbClr val="000000"/>
+                </a:solidFill>
+                <a:effectLst/>
+                <a:latin typeface="Courier New" panose="02070309020205020404" pitchFamily="49" charset="0"/>
+                <a:cs typeface="Courier New" panose="02070309020205020404" pitchFamily="49" charset="0"/>
+              </a:rPr>
+              <a:t>ActionEvent</a:t>
+            </a:r>
+            <a:r>
+              <a:rPr kumimoji="0" lang="sk-SK" altLang="sk-SK" sz="1600" b="0" i="0" u="none" strike="noStrike" cap="none" normalizeH="0" baseline="0" dirty="0" smtClean="0">
+                <a:ln>
+                  <a:noFill/>
+                </a:ln>
+                <a:solidFill>
+                  <a:srgbClr val="000000"/>
+                </a:solidFill>
+                <a:effectLst/>
+                <a:latin typeface="Courier New" panose="02070309020205020404" pitchFamily="49" charset="0"/>
+                <a:cs typeface="Courier New" panose="02070309020205020404" pitchFamily="49" charset="0"/>
+              </a:rPr>
+              <a:t> </a:t>
+            </a:r>
+            <a:r>
+              <a:rPr kumimoji="0" lang="sk-SK" altLang="sk-SK" sz="1600" b="0" i="0" u="none" strike="noStrike" cap="none" normalizeH="0" baseline="0" dirty="0" err="1" smtClean="0">
+                <a:ln>
+                  <a:noFill/>
+                </a:ln>
+                <a:solidFill>
+                  <a:srgbClr val="000000"/>
+                </a:solidFill>
+                <a:effectLst/>
+                <a:latin typeface="Courier New" panose="02070309020205020404" pitchFamily="49" charset="0"/>
+                <a:cs typeface="Courier New" panose="02070309020205020404" pitchFamily="49" charset="0"/>
+              </a:rPr>
+              <a:t>ae</a:t>
+            </a:r>
+            <a:r>
+              <a:rPr kumimoji="0" lang="sk-SK" altLang="sk-SK" sz="1600" b="0" i="0" u="none" strike="noStrike" cap="none" normalizeH="0" baseline="0" dirty="0" smtClean="0">
+                <a:ln>
+                  <a:noFill/>
+                </a:ln>
+                <a:solidFill>
+                  <a:srgbClr val="000000"/>
+                </a:solidFill>
+                <a:effectLst/>
+                <a:latin typeface="Courier New" panose="02070309020205020404" pitchFamily="49" charset="0"/>
+                <a:cs typeface="Courier New" panose="02070309020205020404" pitchFamily="49" charset="0"/>
+              </a:rPr>
+              <a:t>) {</a:t>
+            </a:r>
+            <a:br>
+              <a:rPr kumimoji="0" lang="sk-SK" altLang="sk-SK" sz="1600" b="0" i="0" u="none" strike="noStrike" cap="none" normalizeH="0" baseline="0" dirty="0" smtClean="0">
+                <a:ln>
+                  <a:noFill/>
+                </a:ln>
+                <a:solidFill>
+                  <a:srgbClr val="000000"/>
+                </a:solidFill>
+                <a:effectLst/>
+                <a:latin typeface="Courier New" panose="02070309020205020404" pitchFamily="49" charset="0"/>
+                <a:cs typeface="Courier New" panose="02070309020205020404" pitchFamily="49" charset="0"/>
+              </a:rPr>
+            </a:br>
+            <a:r>
+              <a:rPr kumimoji="0" lang="sk-SK" altLang="sk-SK" sz="1600" b="0" i="0" u="none" strike="noStrike" cap="none" normalizeH="0" baseline="0" dirty="0" smtClean="0">
+                <a:ln>
+                  <a:noFill/>
+                </a:ln>
+                <a:solidFill>
+                  <a:srgbClr val="000000"/>
+                </a:solidFill>
+                <a:effectLst/>
+                <a:latin typeface="Courier New" panose="02070309020205020404" pitchFamily="49" charset="0"/>
+                <a:cs typeface="Courier New" panose="02070309020205020404" pitchFamily="49" charset="0"/>
+              </a:rPr>
+              <a:t>        </a:t>
+            </a:r>
+            <a:r>
+              <a:rPr kumimoji="0" lang="sk-SK" altLang="sk-SK" sz="1600" b="0" i="0" u="none" strike="noStrike" cap="none" normalizeH="0" baseline="0" dirty="0" err="1" smtClean="0">
+                <a:ln>
+                  <a:noFill/>
+                </a:ln>
+                <a:solidFill>
+                  <a:srgbClr val="000000"/>
+                </a:solidFill>
+                <a:effectLst/>
+                <a:latin typeface="Courier New" panose="02070309020205020404" pitchFamily="49" charset="0"/>
+                <a:cs typeface="Courier New" panose="02070309020205020404" pitchFamily="49" charset="0"/>
+              </a:rPr>
+              <a:t>System.out.println</a:t>
+            </a:r>
+            <a:r>
+              <a:rPr kumimoji="0" lang="sk-SK" altLang="sk-SK" sz="1600" b="0" i="0" u="none" strike="noStrike" cap="none" normalizeH="0" baseline="0" dirty="0" smtClean="0">
+                <a:ln>
+                  <a:noFill/>
+                </a:ln>
+                <a:solidFill>
+                  <a:srgbClr val="000000"/>
+                </a:solidFill>
+                <a:effectLst/>
+                <a:latin typeface="Courier New" panose="02070309020205020404" pitchFamily="49" charset="0"/>
+                <a:cs typeface="Courier New" panose="02070309020205020404" pitchFamily="49" charset="0"/>
+              </a:rPr>
+              <a:t>(</a:t>
+            </a:r>
+            <a:r>
+              <a:rPr kumimoji="0" lang="sk-SK" altLang="sk-SK" sz="1600" b="1" i="0" u="none" strike="noStrike" cap="none" normalizeH="0" baseline="0" dirty="0" smtClean="0">
+                <a:ln>
+                  <a:noFill/>
+                </a:ln>
+                <a:solidFill>
+                  <a:srgbClr val="008000"/>
+                </a:solidFill>
+                <a:effectLst/>
+                <a:latin typeface="Courier New" panose="02070309020205020404" pitchFamily="49" charset="0"/>
+                <a:cs typeface="Courier New" panose="02070309020205020404" pitchFamily="49" charset="0"/>
+              </a:rPr>
+              <a:t>"</a:t>
+            </a:r>
+            <a:r>
+              <a:rPr kumimoji="0" lang="sk-SK" altLang="sk-SK" sz="1600" b="1" i="0" u="none" strike="noStrike" cap="none" normalizeH="0" baseline="0" dirty="0" err="1" smtClean="0">
+                <a:ln>
+                  <a:noFill/>
+                </a:ln>
+                <a:solidFill>
+                  <a:srgbClr val="008000"/>
+                </a:solidFill>
+                <a:effectLst/>
+                <a:latin typeface="Courier New" panose="02070309020205020404" pitchFamily="49" charset="0"/>
+                <a:cs typeface="Courier New" panose="02070309020205020404" pitchFamily="49" charset="0"/>
+              </a:rPr>
+              <a:t>Button</a:t>
+            </a:r>
+            <a:r>
+              <a:rPr kumimoji="0" lang="sk-SK" altLang="sk-SK" sz="1600" b="1" i="0" u="none" strike="noStrike" cap="none" normalizeH="0" baseline="0" dirty="0" smtClean="0">
+                <a:ln>
+                  <a:noFill/>
+                </a:ln>
+                <a:solidFill>
+                  <a:srgbClr val="008000"/>
+                </a:solidFill>
+                <a:effectLst/>
+                <a:latin typeface="Courier New" panose="02070309020205020404" pitchFamily="49" charset="0"/>
+                <a:cs typeface="Courier New" panose="02070309020205020404" pitchFamily="49" charset="0"/>
+              </a:rPr>
+              <a:t> has </a:t>
+            </a:r>
+            <a:r>
+              <a:rPr kumimoji="0" lang="sk-SK" altLang="sk-SK" sz="1600" b="1" i="0" u="none" strike="noStrike" cap="none" normalizeH="0" baseline="0" dirty="0" err="1" smtClean="0">
+                <a:ln>
+                  <a:noFill/>
+                </a:ln>
+                <a:solidFill>
+                  <a:srgbClr val="008000"/>
+                </a:solidFill>
+                <a:effectLst/>
+                <a:latin typeface="Courier New" panose="02070309020205020404" pitchFamily="49" charset="0"/>
+                <a:cs typeface="Courier New" panose="02070309020205020404" pitchFamily="49" charset="0"/>
+              </a:rPr>
+              <a:t>been</a:t>
+            </a:r>
+            <a:r>
+              <a:rPr kumimoji="0" lang="sk-SK" altLang="sk-SK" sz="1600" b="1" i="0" u="none" strike="noStrike" cap="none" normalizeH="0" baseline="0" dirty="0" smtClean="0">
+                <a:ln>
+                  <a:noFill/>
+                </a:ln>
+                <a:solidFill>
+                  <a:srgbClr val="008000"/>
+                </a:solidFill>
+                <a:effectLst/>
+                <a:latin typeface="Courier New" panose="02070309020205020404" pitchFamily="49" charset="0"/>
+                <a:cs typeface="Courier New" panose="02070309020205020404" pitchFamily="49" charset="0"/>
+              </a:rPr>
+              <a:t> </a:t>
+            </a:r>
+            <a:r>
+              <a:rPr kumimoji="0" lang="sk-SK" altLang="sk-SK" sz="1600" b="1" i="0" u="none" strike="noStrike" cap="none" normalizeH="0" baseline="0" dirty="0" err="1" smtClean="0">
+                <a:ln>
+                  <a:noFill/>
+                </a:ln>
+                <a:solidFill>
+                  <a:srgbClr val="008000"/>
+                </a:solidFill>
+                <a:effectLst/>
+                <a:latin typeface="Courier New" panose="02070309020205020404" pitchFamily="49" charset="0"/>
+                <a:cs typeface="Courier New" panose="02070309020205020404" pitchFamily="49" charset="0"/>
+              </a:rPr>
+              <a:t>clicked</a:t>
+            </a:r>
+            <a:r>
+              <a:rPr kumimoji="0" lang="sk-SK" altLang="sk-SK" sz="1600" b="1" i="0" u="none" strike="noStrike" cap="none" normalizeH="0" baseline="0" dirty="0" smtClean="0">
+                <a:ln>
+                  <a:noFill/>
+                </a:ln>
+                <a:solidFill>
+                  <a:srgbClr val="008000"/>
+                </a:solidFill>
+                <a:effectLst/>
+                <a:latin typeface="Courier New" panose="02070309020205020404" pitchFamily="49" charset="0"/>
+                <a:cs typeface="Courier New" panose="02070309020205020404" pitchFamily="49" charset="0"/>
+              </a:rPr>
+              <a:t>!"</a:t>
+            </a:r>
+            <a:r>
+              <a:rPr kumimoji="0" lang="sk-SK" altLang="sk-SK" sz="1600" b="0" i="0" u="none" strike="noStrike" cap="none" normalizeH="0" baseline="0" dirty="0" smtClean="0">
+                <a:ln>
+                  <a:noFill/>
+                </a:ln>
+                <a:solidFill>
+                  <a:srgbClr val="000000"/>
+                </a:solidFill>
+                <a:effectLst/>
+                <a:latin typeface="Courier New" panose="02070309020205020404" pitchFamily="49" charset="0"/>
+                <a:cs typeface="Courier New" panose="02070309020205020404" pitchFamily="49" charset="0"/>
+              </a:rPr>
+              <a:t>);</a:t>
+            </a:r>
+            <a:br>
+              <a:rPr kumimoji="0" lang="sk-SK" altLang="sk-SK" sz="1600" b="0" i="0" u="none" strike="noStrike" cap="none" normalizeH="0" baseline="0" dirty="0" smtClean="0">
+                <a:ln>
+                  <a:noFill/>
+                </a:ln>
+                <a:solidFill>
+                  <a:srgbClr val="000000"/>
+                </a:solidFill>
+                <a:effectLst/>
+                <a:latin typeface="Courier New" panose="02070309020205020404" pitchFamily="49" charset="0"/>
+                <a:cs typeface="Courier New" panose="02070309020205020404" pitchFamily="49" charset="0"/>
+              </a:rPr>
+            </a:br>
+            <a:r>
+              <a:rPr kumimoji="0" lang="sk-SK" altLang="sk-SK" sz="1600" b="0" i="0" u="none" strike="noStrike" cap="none" normalizeH="0" baseline="0" dirty="0" smtClean="0">
+                <a:ln>
+                  <a:noFill/>
+                </a:ln>
+                <a:solidFill>
+                  <a:srgbClr val="000000"/>
+                </a:solidFill>
+                <a:effectLst/>
+                <a:latin typeface="Courier New" panose="02070309020205020404" pitchFamily="49" charset="0"/>
+                <a:cs typeface="Courier New" panose="02070309020205020404" pitchFamily="49" charset="0"/>
+              </a:rPr>
+              <a:t>    }</a:t>
+            </a:r>
+            <a:br>
+              <a:rPr kumimoji="0" lang="sk-SK" altLang="sk-SK" sz="1600" b="0" i="0" u="none" strike="noStrike" cap="none" normalizeH="0" baseline="0" dirty="0" smtClean="0">
+                <a:ln>
+                  <a:noFill/>
+                </a:ln>
+                <a:solidFill>
+                  <a:srgbClr val="000000"/>
+                </a:solidFill>
+                <a:effectLst/>
+                <a:latin typeface="Courier New" panose="02070309020205020404" pitchFamily="49" charset="0"/>
+                <a:cs typeface="Courier New" panose="02070309020205020404" pitchFamily="49" charset="0"/>
+              </a:rPr>
+            </a:br>
+            <a:r>
+              <a:rPr kumimoji="0" lang="sk-SK" altLang="sk-SK" sz="1600" b="0" i="0" u="none" strike="noStrike" cap="none" normalizeH="0" baseline="0" dirty="0" smtClean="0">
+                <a:ln>
+                  <a:noFill/>
+                </a:ln>
+                <a:solidFill>
+                  <a:srgbClr val="000000"/>
+                </a:solidFill>
+                <a:effectLst/>
+                <a:latin typeface="Courier New" panose="02070309020205020404" pitchFamily="49" charset="0"/>
+                <a:cs typeface="Courier New" panose="02070309020205020404" pitchFamily="49" charset="0"/>
+              </a:rPr>
+              <a:t>}</a:t>
+            </a:r>
+            <a:endParaRPr kumimoji="0" lang="sk-SK" altLang="sk-SK" sz="1600" b="0" i="0" u="none" strike="noStrike" cap="none" normalizeH="0" baseline="0" dirty="0" smtClean="0">
+              <a:ln>
+                <a:noFill/>
+              </a:ln>
+              <a:solidFill>
+                <a:schemeClr val="tx1"/>
+              </a:solidFill>
+              <a:effectLst/>
+              <a:latin typeface="Arial" panose="020B0604020202020204" pitchFamily="34" charset="0"/>
+            </a:endParaRPr>
+          </a:p>
+        </p:txBody>
+      </p:sp>
+      <p:sp>
+        <p:nvSpPr>
+          <p:cNvPr id="3" name="Obdĺžniková bublina 2"/>
+          <p:cNvSpPr/>
+          <p:nvPr/>
+        </p:nvSpPr>
+        <p:spPr>
+          <a:xfrm>
+            <a:off x="4475285" y="1415562"/>
+            <a:ext cx="1301261" cy="457200"/>
+          </a:xfrm>
+          <a:prstGeom prst="wedgeRectCallout">
+            <a:avLst/>
+          </a:prstGeom>
+        </p:spPr>
+        <p:style>
+          <a:lnRef idx="1">
+            <a:schemeClr val="accent1"/>
+          </a:lnRef>
+          <a:fillRef idx="2">
+            <a:schemeClr val="accent1"/>
+          </a:fillRef>
+          <a:effectRef idx="1">
+            <a:schemeClr val="accent1"/>
+          </a:effectRef>
+          <a:fontRef idx="minor">
+            <a:schemeClr val="dk1"/>
+          </a:fontRef>
+        </p:style>
+        <p:txBody>
+          <a:bodyPr rtlCol="0" anchor="ctr"/>
+          <a:lstStyle/>
+          <a:p>
+            <a:pPr algn="ctr"/>
+            <a:endParaRPr lang="sk-SK"/>
+          </a:p>
+        </p:txBody>
+      </p:sp>
+      <p:sp>
+        <p:nvSpPr>
           <p:cNvPr id="4" name="BlokTextu 3"/>
           <p:cNvSpPr txBox="1"/>
           <p:nvPr/>
         </p:nvSpPr>
         <p:spPr>
           <a:xfrm>
-            <a:off x="984738" y="4202723"/>
-            <a:ext cx="7382022" cy="369332"/>
+            <a:off x="4490183" y="1459524"/>
+            <a:ext cx="1286363" cy="369332"/>
           </a:xfrm>
           <a:prstGeom prst="rect">
             <a:avLst/>
@@ -9129,217 +11862,99 @@
           </a:bodyPr>
           <a:lstStyle/>
           <a:p>
-            <a:pPr marL="285750" indent="-285750">
-              <a:buFont typeface="Arial" panose="020B0604020202020204" pitchFamily="34" charset="0"/>
-              <a:buChar char="•"/>
-            </a:pPr>
-            <a:r>
-              <a:rPr lang="sk-SK" dirty="0"/>
-              <a:t>g</a:t>
-            </a:r>
             <a:r>
               <a:rPr lang="sk-SK" dirty="0" smtClean="0"/>
-              <a:t>ithub.com/</a:t>
-            </a:r>
-            <a:r>
-              <a:rPr lang="sk-SK" dirty="0" err="1" smtClean="0"/>
-              <a:t>igormiktor</a:t>
-            </a:r>
+              <a:t>Komponent</a:t>
+            </a:r>
+            <a:endParaRPr lang="sk-SK" dirty="0"/>
+          </a:p>
+        </p:txBody>
+      </p:sp>
+      <p:sp>
+        <p:nvSpPr>
+          <p:cNvPr id="6" name="Obdĺžniková bublina 5"/>
+          <p:cNvSpPr/>
+          <p:nvPr/>
+        </p:nvSpPr>
+        <p:spPr>
+          <a:xfrm>
+            <a:off x="3414347" y="3216631"/>
+            <a:ext cx="2124807" cy="457200"/>
+          </a:xfrm>
+          <a:prstGeom prst="wedgeRectCallout">
+            <a:avLst/>
+          </a:prstGeom>
+        </p:spPr>
+        <p:style>
+          <a:lnRef idx="1">
+            <a:schemeClr val="accent1"/>
+          </a:lnRef>
+          <a:fillRef idx="2">
+            <a:schemeClr val="accent1"/>
+          </a:fillRef>
+          <a:effectRef idx="1">
+            <a:schemeClr val="accent1"/>
+          </a:effectRef>
+          <a:fontRef idx="minor">
+            <a:schemeClr val="dk1"/>
+          </a:fontRef>
+        </p:style>
+        <p:txBody>
+          <a:bodyPr rtlCol="0" anchor="ctr"/>
+          <a:lstStyle/>
+          <a:p>
+            <a:pPr algn="ctr"/>
+            <a:endParaRPr lang="sk-SK"/>
+          </a:p>
+        </p:txBody>
+      </p:sp>
+      <p:sp>
+        <p:nvSpPr>
+          <p:cNvPr id="7" name="BlokTextu 6"/>
+          <p:cNvSpPr txBox="1"/>
+          <p:nvPr/>
+        </p:nvSpPr>
+        <p:spPr>
+          <a:xfrm>
+            <a:off x="3429245" y="3260593"/>
+            <a:ext cx="2109909" cy="369332"/>
+          </a:xfrm>
+          <a:prstGeom prst="rect">
+            <a:avLst/>
+          </a:prstGeom>
+          <a:noFill/>
+        </p:spPr>
+        <p:txBody>
+          <a:bodyPr wrap="square" rtlCol="0">
+            <a:spAutoFit/>
+          </a:bodyPr>
+          <a:lstStyle/>
+          <a:p>
             <a:r>
               <a:rPr lang="sk-SK" dirty="0" smtClean="0"/>
-              <a:t>/</a:t>
-            </a:r>
-            <a:r>
-              <a:rPr lang="sk-SK" b="1" dirty="0" err="1" smtClean="0"/>
-              <a:t>arduino-EventManager</a:t>
-            </a:r>
-            <a:endParaRPr lang="sk-SK" b="1" dirty="0"/>
+              <a:t>Spracovanie udalosti</a:t>
+            </a:r>
+            <a:endParaRPr lang="sk-SK" dirty="0"/>
           </a:p>
         </p:txBody>
       </p:sp>
     </p:spTree>
     <p:extLst>
       <p:ext uri="{BB962C8B-B14F-4D97-AF65-F5344CB8AC3E}">
-        <p14:creationId xmlns:p14="http://schemas.microsoft.com/office/powerpoint/2010/main" val="4194924989"/>
+        <p14:creationId xmlns:p14="http://schemas.microsoft.com/office/powerpoint/2010/main" val="4286784912"/>
       </p:ext>
     </p:extLst>
   </p:cSld>
   <p:clrMapOvr>
     <a:masterClrMapping/>
   </p:clrMapOvr>
-</p:sld>
-</file>
-
-<file path=ppt/slides/slide9.xml><?xml version="1.0" encoding="utf-8"?>
-<p:sld xmlns:a="http://schemas.openxmlformats.org/drawingml/2006/main" xmlns:r="http://schemas.openxmlformats.org/officeDocument/2006/relationships" xmlns:p="http://schemas.openxmlformats.org/presentationml/2006/main">
-  <p:cSld>
-    <p:spTree>
-      <p:nvGrpSpPr>
-        <p:cNvPr id="1" name=""/>
-        <p:cNvGrpSpPr/>
-        <p:nvPr/>
-      </p:nvGrpSpPr>
-      <p:grpSpPr>
-        <a:xfrm>
-          <a:off x="0" y="0"/>
-          <a:ext cx="0" cy="0"/>
-          <a:chOff x="0" y="0"/>
-          <a:chExt cx="0" cy="0"/>
-        </a:xfrm>
-      </p:grpSpPr>
-      <p:sp>
-        <p:nvSpPr>
-          <p:cNvPr id="2" name="Nadpis 1"/>
-          <p:cNvSpPr>
-            <a:spLocks noGrp="1"/>
-          </p:cNvSpPr>
-          <p:nvPr>
-            <p:ph type="title"/>
-          </p:nvPr>
-        </p:nvSpPr>
-        <p:spPr/>
-        <p:txBody>
-          <a:bodyPr/>
-          <a:lstStyle/>
-          <a:p>
-            <a:r>
-              <a:rPr lang="sk-SK" dirty="0" smtClean="0"/>
-              <a:t>Ciele práce</a:t>
-            </a:r>
-            <a:endParaRPr lang="sk-SK" dirty="0"/>
-          </a:p>
-        </p:txBody>
-      </p:sp>
-      <p:sp>
-        <p:nvSpPr>
-          <p:cNvPr id="3" name="Zástupný objekt pre obsah 2"/>
-          <p:cNvSpPr>
-            <a:spLocks noGrp="1"/>
-          </p:cNvSpPr>
-          <p:nvPr>
-            <p:ph idx="1"/>
-          </p:nvPr>
-        </p:nvSpPr>
-        <p:spPr/>
-        <p:txBody>
-          <a:bodyPr/>
-          <a:lstStyle/>
-          <a:p>
-            <a:pPr marL="457200" indent="-457200">
-              <a:buFont typeface="+mj-lt"/>
-              <a:buAutoNum type="arabicPeriod"/>
-            </a:pPr>
-            <a:r>
-              <a:rPr lang="sk-SK" dirty="0" smtClean="0"/>
-              <a:t>Preskúmať</a:t>
-            </a:r>
-            <a:r>
-              <a:rPr lang="sk-SK" dirty="0"/>
-              <a:t>, analyzovať a porovnať existujúce prístupy, softvérové aplikácie a knižnice využívané pri programovaní </a:t>
-            </a:r>
-            <a:r>
-              <a:rPr lang="sk-SK" dirty="0" err="1"/>
-              <a:t>Arduino</a:t>
-            </a:r>
-            <a:r>
-              <a:rPr lang="sk-SK" dirty="0"/>
-              <a:t> zariadení.</a:t>
-            </a:r>
-          </a:p>
-          <a:p>
-            <a:pPr marL="457200" indent="-457200">
-              <a:buFont typeface="+mj-lt"/>
-              <a:buAutoNum type="arabicPeriod"/>
-            </a:pPr>
-            <a:r>
-              <a:rPr lang="sk-SK" dirty="0" smtClean="0"/>
-              <a:t>Preskúmať </a:t>
-            </a:r>
-            <a:r>
-              <a:rPr lang="sk-SK" dirty="0"/>
-              <a:t>a analyzovať možnosti komponentového a udalosťami riadeného programovania s ohľadom na hardvérové obmedzenia </a:t>
-            </a:r>
-            <a:r>
-              <a:rPr lang="sk-SK" dirty="0" err="1"/>
-              <a:t>Arduino</a:t>
-            </a:r>
-            <a:r>
-              <a:rPr lang="sk-SK" dirty="0"/>
-              <a:t> zariadení.</a:t>
-            </a:r>
-          </a:p>
-          <a:p>
-            <a:pPr marL="457200" indent="-457200">
-              <a:buFont typeface="+mj-lt"/>
-              <a:buAutoNum type="arabicPeriod"/>
-            </a:pPr>
-            <a:r>
-              <a:rPr lang="sk-SK" dirty="0" smtClean="0"/>
-              <a:t>Vychádzajúc </a:t>
-            </a:r>
-            <a:r>
-              <a:rPr lang="sk-SK" dirty="0"/>
-              <a:t>z existujúcich </a:t>
-            </a:r>
-            <a:r>
-              <a:rPr lang="sk-SK" dirty="0" err="1"/>
-              <a:t>open-source</a:t>
-            </a:r>
-            <a:r>
-              <a:rPr lang="sk-SK" dirty="0"/>
-              <a:t> projektov a knižníc navrhnúť a implementovať </a:t>
-            </a:r>
-            <a:r>
-              <a:rPr lang="sk-SK" dirty="0" err="1"/>
-              <a:t>uživateľsky</a:t>
-            </a:r>
-            <a:r>
-              <a:rPr lang="sk-SK" dirty="0"/>
-              <a:t> prívetivé riešenie na jednoduché komponentovo-orientované a udalosťami riadené programovanie </a:t>
-            </a:r>
-            <a:r>
-              <a:rPr lang="sk-SK" dirty="0" err="1"/>
-              <a:t>Arduino</a:t>
-            </a:r>
-            <a:r>
-              <a:rPr lang="sk-SK" dirty="0"/>
-              <a:t> zariadení.</a:t>
-            </a:r>
-          </a:p>
-          <a:p>
-            <a:pPr marL="457200" indent="-457200">
-              <a:buFont typeface="+mj-lt"/>
-              <a:buAutoNum type="arabicPeriod"/>
-            </a:pPr>
-            <a:r>
-              <a:rPr lang="sk-SK" dirty="0" smtClean="0"/>
-              <a:t>Implementovať </a:t>
-            </a:r>
-            <a:r>
-              <a:rPr lang="sk-SK" dirty="0"/>
-              <a:t>vzorové komponenty využiteľné pri návrhu a implementácii </a:t>
-            </a:r>
-            <a:r>
-              <a:rPr lang="sk-SK" dirty="0" err="1"/>
-              <a:t>IoT</a:t>
-            </a:r>
-            <a:r>
-              <a:rPr lang="sk-SK" dirty="0"/>
-              <a:t> riešení.</a:t>
-            </a:r>
-          </a:p>
-        </p:txBody>
-      </p:sp>
-    </p:spTree>
-    <p:extLst>
-      <p:ext uri="{BB962C8B-B14F-4D97-AF65-F5344CB8AC3E}">
-        <p14:creationId xmlns:p14="http://schemas.microsoft.com/office/powerpoint/2010/main" val="3366293578"/>
-      </p:ext>
-    </p:extLst>
-  </p:cSld>
-  <p:clrMapOvr>
-    <a:masterClrMapping/>
-  </p:clrMapOvr>
+  <p:timing>
+    <p:tnLst>
+      <p:par>
+        <p:cTn id="1" dur="indefinite" restart="never" nodeType="tmRoot"/>
+      </p:par>
+    </p:tnLst>
+  </p:timing>
 </p:sld>
 </file>
 

--- a/Prezentacie/prezentacia.pptx
+++ b/Prezentacie/prezentacia.pptx
@@ -5,7 +5,7 @@
     <p:sldMasterId id="2147483732" r:id="rId1"/>
   </p:sldMasterIdLst>
   <p:notesMasterIdLst>
-    <p:notesMasterId r:id="rId16"/>
+    <p:notesMasterId r:id="rId17"/>
   </p:notesMasterIdLst>
   <p:sldIdLst>
     <p:sldId id="256" r:id="rId2"/>
@@ -20,8 +20,9 @@
     <p:sldId id="261" r:id="rId11"/>
     <p:sldId id="264" r:id="rId12"/>
     <p:sldId id="257" r:id="rId13"/>
-    <p:sldId id="262" r:id="rId14"/>
-    <p:sldId id="263" r:id="rId15"/>
+    <p:sldId id="270" r:id="rId14"/>
+    <p:sldId id="262" r:id="rId15"/>
+    <p:sldId id="263" r:id="rId16"/>
   </p:sldIdLst>
   <p:sldSz cx="9144000" cy="6858000" type="screen4x3"/>
   <p:notesSz cx="6858000" cy="9144000"/>
@@ -122,7 +123,18 @@
   </p:defaultTextStyle>
   <p:extLst>
     <p:ext uri="{EFAFB233-063F-42B5-8137-9DF3F51BA10A}">
-      <p15:sldGuideLst xmlns:p15="http://schemas.microsoft.com/office/powerpoint/2012/main"/>
+      <p15:sldGuideLst xmlns:p15="http://schemas.microsoft.com/office/powerpoint/2012/main">
+        <p15:guide id="1" orient="horz" pos="2160">
+          <p15:clr>
+            <a:srgbClr val="A4A3A4"/>
+          </p15:clr>
+        </p15:guide>
+        <p15:guide id="2" pos="2880">
+          <p15:clr>
+            <a:srgbClr val="A4A3A4"/>
+          </p15:clr>
+        </p15:guide>
+      </p15:sldGuideLst>
     </p:ext>
   </p:extLst>
 </p:presentation>
@@ -131,11 +143,7 @@
 <file path=ppt/commentAuthors.xml><?xml version="1.0" encoding="utf-8"?>
 <p:cmAuthorLst xmlns:a="http://schemas.openxmlformats.org/drawingml/2006/main" xmlns:r="http://schemas.openxmlformats.org/officeDocument/2006/relationships" xmlns:p="http://schemas.openxmlformats.org/presentationml/2006/main">
   <p:cmAuthor id="1" name="patrik fm" initials="pf" lastIdx="1" clrIdx="0">
-    <p:extLst>
-      <p:ext uri="{19B8F6BF-5375-455C-9EA6-DF929625EA0E}">
-        <p15:presenceInfo xmlns:p15="http://schemas.microsoft.com/office/powerpoint/2012/main" userId="c5e607f29bec92e7" providerId="Windows Live"/>
-      </p:ext>
-    </p:extLst>
+    <p:extLst/>
   </p:cmAuthor>
 </p:cmAuthorLst>
 </file>
@@ -4625,7 +4633,7 @@
             </a:r>
             <a:r>
               <a:rPr lang="sk-SK" sz="4000" dirty="0" smtClean="0"/>
-              <a:t> zariadení.</a:t>
+              <a:t> zariadení</a:t>
             </a:r>
             <a:endParaRPr lang="sk-SK" sz="4000" dirty="0"/>
           </a:p>
@@ -4734,7 +4742,7 @@
           <a:p>
             <a:r>
               <a:rPr lang="sk-SK" dirty="0" smtClean="0"/>
-              <a:t>Naša vízia (komponenty)</a:t>
+              <a:t>Naša vízia - komponenty</a:t>
             </a:r>
             <a:endParaRPr lang="sk-SK" dirty="0"/>
           </a:p>
@@ -4748,11 +4756,14 @@
         </p:nvSpPr>
         <p:spPr>
           <a:xfrm>
-            <a:off x="1002324" y="2062024"/>
-            <a:ext cx="2860660" cy="2694613"/>
+            <a:off x="685797" y="1964592"/>
+            <a:ext cx="2335166" cy="2087945"/>
           </a:xfrm>
           <a:prstGeom prst="snip2DiagRect">
-            <a:avLst/>
+            <a:avLst>
+              <a:gd name="adj1" fmla="val 0"/>
+              <a:gd name="adj2" fmla="val 9089"/>
+            </a:avLst>
           </a:prstGeom>
           <a:solidFill>
             <a:schemeClr val="accent4">
@@ -4794,8 +4805,8 @@
         </p:nvSpPr>
         <p:spPr>
           <a:xfrm>
-            <a:off x="1169377" y="2171701"/>
-            <a:ext cx="1720279" cy="646331"/>
+            <a:off x="852850" y="2074269"/>
+            <a:ext cx="1463479" cy="553998"/>
           </a:xfrm>
           <a:prstGeom prst="rect">
             <a:avLst/>
@@ -4809,14 +4820,14 @@
           <a:lstStyle/>
           <a:p>
             <a:r>
-              <a:rPr lang="sk-SK" sz="3600" b="1" dirty="0"/>
+              <a:rPr lang="sk-SK" sz="3000" b="1" dirty="0"/>
               <a:t>Č</a:t>
             </a:r>
             <a:r>
-              <a:rPr lang="sk-SK" sz="3600" b="1" dirty="0" smtClean="0"/>
+              <a:rPr lang="sk-SK" sz="3000" b="1" dirty="0" smtClean="0"/>
               <a:t>asovač</a:t>
             </a:r>
-            <a:endParaRPr lang="sk-SK" sz="3600" b="1" dirty="0"/>
+            <a:endParaRPr lang="sk-SK" sz="3000" b="1" dirty="0"/>
           </a:p>
         </p:txBody>
       </p:sp>
@@ -4828,8 +4839,8 @@
         </p:nvSpPr>
         <p:spPr>
           <a:xfrm>
-            <a:off x="1080746" y="2927709"/>
-            <a:ext cx="2782237" cy="1338828"/>
+            <a:off x="753291" y="2622528"/>
+            <a:ext cx="2267672" cy="1338828"/>
           </a:xfrm>
           <a:prstGeom prst="rect">
             <a:avLst/>
@@ -4849,7 +4860,7 @@
             </a:pPr>
             <a:r>
               <a:rPr lang="sk-SK" dirty="0" smtClean="0"/>
-              <a:t>Názov:		</a:t>
+              <a:t>Názov:	</a:t>
             </a:r>
             <a:r>
               <a:rPr lang="sk-SK" b="1" dirty="0" err="1" smtClean="0"/>
@@ -4865,12 +4876,13 @@
             </a:pPr>
             <a:r>
               <a:rPr lang="sk-SK" dirty="0" smtClean="0"/>
-              <a:t>Interval:		</a:t>
+              <a:t>Interval:	</a:t>
             </a:r>
             <a:r>
               <a:rPr lang="sk-SK" b="1" dirty="0" smtClean="0"/>
               <a:t>1000</a:t>
             </a:r>
+            <a:endParaRPr lang="sk-SK" b="1" dirty="0" smtClean="0"/>
           </a:p>
           <a:p>
             <a:pPr>
@@ -4884,7 +4896,7 @@
             </a:r>
             <a:r>
               <a:rPr lang="sk-SK" dirty="0" smtClean="0"/>
-              <a:t>:		</a:t>
+              <a:t>:	</a:t>
             </a:r>
             <a:r>
               <a:rPr lang="sk-SK" b="1" dirty="0" err="1" smtClean="0"/>
@@ -4900,17 +4912,20 @@
       </p:sp>
       <p:sp>
         <p:nvSpPr>
-          <p:cNvPr id="9" name="Obdĺžnik s dvoma protiľahlými odstrihnutými rohmi 8"/>
+          <p:cNvPr id="12" name="Obdĺžnik s dvoma protiľahlými odstrihnutými rohmi 11"/>
           <p:cNvSpPr/>
           <p:nvPr/>
         </p:nvSpPr>
         <p:spPr>
           <a:xfrm>
-            <a:off x="4594860" y="2062024"/>
-            <a:ext cx="2734407" cy="2204513"/>
+            <a:off x="896813" y="4197382"/>
+            <a:ext cx="2335166" cy="1605540"/>
           </a:xfrm>
           <a:prstGeom prst="snip2DiagRect">
-            <a:avLst/>
+            <a:avLst>
+              <a:gd name="adj1" fmla="val 0"/>
+              <a:gd name="adj2" fmla="val 9089"/>
+            </a:avLst>
           </a:prstGeom>
           <a:solidFill>
             <a:schemeClr val="accent4">
@@ -4946,14 +4961,14 @@
       </p:sp>
       <p:sp>
         <p:nvSpPr>
-          <p:cNvPr id="10" name="BlokTextu 9"/>
+          <p:cNvPr id="14" name="BlokTextu 13"/>
           <p:cNvSpPr txBox="1"/>
           <p:nvPr/>
         </p:nvSpPr>
         <p:spPr>
           <a:xfrm>
-            <a:off x="4761914" y="2171701"/>
-            <a:ext cx="1853008" cy="646331"/>
+            <a:off x="1063865" y="4307058"/>
+            <a:ext cx="1573380" cy="553998"/>
           </a:xfrm>
           <a:prstGeom prst="rect">
             <a:avLst/>
@@ -4967,23 +4982,23 @@
           <a:lstStyle/>
           <a:p>
             <a:r>
-              <a:rPr lang="sk-SK" sz="3600" b="1" dirty="0" smtClean="0"/>
+              <a:rPr lang="sk-SK" sz="3000" b="1" dirty="0" smtClean="0"/>
               <a:t>Prepínač</a:t>
             </a:r>
-            <a:endParaRPr lang="sk-SK" sz="3600" b="1" dirty="0"/>
+            <a:endParaRPr lang="sk-SK" sz="3000" b="1" dirty="0"/>
           </a:p>
         </p:txBody>
       </p:sp>
       <p:sp>
         <p:nvSpPr>
-          <p:cNvPr id="11" name="BlokTextu 10"/>
+          <p:cNvPr id="15" name="BlokTextu 14"/>
           <p:cNvSpPr txBox="1"/>
           <p:nvPr/>
         </p:nvSpPr>
         <p:spPr>
           <a:xfrm>
-            <a:off x="4673283" y="2927709"/>
-            <a:ext cx="1864613" cy="923330"/>
+            <a:off x="964307" y="4855317"/>
+            <a:ext cx="1402948" cy="880369"/>
           </a:xfrm>
           <a:prstGeom prst="rect">
             <a:avLst/>
@@ -5002,14 +5017,14 @@
               </a:lnSpc>
             </a:pPr>
             <a:r>
-              <a:rPr lang="sk-SK" dirty="0" smtClean="0"/>
-              <a:t>Názov:		</a:t>
+              <a:rPr lang="sk-SK" dirty="0"/>
+              <a:t>Názov:	</a:t>
             </a:r>
             <a:r>
               <a:rPr lang="sk-SK" b="1" dirty="0" err="1" smtClean="0"/>
               <a:t>led</a:t>
             </a:r>
-            <a:endParaRPr lang="sk-SK" b="1" dirty="0" smtClean="0"/>
+            <a:endParaRPr lang="sk-SK" b="1" dirty="0"/>
           </a:p>
           <a:p>
             <a:pPr>
@@ -5018,12 +5033,12 @@
               </a:lnSpc>
             </a:pPr>
             <a:r>
-              <a:rPr lang="sk-SK" dirty="0" err="1" smtClean="0"/>
+              <a:rPr lang="sk-SK" dirty="0" err="1"/>
               <a:t>Pin</a:t>
             </a:r>
             <a:r>
-              <a:rPr lang="sk-SK" dirty="0" smtClean="0"/>
-              <a:t>:			</a:t>
+              <a:rPr lang="sk-SK" dirty="0"/>
+              <a:t>:		</a:t>
             </a:r>
             <a:r>
               <a:rPr lang="sk-SK" b="1" dirty="0" smtClean="0"/>
@@ -5035,14 +5050,63 @@
       </p:sp>
       <p:sp>
         <p:nvSpPr>
-          <p:cNvPr id="13" name="BlokTextu 12"/>
+          <p:cNvPr id="16" name="Obdĺžnik s dvoma protiľahlými odstrihnutými rohmi 15"/>
+          <p:cNvSpPr/>
+          <p:nvPr/>
+        </p:nvSpPr>
+        <p:spPr>
+          <a:xfrm>
+            <a:off x="3188016" y="2183944"/>
+            <a:ext cx="2335166" cy="2087946"/>
+          </a:xfrm>
+          <a:prstGeom prst="snip2DiagRect">
+            <a:avLst>
+              <a:gd name="adj1" fmla="val 0"/>
+              <a:gd name="adj2" fmla="val 9089"/>
+            </a:avLst>
+          </a:prstGeom>
+          <a:solidFill>
+            <a:schemeClr val="accent4">
+              <a:alpha val="50000"/>
+            </a:schemeClr>
+          </a:solidFill>
+          <a:ln>
+            <a:noFill/>
+          </a:ln>
+        </p:spPr>
+        <p:style>
+          <a:lnRef idx="0">
+            <a:scrgbClr r="0" g="0" b="0"/>
+          </a:lnRef>
+          <a:fillRef idx="0">
+            <a:scrgbClr r="0" g="0" b="0"/>
+          </a:fillRef>
+          <a:effectRef idx="0">
+            <a:scrgbClr r="0" g="0" b="0"/>
+          </a:effectRef>
+          <a:fontRef idx="minor">
+            <a:schemeClr val="lt1"/>
+          </a:fontRef>
+        </p:style>
+        <p:txBody>
+          <a:bodyPr rtlCol="0" anchor="ctr"/>
+          <a:lstStyle/>
+          <a:p>
+            <a:pPr algn="ctr"/>
+            <a:endParaRPr lang="sk-SK"/>
+          </a:p>
+        </p:txBody>
+      </p:sp>
+      <p:sp>
+        <p:nvSpPr>
+          <p:cNvPr id="17" name="BlokTextu 16"/>
           <p:cNvSpPr txBox="1"/>
           <p:nvPr/>
         </p:nvSpPr>
         <p:spPr>
           <a:xfrm>
-            <a:off x="4826977" y="4756637"/>
-            <a:ext cx="3727938" cy="923330"/>
+            <a:off x="3306786" y="2293621"/>
+            <a:ext cx="1422185" cy="553998"/>
           </a:xfrm>
           <a:prstGeom prst="rect">
             <a:avLst/>
@@ -5050,110 +5114,746 @@
           <a:noFill/>
         </p:spPr>
         <p:txBody>
-          <a:bodyPr wrap="square" rtlCol="0">
+          <a:bodyPr wrap="none" rtlCol="0">
             <a:spAutoFit/>
           </a:bodyPr>
           <a:lstStyle/>
           <a:p>
             <a:r>
-              <a:rPr lang="sk-SK" dirty="0" err="1">
-                <a:solidFill>
-                  <a:srgbClr val="A71D5D"/>
-                </a:solidFill>
-                <a:latin typeface="Consolas" panose="020B0609020204030204" pitchFamily="49" charset="0"/>
+              <a:rPr lang="sk-SK" sz="3000" b="1" dirty="0" smtClean="0"/>
+              <a:t>Tlačidlo</a:t>
+            </a:r>
+            <a:endParaRPr lang="sk-SK" sz="3000" b="1" dirty="0"/>
+          </a:p>
+        </p:txBody>
+      </p:sp>
+      <p:sp>
+        <p:nvSpPr>
+          <p:cNvPr id="18" name="BlokTextu 17"/>
+          <p:cNvSpPr txBox="1"/>
+          <p:nvPr/>
+        </p:nvSpPr>
+        <p:spPr>
+          <a:xfrm>
+            <a:off x="3207227" y="2841880"/>
+            <a:ext cx="2342181" cy="1338828"/>
+          </a:xfrm>
+          <a:prstGeom prst="rect">
+            <a:avLst/>
+          </a:prstGeom>
+          <a:noFill/>
+        </p:spPr>
+        <p:txBody>
+          <a:bodyPr wrap="none" rtlCol="0">
+            <a:spAutoFit/>
+          </a:bodyPr>
+          <a:lstStyle/>
+          <a:p>
+            <a:pPr>
+              <a:lnSpc>
+                <a:spcPct val="150000"/>
+              </a:lnSpc>
+            </a:pPr>
+            <a:r>
+              <a:rPr lang="sk-SK" dirty="0"/>
+              <a:t>Názov:	</a:t>
+            </a:r>
+            <a:r>
+              <a:rPr lang="sk-SK" b="1" dirty="0" err="1" smtClean="0"/>
+              <a:t>button</a:t>
+            </a:r>
+            <a:endParaRPr lang="sk-SK" b="1" dirty="0"/>
+          </a:p>
+          <a:p>
+            <a:pPr>
+              <a:lnSpc>
+                <a:spcPct val="150000"/>
+              </a:lnSpc>
+            </a:pPr>
+            <a:r>
+              <a:rPr lang="sk-SK" dirty="0" err="1"/>
+              <a:t>Pin</a:t>
+            </a:r>
+            <a:r>
+              <a:rPr lang="sk-SK" dirty="0"/>
+              <a:t>:		</a:t>
+            </a:r>
+            <a:r>
+              <a:rPr lang="sk-SK" b="1" dirty="0" smtClean="0"/>
+              <a:t>2</a:t>
+            </a:r>
+          </a:p>
+          <a:p>
+            <a:pPr>
+              <a:lnSpc>
+                <a:spcPct val="150000"/>
+              </a:lnSpc>
+            </a:pPr>
+            <a:r>
+              <a:rPr lang="sk-SK" dirty="0" err="1" smtClean="0"/>
+              <a:t>OnClick</a:t>
+            </a:r>
+            <a:r>
+              <a:rPr lang="sk-SK" dirty="0" smtClean="0"/>
+              <a:t>:	</a:t>
+            </a:r>
+            <a:r>
+              <a:rPr lang="sk-SK" b="1" dirty="0" err="1" smtClean="0"/>
+              <a:t>buttonClick</a:t>
+            </a:r>
+            <a:r>
+              <a:rPr lang="sk-SK" b="1" dirty="0" smtClean="0"/>
+              <a:t>()</a:t>
+            </a:r>
+            <a:endParaRPr lang="sk-SK" b="1" dirty="0"/>
+          </a:p>
+        </p:txBody>
+      </p:sp>
+      <p:sp>
+        <p:nvSpPr>
+          <p:cNvPr id="3" name="Rectangle 1"/>
+          <p:cNvSpPr>
+            <a:spLocks noChangeArrowheads="1"/>
+          </p:cNvSpPr>
+          <p:nvPr/>
+        </p:nvSpPr>
+        <p:spPr bwMode="auto">
+          <a:xfrm>
+            <a:off x="5690235" y="3845990"/>
+            <a:ext cx="2915956" cy="2308324"/>
+          </a:xfrm>
+          <a:prstGeom prst="rect">
+            <a:avLst/>
+          </a:prstGeom>
+          <a:solidFill>
+            <a:srgbClr val="FFFFFF"/>
+          </a:solidFill>
+          <a:ln>
+            <a:noFill/>
+          </a:ln>
+          <a:effectLst/>
+          <a:extLst>
+            <a:ext uri="{91240B29-F687-4F45-9708-019B960494DF}">
+              <a14:hiddenLine xmlns:a14="http://schemas.microsoft.com/office/drawing/2010/main" w="9525">
+                <a:solidFill>
+                  <a:schemeClr val="tx1"/>
+                </a:solidFill>
+                <a:miter lim="800000"/>
+                <a:headEnd/>
+                <a:tailEnd/>
+              </a14:hiddenLine>
+            </a:ext>
+            <a:ext uri="{AF507438-7753-43E0-B8FC-AC1667EBCBE1}">
+              <a14:hiddenEffects xmlns:a14="http://schemas.microsoft.com/office/drawing/2010/main">
+                <a:effectLst>
+                  <a:outerShdw dist="35921" dir="2700000" algn="ctr" rotWithShape="0">
+                    <a:schemeClr val="bg2"/>
+                  </a:outerShdw>
+                </a:effectLst>
+              </a14:hiddenEffects>
+            </a:ext>
+          </a:extLst>
+        </p:spPr>
+        <p:txBody>
+          <a:bodyPr vert="horz" wrap="square" lIns="91440" tIns="45720" rIns="91440" bIns="45720" numCol="1" anchor="ctr" anchorCtr="0" compatLnSpc="1">
+            <a:prstTxWarp prst="textNoShape">
+              <a:avLst/>
+            </a:prstTxWarp>
+            <a:spAutoFit/>
+          </a:bodyPr>
+          <a:lstStyle/>
+          <a:p>
+            <a:pPr marL="0" marR="0" lvl="0" indent="0" algn="l" defTabSz="914400" rtl="0" eaLnBrk="0" fontAlgn="base" latinLnBrk="0" hangingPunct="0">
+              <a:lnSpc>
+                <a:spcPct val="100000"/>
+              </a:lnSpc>
+              <a:spcBef>
+                <a:spcPct val="0"/>
+              </a:spcBef>
+              <a:spcAft>
+                <a:spcPct val="0"/>
+              </a:spcAft>
+              <a:buClrTx/>
+              <a:buSzTx/>
+              <a:buFontTx/>
+              <a:buNone/>
+              <a:tabLst/>
+            </a:pPr>
+            <a:r>
+              <a:rPr kumimoji="0" lang="sk-SK" altLang="sk-SK" sz="1600" b="1" i="0" u="none" strike="noStrike" cap="none" normalizeH="0" baseline="0" dirty="0" err="1" smtClean="0">
+                <a:ln>
+                  <a:noFill/>
+                </a:ln>
+                <a:solidFill>
+                  <a:srgbClr val="000080"/>
+                </a:solidFill>
+                <a:effectLst/>
+                <a:latin typeface="Courier New" panose="02070309020205020404" pitchFamily="49" charset="0"/>
+                <a:cs typeface="Courier New" panose="02070309020205020404" pitchFamily="49" charset="0"/>
+              </a:rPr>
+              <a:t>boolean</a:t>
+            </a:r>
+            <a:r>
+              <a:rPr kumimoji="0" lang="sk-SK" altLang="sk-SK" sz="1600" b="1" i="0" u="none" strike="noStrike" cap="none" normalizeH="0" baseline="0" dirty="0" smtClean="0">
+                <a:ln>
+                  <a:noFill/>
+                </a:ln>
+                <a:solidFill>
+                  <a:srgbClr val="000080"/>
+                </a:solidFill>
+                <a:effectLst/>
+                <a:latin typeface="Courier New" panose="02070309020205020404" pitchFamily="49" charset="0"/>
+                <a:cs typeface="Courier New" panose="02070309020205020404" pitchFamily="49" charset="0"/>
+              </a:rPr>
+              <a:t> </a:t>
+            </a:r>
+            <a:r>
+              <a:rPr kumimoji="0" lang="sk-SK" altLang="sk-SK" sz="1600" b="1" i="0" u="none" strike="noStrike" cap="none" normalizeH="0" baseline="0" dirty="0" err="1" smtClean="0">
+                <a:ln>
+                  <a:noFill/>
+                </a:ln>
+                <a:solidFill>
+                  <a:srgbClr val="660E7A"/>
+                </a:solidFill>
+                <a:effectLst/>
+                <a:latin typeface="Courier New" panose="02070309020205020404" pitchFamily="49" charset="0"/>
+                <a:cs typeface="Courier New" panose="02070309020205020404" pitchFamily="49" charset="0"/>
+              </a:rPr>
+              <a:t>blika</a:t>
+            </a:r>
+            <a:r>
+              <a:rPr kumimoji="0" lang="sk-SK" altLang="sk-SK" sz="1600" b="1" i="0" u="none" strike="noStrike" cap="none" normalizeH="0" baseline="0" dirty="0" smtClean="0">
+                <a:ln>
+                  <a:noFill/>
+                </a:ln>
+                <a:solidFill>
+                  <a:srgbClr val="660E7A"/>
+                </a:solidFill>
+                <a:effectLst/>
+                <a:latin typeface="Courier New" panose="02070309020205020404" pitchFamily="49" charset="0"/>
+                <a:cs typeface="Courier New" panose="02070309020205020404" pitchFamily="49" charset="0"/>
+              </a:rPr>
+              <a:t> </a:t>
+            </a:r>
+            <a:r>
+              <a:rPr kumimoji="0" lang="sk-SK" altLang="sk-SK" sz="1600" b="0" i="0" u="none" strike="noStrike" cap="none" normalizeH="0" baseline="0" dirty="0" smtClean="0">
+                <a:ln>
+                  <a:noFill/>
+                </a:ln>
+                <a:solidFill>
+                  <a:srgbClr val="000000"/>
+                </a:solidFill>
+                <a:effectLst/>
+                <a:latin typeface="Courier New" panose="02070309020205020404" pitchFamily="49" charset="0"/>
+                <a:cs typeface="Courier New" panose="02070309020205020404" pitchFamily="49" charset="0"/>
+              </a:rPr>
+              <a:t>= </a:t>
+            </a:r>
+            <a:r>
+              <a:rPr kumimoji="0" lang="sk-SK" altLang="sk-SK" sz="1600" b="1" i="0" u="none" strike="noStrike" cap="none" normalizeH="0" baseline="0" dirty="0" err="1" smtClean="0">
+                <a:ln>
+                  <a:noFill/>
+                </a:ln>
+                <a:solidFill>
+                  <a:srgbClr val="000080"/>
+                </a:solidFill>
+                <a:effectLst/>
+                <a:latin typeface="Courier New" panose="02070309020205020404" pitchFamily="49" charset="0"/>
+                <a:cs typeface="Courier New" panose="02070309020205020404" pitchFamily="49" charset="0"/>
+              </a:rPr>
+              <a:t>true</a:t>
+            </a:r>
+            <a:r>
+              <a:rPr kumimoji="0" lang="sk-SK" altLang="sk-SK" sz="1600" b="0" i="0" u="none" strike="noStrike" cap="none" normalizeH="0" baseline="0" dirty="0" smtClean="0">
+                <a:ln>
+                  <a:noFill/>
+                </a:ln>
+                <a:solidFill>
+                  <a:srgbClr val="000000"/>
+                </a:solidFill>
+                <a:effectLst/>
+                <a:latin typeface="Courier New" panose="02070309020205020404" pitchFamily="49" charset="0"/>
+                <a:cs typeface="Courier New" panose="02070309020205020404" pitchFamily="49" charset="0"/>
+              </a:rPr>
+              <a:t>;</a:t>
+            </a:r>
+            <a:br>
+              <a:rPr kumimoji="0" lang="sk-SK" altLang="sk-SK" sz="1600" b="0" i="0" u="none" strike="noStrike" cap="none" normalizeH="0" baseline="0" dirty="0" smtClean="0">
+                <a:ln>
+                  <a:noFill/>
+                </a:ln>
+                <a:solidFill>
+                  <a:srgbClr val="000000"/>
+                </a:solidFill>
+                <a:effectLst/>
+                <a:latin typeface="Courier New" panose="02070309020205020404" pitchFamily="49" charset="0"/>
+                <a:cs typeface="Courier New" panose="02070309020205020404" pitchFamily="49" charset="0"/>
+              </a:rPr>
+            </a:br>
+            <a:r>
+              <a:rPr kumimoji="0" lang="sk-SK" altLang="sk-SK" sz="1600" b="1" i="0" u="none" strike="noStrike" cap="none" normalizeH="0" baseline="0" dirty="0" err="1" smtClean="0">
+                <a:ln>
+                  <a:noFill/>
+                </a:ln>
+                <a:solidFill>
+                  <a:srgbClr val="000080"/>
+                </a:solidFill>
+                <a:effectLst/>
+                <a:latin typeface="Courier New" panose="02070309020205020404" pitchFamily="49" charset="0"/>
+                <a:cs typeface="Courier New" panose="02070309020205020404" pitchFamily="49" charset="0"/>
               </a:rPr>
               <a:t>void</a:t>
             </a:r>
             <a:r>
-              <a:rPr lang="sk-SK" dirty="0">
-                <a:solidFill>
-                  <a:srgbClr val="333333"/>
-                </a:solidFill>
-                <a:latin typeface="Consolas" panose="020B0609020204030204" pitchFamily="49" charset="0"/>
+              <a:rPr kumimoji="0" lang="sk-SK" altLang="sk-SK" sz="1600" b="1" i="0" u="none" strike="noStrike" cap="none" normalizeH="0" baseline="0" dirty="0" smtClean="0">
+                <a:ln>
+                  <a:noFill/>
+                </a:ln>
+                <a:solidFill>
+                  <a:srgbClr val="000080"/>
+                </a:solidFill>
+                <a:effectLst/>
+                <a:latin typeface="Courier New" panose="02070309020205020404" pitchFamily="49" charset="0"/>
+                <a:cs typeface="Courier New" panose="02070309020205020404" pitchFamily="49" charset="0"/>
               </a:rPr>
               <a:t> </a:t>
             </a:r>
             <a:r>
-              <a:rPr lang="sk-SK" dirty="0" err="1" smtClean="0">
-                <a:solidFill>
-                  <a:srgbClr val="795DA3"/>
-                </a:solidFill>
-                <a:latin typeface="Consolas" panose="020B0609020204030204" pitchFamily="49" charset="0"/>
+              <a:rPr kumimoji="0" lang="sk-SK" altLang="sk-SK" sz="1600" b="0" i="0" u="none" strike="noStrike" cap="none" normalizeH="0" baseline="0" dirty="0" err="1" smtClean="0">
+                <a:ln>
+                  <a:noFill/>
+                </a:ln>
+                <a:solidFill>
+                  <a:srgbClr val="000000"/>
+                </a:solidFill>
+                <a:effectLst/>
+                <a:latin typeface="Courier New" panose="02070309020205020404" pitchFamily="49" charset="0"/>
+                <a:cs typeface="Courier New" panose="02070309020205020404" pitchFamily="49" charset="0"/>
+              </a:rPr>
+              <a:t>buttonClick</a:t>
+            </a:r>
+            <a:r>
+              <a:rPr kumimoji="0" lang="sk-SK" altLang="sk-SK" sz="1600" b="0" i="0" u="none" strike="noStrike" cap="none" normalizeH="0" baseline="0" dirty="0" smtClean="0">
+                <a:ln>
+                  <a:noFill/>
+                </a:ln>
+                <a:solidFill>
+                  <a:srgbClr val="000000"/>
+                </a:solidFill>
+                <a:effectLst/>
+                <a:latin typeface="Courier New" panose="02070309020205020404" pitchFamily="49" charset="0"/>
+                <a:cs typeface="Courier New" panose="02070309020205020404" pitchFamily="49" charset="0"/>
+              </a:rPr>
+              <a:t>() {</a:t>
+            </a:r>
+            <a:br>
+              <a:rPr kumimoji="0" lang="sk-SK" altLang="sk-SK" sz="1600" b="0" i="0" u="none" strike="noStrike" cap="none" normalizeH="0" baseline="0" dirty="0" smtClean="0">
+                <a:ln>
+                  <a:noFill/>
+                </a:ln>
+                <a:solidFill>
+                  <a:srgbClr val="000000"/>
+                </a:solidFill>
+                <a:effectLst/>
+                <a:latin typeface="Courier New" panose="02070309020205020404" pitchFamily="49" charset="0"/>
+                <a:cs typeface="Courier New" panose="02070309020205020404" pitchFamily="49" charset="0"/>
+              </a:rPr>
+            </a:br>
+            <a:r>
+              <a:rPr kumimoji="0" lang="sk-SK" altLang="sk-SK" sz="1600" b="0" i="0" u="none" strike="noStrike" cap="none" normalizeH="0" baseline="0" dirty="0" smtClean="0">
+                <a:ln>
+                  <a:noFill/>
+                </a:ln>
+                <a:solidFill>
+                  <a:srgbClr val="000000"/>
+                </a:solidFill>
+                <a:effectLst/>
+                <a:latin typeface="Courier New" panose="02070309020205020404" pitchFamily="49" charset="0"/>
+                <a:cs typeface="Courier New" panose="02070309020205020404" pitchFamily="49" charset="0"/>
+              </a:rPr>
+              <a:t>    </a:t>
+            </a:r>
+            <a:r>
+              <a:rPr kumimoji="0" lang="sk-SK" altLang="sk-SK" sz="1600" b="1" i="0" u="none" strike="noStrike" cap="none" normalizeH="0" baseline="0" dirty="0" err="1" smtClean="0">
+                <a:ln>
+                  <a:noFill/>
+                </a:ln>
+                <a:solidFill>
+                  <a:srgbClr val="660E7A"/>
+                </a:solidFill>
+                <a:effectLst/>
+                <a:latin typeface="Courier New" panose="02070309020205020404" pitchFamily="49" charset="0"/>
+                <a:cs typeface="Courier New" panose="02070309020205020404" pitchFamily="49" charset="0"/>
+              </a:rPr>
+              <a:t>blika</a:t>
+            </a:r>
+            <a:r>
+              <a:rPr kumimoji="0" lang="sk-SK" altLang="sk-SK" sz="1600" b="1" i="0" u="none" strike="noStrike" cap="none" normalizeH="0" baseline="0" dirty="0" smtClean="0">
+                <a:ln>
+                  <a:noFill/>
+                </a:ln>
+                <a:solidFill>
+                  <a:srgbClr val="660E7A"/>
+                </a:solidFill>
+                <a:effectLst/>
+                <a:latin typeface="Courier New" panose="02070309020205020404" pitchFamily="49" charset="0"/>
+                <a:cs typeface="Courier New" panose="02070309020205020404" pitchFamily="49" charset="0"/>
+              </a:rPr>
+              <a:t> </a:t>
+            </a:r>
+            <a:r>
+              <a:rPr kumimoji="0" lang="sk-SK" altLang="sk-SK" sz="1600" b="0" i="0" u="none" strike="noStrike" cap="none" normalizeH="0" baseline="0" dirty="0" smtClean="0">
+                <a:ln>
+                  <a:noFill/>
+                </a:ln>
+                <a:solidFill>
+                  <a:srgbClr val="000000"/>
+                </a:solidFill>
+                <a:effectLst/>
+                <a:latin typeface="Courier New" panose="02070309020205020404" pitchFamily="49" charset="0"/>
+                <a:cs typeface="Courier New" panose="02070309020205020404" pitchFamily="49" charset="0"/>
+              </a:rPr>
+              <a:t>= !</a:t>
+            </a:r>
+            <a:r>
+              <a:rPr kumimoji="0" lang="sk-SK" altLang="sk-SK" sz="1600" b="1" i="0" u="none" strike="noStrike" cap="none" normalizeH="0" baseline="0" dirty="0" err="1" smtClean="0">
+                <a:ln>
+                  <a:noFill/>
+                </a:ln>
+                <a:solidFill>
+                  <a:srgbClr val="660E7A"/>
+                </a:solidFill>
+                <a:effectLst/>
+                <a:latin typeface="Courier New" panose="02070309020205020404" pitchFamily="49" charset="0"/>
+                <a:cs typeface="Courier New" panose="02070309020205020404" pitchFamily="49" charset="0"/>
+              </a:rPr>
+              <a:t>blika</a:t>
+            </a:r>
+            <a:r>
+              <a:rPr kumimoji="0" lang="sk-SK" altLang="sk-SK" sz="1600" b="0" i="0" u="none" strike="noStrike" cap="none" normalizeH="0" baseline="0" dirty="0" smtClean="0">
+                <a:ln>
+                  <a:noFill/>
+                </a:ln>
+                <a:solidFill>
+                  <a:srgbClr val="000000"/>
+                </a:solidFill>
+                <a:effectLst/>
+                <a:latin typeface="Courier New" panose="02070309020205020404" pitchFamily="49" charset="0"/>
+                <a:cs typeface="Courier New" panose="02070309020205020404" pitchFamily="49" charset="0"/>
+              </a:rPr>
+              <a:t>;</a:t>
+            </a:r>
+            <a:br>
+              <a:rPr kumimoji="0" lang="sk-SK" altLang="sk-SK" sz="1600" b="0" i="0" u="none" strike="noStrike" cap="none" normalizeH="0" baseline="0" dirty="0" smtClean="0">
+                <a:ln>
+                  <a:noFill/>
+                </a:ln>
+                <a:solidFill>
+                  <a:srgbClr val="000000"/>
+                </a:solidFill>
+                <a:effectLst/>
+                <a:latin typeface="Courier New" panose="02070309020205020404" pitchFamily="49" charset="0"/>
+                <a:cs typeface="Courier New" panose="02070309020205020404" pitchFamily="49" charset="0"/>
+              </a:rPr>
+            </a:br>
+            <a:r>
+              <a:rPr kumimoji="0" lang="sk-SK" altLang="sk-SK" sz="1600" b="0" i="0" u="none" strike="noStrike" cap="none" normalizeH="0" baseline="0" dirty="0" smtClean="0">
+                <a:ln>
+                  <a:noFill/>
+                </a:ln>
+                <a:solidFill>
+                  <a:srgbClr val="000000"/>
+                </a:solidFill>
+                <a:effectLst/>
+                <a:latin typeface="Courier New" panose="02070309020205020404" pitchFamily="49" charset="0"/>
+                <a:cs typeface="Courier New" panose="02070309020205020404" pitchFamily="49" charset="0"/>
+              </a:rPr>
+              <a:t>}</a:t>
+            </a:r>
+            <a:br>
+              <a:rPr kumimoji="0" lang="sk-SK" altLang="sk-SK" sz="1600" b="0" i="0" u="none" strike="noStrike" cap="none" normalizeH="0" baseline="0" dirty="0" smtClean="0">
+                <a:ln>
+                  <a:noFill/>
+                </a:ln>
+                <a:solidFill>
+                  <a:srgbClr val="000000"/>
+                </a:solidFill>
+                <a:effectLst/>
+                <a:latin typeface="Courier New" panose="02070309020205020404" pitchFamily="49" charset="0"/>
+                <a:cs typeface="Courier New" panose="02070309020205020404" pitchFamily="49" charset="0"/>
+              </a:rPr>
+            </a:br>
+            <a:r>
+              <a:rPr kumimoji="0" lang="sk-SK" altLang="sk-SK" sz="1600" b="1" i="0" u="none" strike="noStrike" cap="none" normalizeH="0" baseline="0" dirty="0" err="1" smtClean="0">
+                <a:ln>
+                  <a:noFill/>
+                </a:ln>
+                <a:solidFill>
+                  <a:srgbClr val="000080"/>
+                </a:solidFill>
+                <a:effectLst/>
+                <a:latin typeface="Courier New" panose="02070309020205020404" pitchFamily="49" charset="0"/>
+                <a:cs typeface="Courier New" panose="02070309020205020404" pitchFamily="49" charset="0"/>
+              </a:rPr>
+              <a:t>void</a:t>
+            </a:r>
+            <a:r>
+              <a:rPr kumimoji="0" lang="sk-SK" altLang="sk-SK" sz="1600" b="1" i="0" u="none" strike="noStrike" cap="none" normalizeH="0" baseline="0" dirty="0" smtClean="0">
+                <a:ln>
+                  <a:noFill/>
+                </a:ln>
+                <a:solidFill>
+                  <a:srgbClr val="000080"/>
+                </a:solidFill>
+                <a:effectLst/>
+                <a:latin typeface="Courier New" panose="02070309020205020404" pitchFamily="49" charset="0"/>
+                <a:cs typeface="Courier New" panose="02070309020205020404" pitchFamily="49" charset="0"/>
+              </a:rPr>
+              <a:t> </a:t>
+            </a:r>
+            <a:r>
+              <a:rPr kumimoji="0" lang="sk-SK" altLang="sk-SK" sz="1600" b="0" i="0" u="none" strike="noStrike" cap="none" normalizeH="0" baseline="0" dirty="0" err="1" smtClean="0">
+                <a:ln>
+                  <a:noFill/>
+                </a:ln>
+                <a:solidFill>
+                  <a:srgbClr val="000000"/>
+                </a:solidFill>
+                <a:effectLst/>
+                <a:latin typeface="Courier New" panose="02070309020205020404" pitchFamily="49" charset="0"/>
+                <a:cs typeface="Courier New" panose="02070309020205020404" pitchFamily="49" charset="0"/>
               </a:rPr>
               <a:t>changeLed</a:t>
             </a:r>
             <a:r>
-              <a:rPr lang="sk-SK" dirty="0" smtClean="0">
-                <a:solidFill>
-                  <a:srgbClr val="333333"/>
-                </a:solidFill>
-                <a:latin typeface="Consolas" panose="020B0609020204030204" pitchFamily="49" charset="0"/>
-              </a:rPr>
-              <a:t>() </a:t>
-            </a:r>
-            <a:r>
-              <a:rPr lang="sk-SK" dirty="0">
-                <a:solidFill>
-                  <a:srgbClr val="333333"/>
-                </a:solidFill>
-                <a:latin typeface="Consolas" panose="020B0609020204030204" pitchFamily="49" charset="0"/>
-              </a:rPr>
-              <a:t>{</a:t>
-            </a:r>
-          </a:p>
-          <a:p>
-            <a:r>
-              <a:rPr lang="sk-SK" dirty="0" smtClean="0">
-                <a:solidFill>
-                  <a:srgbClr val="333333"/>
-                </a:solidFill>
-                <a:latin typeface="Consolas" panose="020B0609020204030204" pitchFamily="49" charset="0"/>
-              </a:rPr>
-              <a:t>	</a:t>
-            </a:r>
-            <a:r>
-              <a:rPr lang="sk-SK" dirty="0" err="1" smtClean="0">
-                <a:solidFill>
-                  <a:srgbClr val="333333"/>
-                </a:solidFill>
-                <a:latin typeface="Consolas" panose="020B0609020204030204" pitchFamily="49" charset="0"/>
-              </a:rPr>
-              <a:t>led.</a:t>
-            </a:r>
-            <a:r>
-              <a:rPr lang="sk-SK" dirty="0" err="1" smtClean="0">
-                <a:solidFill>
-                  <a:srgbClr val="0086B3"/>
-                </a:solidFill>
-                <a:latin typeface="Consolas" panose="020B0609020204030204" pitchFamily="49" charset="0"/>
-              </a:rPr>
-              <a:t>revert</a:t>
-            </a:r>
-            <a:r>
-              <a:rPr lang="sk-SK" dirty="0">
-                <a:solidFill>
-                  <a:srgbClr val="333333"/>
-                </a:solidFill>
-                <a:latin typeface="Consolas" panose="020B0609020204030204" pitchFamily="49" charset="0"/>
+              <a:rPr kumimoji="0" lang="sk-SK" altLang="sk-SK" sz="1600" b="0" i="0" u="none" strike="noStrike" cap="none" normalizeH="0" baseline="0" dirty="0" smtClean="0">
+                <a:ln>
+                  <a:noFill/>
+                </a:ln>
+                <a:solidFill>
+                  <a:srgbClr val="000000"/>
+                </a:solidFill>
+                <a:effectLst/>
+                <a:latin typeface="Courier New" panose="02070309020205020404" pitchFamily="49" charset="0"/>
+                <a:cs typeface="Courier New" panose="02070309020205020404" pitchFamily="49" charset="0"/>
+              </a:rPr>
+              <a:t>() {</a:t>
+            </a:r>
+            <a:br>
+              <a:rPr kumimoji="0" lang="sk-SK" altLang="sk-SK" sz="1600" b="0" i="0" u="none" strike="noStrike" cap="none" normalizeH="0" baseline="0" dirty="0" smtClean="0">
+                <a:ln>
+                  <a:noFill/>
+                </a:ln>
+                <a:solidFill>
+                  <a:srgbClr val="000000"/>
+                </a:solidFill>
+                <a:effectLst/>
+                <a:latin typeface="Courier New" panose="02070309020205020404" pitchFamily="49" charset="0"/>
+                <a:cs typeface="Courier New" panose="02070309020205020404" pitchFamily="49" charset="0"/>
+              </a:rPr>
+            </a:br>
+            <a:r>
+              <a:rPr kumimoji="0" lang="sk-SK" altLang="sk-SK" sz="1600" b="0" i="0" u="none" strike="noStrike" cap="none" normalizeH="0" baseline="0" dirty="0" smtClean="0">
+                <a:ln>
+                  <a:noFill/>
+                </a:ln>
+                <a:solidFill>
+                  <a:srgbClr val="000000"/>
+                </a:solidFill>
+                <a:effectLst/>
+                <a:latin typeface="Courier New" panose="02070309020205020404" pitchFamily="49" charset="0"/>
+                <a:cs typeface="Courier New" panose="02070309020205020404" pitchFamily="49" charset="0"/>
+              </a:rPr>
+              <a:t>    </a:t>
+            </a:r>
+            <a:r>
+              <a:rPr kumimoji="0" lang="sk-SK" altLang="sk-SK" sz="1600" b="1" i="0" u="none" strike="noStrike" cap="none" normalizeH="0" baseline="0" dirty="0" err="1" smtClean="0">
+                <a:ln>
+                  <a:noFill/>
+                </a:ln>
+                <a:solidFill>
+                  <a:srgbClr val="000080"/>
+                </a:solidFill>
+                <a:effectLst/>
+                <a:latin typeface="Courier New" panose="02070309020205020404" pitchFamily="49" charset="0"/>
+                <a:cs typeface="Courier New" panose="02070309020205020404" pitchFamily="49" charset="0"/>
+              </a:rPr>
+              <a:t>if</a:t>
+            </a:r>
+            <a:r>
+              <a:rPr kumimoji="0" lang="sk-SK" altLang="sk-SK" sz="1600" b="0" i="0" u="none" strike="noStrike" cap="none" normalizeH="0" baseline="0" dirty="0" smtClean="0">
+                <a:ln>
+                  <a:noFill/>
+                </a:ln>
+                <a:solidFill>
+                  <a:srgbClr val="000000"/>
+                </a:solidFill>
+                <a:effectLst/>
+                <a:latin typeface="Courier New" panose="02070309020205020404" pitchFamily="49" charset="0"/>
+                <a:cs typeface="Courier New" panose="02070309020205020404" pitchFamily="49" charset="0"/>
+              </a:rPr>
+              <a:t>(</a:t>
+            </a:r>
+            <a:r>
+              <a:rPr kumimoji="0" lang="sk-SK" altLang="sk-SK" sz="1600" b="1" i="0" u="none" strike="noStrike" cap="none" normalizeH="0" baseline="0" dirty="0" err="1" smtClean="0">
+                <a:ln>
+                  <a:noFill/>
+                </a:ln>
+                <a:solidFill>
+                  <a:srgbClr val="660E7A"/>
+                </a:solidFill>
+                <a:effectLst/>
+                <a:latin typeface="Courier New" panose="02070309020205020404" pitchFamily="49" charset="0"/>
+                <a:cs typeface="Courier New" panose="02070309020205020404" pitchFamily="49" charset="0"/>
+              </a:rPr>
+              <a:t>blika</a:t>
+            </a:r>
+            <a:r>
+              <a:rPr kumimoji="0" lang="sk-SK" altLang="sk-SK" sz="1600" b="0" i="0" u="none" strike="noStrike" cap="none" normalizeH="0" baseline="0" dirty="0" smtClean="0">
+                <a:ln>
+                  <a:noFill/>
+                </a:ln>
+                <a:solidFill>
+                  <a:srgbClr val="000000"/>
+                </a:solidFill>
+                <a:effectLst/>
+                <a:latin typeface="Courier New" panose="02070309020205020404" pitchFamily="49" charset="0"/>
+                <a:cs typeface="Courier New" panose="02070309020205020404" pitchFamily="49" charset="0"/>
+              </a:rPr>
+              <a:t>) {</a:t>
+            </a:r>
+            <a:br>
+              <a:rPr kumimoji="0" lang="sk-SK" altLang="sk-SK" sz="1600" b="0" i="0" u="none" strike="noStrike" cap="none" normalizeH="0" baseline="0" dirty="0" smtClean="0">
+                <a:ln>
+                  <a:noFill/>
+                </a:ln>
+                <a:solidFill>
+                  <a:srgbClr val="000000"/>
+                </a:solidFill>
+                <a:effectLst/>
+                <a:latin typeface="Courier New" panose="02070309020205020404" pitchFamily="49" charset="0"/>
+                <a:cs typeface="Courier New" panose="02070309020205020404" pitchFamily="49" charset="0"/>
+              </a:rPr>
+            </a:br>
+            <a:r>
+              <a:rPr kumimoji="0" lang="sk-SK" altLang="sk-SK" sz="1600" b="0" i="0" u="none" strike="noStrike" cap="none" normalizeH="0" baseline="0" dirty="0" smtClean="0">
+                <a:ln>
+                  <a:noFill/>
+                </a:ln>
+                <a:solidFill>
+                  <a:srgbClr val="000000"/>
+                </a:solidFill>
+                <a:effectLst/>
+                <a:latin typeface="Courier New" panose="02070309020205020404" pitchFamily="49" charset="0"/>
+                <a:cs typeface="Courier New" panose="02070309020205020404" pitchFamily="49" charset="0"/>
+              </a:rPr>
+              <a:t>        </a:t>
+            </a:r>
+            <a:r>
+              <a:rPr kumimoji="0" lang="sk-SK" altLang="sk-SK" sz="1600" b="1" i="1" u="none" strike="noStrike" cap="none" normalizeH="0" baseline="0" dirty="0" err="1" smtClean="0">
+                <a:ln>
+                  <a:noFill/>
+                </a:ln>
+                <a:solidFill>
+                  <a:srgbClr val="660E7A"/>
+                </a:solidFill>
+                <a:effectLst/>
+                <a:latin typeface="Courier New" panose="02070309020205020404" pitchFamily="49" charset="0"/>
+                <a:cs typeface="Courier New" panose="02070309020205020404" pitchFamily="49" charset="0"/>
+              </a:rPr>
+              <a:t>led</a:t>
+            </a:r>
+            <a:r>
+              <a:rPr kumimoji="0" lang="sk-SK" altLang="sk-SK" sz="1600" b="0" i="0" u="none" strike="noStrike" cap="none" normalizeH="0" baseline="0" dirty="0" err="1" smtClean="0">
+                <a:ln>
+                  <a:noFill/>
+                </a:ln>
+                <a:solidFill>
+                  <a:srgbClr val="000000"/>
+                </a:solidFill>
+                <a:effectLst/>
+                <a:latin typeface="Courier New" panose="02070309020205020404" pitchFamily="49" charset="0"/>
+                <a:cs typeface="Courier New" panose="02070309020205020404" pitchFamily="49" charset="0"/>
+              </a:rPr>
+              <a:t>.revert</a:t>
+            </a:r>
+            <a:r>
+              <a:rPr kumimoji="0" lang="sk-SK" altLang="sk-SK" sz="1600" b="0" i="0" u="none" strike="noStrike" cap="none" normalizeH="0" baseline="0" dirty="0" smtClean="0">
+                <a:ln>
+                  <a:noFill/>
+                </a:ln>
+                <a:solidFill>
+                  <a:srgbClr val="000000"/>
+                </a:solidFill>
+                <a:effectLst/>
+                <a:latin typeface="Courier New" panose="02070309020205020404" pitchFamily="49" charset="0"/>
+                <a:cs typeface="Courier New" panose="02070309020205020404" pitchFamily="49" charset="0"/>
               </a:rPr>
               <a:t>();</a:t>
             </a:r>
-          </a:p>
-          <a:p>
-            <a:r>
-              <a:rPr lang="sk-SK" dirty="0" smtClean="0">
-                <a:solidFill>
-                  <a:srgbClr val="333333"/>
-                </a:solidFill>
-                <a:latin typeface="Consolas" panose="020B0609020204030204" pitchFamily="49" charset="0"/>
+            <a:br>
+              <a:rPr kumimoji="0" lang="sk-SK" altLang="sk-SK" sz="1600" b="0" i="0" u="none" strike="noStrike" cap="none" normalizeH="0" baseline="0" dirty="0" smtClean="0">
+                <a:ln>
+                  <a:noFill/>
+                </a:ln>
+                <a:solidFill>
+                  <a:srgbClr val="000000"/>
+                </a:solidFill>
+                <a:effectLst/>
+                <a:latin typeface="Courier New" panose="02070309020205020404" pitchFamily="49" charset="0"/>
+                <a:cs typeface="Courier New" panose="02070309020205020404" pitchFamily="49" charset="0"/>
+              </a:rPr>
+            </a:br>
+            <a:r>
+              <a:rPr kumimoji="0" lang="sk-SK" altLang="sk-SK" sz="1600" b="0" i="0" u="none" strike="noStrike" cap="none" normalizeH="0" baseline="0" dirty="0" smtClean="0">
+                <a:ln>
+                  <a:noFill/>
+                </a:ln>
+                <a:solidFill>
+                  <a:srgbClr val="000000"/>
+                </a:solidFill>
+                <a:effectLst/>
+                <a:latin typeface="Courier New" panose="02070309020205020404" pitchFamily="49" charset="0"/>
+                <a:cs typeface="Courier New" panose="02070309020205020404" pitchFamily="49" charset="0"/>
+              </a:rPr>
+              <a:t>    }</a:t>
+            </a:r>
+            <a:br>
+              <a:rPr kumimoji="0" lang="sk-SK" altLang="sk-SK" sz="1600" b="0" i="0" u="none" strike="noStrike" cap="none" normalizeH="0" baseline="0" dirty="0" smtClean="0">
+                <a:ln>
+                  <a:noFill/>
+                </a:ln>
+                <a:solidFill>
+                  <a:srgbClr val="000000"/>
+                </a:solidFill>
+                <a:effectLst/>
+                <a:latin typeface="Courier New" panose="02070309020205020404" pitchFamily="49" charset="0"/>
+                <a:cs typeface="Courier New" panose="02070309020205020404" pitchFamily="49" charset="0"/>
+              </a:rPr>
+            </a:br>
+            <a:r>
+              <a:rPr kumimoji="0" lang="sk-SK" altLang="sk-SK" sz="1600" b="0" i="0" u="none" strike="noStrike" cap="none" normalizeH="0" baseline="0" dirty="0" smtClean="0">
+                <a:ln>
+                  <a:noFill/>
+                </a:ln>
+                <a:solidFill>
+                  <a:srgbClr val="000000"/>
+                </a:solidFill>
+                <a:effectLst/>
+                <a:latin typeface="Courier New" panose="02070309020205020404" pitchFamily="49" charset="0"/>
+                <a:cs typeface="Courier New" panose="02070309020205020404" pitchFamily="49" charset="0"/>
               </a:rPr>
               <a:t>}</a:t>
             </a:r>
-            <a:endParaRPr lang="sk-SK" dirty="0">
+            <a:endParaRPr kumimoji="0" lang="sk-SK" altLang="sk-SK" sz="1600" b="0" i="0" u="none" strike="noStrike" cap="none" normalizeH="0" baseline="0" dirty="0" smtClean="0">
+              <a:ln>
+                <a:noFill/>
+              </a:ln>
               <a:solidFill>
-                <a:srgbClr val="333333"/>
+                <a:schemeClr val="tx1"/>
               </a:solidFill>
-              <a:latin typeface="Consolas" panose="020B0609020204030204" pitchFamily="49" charset="0"/>
+              <a:effectLst/>
+              <a:latin typeface="Arial" panose="020B0604020202020204" pitchFamily="34" charset="0"/>
             </a:endParaRPr>
           </a:p>
         </p:txBody>
@@ -5420,7 +6120,9 @@
         </p:nvSpPr>
         <p:spPr/>
         <p:txBody>
-          <a:bodyPr/>
+          <a:bodyPr>
+            <a:normAutofit/>
+          </a:bodyPr>
           <a:lstStyle/>
           <a:p>
             <a:pPr marL="457200" indent="-457200">
@@ -5428,21 +6130,26 @@
               <a:buAutoNum type="arabicPeriod"/>
             </a:pPr>
             <a:r>
-              <a:rPr lang="sk-SK" dirty="0" smtClean="0"/>
+              <a:rPr lang="sk-SK" sz="2800" dirty="0" smtClean="0"/>
               <a:t>Preskúmať</a:t>
             </a:r>
             <a:r>
-              <a:rPr lang="sk-SK" dirty="0"/>
+              <a:rPr lang="sk-SK" sz="2800" dirty="0"/>
               <a:t>, analyzovať a porovnať existujúce prístupy, softvérové aplikácie a knižnice využívané pri programovaní </a:t>
             </a:r>
             <a:r>
-              <a:rPr lang="sk-SK" dirty="0" err="1"/>
+              <a:rPr lang="sk-SK" sz="2800" dirty="0" err="1"/>
               <a:t>Arduino</a:t>
             </a:r>
             <a:r>
-              <a:rPr lang="sk-SK" dirty="0"/>
-              <a:t> zariadení.</a:t>
-            </a:r>
+              <a:rPr lang="sk-SK" sz="2800" dirty="0"/>
+              <a:t> </a:t>
+            </a:r>
+            <a:r>
+              <a:rPr lang="sk-SK" sz="2800" dirty="0" smtClean="0"/>
+              <a:t>zariadení</a:t>
+            </a:r>
+            <a:endParaRPr lang="sk-SK" sz="2800" dirty="0"/>
           </a:p>
           <a:p>
             <a:pPr marL="457200" indent="-457200">
@@ -5450,81 +6157,26 @@
               <a:buAutoNum type="arabicPeriod"/>
             </a:pPr>
             <a:r>
-              <a:rPr lang="sk-SK" dirty="0" smtClean="0"/>
+              <a:rPr lang="sk-SK" sz="2800" dirty="0" smtClean="0"/>
               <a:t>Preskúmať </a:t>
             </a:r>
             <a:r>
-              <a:rPr lang="sk-SK" dirty="0"/>
+              <a:rPr lang="sk-SK" sz="2800" dirty="0"/>
               <a:t>a analyzovať možnosti komponentového a udalosťami riadeného programovania s ohľadom na hardvérové obmedzenia </a:t>
             </a:r>
             <a:r>
-              <a:rPr lang="sk-SK" dirty="0" err="1"/>
+              <a:rPr lang="sk-SK" sz="2800" dirty="0" err="1"/>
               <a:t>Arduino</a:t>
             </a:r>
             <a:r>
-              <a:rPr lang="sk-SK" dirty="0"/>
-              <a:t> zariadení.</a:t>
-            </a:r>
-          </a:p>
-          <a:p>
-            <a:pPr marL="457200" indent="-457200">
-              <a:buFont typeface="+mj-lt"/>
-              <a:buAutoNum type="arabicPeriod"/>
-            </a:pPr>
-            <a:r>
-              <a:rPr lang="sk-SK" dirty="0" smtClean="0"/>
-              <a:t>Vychádzajúc </a:t>
-            </a:r>
-            <a:r>
-              <a:rPr lang="sk-SK" dirty="0"/>
-              <a:t>z existujúcich </a:t>
-            </a:r>
-            <a:r>
-              <a:rPr lang="sk-SK" dirty="0" err="1"/>
-              <a:t>open-source</a:t>
-            </a:r>
-            <a:r>
-              <a:rPr lang="sk-SK" dirty="0"/>
-              <a:t> projektov a knižníc navrhnúť a implementovať </a:t>
-            </a:r>
-            <a:r>
-              <a:rPr lang="sk-SK" dirty="0" err="1"/>
-              <a:t>uživateľsky</a:t>
-            </a:r>
-            <a:r>
-              <a:rPr lang="sk-SK" dirty="0"/>
-              <a:t> prívetivé riešenie na jednoduché komponentovo-orientované a udalosťami riadené programovanie </a:t>
-            </a:r>
-            <a:r>
-              <a:rPr lang="sk-SK" dirty="0" err="1"/>
-              <a:t>Arduino</a:t>
-            </a:r>
-            <a:r>
-              <a:rPr lang="sk-SK" dirty="0"/>
-              <a:t> zariadení.</a:t>
-            </a:r>
-          </a:p>
-          <a:p>
-            <a:pPr marL="457200" indent="-457200">
-              <a:buFont typeface="+mj-lt"/>
-              <a:buAutoNum type="arabicPeriod"/>
-            </a:pPr>
-            <a:r>
-              <a:rPr lang="sk-SK" dirty="0" smtClean="0"/>
-              <a:t>Implementovať </a:t>
-            </a:r>
-            <a:r>
-              <a:rPr lang="sk-SK" dirty="0"/>
-              <a:t>vzorové komponenty využiteľné pri návrhu a implementácii </a:t>
-            </a:r>
-            <a:r>
-              <a:rPr lang="sk-SK" dirty="0" err="1"/>
-              <a:t>IoT</a:t>
-            </a:r>
-            <a:r>
-              <a:rPr lang="sk-SK" dirty="0"/>
-              <a:t> riešení.</a:t>
-            </a:r>
+              <a:rPr lang="sk-SK" sz="2800" dirty="0"/>
+              <a:t> </a:t>
+            </a:r>
+            <a:r>
+              <a:rPr lang="sk-SK" sz="2800" dirty="0" smtClean="0"/>
+              <a:t>zariadení</a:t>
+            </a:r>
+            <a:endParaRPr lang="sk-SK" sz="2800" dirty="0"/>
           </a:p>
         </p:txBody>
       </p:sp>
@@ -5581,6 +6233,139 @@
           <a:lstStyle/>
           <a:p>
             <a:r>
+              <a:rPr lang="sk-SK" dirty="0"/>
+              <a:t>Ciele práce</a:t>
+            </a:r>
+          </a:p>
+        </p:txBody>
+      </p:sp>
+      <p:sp>
+        <p:nvSpPr>
+          <p:cNvPr id="3" name="Zástupný symbol obsahu 2"/>
+          <p:cNvSpPr>
+            <a:spLocks noGrp="1"/>
+          </p:cNvSpPr>
+          <p:nvPr>
+            <p:ph idx="1"/>
+          </p:nvPr>
+        </p:nvSpPr>
+        <p:spPr/>
+        <p:txBody>
+          <a:bodyPr>
+            <a:normAutofit/>
+          </a:bodyPr>
+          <a:lstStyle/>
+          <a:p>
+            <a:pPr marL="457200" indent="-457200">
+              <a:buFont typeface="+mj-lt"/>
+              <a:buAutoNum type="arabicPeriod" startAt="3"/>
+            </a:pPr>
+            <a:r>
+              <a:rPr lang="sk-SK" sz="2800" dirty="0"/>
+              <a:t>Vychádzajúc z existujúcich </a:t>
+            </a:r>
+            <a:r>
+              <a:rPr lang="sk-SK" sz="2800" dirty="0" err="1"/>
+              <a:t>open-source</a:t>
+            </a:r>
+            <a:r>
+              <a:rPr lang="sk-SK" sz="2800" dirty="0"/>
+              <a:t> projektov a knižníc navrhnúť a implementovať </a:t>
+            </a:r>
+            <a:r>
+              <a:rPr lang="sk-SK" sz="2800" dirty="0" err="1"/>
+              <a:t>uživateľsky</a:t>
+            </a:r>
+            <a:r>
+              <a:rPr lang="sk-SK" sz="2800" dirty="0"/>
+              <a:t> prívetivé riešenie na jednoduché </a:t>
+            </a:r>
+            <a:r>
+              <a:rPr lang="sk-SK" sz="2800" dirty="0" err="1"/>
+              <a:t>komponentovo-orientované</a:t>
+            </a:r>
+            <a:r>
+              <a:rPr lang="sk-SK" sz="2800" dirty="0"/>
+              <a:t> a udalosťami riadené programovanie </a:t>
+            </a:r>
+            <a:r>
+              <a:rPr lang="sk-SK" sz="2800" dirty="0" err="1"/>
+              <a:t>Arduino</a:t>
+            </a:r>
+            <a:r>
+              <a:rPr lang="sk-SK" sz="2800" dirty="0"/>
+              <a:t> zariadení</a:t>
+            </a:r>
+          </a:p>
+          <a:p>
+            <a:pPr marL="457200" indent="-457200">
+              <a:buFont typeface="+mj-lt"/>
+              <a:buAutoNum type="arabicPeriod" startAt="3"/>
+            </a:pPr>
+            <a:r>
+              <a:rPr lang="sk-SK" sz="2800" dirty="0"/>
+              <a:t>Implementovať vzorové komponenty využiteľné pri návrhu a implementácii </a:t>
+            </a:r>
+            <a:r>
+              <a:rPr lang="sk-SK" sz="2800" dirty="0" err="1"/>
+              <a:t>IoT</a:t>
+            </a:r>
+            <a:r>
+              <a:rPr lang="sk-SK" sz="2800" dirty="0"/>
+              <a:t> riešení</a:t>
+            </a:r>
+          </a:p>
+          <a:p>
+            <a:endParaRPr lang="sk-SK" sz="2800" dirty="0"/>
+          </a:p>
+        </p:txBody>
+      </p:sp>
+    </p:spTree>
+    <p:extLst>
+      <p:ext uri="{BB962C8B-B14F-4D97-AF65-F5344CB8AC3E}">
+        <p14:creationId xmlns:p14="http://schemas.microsoft.com/office/powerpoint/2010/main" val="2870099510"/>
+      </p:ext>
+    </p:extLst>
+  </p:cSld>
+  <p:clrMapOvr>
+    <a:masterClrMapping/>
+  </p:clrMapOvr>
+</p:sld>
+</file>
+
+<file path=ppt/slides/slide14.xml><?xml version="1.0" encoding="utf-8"?>
+<p:sld xmlns:a="http://schemas.openxmlformats.org/drawingml/2006/main" xmlns:r="http://schemas.openxmlformats.org/officeDocument/2006/relationships" xmlns:p="http://schemas.openxmlformats.org/presentationml/2006/main">
+  <p:cSld>
+    <p:spTree>
+      <p:nvGrpSpPr>
+        <p:cNvPr id="1" name=""/>
+        <p:cNvGrpSpPr/>
+        <p:nvPr/>
+      </p:nvGrpSpPr>
+      <p:grpSpPr>
+        <a:xfrm>
+          <a:off x="0" y="0"/>
+          <a:ext cx="0" cy="0"/>
+          <a:chOff x="0" y="0"/>
+          <a:chExt cx="0" cy="0"/>
+        </a:xfrm>
+      </p:grpSpPr>
+      <p:sp>
+        <p:nvSpPr>
+          <p:cNvPr id="2" name="Nadpis 1"/>
+          <p:cNvSpPr>
+            <a:spLocks noGrp="1"/>
+          </p:cNvSpPr>
+          <p:nvPr>
+            <p:ph type="title"/>
+          </p:nvPr>
+        </p:nvSpPr>
+        <p:spPr/>
+        <p:txBody>
+          <a:bodyPr/>
+          <a:lstStyle/>
+          <a:p>
+            <a:r>
               <a:rPr lang="sk-SK" dirty="0" smtClean="0"/>
               <a:t>Literatúra</a:t>
             </a:r>
@@ -5822,7 +6607,7 @@
 </p:sld>
 </file>
 
-<file path=ppt/slides/slide14.xml><?xml version="1.0" encoding="utf-8"?>
+<file path=ppt/slides/slide15.xml><?xml version="1.0" encoding="utf-8"?>
 <p:sld xmlns:a="http://schemas.openxmlformats.org/drawingml/2006/main" xmlns:r="http://schemas.openxmlformats.org/officeDocument/2006/relationships" xmlns:p="http://schemas.openxmlformats.org/presentationml/2006/main">
   <p:cSld>
     <p:spTree>
@@ -5856,7 +6641,7 @@
           <a:p>
             <a:r>
               <a:rPr lang="sk-SK" dirty="0" smtClean="0"/>
-              <a:t>Ďakujem za pozornosť</a:t>
+              <a:t>Ďakujem za pozornosť!</a:t>
             </a:r>
             <a:endParaRPr lang="sk-SK" dirty="0"/>
           </a:p>
@@ -7210,40 +7995,29 @@
           </a:p>
         </p:txBody>
       </p:sp>
-      <p:sp>
-        <p:nvSpPr>
-          <p:cNvPr id="2" name="BlokTextu 1"/>
-          <p:cNvSpPr txBox="1"/>
+      <p:pic>
+        <p:nvPicPr>
+          <p:cNvPr id="3" name="Obrázok 2"/>
+          <p:cNvPicPr>
+            <a:picLocks noChangeAspect="1"/>
+          </p:cNvPicPr>
           <p:nvPr/>
-        </p:nvSpPr>
+        </p:nvPicPr>
+        <p:blipFill rotWithShape="1">
+          <a:blip r:embed="rId2"/>
+          <a:srcRect l="22916" t="23148" r="35521" b="23148"/>
+          <a:stretch/>
+        </p:blipFill>
         <p:spPr>
           <a:xfrm>
-            <a:off x="1081454" y="3481755"/>
-            <a:ext cx="7464670" cy="369332"/>
+            <a:off x="1365739" y="2092853"/>
+            <a:ext cx="5676900" cy="4126068"/>
           </a:xfrm>
           <a:prstGeom prst="rect">
             <a:avLst/>
           </a:prstGeom>
-          <a:noFill/>
         </p:spPr>
-        <p:txBody>
-          <a:bodyPr wrap="square" rtlCol="0">
-            <a:spAutoFit/>
-          </a:bodyPr>
-          <a:lstStyle/>
-          <a:p>
-            <a:r>
-              <a:rPr lang="sk-SK" dirty="0" err="1" smtClean="0"/>
-              <a:t>Schema</a:t>
-            </a:r>
-            <a:r>
-              <a:rPr lang="sk-SK" dirty="0" smtClean="0"/>
-              <a:t> projektu</a:t>
-            </a:r>
-            <a:endParaRPr lang="sk-SK" dirty="0"/>
-          </a:p>
-        </p:txBody>
-      </p:sp>
+      </p:pic>
     </p:spTree>
     <p:extLst>
       <p:ext uri="{BB962C8B-B14F-4D97-AF65-F5344CB8AC3E}">
@@ -7306,7 +8080,7 @@
       </p:sp>
       <p:sp>
         <p:nvSpPr>
-          <p:cNvPr id="9" name="Rectangle 2"/>
+          <p:cNvPr id="2" name="Rectangle 1"/>
           <p:cNvSpPr>
             <a:spLocks noChangeArrowheads="1"/>
           </p:cNvSpPr>
@@ -7314,8 +8088,8 @@
         </p:nvSpPr>
         <p:spPr bwMode="auto">
           <a:xfrm>
-            <a:off x="896815" y="1830680"/>
-            <a:ext cx="7069015" cy="4278094"/>
+            <a:off x="905608" y="1799888"/>
+            <a:ext cx="6040315" cy="4524315"/>
           </a:xfrm>
           <a:prstGeom prst="rect">
             <a:avLst/>
@@ -7581,7 +8355,7 @@
                 <a:latin typeface="Courier New" panose="02070309020205020404" pitchFamily="49" charset="0"/>
                 <a:cs typeface="Courier New" panose="02070309020205020404" pitchFamily="49" charset="0"/>
               </a:rPr>
-              <a:t> =  </a:t>
+              <a:t> = </a:t>
             </a:r>
             <a:r>
               <a:rPr kumimoji="0" lang="sk-SK" altLang="sk-SK" sz="1600" b="0" i="0" u="none" strike="noStrike" cap="none" normalizeH="0" baseline="0" dirty="0" smtClean="0">
@@ -7775,7 +8549,7 @@
                 <a:latin typeface="Courier New" panose="02070309020205020404" pitchFamily="49" charset="0"/>
                 <a:cs typeface="Courier New" panose="02070309020205020404" pitchFamily="49" charset="0"/>
               </a:rPr>
-              <a:t>() {</a:t>
+              <a:t> () {</a:t>
             </a:r>
             <a:br>
               <a:rPr kumimoji="0" lang="sk-SK" altLang="sk-SK" sz="1600" b="0" i="0" u="none" strike="noStrike" cap="none" normalizeH="0" baseline="0" dirty="0" smtClean="0">
@@ -8037,7 +8811,7 @@
                 <a:latin typeface="Courier New" panose="02070309020205020404" pitchFamily="49" charset="0"/>
                 <a:cs typeface="Courier New" panose="02070309020205020404" pitchFamily="49" charset="0"/>
               </a:rPr>
-              <a:t>() {</a:t>
+              <a:t> () {</a:t>
             </a:r>
             <a:br>
               <a:rPr kumimoji="0" lang="sk-SK" altLang="sk-SK" sz="1600" b="0" i="0" u="none" strike="noStrike" cap="none" normalizeH="0" baseline="0" dirty="0" smtClean="0">
@@ -8081,6 +8855,20 @@
               <a:t>if</a:t>
             </a:r>
             <a:r>
+              <a:rPr kumimoji="0" lang="sk-SK" altLang="sk-SK" sz="1600" b="1" i="0" u="none" strike="noStrike" cap="none" normalizeH="0" baseline="0" dirty="0" smtClean="0">
+                <a:ln>
+                  <a:noFill/>
+                </a:ln>
+                <a:solidFill>
+                  <a:srgbClr val="000080"/>
+                </a:solidFill>
+                <a:effectLst/>
+                <a:latin typeface="Courier New" panose="02070309020205020404" pitchFamily="49" charset="0"/>
+                <a:cs typeface="Courier New" panose="02070309020205020404" pitchFamily="49" charset="0"/>
+              </a:rPr>
+              <a:t> </a:t>
+            </a:r>
+            <a:r>
               <a:rPr kumimoji="0" lang="sk-SK" altLang="sk-SK" sz="1600" b="0" i="0" u="none" strike="noStrike" cap="none" normalizeH="0" baseline="0" dirty="0" smtClean="0">
                 <a:ln>
                   <a:noFill/>
@@ -8534,7 +9322,105 @@
                 <a:latin typeface="Courier New" panose="02070309020205020404" pitchFamily="49" charset="0"/>
                 <a:cs typeface="Courier New" panose="02070309020205020404" pitchFamily="49" charset="0"/>
               </a:rPr>
-              <a:t/>
+              <a:t>    </a:t>
+            </a:r>
+            <a:r>
+              <a:rPr kumimoji="0" lang="sk-SK" altLang="sk-SK" sz="1600" b="1" i="0" u="none" strike="noStrike" cap="none" normalizeH="0" baseline="0" dirty="0" err="1" smtClean="0">
+                <a:ln>
+                  <a:noFill/>
+                </a:ln>
+                <a:solidFill>
+                  <a:srgbClr val="000080"/>
+                </a:solidFill>
+                <a:effectLst/>
+                <a:latin typeface="Courier New" panose="02070309020205020404" pitchFamily="49" charset="0"/>
+                <a:cs typeface="Courier New" panose="02070309020205020404" pitchFamily="49" charset="0"/>
+              </a:rPr>
+              <a:t>if</a:t>
+            </a:r>
+            <a:r>
+              <a:rPr kumimoji="0" lang="sk-SK" altLang="sk-SK" sz="1600" b="1" i="0" u="none" strike="noStrike" cap="none" normalizeH="0" baseline="0" dirty="0" smtClean="0">
+                <a:ln>
+                  <a:noFill/>
+                </a:ln>
+                <a:solidFill>
+                  <a:srgbClr val="000080"/>
+                </a:solidFill>
+                <a:effectLst/>
+                <a:latin typeface="Courier New" panose="02070309020205020404" pitchFamily="49" charset="0"/>
+                <a:cs typeface="Courier New" panose="02070309020205020404" pitchFamily="49" charset="0"/>
+              </a:rPr>
+              <a:t> </a:t>
+            </a:r>
+            <a:r>
+              <a:rPr kumimoji="0" lang="sk-SK" altLang="sk-SK" sz="1600" b="0" i="0" u="none" strike="noStrike" cap="none" normalizeH="0" baseline="0" dirty="0" smtClean="0">
+                <a:ln>
+                  <a:noFill/>
+                </a:ln>
+                <a:solidFill>
+                  <a:srgbClr val="000000"/>
+                </a:solidFill>
+                <a:effectLst/>
+                <a:latin typeface="Courier New" panose="02070309020205020404" pitchFamily="49" charset="0"/>
+                <a:cs typeface="Courier New" panose="02070309020205020404" pitchFamily="49" charset="0"/>
+              </a:rPr>
+              <a:t>(</a:t>
+            </a:r>
+            <a:r>
+              <a:rPr kumimoji="0" lang="sk-SK" altLang="sk-SK" sz="1600" b="0" i="0" u="none" strike="noStrike" cap="none" normalizeH="0" baseline="0" dirty="0" err="1" smtClean="0">
+                <a:ln>
+                  <a:noFill/>
+                </a:ln>
+                <a:solidFill>
+                  <a:srgbClr val="000000"/>
+                </a:solidFill>
+                <a:effectLst/>
+                <a:latin typeface="Courier New" panose="02070309020205020404" pitchFamily="49" charset="0"/>
+                <a:cs typeface="Courier New" panose="02070309020205020404" pitchFamily="49" charset="0"/>
+              </a:rPr>
+              <a:t>digitalRead</a:t>
+            </a:r>
+            <a:r>
+              <a:rPr kumimoji="0" lang="sk-SK" altLang="sk-SK" sz="1600" b="0" i="0" u="none" strike="noStrike" cap="none" normalizeH="0" baseline="0" dirty="0" smtClean="0">
+                <a:ln>
+                  <a:noFill/>
+                </a:ln>
+                <a:solidFill>
+                  <a:srgbClr val="000000"/>
+                </a:solidFill>
+                <a:effectLst/>
+                <a:latin typeface="Courier New" panose="02070309020205020404" pitchFamily="49" charset="0"/>
+                <a:cs typeface="Courier New" panose="02070309020205020404" pitchFamily="49" charset="0"/>
+              </a:rPr>
+              <a:t>(</a:t>
+            </a:r>
+            <a:r>
+              <a:rPr kumimoji="0" lang="sk-SK" altLang="sk-SK" sz="1600" b="0" i="0" u="none" strike="noStrike" cap="none" normalizeH="0" baseline="0" dirty="0" err="1" smtClean="0">
+                <a:ln>
+                  <a:noFill/>
+                </a:ln>
+                <a:solidFill>
+                  <a:srgbClr val="000000"/>
+                </a:solidFill>
+                <a:effectLst/>
+                <a:latin typeface="Courier New" panose="02070309020205020404" pitchFamily="49" charset="0"/>
+                <a:cs typeface="Courier New" panose="02070309020205020404" pitchFamily="49" charset="0"/>
+              </a:rPr>
+              <a:t>buttonPin</a:t>
+            </a:r>
+            <a:r>
+              <a:rPr kumimoji="0" lang="sk-SK" altLang="sk-SK" sz="1600" b="0" i="0" u="none" strike="noStrike" cap="none" normalizeH="0" baseline="0" dirty="0" smtClean="0">
+                <a:ln>
+                  <a:noFill/>
+                </a:ln>
+                <a:solidFill>
+                  <a:srgbClr val="000000"/>
+                </a:solidFill>
+                <a:effectLst/>
+                <a:latin typeface="Courier New" panose="02070309020205020404" pitchFamily="49" charset="0"/>
+                <a:cs typeface="Courier New" panose="02070309020205020404" pitchFamily="49" charset="0"/>
+              </a:rPr>
+              <a:t>) == HIGH) {</a:t>
             </a:r>
             <a:br>
               <a:rPr kumimoji="0" lang="sk-SK" altLang="sk-SK" sz="1600" b="0" i="0" u="none" strike="noStrike" cap="none" normalizeH="0" baseline="0" dirty="0" smtClean="0">
@@ -8561,7 +9447,7 @@
                 <a:latin typeface="Courier New" panose="02070309020205020404" pitchFamily="49" charset="0"/>
                 <a:cs typeface="Courier New" panose="02070309020205020404" pitchFamily="49" charset="0"/>
               </a:rPr>
-              <a:t>    </a:t>
+              <a:t>        </a:t>
             </a:r>
             <a:r>
               <a:rPr kumimoji="0" lang="sk-SK" altLang="sk-SK" sz="1600" b="0" i="0" u="none" strike="noStrike" cap="none" normalizeH="0" baseline="0" dirty="0" err="1" smtClean="0">
@@ -8603,49 +9489,132 @@
                 <a:latin typeface="Courier New" panose="02070309020205020404" pitchFamily="49" charset="0"/>
                 <a:cs typeface="Courier New" panose="02070309020205020404" pitchFamily="49" charset="0"/>
               </a:rPr>
-              <a:t>digitalRead</a:t>
-            </a:r>
-            <a:r>
-              <a:rPr kumimoji="0" lang="sk-SK" altLang="sk-SK" sz="1600" b="0" i="0" u="none" strike="noStrike" cap="none" normalizeH="0" baseline="0" dirty="0" smtClean="0">
-                <a:ln>
-                  <a:noFill/>
-                </a:ln>
-                <a:solidFill>
-                  <a:srgbClr val="000000"/>
-                </a:solidFill>
-                <a:effectLst/>
-                <a:latin typeface="Courier New" panose="02070309020205020404" pitchFamily="49" charset="0"/>
-                <a:cs typeface="Courier New" panose="02070309020205020404" pitchFamily="49" charset="0"/>
-              </a:rPr>
-              <a:t>(</a:t>
-            </a:r>
-            <a:r>
-              <a:rPr kumimoji="0" lang="sk-SK" altLang="sk-SK" sz="1600" b="0" i="0" u="none" strike="noStrike" cap="none" normalizeH="0" baseline="0" dirty="0" err="1" smtClean="0">
-                <a:ln>
-                  <a:noFill/>
-                </a:ln>
-                <a:solidFill>
-                  <a:srgbClr val="000000"/>
-                </a:solidFill>
-                <a:effectLst/>
-                <a:latin typeface="Courier New" panose="02070309020205020404" pitchFamily="49" charset="0"/>
-                <a:cs typeface="Courier New" panose="02070309020205020404" pitchFamily="49" charset="0"/>
-              </a:rPr>
-              <a:t>buttonPin</a:t>
-            </a:r>
-            <a:r>
-              <a:rPr kumimoji="0" lang="sk-SK" altLang="sk-SK" sz="1600" b="0" i="0" u="none" strike="noStrike" cap="none" normalizeH="0" baseline="0" dirty="0" smtClean="0">
-                <a:ln>
-                  <a:noFill/>
-                </a:ln>
-                <a:solidFill>
-                  <a:srgbClr val="000000"/>
-                </a:solidFill>
-                <a:effectLst/>
-                <a:latin typeface="Courier New" panose="02070309020205020404" pitchFamily="49" charset="0"/>
-                <a:cs typeface="Courier New" panose="02070309020205020404" pitchFamily="49" charset="0"/>
-              </a:rPr>
-              <a:t>);</a:t>
+              <a:t>buttonState</a:t>
+            </a:r>
+            <a:r>
+              <a:rPr kumimoji="0" lang="sk-SK" altLang="sk-SK" sz="1600" b="0" i="0" u="none" strike="noStrike" cap="none" normalizeH="0" baseline="0" dirty="0" smtClean="0">
+                <a:ln>
+                  <a:noFill/>
+                </a:ln>
+                <a:solidFill>
+                  <a:srgbClr val="000000"/>
+                </a:solidFill>
+                <a:effectLst/>
+                <a:latin typeface="Courier New" panose="02070309020205020404" pitchFamily="49" charset="0"/>
+                <a:cs typeface="Courier New" panose="02070309020205020404" pitchFamily="49" charset="0"/>
+              </a:rPr>
+              <a:t> == </a:t>
+            </a:r>
+            <a:r>
+              <a:rPr kumimoji="0" lang="sk-SK" altLang="sk-SK" sz="1600" b="0" i="0" u="none" strike="noStrike" cap="none" normalizeH="0" baseline="0" dirty="0" smtClean="0">
+                <a:ln>
+                  <a:noFill/>
+                </a:ln>
+                <a:solidFill>
+                  <a:srgbClr val="0000FF"/>
+                </a:solidFill>
+                <a:effectLst/>
+                <a:latin typeface="Courier New" panose="02070309020205020404" pitchFamily="49" charset="0"/>
+                <a:cs typeface="Courier New" panose="02070309020205020404" pitchFamily="49" charset="0"/>
+              </a:rPr>
+              <a:t>0 </a:t>
+            </a:r>
+            <a:r>
+              <a:rPr kumimoji="0" lang="sk-SK" altLang="sk-SK" sz="1600" b="0" i="0" u="none" strike="noStrike" cap="none" normalizeH="0" baseline="0" dirty="0" smtClean="0">
+                <a:ln>
+                  <a:noFill/>
+                </a:ln>
+                <a:solidFill>
+                  <a:srgbClr val="000000"/>
+                </a:solidFill>
+                <a:effectLst/>
+                <a:latin typeface="Courier New" panose="02070309020205020404" pitchFamily="49" charset="0"/>
+                <a:cs typeface="Courier New" panose="02070309020205020404" pitchFamily="49" charset="0"/>
+              </a:rPr>
+              <a:t>? </a:t>
+            </a:r>
+            <a:r>
+              <a:rPr kumimoji="0" lang="sk-SK" altLang="sk-SK" sz="1600" b="0" i="0" u="none" strike="noStrike" cap="none" normalizeH="0" baseline="0" dirty="0" smtClean="0">
+                <a:ln>
+                  <a:noFill/>
+                </a:ln>
+                <a:solidFill>
+                  <a:srgbClr val="0000FF"/>
+                </a:solidFill>
+                <a:effectLst/>
+                <a:latin typeface="Courier New" panose="02070309020205020404" pitchFamily="49" charset="0"/>
+                <a:cs typeface="Courier New" panose="02070309020205020404" pitchFamily="49" charset="0"/>
+              </a:rPr>
+              <a:t>1 </a:t>
+            </a:r>
+            <a:r>
+              <a:rPr kumimoji="0" lang="sk-SK" altLang="sk-SK" sz="1600" b="0" i="0" u="none" strike="noStrike" cap="none" normalizeH="0" baseline="0" dirty="0" smtClean="0">
+                <a:ln>
+                  <a:noFill/>
+                </a:ln>
+                <a:solidFill>
+                  <a:srgbClr val="000000"/>
+                </a:solidFill>
+                <a:effectLst/>
+                <a:latin typeface="Courier New" panose="02070309020205020404" pitchFamily="49" charset="0"/>
+                <a:cs typeface="Courier New" panose="02070309020205020404" pitchFamily="49" charset="0"/>
+              </a:rPr>
+              <a:t>: </a:t>
+            </a:r>
+            <a:r>
+              <a:rPr kumimoji="0" lang="sk-SK" altLang="sk-SK" sz="1600" b="0" i="0" u="none" strike="noStrike" cap="none" normalizeH="0" baseline="0" dirty="0" smtClean="0">
+                <a:ln>
+                  <a:noFill/>
+                </a:ln>
+                <a:solidFill>
+                  <a:srgbClr val="0000FF"/>
+                </a:solidFill>
+                <a:effectLst/>
+                <a:latin typeface="Courier New" panose="02070309020205020404" pitchFamily="49" charset="0"/>
+                <a:cs typeface="Courier New" panose="02070309020205020404" pitchFamily="49" charset="0"/>
+              </a:rPr>
+              <a:t>0</a:t>
+            </a:r>
+            <a:r>
+              <a:rPr kumimoji="0" lang="sk-SK" altLang="sk-SK" sz="1600" b="0" i="0" u="none" strike="noStrike" cap="none" normalizeH="0" baseline="0" dirty="0" smtClean="0">
+                <a:ln>
+                  <a:noFill/>
+                </a:ln>
+                <a:solidFill>
+                  <a:srgbClr val="000000"/>
+                </a:solidFill>
+                <a:effectLst/>
+                <a:latin typeface="Courier New" panose="02070309020205020404" pitchFamily="49" charset="0"/>
+                <a:cs typeface="Courier New" panose="02070309020205020404" pitchFamily="49" charset="0"/>
+              </a:rPr>
+              <a:t>;</a:t>
+            </a:r>
+            <a:br>
+              <a:rPr kumimoji="0" lang="sk-SK" altLang="sk-SK" sz="1600" b="0" i="0" u="none" strike="noStrike" cap="none" normalizeH="0" baseline="0" dirty="0" smtClean="0">
+                <a:ln>
+                  <a:noFill/>
+                </a:ln>
+                <a:solidFill>
+                  <a:srgbClr val="000000"/>
+                </a:solidFill>
+                <a:effectLst/>
+                <a:latin typeface="Courier New" panose="02070309020205020404" pitchFamily="49" charset="0"/>
+                <a:cs typeface="Courier New" panose="02070309020205020404" pitchFamily="49" charset="0"/>
+              </a:rPr>
+            </a:br>
+            <a:r>
+              <a:rPr kumimoji="0" lang="sk-SK" altLang="sk-SK" sz="1600" b="0" i="0" u="none" strike="noStrike" cap="none" normalizeH="0" baseline="0" dirty="0" smtClean="0">
+                <a:ln>
+                  <a:noFill/>
+                </a:ln>
+                <a:solidFill>
+                  <a:srgbClr val="000000"/>
+                </a:solidFill>
+                <a:effectLst/>
+                <a:latin typeface="Courier New" panose="02070309020205020404" pitchFamily="49" charset="0"/>
+                <a:cs typeface="Courier New" panose="02070309020205020404" pitchFamily="49" charset="0"/>
+              </a:rPr>
+              <a:t>    }</a:t>
             </a:r>
             <a:br>
               <a:rPr kumimoji="0" lang="sk-SK" altLang="sk-SK" sz="1600" b="0" i="0" u="none" strike="noStrike" cap="none" normalizeH="0" baseline="0" dirty="0" smtClean="0">
@@ -8769,7 +9738,7 @@
           <a:p>
             <a:r>
               <a:rPr lang="sk-SK" dirty="0" smtClean="0"/>
-              <a:t>Po stlačení tlačidla sa nič nedeje.</a:t>
+              <a:t>Po stlačení tlačidla sa nič nedeje!</a:t>
             </a:r>
           </a:p>
           <a:p>
@@ -8805,8 +9774,8 @@
         </p:nvSpPr>
         <p:spPr bwMode="auto">
           <a:xfrm>
-            <a:off x="990010" y="2437531"/>
-            <a:ext cx="7209693" cy="1815882"/>
+            <a:off x="990010" y="2222088"/>
+            <a:ext cx="7209693" cy="2246769"/>
           </a:xfrm>
           <a:prstGeom prst="rect">
             <a:avLst/>
@@ -8849,616 +9818,594 @@
           </a:bodyPr>
           <a:lstStyle/>
           <a:p>
-            <a:pPr marL="0" marR="0" lvl="0" indent="0" algn="l" defTabSz="914400" rtl="0" eaLnBrk="0" fontAlgn="base" latinLnBrk="0" hangingPunct="0">
-              <a:lnSpc>
-                <a:spcPct val="100000"/>
-              </a:lnSpc>
+            <a:pPr lvl="0" defTabSz="914400" eaLnBrk="0" fontAlgn="base" hangingPunct="0">
               <a:spcBef>
                 <a:spcPct val="0"/>
               </a:spcBef>
               <a:spcAft>
                 <a:spcPct val="0"/>
               </a:spcAft>
-              <a:buClrTx/>
-              <a:buSzTx/>
-              <a:buFontTx/>
-              <a:buNone/>
-              <a:tabLst/>
             </a:pPr>
             <a:r>
-              <a:rPr kumimoji="0" lang="sk-SK" altLang="sk-SK" sz="1400" b="0" i="0" u="none" strike="noStrike" cap="none" normalizeH="0" baseline="0" dirty="0" smtClean="0">
-                <a:ln>
-                  <a:noFill/>
-                </a:ln>
-                <a:solidFill>
-                  <a:srgbClr val="000000"/>
-                </a:solidFill>
-                <a:effectLst/>
+              <a:rPr lang="sk-SK" altLang="sk-SK" sz="1400" dirty="0">
+                <a:solidFill>
+                  <a:srgbClr val="000000"/>
+                </a:solidFill>
+                <a:latin typeface="Courier New" panose="02070309020205020404" pitchFamily="49" charset="0"/>
+                <a:cs typeface="Courier New" panose="02070309020205020404" pitchFamily="49" charset="0"/>
+              </a:rPr>
+              <a:t/>
+            </a:r>
+            <a:br>
+              <a:rPr lang="sk-SK" altLang="sk-SK" sz="1400" dirty="0">
+                <a:solidFill>
+                  <a:srgbClr val="000000"/>
+                </a:solidFill>
+                <a:latin typeface="Courier New" panose="02070309020205020404" pitchFamily="49" charset="0"/>
+                <a:cs typeface="Courier New" panose="02070309020205020404" pitchFamily="49" charset="0"/>
+              </a:rPr>
+            </a:br>
+            <a:r>
+              <a:rPr lang="sk-SK" altLang="sk-SK" sz="1400" dirty="0">
+                <a:solidFill>
+                  <a:srgbClr val="000000"/>
+                </a:solidFill>
                 <a:latin typeface="Courier New" panose="02070309020205020404" pitchFamily="49" charset="0"/>
                 <a:cs typeface="Courier New" panose="02070309020205020404" pitchFamily="49" charset="0"/>
               </a:rPr>
               <a:t>    </a:t>
             </a:r>
             <a:r>
-              <a:rPr kumimoji="0" lang="sk-SK" altLang="sk-SK" sz="1400" b="1" i="0" u="none" strike="noStrike" cap="none" normalizeH="0" baseline="0" dirty="0" err="1" smtClean="0">
-                <a:ln>
-                  <a:noFill/>
-                </a:ln>
+              <a:rPr lang="sk-SK" altLang="sk-SK" sz="1400" b="1" dirty="0" err="1">
                 <a:solidFill>
                   <a:srgbClr val="000080"/>
                 </a:solidFill>
-                <a:effectLst/>
                 <a:latin typeface="Courier New" panose="02070309020205020404" pitchFamily="49" charset="0"/>
                 <a:cs typeface="Courier New" panose="02070309020205020404" pitchFamily="49" charset="0"/>
               </a:rPr>
               <a:t>if</a:t>
             </a:r>
             <a:r>
-              <a:rPr kumimoji="0" lang="sk-SK" altLang="sk-SK" sz="1400" b="0" i="0" u="none" strike="noStrike" cap="none" normalizeH="0" baseline="0" dirty="0" smtClean="0">
-                <a:ln>
-                  <a:noFill/>
-                </a:ln>
-                <a:solidFill>
-                  <a:srgbClr val="000000"/>
-                </a:solidFill>
-                <a:effectLst/>
+              <a:rPr lang="sk-SK" altLang="sk-SK" sz="1400" b="1" dirty="0">
+                <a:solidFill>
+                  <a:srgbClr val="000080"/>
+                </a:solidFill>
+                <a:latin typeface="Courier New" panose="02070309020205020404" pitchFamily="49" charset="0"/>
+                <a:cs typeface="Courier New" panose="02070309020205020404" pitchFamily="49" charset="0"/>
+              </a:rPr>
+              <a:t> </a:t>
+            </a:r>
+            <a:r>
+              <a:rPr lang="sk-SK" altLang="sk-SK" sz="1400" dirty="0">
+                <a:solidFill>
+                  <a:srgbClr val="000000"/>
+                </a:solidFill>
                 <a:latin typeface="Courier New" panose="02070309020205020404" pitchFamily="49" charset="0"/>
                 <a:cs typeface="Courier New" panose="02070309020205020404" pitchFamily="49" charset="0"/>
               </a:rPr>
               <a:t>(</a:t>
             </a:r>
             <a:r>
-              <a:rPr kumimoji="0" lang="sk-SK" altLang="sk-SK" sz="1400" b="0" i="0" u="none" strike="noStrike" cap="none" normalizeH="0" baseline="0" dirty="0" err="1" smtClean="0">
-                <a:ln>
-                  <a:noFill/>
-                </a:ln>
-                <a:solidFill>
-                  <a:srgbClr val="000000"/>
-                </a:solidFill>
-                <a:effectLst/>
+              <a:rPr lang="sk-SK" altLang="sk-SK" sz="1400" dirty="0" err="1">
+                <a:solidFill>
+                  <a:srgbClr val="000000"/>
+                </a:solidFill>
                 <a:latin typeface="Courier New" panose="02070309020205020404" pitchFamily="49" charset="0"/>
                 <a:cs typeface="Courier New" panose="02070309020205020404" pitchFamily="49" charset="0"/>
               </a:rPr>
               <a:t>buttonState</a:t>
             </a:r>
             <a:r>
-              <a:rPr kumimoji="0" lang="sk-SK" altLang="sk-SK" sz="1400" b="0" i="0" u="none" strike="noStrike" cap="none" normalizeH="0" baseline="0" dirty="0" smtClean="0">
-                <a:ln>
-                  <a:noFill/>
-                </a:ln>
-                <a:solidFill>
-                  <a:srgbClr val="000000"/>
-                </a:solidFill>
-                <a:effectLst/>
+              <a:rPr lang="sk-SK" altLang="sk-SK" sz="1400" dirty="0">
+                <a:solidFill>
+                  <a:srgbClr val="000000"/>
+                </a:solidFill>
                 <a:latin typeface="Courier New" panose="02070309020205020404" pitchFamily="49" charset="0"/>
                 <a:cs typeface="Courier New" panose="02070309020205020404" pitchFamily="49" charset="0"/>
               </a:rPr>
               <a:t> == </a:t>
             </a:r>
             <a:r>
-              <a:rPr kumimoji="0" lang="sk-SK" altLang="sk-SK" sz="1400" b="0" i="0" u="none" strike="noStrike" cap="none" normalizeH="0" baseline="0" dirty="0" smtClean="0">
-                <a:ln>
-                  <a:noFill/>
-                </a:ln>
+              <a:rPr lang="sk-SK" altLang="sk-SK" sz="1400" dirty="0">
                 <a:solidFill>
                   <a:srgbClr val="0000FF"/>
                 </a:solidFill>
-                <a:effectLst/>
                 <a:latin typeface="Courier New" panose="02070309020205020404" pitchFamily="49" charset="0"/>
                 <a:cs typeface="Courier New" panose="02070309020205020404" pitchFamily="49" charset="0"/>
               </a:rPr>
               <a:t>0</a:t>
             </a:r>
             <a:r>
-              <a:rPr kumimoji="0" lang="sk-SK" altLang="sk-SK" sz="1400" b="0" i="0" u="none" strike="noStrike" cap="none" normalizeH="0" baseline="0" dirty="0" smtClean="0">
-                <a:ln>
-                  <a:noFill/>
-                </a:ln>
-                <a:solidFill>
-                  <a:srgbClr val="000000"/>
-                </a:solidFill>
-                <a:effectLst/>
+              <a:rPr lang="sk-SK" altLang="sk-SK" sz="1400" dirty="0">
+                <a:solidFill>
+                  <a:srgbClr val="000000"/>
+                </a:solidFill>
                 <a:latin typeface="Courier New" panose="02070309020205020404" pitchFamily="49" charset="0"/>
                 <a:cs typeface="Courier New" panose="02070309020205020404" pitchFamily="49" charset="0"/>
               </a:rPr>
               <a:t>) {</a:t>
             </a:r>
             <a:br>
-              <a:rPr kumimoji="0" lang="sk-SK" altLang="sk-SK" sz="1400" b="0" i="0" u="none" strike="noStrike" cap="none" normalizeH="0" baseline="0" dirty="0" smtClean="0">
-                <a:ln>
-                  <a:noFill/>
-                </a:ln>
-                <a:solidFill>
-                  <a:srgbClr val="000000"/>
-                </a:solidFill>
-                <a:effectLst/>
+              <a:rPr lang="sk-SK" altLang="sk-SK" sz="1400" dirty="0">
+                <a:solidFill>
+                  <a:srgbClr val="000000"/>
+                </a:solidFill>
                 <a:latin typeface="Courier New" panose="02070309020205020404" pitchFamily="49" charset="0"/>
                 <a:cs typeface="Courier New" panose="02070309020205020404" pitchFamily="49" charset="0"/>
               </a:rPr>
             </a:br>
             <a:r>
-              <a:rPr kumimoji="0" lang="sk-SK" altLang="sk-SK" sz="1400" b="0" i="0" u="none" strike="noStrike" cap="none" normalizeH="0" baseline="0" dirty="0" smtClean="0">
-                <a:ln>
-                  <a:noFill/>
-                </a:ln>
-                <a:solidFill>
-                  <a:srgbClr val="000000"/>
-                </a:solidFill>
-                <a:effectLst/>
+              <a:rPr lang="sk-SK" altLang="sk-SK" sz="1400" dirty="0">
+                <a:solidFill>
+                  <a:srgbClr val="000000"/>
+                </a:solidFill>
                 <a:latin typeface="Courier New" panose="02070309020205020404" pitchFamily="49" charset="0"/>
                 <a:cs typeface="Courier New" panose="02070309020205020404" pitchFamily="49" charset="0"/>
               </a:rPr>
               <a:t>        </a:t>
             </a:r>
             <a:r>
-              <a:rPr kumimoji="0" lang="sk-SK" altLang="sk-SK" sz="1400" b="0" i="0" u="none" strike="noStrike" cap="none" normalizeH="0" baseline="0" dirty="0" err="1" smtClean="0">
-                <a:ln>
-                  <a:noFill/>
-                </a:ln>
-                <a:solidFill>
-                  <a:srgbClr val="000000"/>
-                </a:solidFill>
-                <a:effectLst/>
+              <a:rPr lang="sk-SK" altLang="sk-SK" sz="1400" dirty="0" err="1">
+                <a:solidFill>
+                  <a:srgbClr val="000000"/>
+                </a:solidFill>
                 <a:latin typeface="Courier New" panose="02070309020205020404" pitchFamily="49" charset="0"/>
                 <a:cs typeface="Courier New" panose="02070309020205020404" pitchFamily="49" charset="0"/>
               </a:rPr>
               <a:t>digitalWrite</a:t>
             </a:r>
             <a:r>
-              <a:rPr kumimoji="0" lang="sk-SK" altLang="sk-SK" sz="1400" b="0" i="0" u="none" strike="noStrike" cap="none" normalizeH="0" baseline="0" dirty="0" smtClean="0">
-                <a:ln>
-                  <a:noFill/>
-                </a:ln>
-                <a:solidFill>
-                  <a:srgbClr val="000000"/>
-                </a:solidFill>
-                <a:effectLst/>
+              <a:rPr lang="sk-SK" altLang="sk-SK" sz="1400" dirty="0">
+                <a:solidFill>
+                  <a:srgbClr val="000000"/>
+                </a:solidFill>
                 <a:latin typeface="Courier New" panose="02070309020205020404" pitchFamily="49" charset="0"/>
                 <a:cs typeface="Courier New" panose="02070309020205020404" pitchFamily="49" charset="0"/>
               </a:rPr>
               <a:t>(</a:t>
             </a:r>
             <a:r>
-              <a:rPr kumimoji="0" lang="sk-SK" altLang="sk-SK" sz="1400" b="0" i="0" u="none" strike="noStrike" cap="none" normalizeH="0" baseline="0" dirty="0" err="1" smtClean="0">
-                <a:ln>
-                  <a:noFill/>
-                </a:ln>
-                <a:solidFill>
-                  <a:srgbClr val="000000"/>
-                </a:solidFill>
-                <a:effectLst/>
+              <a:rPr lang="sk-SK" altLang="sk-SK" sz="1400" dirty="0" err="1">
+                <a:solidFill>
+                  <a:srgbClr val="000000"/>
+                </a:solidFill>
                 <a:latin typeface="Courier New" panose="02070309020205020404" pitchFamily="49" charset="0"/>
                 <a:cs typeface="Courier New" panose="02070309020205020404" pitchFamily="49" charset="0"/>
               </a:rPr>
               <a:t>ledPin</a:t>
             </a:r>
             <a:r>
-              <a:rPr kumimoji="0" lang="sk-SK" altLang="sk-SK" sz="1400" b="0" i="0" u="none" strike="noStrike" cap="none" normalizeH="0" baseline="0" dirty="0" smtClean="0">
-                <a:ln>
-                  <a:noFill/>
-                </a:ln>
-                <a:solidFill>
-                  <a:srgbClr val="000000"/>
-                </a:solidFill>
-                <a:effectLst/>
+              <a:rPr lang="sk-SK" altLang="sk-SK" sz="1400" dirty="0">
+                <a:solidFill>
+                  <a:srgbClr val="000000"/>
+                </a:solidFill>
                 <a:latin typeface="Courier New" panose="02070309020205020404" pitchFamily="49" charset="0"/>
                 <a:cs typeface="Courier New" panose="02070309020205020404" pitchFamily="49" charset="0"/>
               </a:rPr>
               <a:t>, HIGH);</a:t>
             </a:r>
             <a:br>
-              <a:rPr kumimoji="0" lang="sk-SK" altLang="sk-SK" sz="1400" b="0" i="0" u="none" strike="noStrike" cap="none" normalizeH="0" baseline="0" dirty="0" smtClean="0">
-                <a:ln>
-                  <a:noFill/>
-                </a:ln>
-                <a:solidFill>
-                  <a:srgbClr val="000000"/>
-                </a:solidFill>
-                <a:effectLst/>
+              <a:rPr lang="sk-SK" altLang="sk-SK" sz="1400" dirty="0">
+                <a:solidFill>
+                  <a:srgbClr val="000000"/>
+                </a:solidFill>
                 <a:latin typeface="Courier New" panose="02070309020205020404" pitchFamily="49" charset="0"/>
                 <a:cs typeface="Courier New" panose="02070309020205020404" pitchFamily="49" charset="0"/>
               </a:rPr>
             </a:br>
             <a:r>
-              <a:rPr kumimoji="0" lang="sk-SK" altLang="sk-SK" sz="1400" b="0" i="0" u="none" strike="noStrike" cap="none" normalizeH="0" baseline="0" dirty="0" smtClean="0">
-                <a:ln>
-                  <a:noFill/>
-                </a:ln>
-                <a:solidFill>
-                  <a:srgbClr val="000000"/>
-                </a:solidFill>
-                <a:effectLst/>
+              <a:rPr lang="sk-SK" altLang="sk-SK" sz="1400" dirty="0">
+                <a:solidFill>
+                  <a:srgbClr val="000000"/>
+                </a:solidFill>
                 <a:latin typeface="Courier New" panose="02070309020205020404" pitchFamily="49" charset="0"/>
                 <a:cs typeface="Courier New" panose="02070309020205020404" pitchFamily="49" charset="0"/>
               </a:rPr>
               <a:t>    }</a:t>
             </a:r>
             <a:br>
-              <a:rPr kumimoji="0" lang="sk-SK" altLang="sk-SK" sz="1400" b="0" i="0" u="none" strike="noStrike" cap="none" normalizeH="0" baseline="0" dirty="0" smtClean="0">
-                <a:ln>
-                  <a:noFill/>
-                </a:ln>
-                <a:solidFill>
-                  <a:srgbClr val="000000"/>
-                </a:solidFill>
-                <a:effectLst/>
+              <a:rPr lang="sk-SK" altLang="sk-SK" sz="1400" dirty="0">
+                <a:solidFill>
+                  <a:srgbClr val="000000"/>
+                </a:solidFill>
                 <a:latin typeface="Courier New" panose="02070309020205020404" pitchFamily="49" charset="0"/>
                 <a:cs typeface="Courier New" panose="02070309020205020404" pitchFamily="49" charset="0"/>
               </a:rPr>
             </a:br>
             <a:r>
-              <a:rPr kumimoji="0" lang="sk-SK" altLang="sk-SK" sz="1400" b="0" i="0" u="none" strike="noStrike" cap="none" normalizeH="0" baseline="0" dirty="0" smtClean="0">
-                <a:ln>
-                  <a:noFill/>
-                </a:ln>
-                <a:solidFill>
-                  <a:srgbClr val="000000"/>
-                </a:solidFill>
-                <a:effectLst/>
+              <a:rPr lang="sk-SK" altLang="sk-SK" sz="1400" dirty="0">
+                <a:solidFill>
+                  <a:srgbClr val="000000"/>
+                </a:solidFill>
                 <a:latin typeface="Courier New" panose="02070309020205020404" pitchFamily="49" charset="0"/>
                 <a:cs typeface="Courier New" panose="02070309020205020404" pitchFamily="49" charset="0"/>
               </a:rPr>
               <a:t>    </a:t>
             </a:r>
             <a:r>
-              <a:rPr kumimoji="0" lang="sk-SK" altLang="sk-SK" sz="1400" b="0" i="0" u="none" strike="noStrike" cap="none" normalizeH="0" baseline="0" dirty="0" err="1" smtClean="0">
-                <a:ln>
-                  <a:noFill/>
-                </a:ln>
-                <a:solidFill>
-                  <a:srgbClr val="000000"/>
-                </a:solidFill>
-                <a:effectLst/>
+              <a:rPr lang="sk-SK" altLang="sk-SK" sz="1400" dirty="0" err="1">
+                <a:solidFill>
+                  <a:srgbClr val="000000"/>
+                </a:solidFill>
                 <a:latin typeface="Courier New" panose="02070309020205020404" pitchFamily="49" charset="0"/>
                 <a:cs typeface="Courier New" panose="02070309020205020404" pitchFamily="49" charset="0"/>
               </a:rPr>
               <a:t>delay</a:t>
             </a:r>
             <a:r>
-              <a:rPr kumimoji="0" lang="sk-SK" altLang="sk-SK" sz="1400" b="0" i="0" u="none" strike="noStrike" cap="none" normalizeH="0" baseline="0" dirty="0" smtClean="0">
-                <a:ln>
-                  <a:noFill/>
-                </a:ln>
-                <a:solidFill>
-                  <a:srgbClr val="000000"/>
-                </a:solidFill>
-                <a:effectLst/>
+              <a:rPr lang="sk-SK" altLang="sk-SK" sz="1400" dirty="0">
+                <a:solidFill>
+                  <a:srgbClr val="000000"/>
+                </a:solidFill>
                 <a:latin typeface="Courier New" panose="02070309020205020404" pitchFamily="49" charset="0"/>
                 <a:cs typeface="Courier New" panose="02070309020205020404" pitchFamily="49" charset="0"/>
               </a:rPr>
               <a:t>(</a:t>
             </a:r>
             <a:r>
-              <a:rPr kumimoji="0" lang="sk-SK" altLang="sk-SK" sz="1400" b="0" i="0" u="none" strike="noStrike" cap="none" normalizeH="0" baseline="0" dirty="0" smtClean="0">
-                <a:ln>
-                  <a:noFill/>
-                </a:ln>
+              <a:rPr lang="sk-SK" altLang="sk-SK" sz="1400" dirty="0">
                 <a:solidFill>
                   <a:srgbClr val="0000FF"/>
                 </a:solidFill>
-                <a:effectLst/>
                 <a:latin typeface="Courier New" panose="02070309020205020404" pitchFamily="49" charset="0"/>
                 <a:cs typeface="Courier New" panose="02070309020205020404" pitchFamily="49" charset="0"/>
               </a:rPr>
               <a:t>1000</a:t>
             </a:r>
             <a:r>
-              <a:rPr kumimoji="0" lang="sk-SK" altLang="sk-SK" sz="1400" b="0" i="0" u="none" strike="noStrike" cap="none" normalizeH="0" baseline="0" dirty="0" smtClean="0">
-                <a:ln>
-                  <a:noFill/>
-                </a:ln>
-                <a:solidFill>
-                  <a:srgbClr val="000000"/>
-                </a:solidFill>
-                <a:effectLst/>
+              <a:rPr lang="sk-SK" altLang="sk-SK" sz="1400" dirty="0">
+                <a:solidFill>
+                  <a:srgbClr val="000000"/>
+                </a:solidFill>
                 <a:latin typeface="Courier New" panose="02070309020205020404" pitchFamily="49" charset="0"/>
                 <a:cs typeface="Courier New" panose="02070309020205020404" pitchFamily="49" charset="0"/>
               </a:rPr>
               <a:t>);</a:t>
             </a:r>
             <a:br>
-              <a:rPr kumimoji="0" lang="sk-SK" altLang="sk-SK" sz="1400" b="0" i="0" u="none" strike="noStrike" cap="none" normalizeH="0" baseline="0" dirty="0" smtClean="0">
-                <a:ln>
-                  <a:noFill/>
-                </a:ln>
-                <a:solidFill>
-                  <a:srgbClr val="000000"/>
-                </a:solidFill>
-                <a:effectLst/>
+              <a:rPr lang="sk-SK" altLang="sk-SK" sz="1400" dirty="0">
+                <a:solidFill>
+                  <a:srgbClr val="000000"/>
+                </a:solidFill>
                 <a:latin typeface="Courier New" panose="02070309020205020404" pitchFamily="49" charset="0"/>
                 <a:cs typeface="Courier New" panose="02070309020205020404" pitchFamily="49" charset="0"/>
               </a:rPr>
             </a:br>
             <a:r>
-              <a:rPr kumimoji="0" lang="sk-SK" altLang="sk-SK" sz="1400" b="0" i="0" u="none" strike="noStrike" cap="none" normalizeH="0" baseline="0" dirty="0" smtClean="0">
-                <a:ln>
-                  <a:noFill/>
-                </a:ln>
-                <a:solidFill>
-                  <a:srgbClr val="000000"/>
-                </a:solidFill>
-                <a:effectLst/>
+              <a:rPr lang="sk-SK" altLang="sk-SK" sz="1400" dirty="0">
+                <a:solidFill>
+                  <a:srgbClr val="000000"/>
+                </a:solidFill>
                 <a:latin typeface="Courier New" panose="02070309020205020404" pitchFamily="49" charset="0"/>
                 <a:cs typeface="Courier New" panose="02070309020205020404" pitchFamily="49" charset="0"/>
               </a:rPr>
               <a:t>    </a:t>
             </a:r>
             <a:r>
-              <a:rPr kumimoji="0" lang="sk-SK" altLang="sk-SK" sz="1400" b="0" i="0" u="none" strike="noStrike" cap="none" normalizeH="0" baseline="0" dirty="0" err="1" smtClean="0">
-                <a:ln>
-                  <a:noFill/>
-                </a:ln>
-                <a:solidFill>
-                  <a:srgbClr val="000000"/>
-                </a:solidFill>
-                <a:effectLst/>
+              <a:rPr lang="sk-SK" altLang="sk-SK" sz="1400" dirty="0" err="1">
+                <a:solidFill>
+                  <a:srgbClr val="000000"/>
+                </a:solidFill>
                 <a:latin typeface="Courier New" panose="02070309020205020404" pitchFamily="49" charset="0"/>
                 <a:cs typeface="Courier New" panose="02070309020205020404" pitchFamily="49" charset="0"/>
               </a:rPr>
               <a:t>digitalWrite</a:t>
             </a:r>
             <a:r>
-              <a:rPr kumimoji="0" lang="sk-SK" altLang="sk-SK" sz="1400" b="0" i="0" u="none" strike="noStrike" cap="none" normalizeH="0" baseline="0" dirty="0" smtClean="0">
-                <a:ln>
-                  <a:noFill/>
-                </a:ln>
-                <a:solidFill>
-                  <a:srgbClr val="000000"/>
-                </a:solidFill>
-                <a:effectLst/>
+              <a:rPr lang="sk-SK" altLang="sk-SK" sz="1400" dirty="0">
+                <a:solidFill>
+                  <a:srgbClr val="000000"/>
+                </a:solidFill>
                 <a:latin typeface="Courier New" panose="02070309020205020404" pitchFamily="49" charset="0"/>
                 <a:cs typeface="Courier New" panose="02070309020205020404" pitchFamily="49" charset="0"/>
               </a:rPr>
               <a:t>(</a:t>
             </a:r>
             <a:r>
-              <a:rPr kumimoji="0" lang="sk-SK" altLang="sk-SK" sz="1400" b="0" i="0" u="none" strike="noStrike" cap="none" normalizeH="0" baseline="0" dirty="0" err="1" smtClean="0">
-                <a:ln>
-                  <a:noFill/>
-                </a:ln>
-                <a:solidFill>
-                  <a:srgbClr val="000000"/>
-                </a:solidFill>
-                <a:effectLst/>
+              <a:rPr lang="sk-SK" altLang="sk-SK" sz="1400" dirty="0" err="1">
+                <a:solidFill>
+                  <a:srgbClr val="000000"/>
+                </a:solidFill>
                 <a:latin typeface="Courier New" panose="02070309020205020404" pitchFamily="49" charset="0"/>
                 <a:cs typeface="Courier New" panose="02070309020205020404" pitchFamily="49" charset="0"/>
               </a:rPr>
               <a:t>ledPin</a:t>
             </a:r>
             <a:r>
-              <a:rPr kumimoji="0" lang="sk-SK" altLang="sk-SK" sz="1400" b="0" i="0" u="none" strike="noStrike" cap="none" normalizeH="0" baseline="0" dirty="0" smtClean="0">
-                <a:ln>
-                  <a:noFill/>
-                </a:ln>
-                <a:solidFill>
-                  <a:srgbClr val="000000"/>
-                </a:solidFill>
-                <a:effectLst/>
+              <a:rPr lang="sk-SK" altLang="sk-SK" sz="1400" dirty="0">
+                <a:solidFill>
+                  <a:srgbClr val="000000"/>
+                </a:solidFill>
                 <a:latin typeface="Courier New" panose="02070309020205020404" pitchFamily="49" charset="0"/>
                 <a:cs typeface="Courier New" panose="02070309020205020404" pitchFamily="49" charset="0"/>
               </a:rPr>
               <a:t>, LOW);</a:t>
             </a:r>
             <a:br>
-              <a:rPr kumimoji="0" lang="sk-SK" altLang="sk-SK" sz="1400" b="0" i="0" u="none" strike="noStrike" cap="none" normalizeH="0" baseline="0" dirty="0" smtClean="0">
-                <a:ln>
-                  <a:noFill/>
-                </a:ln>
-                <a:solidFill>
-                  <a:srgbClr val="000000"/>
-                </a:solidFill>
-                <a:effectLst/>
+              <a:rPr lang="sk-SK" altLang="sk-SK" sz="1400" dirty="0">
+                <a:solidFill>
+                  <a:srgbClr val="000000"/>
+                </a:solidFill>
                 <a:latin typeface="Courier New" panose="02070309020205020404" pitchFamily="49" charset="0"/>
                 <a:cs typeface="Courier New" panose="02070309020205020404" pitchFamily="49" charset="0"/>
               </a:rPr>
             </a:br>
             <a:r>
-              <a:rPr kumimoji="0" lang="sk-SK" altLang="sk-SK" sz="1400" b="0" i="0" u="none" strike="noStrike" cap="none" normalizeH="0" baseline="0" dirty="0" smtClean="0">
-                <a:ln>
-                  <a:noFill/>
-                </a:ln>
-                <a:solidFill>
-                  <a:srgbClr val="000000"/>
-                </a:solidFill>
-                <a:effectLst/>
+              <a:rPr lang="sk-SK" altLang="sk-SK" sz="1400" dirty="0">
+                <a:solidFill>
+                  <a:srgbClr val="000000"/>
+                </a:solidFill>
                 <a:latin typeface="Courier New" panose="02070309020205020404" pitchFamily="49" charset="0"/>
                 <a:cs typeface="Courier New" panose="02070309020205020404" pitchFamily="49" charset="0"/>
               </a:rPr>
               <a:t>    </a:t>
             </a:r>
             <a:r>
-              <a:rPr kumimoji="0" lang="sk-SK" altLang="sk-SK" sz="1400" b="0" i="0" u="none" strike="noStrike" cap="none" normalizeH="0" baseline="0" dirty="0" err="1" smtClean="0">
-                <a:ln>
-                  <a:noFill/>
-                </a:ln>
-                <a:solidFill>
-                  <a:srgbClr val="000000"/>
-                </a:solidFill>
-                <a:effectLst/>
+              <a:rPr lang="sk-SK" altLang="sk-SK" sz="1400" dirty="0" err="1">
+                <a:solidFill>
+                  <a:srgbClr val="000000"/>
+                </a:solidFill>
                 <a:latin typeface="Courier New" panose="02070309020205020404" pitchFamily="49" charset="0"/>
                 <a:cs typeface="Courier New" panose="02070309020205020404" pitchFamily="49" charset="0"/>
               </a:rPr>
               <a:t>delay</a:t>
             </a:r>
             <a:r>
-              <a:rPr kumimoji="0" lang="sk-SK" altLang="sk-SK" sz="1400" b="0" i="0" u="none" strike="noStrike" cap="none" normalizeH="0" baseline="0" dirty="0" smtClean="0">
-                <a:ln>
-                  <a:noFill/>
-                </a:ln>
-                <a:solidFill>
-                  <a:srgbClr val="000000"/>
-                </a:solidFill>
-                <a:effectLst/>
+              <a:rPr lang="sk-SK" altLang="sk-SK" sz="1400" dirty="0">
+                <a:solidFill>
+                  <a:srgbClr val="000000"/>
+                </a:solidFill>
                 <a:latin typeface="Courier New" panose="02070309020205020404" pitchFamily="49" charset="0"/>
                 <a:cs typeface="Courier New" panose="02070309020205020404" pitchFamily="49" charset="0"/>
               </a:rPr>
               <a:t>(</a:t>
             </a:r>
             <a:r>
-              <a:rPr kumimoji="0" lang="sk-SK" altLang="sk-SK" sz="1400" b="0" i="0" u="none" strike="noStrike" cap="none" normalizeH="0" baseline="0" dirty="0" smtClean="0">
-                <a:ln>
-                  <a:noFill/>
-                </a:ln>
+              <a:rPr lang="sk-SK" altLang="sk-SK" sz="1400" dirty="0">
                 <a:solidFill>
                   <a:srgbClr val="0000FF"/>
                 </a:solidFill>
-                <a:effectLst/>
                 <a:latin typeface="Courier New" panose="02070309020205020404" pitchFamily="49" charset="0"/>
                 <a:cs typeface="Courier New" panose="02070309020205020404" pitchFamily="49" charset="0"/>
               </a:rPr>
               <a:t>1000</a:t>
             </a:r>
             <a:r>
-              <a:rPr kumimoji="0" lang="sk-SK" altLang="sk-SK" sz="1400" b="0" i="0" u="none" strike="noStrike" cap="none" normalizeH="0" baseline="0" dirty="0" smtClean="0">
-                <a:ln>
-                  <a:noFill/>
-                </a:ln>
-                <a:solidFill>
-                  <a:srgbClr val="000000"/>
-                </a:solidFill>
-                <a:effectLst/>
+              <a:rPr lang="sk-SK" altLang="sk-SK" sz="1400" dirty="0">
+                <a:solidFill>
+                  <a:srgbClr val="000000"/>
+                </a:solidFill>
                 <a:latin typeface="Courier New" panose="02070309020205020404" pitchFamily="49" charset="0"/>
                 <a:cs typeface="Courier New" panose="02070309020205020404" pitchFamily="49" charset="0"/>
               </a:rPr>
               <a:t>);</a:t>
             </a:r>
             <a:br>
-              <a:rPr kumimoji="0" lang="sk-SK" altLang="sk-SK" sz="1400" b="0" i="0" u="none" strike="noStrike" cap="none" normalizeH="0" baseline="0" dirty="0" smtClean="0">
-                <a:ln>
-                  <a:noFill/>
-                </a:ln>
-                <a:solidFill>
-                  <a:srgbClr val="000000"/>
-                </a:solidFill>
-                <a:effectLst/>
+              <a:rPr lang="sk-SK" altLang="sk-SK" sz="1400" dirty="0">
+                <a:solidFill>
+                  <a:srgbClr val="000000"/>
+                </a:solidFill>
                 <a:latin typeface="Courier New" panose="02070309020205020404" pitchFamily="49" charset="0"/>
                 <a:cs typeface="Courier New" panose="02070309020205020404" pitchFamily="49" charset="0"/>
               </a:rPr>
             </a:br>
             <a:r>
-              <a:rPr kumimoji="0" lang="sk-SK" altLang="sk-SK" sz="1400" b="0" i="0" u="none" strike="noStrike" cap="none" normalizeH="0" baseline="0" dirty="0" smtClean="0">
-                <a:ln>
-                  <a:noFill/>
-                </a:ln>
-                <a:solidFill>
-                  <a:srgbClr val="000000"/>
-                </a:solidFill>
-                <a:effectLst/>
-                <a:latin typeface="Courier New" panose="02070309020205020404" pitchFamily="49" charset="0"/>
-                <a:cs typeface="Courier New" panose="02070309020205020404" pitchFamily="49" charset="0"/>
-              </a:rPr>
-              <a:t/>
+              <a:rPr lang="sk-SK" altLang="sk-SK" sz="1400" dirty="0">
+                <a:solidFill>
+                  <a:srgbClr val="000000"/>
+                </a:solidFill>
+                <a:latin typeface="Courier New" panose="02070309020205020404" pitchFamily="49" charset="0"/>
+                <a:cs typeface="Courier New" panose="02070309020205020404" pitchFamily="49" charset="0"/>
+              </a:rPr>
+              <a:t>    </a:t>
+            </a:r>
+            <a:r>
+              <a:rPr lang="sk-SK" altLang="sk-SK" sz="1400" b="1" dirty="0" err="1">
+                <a:solidFill>
+                  <a:srgbClr val="000080"/>
+                </a:solidFill>
+                <a:latin typeface="Courier New" panose="02070309020205020404" pitchFamily="49" charset="0"/>
+                <a:cs typeface="Courier New" panose="02070309020205020404" pitchFamily="49" charset="0"/>
+              </a:rPr>
+              <a:t>if</a:t>
+            </a:r>
+            <a:r>
+              <a:rPr lang="sk-SK" altLang="sk-SK" sz="1400" b="1" dirty="0">
+                <a:solidFill>
+                  <a:srgbClr val="000080"/>
+                </a:solidFill>
+                <a:latin typeface="Courier New" panose="02070309020205020404" pitchFamily="49" charset="0"/>
+                <a:cs typeface="Courier New" panose="02070309020205020404" pitchFamily="49" charset="0"/>
+              </a:rPr>
+              <a:t> </a:t>
+            </a:r>
+            <a:r>
+              <a:rPr lang="sk-SK" altLang="sk-SK" sz="1400" dirty="0">
+                <a:solidFill>
+                  <a:srgbClr val="000000"/>
+                </a:solidFill>
+                <a:latin typeface="Courier New" panose="02070309020205020404" pitchFamily="49" charset="0"/>
+                <a:cs typeface="Courier New" panose="02070309020205020404" pitchFamily="49" charset="0"/>
+              </a:rPr>
+              <a:t>(</a:t>
+            </a:r>
+            <a:r>
+              <a:rPr lang="sk-SK" altLang="sk-SK" sz="1400" dirty="0" err="1">
+                <a:solidFill>
+                  <a:srgbClr val="000000"/>
+                </a:solidFill>
+                <a:latin typeface="Courier New" panose="02070309020205020404" pitchFamily="49" charset="0"/>
+                <a:cs typeface="Courier New" panose="02070309020205020404" pitchFamily="49" charset="0"/>
+              </a:rPr>
+              <a:t>digitalRead</a:t>
+            </a:r>
+            <a:r>
+              <a:rPr lang="sk-SK" altLang="sk-SK" sz="1400" dirty="0">
+                <a:solidFill>
+                  <a:srgbClr val="000000"/>
+                </a:solidFill>
+                <a:latin typeface="Courier New" panose="02070309020205020404" pitchFamily="49" charset="0"/>
+                <a:cs typeface="Courier New" panose="02070309020205020404" pitchFamily="49" charset="0"/>
+              </a:rPr>
+              <a:t>(</a:t>
+            </a:r>
+            <a:r>
+              <a:rPr lang="sk-SK" altLang="sk-SK" sz="1400" dirty="0" err="1">
+                <a:solidFill>
+                  <a:srgbClr val="000000"/>
+                </a:solidFill>
+                <a:latin typeface="Courier New" panose="02070309020205020404" pitchFamily="49" charset="0"/>
+                <a:cs typeface="Courier New" panose="02070309020205020404" pitchFamily="49" charset="0"/>
+              </a:rPr>
+              <a:t>buttonPin</a:t>
+            </a:r>
+            <a:r>
+              <a:rPr lang="sk-SK" altLang="sk-SK" sz="1400" dirty="0">
+                <a:solidFill>
+                  <a:srgbClr val="000000"/>
+                </a:solidFill>
+                <a:latin typeface="Courier New" panose="02070309020205020404" pitchFamily="49" charset="0"/>
+                <a:cs typeface="Courier New" panose="02070309020205020404" pitchFamily="49" charset="0"/>
+              </a:rPr>
+              <a:t>) == HIGH) {</a:t>
             </a:r>
             <a:br>
-              <a:rPr kumimoji="0" lang="sk-SK" altLang="sk-SK" sz="1400" b="0" i="0" u="none" strike="noStrike" cap="none" normalizeH="0" baseline="0" dirty="0" smtClean="0">
-                <a:ln>
-                  <a:noFill/>
-                </a:ln>
-                <a:solidFill>
-                  <a:srgbClr val="000000"/>
-                </a:solidFill>
-                <a:effectLst/>
+              <a:rPr lang="sk-SK" altLang="sk-SK" sz="1400" dirty="0">
+                <a:solidFill>
+                  <a:srgbClr val="000000"/>
+                </a:solidFill>
                 <a:latin typeface="Courier New" panose="02070309020205020404" pitchFamily="49" charset="0"/>
                 <a:cs typeface="Courier New" panose="02070309020205020404" pitchFamily="49" charset="0"/>
               </a:rPr>
             </a:br>
             <a:r>
-              <a:rPr kumimoji="0" lang="sk-SK" altLang="sk-SK" sz="1400" b="0" i="0" u="none" strike="noStrike" cap="none" normalizeH="0" baseline="0" dirty="0" smtClean="0">
-                <a:ln>
-                  <a:noFill/>
-                </a:ln>
-                <a:solidFill>
-                  <a:srgbClr val="000000"/>
-                </a:solidFill>
-                <a:effectLst/>
-                <a:latin typeface="Courier New" panose="02070309020205020404" pitchFamily="49" charset="0"/>
-                <a:cs typeface="Courier New" panose="02070309020205020404" pitchFamily="49" charset="0"/>
-              </a:rPr>
-              <a:t>    </a:t>
-            </a:r>
-            <a:r>
-              <a:rPr kumimoji="0" lang="sk-SK" altLang="sk-SK" sz="1400" b="0" i="0" u="none" strike="noStrike" cap="none" normalizeH="0" baseline="0" dirty="0" err="1" smtClean="0">
-                <a:ln>
-                  <a:noFill/>
-                </a:ln>
-                <a:solidFill>
-                  <a:srgbClr val="000000"/>
-                </a:solidFill>
-                <a:effectLst/>
+              <a:rPr lang="sk-SK" altLang="sk-SK" sz="1400" dirty="0">
+                <a:solidFill>
+                  <a:srgbClr val="000000"/>
+                </a:solidFill>
+                <a:latin typeface="Courier New" panose="02070309020205020404" pitchFamily="49" charset="0"/>
+                <a:cs typeface="Courier New" panose="02070309020205020404" pitchFamily="49" charset="0"/>
+              </a:rPr>
+              <a:t>        </a:t>
+            </a:r>
+            <a:r>
+              <a:rPr lang="sk-SK" altLang="sk-SK" sz="1400" dirty="0" err="1">
+                <a:solidFill>
+                  <a:srgbClr val="000000"/>
+                </a:solidFill>
                 <a:latin typeface="Courier New" panose="02070309020205020404" pitchFamily="49" charset="0"/>
                 <a:cs typeface="Courier New" panose="02070309020205020404" pitchFamily="49" charset="0"/>
               </a:rPr>
               <a:t>buttonState</a:t>
             </a:r>
             <a:r>
-              <a:rPr kumimoji="0" lang="sk-SK" altLang="sk-SK" sz="1400" b="0" i="0" u="none" strike="noStrike" cap="none" normalizeH="0" baseline="0" dirty="0" smtClean="0">
-                <a:ln>
-                  <a:noFill/>
-                </a:ln>
-                <a:solidFill>
-                  <a:srgbClr val="000000"/>
-                </a:solidFill>
-                <a:effectLst/>
+              <a:rPr lang="sk-SK" altLang="sk-SK" sz="1400" dirty="0">
+                <a:solidFill>
+                  <a:srgbClr val="000000"/>
+                </a:solidFill>
                 <a:latin typeface="Courier New" panose="02070309020205020404" pitchFamily="49" charset="0"/>
                 <a:cs typeface="Courier New" panose="02070309020205020404" pitchFamily="49" charset="0"/>
               </a:rPr>
               <a:t> = </a:t>
             </a:r>
             <a:r>
-              <a:rPr kumimoji="0" lang="sk-SK" altLang="sk-SK" sz="1400" b="0" i="0" u="none" strike="noStrike" cap="none" normalizeH="0" baseline="0" dirty="0" err="1" smtClean="0">
-                <a:ln>
-                  <a:noFill/>
-                </a:ln>
-                <a:solidFill>
-                  <a:srgbClr val="000000"/>
-                </a:solidFill>
-                <a:effectLst/>
-                <a:latin typeface="Courier New" panose="02070309020205020404" pitchFamily="49" charset="0"/>
-                <a:cs typeface="Courier New" panose="02070309020205020404" pitchFamily="49" charset="0"/>
-              </a:rPr>
-              <a:t>digitalRead</a:t>
-            </a:r>
-            <a:r>
-              <a:rPr kumimoji="0" lang="sk-SK" altLang="sk-SK" sz="1400" b="0" i="0" u="none" strike="noStrike" cap="none" normalizeH="0" baseline="0" dirty="0" smtClean="0">
-                <a:ln>
-                  <a:noFill/>
-                </a:ln>
-                <a:solidFill>
-                  <a:srgbClr val="000000"/>
-                </a:solidFill>
-                <a:effectLst/>
-                <a:latin typeface="Courier New" panose="02070309020205020404" pitchFamily="49" charset="0"/>
-                <a:cs typeface="Courier New" panose="02070309020205020404" pitchFamily="49" charset="0"/>
-              </a:rPr>
-              <a:t>(</a:t>
-            </a:r>
-            <a:r>
-              <a:rPr kumimoji="0" lang="sk-SK" altLang="sk-SK" sz="1400" b="0" i="0" u="none" strike="noStrike" cap="none" normalizeH="0" baseline="0" dirty="0" err="1" smtClean="0">
-                <a:ln>
-                  <a:noFill/>
-                </a:ln>
-                <a:solidFill>
-                  <a:srgbClr val="000000"/>
-                </a:solidFill>
-                <a:effectLst/>
-                <a:latin typeface="Courier New" panose="02070309020205020404" pitchFamily="49" charset="0"/>
-                <a:cs typeface="Courier New" panose="02070309020205020404" pitchFamily="49" charset="0"/>
-              </a:rPr>
-              <a:t>buttonPin</a:t>
-            </a:r>
-            <a:r>
-              <a:rPr kumimoji="0" lang="sk-SK" altLang="sk-SK" sz="1400" b="0" i="0" u="none" strike="noStrike" cap="none" normalizeH="0" baseline="0" dirty="0" smtClean="0">
-                <a:ln>
-                  <a:noFill/>
-                </a:ln>
-                <a:solidFill>
-                  <a:srgbClr val="000000"/>
-                </a:solidFill>
-                <a:effectLst/>
-                <a:latin typeface="Courier New" panose="02070309020205020404" pitchFamily="49" charset="0"/>
-                <a:cs typeface="Courier New" panose="02070309020205020404" pitchFamily="49" charset="0"/>
-              </a:rPr>
-              <a:t>);</a:t>
+              <a:rPr lang="sk-SK" altLang="sk-SK" sz="1400" dirty="0" err="1">
+                <a:solidFill>
+                  <a:srgbClr val="000000"/>
+                </a:solidFill>
+                <a:latin typeface="Courier New" panose="02070309020205020404" pitchFamily="49" charset="0"/>
+                <a:cs typeface="Courier New" panose="02070309020205020404" pitchFamily="49" charset="0"/>
+              </a:rPr>
+              <a:t>buttonState</a:t>
+            </a:r>
+            <a:r>
+              <a:rPr lang="sk-SK" altLang="sk-SK" sz="1400" dirty="0">
+                <a:solidFill>
+                  <a:srgbClr val="000000"/>
+                </a:solidFill>
+                <a:latin typeface="Courier New" panose="02070309020205020404" pitchFamily="49" charset="0"/>
+                <a:cs typeface="Courier New" panose="02070309020205020404" pitchFamily="49" charset="0"/>
+              </a:rPr>
+              <a:t> == </a:t>
+            </a:r>
+            <a:r>
+              <a:rPr lang="sk-SK" altLang="sk-SK" sz="1400" dirty="0">
+                <a:solidFill>
+                  <a:srgbClr val="0000FF"/>
+                </a:solidFill>
+                <a:latin typeface="Courier New" panose="02070309020205020404" pitchFamily="49" charset="0"/>
+                <a:cs typeface="Courier New" panose="02070309020205020404" pitchFamily="49" charset="0"/>
+              </a:rPr>
+              <a:t>0 </a:t>
+            </a:r>
+            <a:r>
+              <a:rPr lang="sk-SK" altLang="sk-SK" sz="1400" dirty="0">
+                <a:solidFill>
+                  <a:srgbClr val="000000"/>
+                </a:solidFill>
+                <a:latin typeface="Courier New" panose="02070309020205020404" pitchFamily="49" charset="0"/>
+                <a:cs typeface="Courier New" panose="02070309020205020404" pitchFamily="49" charset="0"/>
+              </a:rPr>
+              <a:t>? </a:t>
+            </a:r>
+            <a:r>
+              <a:rPr lang="sk-SK" altLang="sk-SK" sz="1400" dirty="0">
+                <a:solidFill>
+                  <a:srgbClr val="0000FF"/>
+                </a:solidFill>
+                <a:latin typeface="Courier New" panose="02070309020205020404" pitchFamily="49" charset="0"/>
+                <a:cs typeface="Courier New" panose="02070309020205020404" pitchFamily="49" charset="0"/>
+              </a:rPr>
+              <a:t>1 </a:t>
+            </a:r>
+            <a:r>
+              <a:rPr lang="sk-SK" altLang="sk-SK" sz="1400" dirty="0">
+                <a:solidFill>
+                  <a:srgbClr val="000000"/>
+                </a:solidFill>
+                <a:latin typeface="Courier New" panose="02070309020205020404" pitchFamily="49" charset="0"/>
+                <a:cs typeface="Courier New" panose="02070309020205020404" pitchFamily="49" charset="0"/>
+              </a:rPr>
+              <a:t>: </a:t>
+            </a:r>
+            <a:r>
+              <a:rPr lang="sk-SK" altLang="sk-SK" sz="1400" dirty="0">
+                <a:solidFill>
+                  <a:srgbClr val="0000FF"/>
+                </a:solidFill>
+                <a:latin typeface="Courier New" panose="02070309020205020404" pitchFamily="49" charset="0"/>
+                <a:cs typeface="Courier New" panose="02070309020205020404" pitchFamily="49" charset="0"/>
+              </a:rPr>
+              <a:t>0</a:t>
+            </a:r>
+            <a:r>
+              <a:rPr lang="sk-SK" altLang="sk-SK" sz="1400" dirty="0">
+                <a:solidFill>
+                  <a:srgbClr val="000000"/>
+                </a:solidFill>
+                <a:latin typeface="Courier New" panose="02070309020205020404" pitchFamily="49" charset="0"/>
+                <a:cs typeface="Courier New" panose="02070309020205020404" pitchFamily="49" charset="0"/>
+              </a:rPr>
+              <a:t>;</a:t>
+            </a:r>
+            <a:br>
+              <a:rPr lang="sk-SK" altLang="sk-SK" sz="1400" dirty="0">
+                <a:solidFill>
+                  <a:srgbClr val="000000"/>
+                </a:solidFill>
+                <a:latin typeface="Courier New" panose="02070309020205020404" pitchFamily="49" charset="0"/>
+                <a:cs typeface="Courier New" panose="02070309020205020404" pitchFamily="49" charset="0"/>
+              </a:rPr>
+            </a:br>
+            <a:r>
+              <a:rPr lang="sk-SK" altLang="sk-SK" sz="1400" dirty="0">
+                <a:solidFill>
+                  <a:srgbClr val="000000"/>
+                </a:solidFill>
+                <a:latin typeface="Courier New" panose="02070309020205020404" pitchFamily="49" charset="0"/>
+                <a:cs typeface="Courier New" panose="02070309020205020404" pitchFamily="49" charset="0"/>
+              </a:rPr>
+              <a:t>    }</a:t>
             </a:r>
             <a:endParaRPr kumimoji="0" lang="sk-SK" altLang="sk-SK" sz="1400" b="0" i="0" u="none" strike="noStrike" cap="none" normalizeH="0" baseline="0" dirty="0" smtClean="0">
               <a:ln>
@@ -9555,7 +10502,7 @@
           <a:p>
             <a:r>
               <a:rPr lang="sk-SK" dirty="0" smtClean="0"/>
-              <a:t>Po stlačení tlačidla sa nič nedeje.</a:t>
+              <a:t>Po stlačení tlačidla sa nič nedeje!</a:t>
             </a:r>
           </a:p>
           <a:p>
@@ -9574,6 +10521,19 @@
             <a:endParaRPr lang="sk-SK" b="1" dirty="0" smtClean="0"/>
           </a:p>
           <a:p>
+            <a:pPr marL="0" indent="0">
+              <a:buNone/>
+            </a:pPr>
+            <a:endParaRPr lang="sk-SK" b="1" dirty="0">
+              <a:solidFill>
+                <a:srgbClr val="FF0000"/>
+              </a:solidFill>
+            </a:endParaRPr>
+          </a:p>
+          <a:p>
+            <a:pPr marL="0" indent="0">
+              <a:buNone/>
+            </a:pPr>
             <a:r>
               <a:rPr lang="sk-SK" b="1" dirty="0" err="1" smtClean="0">
                 <a:solidFill>
@@ -9621,8 +10581,8 @@
         </p:nvSpPr>
         <p:spPr bwMode="auto">
           <a:xfrm>
-            <a:off x="990010" y="2437531"/>
-            <a:ext cx="7209693" cy="1815882"/>
+            <a:off x="990010" y="2222088"/>
+            <a:ext cx="7209693" cy="2246769"/>
           </a:xfrm>
           <a:prstGeom prst="rect">
             <a:avLst/>
@@ -9665,616 +10625,594 @@
           </a:bodyPr>
           <a:lstStyle/>
           <a:p>
-            <a:pPr marL="0" marR="0" lvl="0" indent="0" algn="l" defTabSz="914400" rtl="0" eaLnBrk="0" fontAlgn="base" latinLnBrk="0" hangingPunct="0">
-              <a:lnSpc>
-                <a:spcPct val="100000"/>
-              </a:lnSpc>
+            <a:pPr lvl="0" defTabSz="914400" eaLnBrk="0" fontAlgn="base" hangingPunct="0">
               <a:spcBef>
                 <a:spcPct val="0"/>
               </a:spcBef>
               <a:spcAft>
                 <a:spcPct val="0"/>
               </a:spcAft>
-              <a:buClrTx/>
-              <a:buSzTx/>
-              <a:buFontTx/>
-              <a:buNone/>
-              <a:tabLst/>
             </a:pPr>
             <a:r>
-              <a:rPr kumimoji="0" lang="sk-SK" altLang="sk-SK" sz="1400" b="0" i="0" u="none" strike="noStrike" cap="none" normalizeH="0" baseline="0" dirty="0" smtClean="0">
-                <a:ln>
-                  <a:noFill/>
-                </a:ln>
-                <a:solidFill>
-                  <a:srgbClr val="000000"/>
-                </a:solidFill>
-                <a:effectLst/>
+              <a:rPr lang="sk-SK" altLang="sk-SK" sz="1400" dirty="0">
+                <a:solidFill>
+                  <a:srgbClr val="000000"/>
+                </a:solidFill>
+                <a:latin typeface="Courier New" panose="02070309020205020404" pitchFamily="49" charset="0"/>
+                <a:cs typeface="Courier New" panose="02070309020205020404" pitchFamily="49" charset="0"/>
+              </a:rPr>
+              <a:t/>
+            </a:r>
+            <a:br>
+              <a:rPr lang="sk-SK" altLang="sk-SK" sz="1400" dirty="0">
+                <a:solidFill>
+                  <a:srgbClr val="000000"/>
+                </a:solidFill>
+                <a:latin typeface="Courier New" panose="02070309020205020404" pitchFamily="49" charset="0"/>
+                <a:cs typeface="Courier New" panose="02070309020205020404" pitchFamily="49" charset="0"/>
+              </a:rPr>
+            </a:br>
+            <a:r>
+              <a:rPr lang="sk-SK" altLang="sk-SK" sz="1400" dirty="0">
+                <a:solidFill>
+                  <a:srgbClr val="000000"/>
+                </a:solidFill>
                 <a:latin typeface="Courier New" panose="02070309020205020404" pitchFamily="49" charset="0"/>
                 <a:cs typeface="Courier New" panose="02070309020205020404" pitchFamily="49" charset="0"/>
               </a:rPr>
               <a:t>    </a:t>
             </a:r>
             <a:r>
-              <a:rPr kumimoji="0" lang="sk-SK" altLang="sk-SK" sz="1400" b="1" i="0" u="none" strike="noStrike" cap="none" normalizeH="0" baseline="0" dirty="0" err="1" smtClean="0">
-                <a:ln>
-                  <a:noFill/>
-                </a:ln>
+              <a:rPr lang="sk-SK" altLang="sk-SK" sz="1400" b="1" dirty="0" err="1">
                 <a:solidFill>
                   <a:srgbClr val="000080"/>
                 </a:solidFill>
-                <a:effectLst/>
                 <a:latin typeface="Courier New" panose="02070309020205020404" pitchFamily="49" charset="0"/>
                 <a:cs typeface="Courier New" panose="02070309020205020404" pitchFamily="49" charset="0"/>
               </a:rPr>
               <a:t>if</a:t>
             </a:r>
             <a:r>
-              <a:rPr kumimoji="0" lang="sk-SK" altLang="sk-SK" sz="1400" b="0" i="0" u="none" strike="noStrike" cap="none" normalizeH="0" baseline="0" dirty="0" smtClean="0">
-                <a:ln>
-                  <a:noFill/>
-                </a:ln>
-                <a:solidFill>
-                  <a:srgbClr val="000000"/>
-                </a:solidFill>
-                <a:effectLst/>
+              <a:rPr lang="sk-SK" altLang="sk-SK" sz="1400" b="1" dirty="0">
+                <a:solidFill>
+                  <a:srgbClr val="000080"/>
+                </a:solidFill>
+                <a:latin typeface="Courier New" panose="02070309020205020404" pitchFamily="49" charset="0"/>
+                <a:cs typeface="Courier New" panose="02070309020205020404" pitchFamily="49" charset="0"/>
+              </a:rPr>
+              <a:t> </a:t>
+            </a:r>
+            <a:r>
+              <a:rPr lang="sk-SK" altLang="sk-SK" sz="1400" dirty="0">
+                <a:solidFill>
+                  <a:srgbClr val="000000"/>
+                </a:solidFill>
                 <a:latin typeface="Courier New" panose="02070309020205020404" pitchFamily="49" charset="0"/>
                 <a:cs typeface="Courier New" panose="02070309020205020404" pitchFamily="49" charset="0"/>
               </a:rPr>
               <a:t>(</a:t>
             </a:r>
             <a:r>
-              <a:rPr kumimoji="0" lang="sk-SK" altLang="sk-SK" sz="1400" b="0" i="0" u="none" strike="noStrike" cap="none" normalizeH="0" baseline="0" dirty="0" err="1" smtClean="0">
-                <a:ln>
-                  <a:noFill/>
-                </a:ln>
-                <a:solidFill>
-                  <a:srgbClr val="000000"/>
-                </a:solidFill>
-                <a:effectLst/>
+              <a:rPr lang="sk-SK" altLang="sk-SK" sz="1400" dirty="0" err="1">
+                <a:solidFill>
+                  <a:srgbClr val="000000"/>
+                </a:solidFill>
                 <a:latin typeface="Courier New" panose="02070309020205020404" pitchFamily="49" charset="0"/>
                 <a:cs typeface="Courier New" panose="02070309020205020404" pitchFamily="49" charset="0"/>
               </a:rPr>
               <a:t>buttonState</a:t>
             </a:r>
             <a:r>
-              <a:rPr kumimoji="0" lang="sk-SK" altLang="sk-SK" sz="1400" b="0" i="0" u="none" strike="noStrike" cap="none" normalizeH="0" baseline="0" dirty="0" smtClean="0">
-                <a:ln>
-                  <a:noFill/>
-                </a:ln>
-                <a:solidFill>
-                  <a:srgbClr val="000000"/>
-                </a:solidFill>
-                <a:effectLst/>
+              <a:rPr lang="sk-SK" altLang="sk-SK" sz="1400" dirty="0">
+                <a:solidFill>
+                  <a:srgbClr val="000000"/>
+                </a:solidFill>
                 <a:latin typeface="Courier New" panose="02070309020205020404" pitchFamily="49" charset="0"/>
                 <a:cs typeface="Courier New" panose="02070309020205020404" pitchFamily="49" charset="0"/>
               </a:rPr>
               <a:t> == </a:t>
             </a:r>
             <a:r>
-              <a:rPr kumimoji="0" lang="sk-SK" altLang="sk-SK" sz="1400" b="0" i="0" u="none" strike="noStrike" cap="none" normalizeH="0" baseline="0" dirty="0" smtClean="0">
-                <a:ln>
-                  <a:noFill/>
-                </a:ln>
+              <a:rPr lang="sk-SK" altLang="sk-SK" sz="1400" dirty="0">
                 <a:solidFill>
                   <a:srgbClr val="0000FF"/>
                 </a:solidFill>
-                <a:effectLst/>
                 <a:latin typeface="Courier New" panose="02070309020205020404" pitchFamily="49" charset="0"/>
                 <a:cs typeface="Courier New" panose="02070309020205020404" pitchFamily="49" charset="0"/>
               </a:rPr>
               <a:t>0</a:t>
             </a:r>
             <a:r>
-              <a:rPr kumimoji="0" lang="sk-SK" altLang="sk-SK" sz="1400" b="0" i="0" u="none" strike="noStrike" cap="none" normalizeH="0" baseline="0" dirty="0" smtClean="0">
-                <a:ln>
-                  <a:noFill/>
-                </a:ln>
-                <a:solidFill>
-                  <a:srgbClr val="000000"/>
-                </a:solidFill>
-                <a:effectLst/>
+              <a:rPr lang="sk-SK" altLang="sk-SK" sz="1400" dirty="0">
+                <a:solidFill>
+                  <a:srgbClr val="000000"/>
+                </a:solidFill>
                 <a:latin typeface="Courier New" panose="02070309020205020404" pitchFamily="49" charset="0"/>
                 <a:cs typeface="Courier New" panose="02070309020205020404" pitchFamily="49" charset="0"/>
               </a:rPr>
               <a:t>) {</a:t>
             </a:r>
             <a:br>
-              <a:rPr kumimoji="0" lang="sk-SK" altLang="sk-SK" sz="1400" b="0" i="0" u="none" strike="noStrike" cap="none" normalizeH="0" baseline="0" dirty="0" smtClean="0">
-                <a:ln>
-                  <a:noFill/>
-                </a:ln>
-                <a:solidFill>
-                  <a:srgbClr val="000000"/>
-                </a:solidFill>
-                <a:effectLst/>
+              <a:rPr lang="sk-SK" altLang="sk-SK" sz="1400" dirty="0">
+                <a:solidFill>
+                  <a:srgbClr val="000000"/>
+                </a:solidFill>
                 <a:latin typeface="Courier New" panose="02070309020205020404" pitchFamily="49" charset="0"/>
                 <a:cs typeface="Courier New" panose="02070309020205020404" pitchFamily="49" charset="0"/>
               </a:rPr>
             </a:br>
             <a:r>
-              <a:rPr kumimoji="0" lang="sk-SK" altLang="sk-SK" sz="1400" b="0" i="0" u="none" strike="noStrike" cap="none" normalizeH="0" baseline="0" dirty="0" smtClean="0">
-                <a:ln>
-                  <a:noFill/>
-                </a:ln>
-                <a:solidFill>
-                  <a:srgbClr val="000000"/>
-                </a:solidFill>
-                <a:effectLst/>
+              <a:rPr lang="sk-SK" altLang="sk-SK" sz="1400" dirty="0">
+                <a:solidFill>
+                  <a:srgbClr val="000000"/>
+                </a:solidFill>
                 <a:latin typeface="Courier New" panose="02070309020205020404" pitchFamily="49" charset="0"/>
                 <a:cs typeface="Courier New" panose="02070309020205020404" pitchFamily="49" charset="0"/>
               </a:rPr>
               <a:t>        </a:t>
             </a:r>
             <a:r>
-              <a:rPr kumimoji="0" lang="sk-SK" altLang="sk-SK" sz="1400" b="0" i="0" u="none" strike="noStrike" cap="none" normalizeH="0" baseline="0" dirty="0" err="1" smtClean="0">
-                <a:ln>
-                  <a:noFill/>
-                </a:ln>
-                <a:solidFill>
-                  <a:srgbClr val="000000"/>
-                </a:solidFill>
-                <a:effectLst/>
+              <a:rPr lang="sk-SK" altLang="sk-SK" sz="1400" dirty="0" err="1">
+                <a:solidFill>
+                  <a:srgbClr val="000000"/>
+                </a:solidFill>
                 <a:latin typeface="Courier New" panose="02070309020205020404" pitchFamily="49" charset="0"/>
                 <a:cs typeface="Courier New" panose="02070309020205020404" pitchFamily="49" charset="0"/>
               </a:rPr>
               <a:t>digitalWrite</a:t>
             </a:r>
             <a:r>
-              <a:rPr kumimoji="0" lang="sk-SK" altLang="sk-SK" sz="1400" b="0" i="0" u="none" strike="noStrike" cap="none" normalizeH="0" baseline="0" dirty="0" smtClean="0">
-                <a:ln>
-                  <a:noFill/>
-                </a:ln>
-                <a:solidFill>
-                  <a:srgbClr val="000000"/>
-                </a:solidFill>
-                <a:effectLst/>
+              <a:rPr lang="sk-SK" altLang="sk-SK" sz="1400" dirty="0">
+                <a:solidFill>
+                  <a:srgbClr val="000000"/>
+                </a:solidFill>
                 <a:latin typeface="Courier New" panose="02070309020205020404" pitchFamily="49" charset="0"/>
                 <a:cs typeface="Courier New" panose="02070309020205020404" pitchFamily="49" charset="0"/>
               </a:rPr>
               <a:t>(</a:t>
             </a:r>
             <a:r>
-              <a:rPr kumimoji="0" lang="sk-SK" altLang="sk-SK" sz="1400" b="0" i="0" u="none" strike="noStrike" cap="none" normalizeH="0" baseline="0" dirty="0" err="1" smtClean="0">
-                <a:ln>
-                  <a:noFill/>
-                </a:ln>
-                <a:solidFill>
-                  <a:srgbClr val="000000"/>
-                </a:solidFill>
-                <a:effectLst/>
+              <a:rPr lang="sk-SK" altLang="sk-SK" sz="1400" dirty="0" err="1">
+                <a:solidFill>
+                  <a:srgbClr val="000000"/>
+                </a:solidFill>
                 <a:latin typeface="Courier New" panose="02070309020205020404" pitchFamily="49" charset="0"/>
                 <a:cs typeface="Courier New" panose="02070309020205020404" pitchFamily="49" charset="0"/>
               </a:rPr>
               <a:t>ledPin</a:t>
             </a:r>
             <a:r>
-              <a:rPr kumimoji="0" lang="sk-SK" altLang="sk-SK" sz="1400" b="0" i="0" u="none" strike="noStrike" cap="none" normalizeH="0" baseline="0" dirty="0" smtClean="0">
-                <a:ln>
-                  <a:noFill/>
-                </a:ln>
-                <a:solidFill>
-                  <a:srgbClr val="000000"/>
-                </a:solidFill>
-                <a:effectLst/>
+              <a:rPr lang="sk-SK" altLang="sk-SK" sz="1400" dirty="0">
+                <a:solidFill>
+                  <a:srgbClr val="000000"/>
+                </a:solidFill>
                 <a:latin typeface="Courier New" panose="02070309020205020404" pitchFamily="49" charset="0"/>
                 <a:cs typeface="Courier New" panose="02070309020205020404" pitchFamily="49" charset="0"/>
               </a:rPr>
               <a:t>, HIGH);</a:t>
             </a:r>
             <a:br>
-              <a:rPr kumimoji="0" lang="sk-SK" altLang="sk-SK" sz="1400" b="0" i="0" u="none" strike="noStrike" cap="none" normalizeH="0" baseline="0" dirty="0" smtClean="0">
-                <a:ln>
-                  <a:noFill/>
-                </a:ln>
-                <a:solidFill>
-                  <a:srgbClr val="000000"/>
-                </a:solidFill>
-                <a:effectLst/>
+              <a:rPr lang="sk-SK" altLang="sk-SK" sz="1400" dirty="0">
+                <a:solidFill>
+                  <a:srgbClr val="000000"/>
+                </a:solidFill>
                 <a:latin typeface="Courier New" panose="02070309020205020404" pitchFamily="49" charset="0"/>
                 <a:cs typeface="Courier New" panose="02070309020205020404" pitchFamily="49" charset="0"/>
               </a:rPr>
             </a:br>
             <a:r>
-              <a:rPr kumimoji="0" lang="sk-SK" altLang="sk-SK" sz="1400" b="0" i="0" u="none" strike="noStrike" cap="none" normalizeH="0" baseline="0" dirty="0" smtClean="0">
-                <a:ln>
-                  <a:noFill/>
-                </a:ln>
-                <a:solidFill>
-                  <a:srgbClr val="000000"/>
-                </a:solidFill>
-                <a:effectLst/>
+              <a:rPr lang="sk-SK" altLang="sk-SK" sz="1400" dirty="0">
+                <a:solidFill>
+                  <a:srgbClr val="000000"/>
+                </a:solidFill>
                 <a:latin typeface="Courier New" panose="02070309020205020404" pitchFamily="49" charset="0"/>
                 <a:cs typeface="Courier New" panose="02070309020205020404" pitchFamily="49" charset="0"/>
               </a:rPr>
               <a:t>    }</a:t>
             </a:r>
             <a:br>
-              <a:rPr kumimoji="0" lang="sk-SK" altLang="sk-SK" sz="1400" b="0" i="0" u="none" strike="noStrike" cap="none" normalizeH="0" baseline="0" dirty="0" smtClean="0">
-                <a:ln>
-                  <a:noFill/>
-                </a:ln>
-                <a:solidFill>
-                  <a:srgbClr val="000000"/>
-                </a:solidFill>
-                <a:effectLst/>
+              <a:rPr lang="sk-SK" altLang="sk-SK" sz="1400" dirty="0">
+                <a:solidFill>
+                  <a:srgbClr val="000000"/>
+                </a:solidFill>
                 <a:latin typeface="Courier New" panose="02070309020205020404" pitchFamily="49" charset="0"/>
                 <a:cs typeface="Courier New" panose="02070309020205020404" pitchFamily="49" charset="0"/>
               </a:rPr>
             </a:br>
             <a:r>
-              <a:rPr kumimoji="0" lang="sk-SK" altLang="sk-SK" sz="1400" b="0" i="0" u="none" strike="noStrike" cap="none" normalizeH="0" baseline="0" dirty="0" smtClean="0">
-                <a:ln>
-                  <a:noFill/>
-                </a:ln>
-                <a:solidFill>
-                  <a:srgbClr val="000000"/>
-                </a:solidFill>
-                <a:effectLst/>
+              <a:rPr lang="sk-SK" altLang="sk-SK" sz="1400" dirty="0">
+                <a:solidFill>
+                  <a:srgbClr val="000000"/>
+                </a:solidFill>
                 <a:latin typeface="Courier New" panose="02070309020205020404" pitchFamily="49" charset="0"/>
                 <a:cs typeface="Courier New" panose="02070309020205020404" pitchFamily="49" charset="0"/>
               </a:rPr>
               <a:t>    </a:t>
             </a:r>
             <a:r>
-              <a:rPr kumimoji="0" lang="sk-SK" altLang="sk-SK" sz="1400" b="0" i="0" u="none" strike="noStrike" cap="none" normalizeH="0" baseline="0" dirty="0" err="1" smtClean="0">
-                <a:ln>
-                  <a:noFill/>
-                </a:ln>
-                <a:solidFill>
-                  <a:srgbClr val="000000"/>
-                </a:solidFill>
-                <a:effectLst/>
+              <a:rPr lang="sk-SK" altLang="sk-SK" sz="1400" dirty="0" err="1">
+                <a:solidFill>
+                  <a:srgbClr val="000000"/>
+                </a:solidFill>
                 <a:latin typeface="Courier New" panose="02070309020205020404" pitchFamily="49" charset="0"/>
                 <a:cs typeface="Courier New" panose="02070309020205020404" pitchFamily="49" charset="0"/>
               </a:rPr>
               <a:t>delay</a:t>
             </a:r>
             <a:r>
-              <a:rPr kumimoji="0" lang="sk-SK" altLang="sk-SK" sz="1400" b="0" i="0" u="none" strike="noStrike" cap="none" normalizeH="0" baseline="0" dirty="0" smtClean="0">
-                <a:ln>
-                  <a:noFill/>
-                </a:ln>
-                <a:solidFill>
-                  <a:srgbClr val="000000"/>
-                </a:solidFill>
-                <a:effectLst/>
+              <a:rPr lang="sk-SK" altLang="sk-SK" sz="1400" dirty="0">
+                <a:solidFill>
+                  <a:srgbClr val="000000"/>
+                </a:solidFill>
                 <a:latin typeface="Courier New" panose="02070309020205020404" pitchFamily="49" charset="0"/>
                 <a:cs typeface="Courier New" panose="02070309020205020404" pitchFamily="49" charset="0"/>
               </a:rPr>
               <a:t>(</a:t>
             </a:r>
             <a:r>
-              <a:rPr kumimoji="0" lang="sk-SK" altLang="sk-SK" sz="1400" b="0" i="0" u="none" strike="noStrike" cap="none" normalizeH="0" baseline="0" dirty="0" smtClean="0">
-                <a:ln>
-                  <a:noFill/>
-                </a:ln>
+              <a:rPr lang="sk-SK" altLang="sk-SK" sz="1400" dirty="0">
                 <a:solidFill>
                   <a:srgbClr val="0000FF"/>
                 </a:solidFill>
-                <a:effectLst/>
                 <a:latin typeface="Courier New" panose="02070309020205020404" pitchFamily="49" charset="0"/>
                 <a:cs typeface="Courier New" panose="02070309020205020404" pitchFamily="49" charset="0"/>
               </a:rPr>
               <a:t>1000</a:t>
             </a:r>
             <a:r>
-              <a:rPr kumimoji="0" lang="sk-SK" altLang="sk-SK" sz="1400" b="0" i="0" u="none" strike="noStrike" cap="none" normalizeH="0" baseline="0" dirty="0" smtClean="0">
-                <a:ln>
-                  <a:noFill/>
-                </a:ln>
-                <a:solidFill>
-                  <a:srgbClr val="000000"/>
-                </a:solidFill>
-                <a:effectLst/>
+              <a:rPr lang="sk-SK" altLang="sk-SK" sz="1400" dirty="0">
+                <a:solidFill>
+                  <a:srgbClr val="000000"/>
+                </a:solidFill>
                 <a:latin typeface="Courier New" panose="02070309020205020404" pitchFamily="49" charset="0"/>
                 <a:cs typeface="Courier New" panose="02070309020205020404" pitchFamily="49" charset="0"/>
               </a:rPr>
               <a:t>);</a:t>
             </a:r>
             <a:br>
-              <a:rPr kumimoji="0" lang="sk-SK" altLang="sk-SK" sz="1400" b="0" i="0" u="none" strike="noStrike" cap="none" normalizeH="0" baseline="0" dirty="0" smtClean="0">
-                <a:ln>
-                  <a:noFill/>
-                </a:ln>
-                <a:solidFill>
-                  <a:srgbClr val="000000"/>
-                </a:solidFill>
-                <a:effectLst/>
+              <a:rPr lang="sk-SK" altLang="sk-SK" sz="1400" dirty="0">
+                <a:solidFill>
+                  <a:srgbClr val="000000"/>
+                </a:solidFill>
                 <a:latin typeface="Courier New" panose="02070309020205020404" pitchFamily="49" charset="0"/>
                 <a:cs typeface="Courier New" panose="02070309020205020404" pitchFamily="49" charset="0"/>
               </a:rPr>
             </a:br>
             <a:r>
-              <a:rPr kumimoji="0" lang="sk-SK" altLang="sk-SK" sz="1400" b="0" i="0" u="none" strike="noStrike" cap="none" normalizeH="0" baseline="0" dirty="0" smtClean="0">
-                <a:ln>
-                  <a:noFill/>
-                </a:ln>
-                <a:solidFill>
-                  <a:srgbClr val="000000"/>
-                </a:solidFill>
-                <a:effectLst/>
+              <a:rPr lang="sk-SK" altLang="sk-SK" sz="1400" dirty="0">
+                <a:solidFill>
+                  <a:srgbClr val="000000"/>
+                </a:solidFill>
                 <a:latin typeface="Courier New" panose="02070309020205020404" pitchFamily="49" charset="0"/>
                 <a:cs typeface="Courier New" panose="02070309020205020404" pitchFamily="49" charset="0"/>
               </a:rPr>
               <a:t>    </a:t>
             </a:r>
             <a:r>
-              <a:rPr kumimoji="0" lang="sk-SK" altLang="sk-SK" sz="1400" b="0" i="0" u="none" strike="noStrike" cap="none" normalizeH="0" baseline="0" dirty="0" err="1" smtClean="0">
-                <a:ln>
-                  <a:noFill/>
-                </a:ln>
-                <a:solidFill>
-                  <a:srgbClr val="000000"/>
-                </a:solidFill>
-                <a:effectLst/>
+              <a:rPr lang="sk-SK" altLang="sk-SK" sz="1400" dirty="0" err="1">
+                <a:solidFill>
+                  <a:srgbClr val="000000"/>
+                </a:solidFill>
                 <a:latin typeface="Courier New" panose="02070309020205020404" pitchFamily="49" charset="0"/>
                 <a:cs typeface="Courier New" panose="02070309020205020404" pitchFamily="49" charset="0"/>
               </a:rPr>
               <a:t>digitalWrite</a:t>
             </a:r>
             <a:r>
-              <a:rPr kumimoji="0" lang="sk-SK" altLang="sk-SK" sz="1400" b="0" i="0" u="none" strike="noStrike" cap="none" normalizeH="0" baseline="0" dirty="0" smtClean="0">
-                <a:ln>
-                  <a:noFill/>
-                </a:ln>
-                <a:solidFill>
-                  <a:srgbClr val="000000"/>
-                </a:solidFill>
-                <a:effectLst/>
+              <a:rPr lang="sk-SK" altLang="sk-SK" sz="1400" dirty="0">
+                <a:solidFill>
+                  <a:srgbClr val="000000"/>
+                </a:solidFill>
                 <a:latin typeface="Courier New" panose="02070309020205020404" pitchFamily="49" charset="0"/>
                 <a:cs typeface="Courier New" panose="02070309020205020404" pitchFamily="49" charset="0"/>
               </a:rPr>
               <a:t>(</a:t>
             </a:r>
             <a:r>
-              <a:rPr kumimoji="0" lang="sk-SK" altLang="sk-SK" sz="1400" b="0" i="0" u="none" strike="noStrike" cap="none" normalizeH="0" baseline="0" dirty="0" err="1" smtClean="0">
-                <a:ln>
-                  <a:noFill/>
-                </a:ln>
-                <a:solidFill>
-                  <a:srgbClr val="000000"/>
-                </a:solidFill>
-                <a:effectLst/>
+              <a:rPr lang="sk-SK" altLang="sk-SK" sz="1400" dirty="0" err="1">
+                <a:solidFill>
+                  <a:srgbClr val="000000"/>
+                </a:solidFill>
                 <a:latin typeface="Courier New" panose="02070309020205020404" pitchFamily="49" charset="0"/>
                 <a:cs typeface="Courier New" panose="02070309020205020404" pitchFamily="49" charset="0"/>
               </a:rPr>
               <a:t>ledPin</a:t>
             </a:r>
             <a:r>
-              <a:rPr kumimoji="0" lang="sk-SK" altLang="sk-SK" sz="1400" b="0" i="0" u="none" strike="noStrike" cap="none" normalizeH="0" baseline="0" dirty="0" smtClean="0">
-                <a:ln>
-                  <a:noFill/>
-                </a:ln>
-                <a:solidFill>
-                  <a:srgbClr val="000000"/>
-                </a:solidFill>
-                <a:effectLst/>
+              <a:rPr lang="sk-SK" altLang="sk-SK" sz="1400" dirty="0">
+                <a:solidFill>
+                  <a:srgbClr val="000000"/>
+                </a:solidFill>
                 <a:latin typeface="Courier New" panose="02070309020205020404" pitchFamily="49" charset="0"/>
                 <a:cs typeface="Courier New" panose="02070309020205020404" pitchFamily="49" charset="0"/>
               </a:rPr>
               <a:t>, LOW);</a:t>
             </a:r>
             <a:br>
-              <a:rPr kumimoji="0" lang="sk-SK" altLang="sk-SK" sz="1400" b="0" i="0" u="none" strike="noStrike" cap="none" normalizeH="0" baseline="0" dirty="0" smtClean="0">
-                <a:ln>
-                  <a:noFill/>
-                </a:ln>
-                <a:solidFill>
-                  <a:srgbClr val="000000"/>
-                </a:solidFill>
-                <a:effectLst/>
+              <a:rPr lang="sk-SK" altLang="sk-SK" sz="1400" dirty="0">
+                <a:solidFill>
+                  <a:srgbClr val="000000"/>
+                </a:solidFill>
                 <a:latin typeface="Courier New" panose="02070309020205020404" pitchFamily="49" charset="0"/>
                 <a:cs typeface="Courier New" panose="02070309020205020404" pitchFamily="49" charset="0"/>
               </a:rPr>
             </a:br>
             <a:r>
-              <a:rPr kumimoji="0" lang="sk-SK" altLang="sk-SK" sz="1400" b="0" i="0" u="none" strike="noStrike" cap="none" normalizeH="0" baseline="0" dirty="0" smtClean="0">
-                <a:ln>
-                  <a:noFill/>
-                </a:ln>
-                <a:solidFill>
-                  <a:srgbClr val="000000"/>
-                </a:solidFill>
-                <a:effectLst/>
+              <a:rPr lang="sk-SK" altLang="sk-SK" sz="1400" dirty="0">
+                <a:solidFill>
+                  <a:srgbClr val="000000"/>
+                </a:solidFill>
                 <a:latin typeface="Courier New" panose="02070309020205020404" pitchFamily="49" charset="0"/>
                 <a:cs typeface="Courier New" panose="02070309020205020404" pitchFamily="49" charset="0"/>
               </a:rPr>
               <a:t>    </a:t>
             </a:r>
             <a:r>
-              <a:rPr kumimoji="0" lang="sk-SK" altLang="sk-SK" sz="1400" b="0" i="0" u="none" strike="noStrike" cap="none" normalizeH="0" baseline="0" dirty="0" err="1" smtClean="0">
-                <a:ln>
-                  <a:noFill/>
-                </a:ln>
-                <a:solidFill>
-                  <a:srgbClr val="000000"/>
-                </a:solidFill>
-                <a:effectLst/>
+              <a:rPr lang="sk-SK" altLang="sk-SK" sz="1400" dirty="0" err="1">
+                <a:solidFill>
+                  <a:srgbClr val="000000"/>
+                </a:solidFill>
                 <a:latin typeface="Courier New" panose="02070309020205020404" pitchFamily="49" charset="0"/>
                 <a:cs typeface="Courier New" panose="02070309020205020404" pitchFamily="49" charset="0"/>
               </a:rPr>
               <a:t>delay</a:t>
             </a:r>
             <a:r>
-              <a:rPr kumimoji="0" lang="sk-SK" altLang="sk-SK" sz="1400" b="0" i="0" u="none" strike="noStrike" cap="none" normalizeH="0" baseline="0" dirty="0" smtClean="0">
-                <a:ln>
-                  <a:noFill/>
-                </a:ln>
-                <a:solidFill>
-                  <a:srgbClr val="000000"/>
-                </a:solidFill>
-                <a:effectLst/>
+              <a:rPr lang="sk-SK" altLang="sk-SK" sz="1400" dirty="0">
+                <a:solidFill>
+                  <a:srgbClr val="000000"/>
+                </a:solidFill>
                 <a:latin typeface="Courier New" panose="02070309020205020404" pitchFamily="49" charset="0"/>
                 <a:cs typeface="Courier New" panose="02070309020205020404" pitchFamily="49" charset="0"/>
               </a:rPr>
               <a:t>(</a:t>
             </a:r>
             <a:r>
-              <a:rPr kumimoji="0" lang="sk-SK" altLang="sk-SK" sz="1400" b="0" i="0" u="none" strike="noStrike" cap="none" normalizeH="0" baseline="0" dirty="0" smtClean="0">
-                <a:ln>
-                  <a:noFill/>
-                </a:ln>
+              <a:rPr lang="sk-SK" altLang="sk-SK" sz="1400" dirty="0">
                 <a:solidFill>
                   <a:srgbClr val="0000FF"/>
                 </a:solidFill>
-                <a:effectLst/>
                 <a:latin typeface="Courier New" panose="02070309020205020404" pitchFamily="49" charset="0"/>
                 <a:cs typeface="Courier New" panose="02070309020205020404" pitchFamily="49" charset="0"/>
               </a:rPr>
               <a:t>1000</a:t>
             </a:r>
             <a:r>
-              <a:rPr kumimoji="0" lang="sk-SK" altLang="sk-SK" sz="1400" b="0" i="0" u="none" strike="noStrike" cap="none" normalizeH="0" baseline="0" dirty="0" smtClean="0">
-                <a:ln>
-                  <a:noFill/>
-                </a:ln>
-                <a:solidFill>
-                  <a:srgbClr val="000000"/>
-                </a:solidFill>
-                <a:effectLst/>
+              <a:rPr lang="sk-SK" altLang="sk-SK" sz="1400" dirty="0">
+                <a:solidFill>
+                  <a:srgbClr val="000000"/>
+                </a:solidFill>
                 <a:latin typeface="Courier New" panose="02070309020205020404" pitchFamily="49" charset="0"/>
                 <a:cs typeface="Courier New" panose="02070309020205020404" pitchFamily="49" charset="0"/>
               </a:rPr>
               <a:t>);</a:t>
             </a:r>
             <a:br>
-              <a:rPr kumimoji="0" lang="sk-SK" altLang="sk-SK" sz="1400" b="0" i="0" u="none" strike="noStrike" cap="none" normalizeH="0" baseline="0" dirty="0" smtClean="0">
-                <a:ln>
-                  <a:noFill/>
-                </a:ln>
-                <a:solidFill>
-                  <a:srgbClr val="000000"/>
-                </a:solidFill>
-                <a:effectLst/>
+              <a:rPr lang="sk-SK" altLang="sk-SK" sz="1400" dirty="0">
+                <a:solidFill>
+                  <a:srgbClr val="000000"/>
+                </a:solidFill>
                 <a:latin typeface="Courier New" panose="02070309020205020404" pitchFamily="49" charset="0"/>
                 <a:cs typeface="Courier New" panose="02070309020205020404" pitchFamily="49" charset="0"/>
               </a:rPr>
             </a:br>
             <a:r>
-              <a:rPr kumimoji="0" lang="sk-SK" altLang="sk-SK" sz="1400" b="0" i="0" u="none" strike="noStrike" cap="none" normalizeH="0" baseline="0" dirty="0" smtClean="0">
-                <a:ln>
-                  <a:noFill/>
-                </a:ln>
-                <a:solidFill>
-                  <a:srgbClr val="000000"/>
-                </a:solidFill>
-                <a:effectLst/>
-                <a:latin typeface="Courier New" panose="02070309020205020404" pitchFamily="49" charset="0"/>
-                <a:cs typeface="Courier New" panose="02070309020205020404" pitchFamily="49" charset="0"/>
-              </a:rPr>
-              <a:t/>
+              <a:rPr lang="sk-SK" altLang="sk-SK" sz="1400" dirty="0">
+                <a:solidFill>
+                  <a:srgbClr val="000000"/>
+                </a:solidFill>
+                <a:latin typeface="Courier New" panose="02070309020205020404" pitchFamily="49" charset="0"/>
+                <a:cs typeface="Courier New" panose="02070309020205020404" pitchFamily="49" charset="0"/>
+              </a:rPr>
+              <a:t>    </a:t>
+            </a:r>
+            <a:r>
+              <a:rPr lang="sk-SK" altLang="sk-SK" sz="1400" b="1" dirty="0" err="1">
+                <a:solidFill>
+                  <a:srgbClr val="000080"/>
+                </a:solidFill>
+                <a:latin typeface="Courier New" panose="02070309020205020404" pitchFamily="49" charset="0"/>
+                <a:cs typeface="Courier New" panose="02070309020205020404" pitchFamily="49" charset="0"/>
+              </a:rPr>
+              <a:t>if</a:t>
+            </a:r>
+            <a:r>
+              <a:rPr lang="sk-SK" altLang="sk-SK" sz="1400" b="1" dirty="0">
+                <a:solidFill>
+                  <a:srgbClr val="000080"/>
+                </a:solidFill>
+                <a:latin typeface="Courier New" panose="02070309020205020404" pitchFamily="49" charset="0"/>
+                <a:cs typeface="Courier New" panose="02070309020205020404" pitchFamily="49" charset="0"/>
+              </a:rPr>
+              <a:t> </a:t>
+            </a:r>
+            <a:r>
+              <a:rPr lang="sk-SK" altLang="sk-SK" sz="1400" dirty="0">
+                <a:solidFill>
+                  <a:srgbClr val="000000"/>
+                </a:solidFill>
+                <a:latin typeface="Courier New" panose="02070309020205020404" pitchFamily="49" charset="0"/>
+                <a:cs typeface="Courier New" panose="02070309020205020404" pitchFamily="49" charset="0"/>
+              </a:rPr>
+              <a:t>(</a:t>
+            </a:r>
+            <a:r>
+              <a:rPr lang="sk-SK" altLang="sk-SK" sz="1400" dirty="0" err="1">
+                <a:solidFill>
+                  <a:srgbClr val="000000"/>
+                </a:solidFill>
+                <a:latin typeface="Courier New" panose="02070309020205020404" pitchFamily="49" charset="0"/>
+                <a:cs typeface="Courier New" panose="02070309020205020404" pitchFamily="49" charset="0"/>
+              </a:rPr>
+              <a:t>digitalRead</a:t>
+            </a:r>
+            <a:r>
+              <a:rPr lang="sk-SK" altLang="sk-SK" sz="1400" dirty="0">
+                <a:solidFill>
+                  <a:srgbClr val="000000"/>
+                </a:solidFill>
+                <a:latin typeface="Courier New" panose="02070309020205020404" pitchFamily="49" charset="0"/>
+                <a:cs typeface="Courier New" panose="02070309020205020404" pitchFamily="49" charset="0"/>
+              </a:rPr>
+              <a:t>(</a:t>
+            </a:r>
+            <a:r>
+              <a:rPr lang="sk-SK" altLang="sk-SK" sz="1400" dirty="0" err="1">
+                <a:solidFill>
+                  <a:srgbClr val="000000"/>
+                </a:solidFill>
+                <a:latin typeface="Courier New" panose="02070309020205020404" pitchFamily="49" charset="0"/>
+                <a:cs typeface="Courier New" panose="02070309020205020404" pitchFamily="49" charset="0"/>
+              </a:rPr>
+              <a:t>buttonPin</a:t>
+            </a:r>
+            <a:r>
+              <a:rPr lang="sk-SK" altLang="sk-SK" sz="1400" dirty="0">
+                <a:solidFill>
+                  <a:srgbClr val="000000"/>
+                </a:solidFill>
+                <a:latin typeface="Courier New" panose="02070309020205020404" pitchFamily="49" charset="0"/>
+                <a:cs typeface="Courier New" panose="02070309020205020404" pitchFamily="49" charset="0"/>
+              </a:rPr>
+              <a:t>) == HIGH) {</a:t>
             </a:r>
             <a:br>
-              <a:rPr kumimoji="0" lang="sk-SK" altLang="sk-SK" sz="1400" b="0" i="0" u="none" strike="noStrike" cap="none" normalizeH="0" baseline="0" dirty="0" smtClean="0">
-                <a:ln>
-                  <a:noFill/>
-                </a:ln>
-                <a:solidFill>
-                  <a:srgbClr val="000000"/>
-                </a:solidFill>
-                <a:effectLst/>
+              <a:rPr lang="sk-SK" altLang="sk-SK" sz="1400" dirty="0">
+                <a:solidFill>
+                  <a:srgbClr val="000000"/>
+                </a:solidFill>
                 <a:latin typeface="Courier New" panose="02070309020205020404" pitchFamily="49" charset="0"/>
                 <a:cs typeface="Courier New" panose="02070309020205020404" pitchFamily="49" charset="0"/>
               </a:rPr>
             </a:br>
             <a:r>
-              <a:rPr kumimoji="0" lang="sk-SK" altLang="sk-SK" sz="1400" b="0" i="0" u="none" strike="noStrike" cap="none" normalizeH="0" baseline="0" dirty="0" smtClean="0">
-                <a:ln>
-                  <a:noFill/>
-                </a:ln>
-                <a:solidFill>
-                  <a:srgbClr val="000000"/>
-                </a:solidFill>
-                <a:effectLst/>
-                <a:latin typeface="Courier New" panose="02070309020205020404" pitchFamily="49" charset="0"/>
-                <a:cs typeface="Courier New" panose="02070309020205020404" pitchFamily="49" charset="0"/>
-              </a:rPr>
-              <a:t>    </a:t>
-            </a:r>
-            <a:r>
-              <a:rPr kumimoji="0" lang="sk-SK" altLang="sk-SK" sz="1400" b="0" i="0" u="none" strike="noStrike" cap="none" normalizeH="0" baseline="0" dirty="0" err="1" smtClean="0">
-                <a:ln>
-                  <a:noFill/>
-                </a:ln>
-                <a:solidFill>
-                  <a:srgbClr val="000000"/>
-                </a:solidFill>
-                <a:effectLst/>
+              <a:rPr lang="sk-SK" altLang="sk-SK" sz="1400" dirty="0">
+                <a:solidFill>
+                  <a:srgbClr val="000000"/>
+                </a:solidFill>
+                <a:latin typeface="Courier New" panose="02070309020205020404" pitchFamily="49" charset="0"/>
+                <a:cs typeface="Courier New" panose="02070309020205020404" pitchFamily="49" charset="0"/>
+              </a:rPr>
+              <a:t>        </a:t>
+            </a:r>
+            <a:r>
+              <a:rPr lang="sk-SK" altLang="sk-SK" sz="1400" dirty="0" err="1">
+                <a:solidFill>
+                  <a:srgbClr val="000000"/>
+                </a:solidFill>
                 <a:latin typeface="Courier New" panose="02070309020205020404" pitchFamily="49" charset="0"/>
                 <a:cs typeface="Courier New" panose="02070309020205020404" pitchFamily="49" charset="0"/>
               </a:rPr>
               <a:t>buttonState</a:t>
             </a:r>
             <a:r>
-              <a:rPr kumimoji="0" lang="sk-SK" altLang="sk-SK" sz="1400" b="0" i="0" u="none" strike="noStrike" cap="none" normalizeH="0" baseline="0" dirty="0" smtClean="0">
-                <a:ln>
-                  <a:noFill/>
-                </a:ln>
-                <a:solidFill>
-                  <a:srgbClr val="000000"/>
-                </a:solidFill>
-                <a:effectLst/>
+              <a:rPr lang="sk-SK" altLang="sk-SK" sz="1400" dirty="0">
+                <a:solidFill>
+                  <a:srgbClr val="000000"/>
+                </a:solidFill>
                 <a:latin typeface="Courier New" panose="02070309020205020404" pitchFamily="49" charset="0"/>
                 <a:cs typeface="Courier New" panose="02070309020205020404" pitchFamily="49" charset="0"/>
               </a:rPr>
               <a:t> = </a:t>
             </a:r>
             <a:r>
-              <a:rPr kumimoji="0" lang="sk-SK" altLang="sk-SK" sz="1400" b="0" i="0" u="none" strike="noStrike" cap="none" normalizeH="0" baseline="0" dirty="0" err="1" smtClean="0">
-                <a:ln>
-                  <a:noFill/>
-                </a:ln>
-                <a:solidFill>
-                  <a:srgbClr val="000000"/>
-                </a:solidFill>
-                <a:effectLst/>
-                <a:latin typeface="Courier New" panose="02070309020205020404" pitchFamily="49" charset="0"/>
-                <a:cs typeface="Courier New" panose="02070309020205020404" pitchFamily="49" charset="0"/>
-              </a:rPr>
-              <a:t>digitalRead</a:t>
-            </a:r>
-            <a:r>
-              <a:rPr kumimoji="0" lang="sk-SK" altLang="sk-SK" sz="1400" b="0" i="0" u="none" strike="noStrike" cap="none" normalizeH="0" baseline="0" dirty="0" smtClean="0">
-                <a:ln>
-                  <a:noFill/>
-                </a:ln>
-                <a:solidFill>
-                  <a:srgbClr val="000000"/>
-                </a:solidFill>
-                <a:effectLst/>
-                <a:latin typeface="Courier New" panose="02070309020205020404" pitchFamily="49" charset="0"/>
-                <a:cs typeface="Courier New" panose="02070309020205020404" pitchFamily="49" charset="0"/>
-              </a:rPr>
-              <a:t>(</a:t>
-            </a:r>
-            <a:r>
-              <a:rPr kumimoji="0" lang="sk-SK" altLang="sk-SK" sz="1400" b="0" i="0" u="none" strike="noStrike" cap="none" normalizeH="0" baseline="0" dirty="0" err="1" smtClean="0">
-                <a:ln>
-                  <a:noFill/>
-                </a:ln>
-                <a:solidFill>
-                  <a:srgbClr val="000000"/>
-                </a:solidFill>
-                <a:effectLst/>
-                <a:latin typeface="Courier New" panose="02070309020205020404" pitchFamily="49" charset="0"/>
-                <a:cs typeface="Courier New" panose="02070309020205020404" pitchFamily="49" charset="0"/>
-              </a:rPr>
-              <a:t>buttonPin</a:t>
-            </a:r>
-            <a:r>
-              <a:rPr kumimoji="0" lang="sk-SK" altLang="sk-SK" sz="1400" b="0" i="0" u="none" strike="noStrike" cap="none" normalizeH="0" baseline="0" dirty="0" smtClean="0">
-                <a:ln>
-                  <a:noFill/>
-                </a:ln>
-                <a:solidFill>
-                  <a:srgbClr val="000000"/>
-                </a:solidFill>
-                <a:effectLst/>
-                <a:latin typeface="Courier New" panose="02070309020205020404" pitchFamily="49" charset="0"/>
-                <a:cs typeface="Courier New" panose="02070309020205020404" pitchFamily="49" charset="0"/>
-              </a:rPr>
-              <a:t>);</a:t>
+              <a:rPr lang="sk-SK" altLang="sk-SK" sz="1400" dirty="0" err="1">
+                <a:solidFill>
+                  <a:srgbClr val="000000"/>
+                </a:solidFill>
+                <a:latin typeface="Courier New" panose="02070309020205020404" pitchFamily="49" charset="0"/>
+                <a:cs typeface="Courier New" panose="02070309020205020404" pitchFamily="49" charset="0"/>
+              </a:rPr>
+              <a:t>buttonState</a:t>
+            </a:r>
+            <a:r>
+              <a:rPr lang="sk-SK" altLang="sk-SK" sz="1400" dirty="0">
+                <a:solidFill>
+                  <a:srgbClr val="000000"/>
+                </a:solidFill>
+                <a:latin typeface="Courier New" panose="02070309020205020404" pitchFamily="49" charset="0"/>
+                <a:cs typeface="Courier New" panose="02070309020205020404" pitchFamily="49" charset="0"/>
+              </a:rPr>
+              <a:t> == </a:t>
+            </a:r>
+            <a:r>
+              <a:rPr lang="sk-SK" altLang="sk-SK" sz="1400" dirty="0">
+                <a:solidFill>
+                  <a:srgbClr val="0000FF"/>
+                </a:solidFill>
+                <a:latin typeface="Courier New" panose="02070309020205020404" pitchFamily="49" charset="0"/>
+                <a:cs typeface="Courier New" panose="02070309020205020404" pitchFamily="49" charset="0"/>
+              </a:rPr>
+              <a:t>0 </a:t>
+            </a:r>
+            <a:r>
+              <a:rPr lang="sk-SK" altLang="sk-SK" sz="1400" dirty="0">
+                <a:solidFill>
+                  <a:srgbClr val="000000"/>
+                </a:solidFill>
+                <a:latin typeface="Courier New" panose="02070309020205020404" pitchFamily="49" charset="0"/>
+                <a:cs typeface="Courier New" panose="02070309020205020404" pitchFamily="49" charset="0"/>
+              </a:rPr>
+              <a:t>? </a:t>
+            </a:r>
+            <a:r>
+              <a:rPr lang="sk-SK" altLang="sk-SK" sz="1400" dirty="0">
+                <a:solidFill>
+                  <a:srgbClr val="0000FF"/>
+                </a:solidFill>
+                <a:latin typeface="Courier New" panose="02070309020205020404" pitchFamily="49" charset="0"/>
+                <a:cs typeface="Courier New" panose="02070309020205020404" pitchFamily="49" charset="0"/>
+              </a:rPr>
+              <a:t>1 </a:t>
+            </a:r>
+            <a:r>
+              <a:rPr lang="sk-SK" altLang="sk-SK" sz="1400" dirty="0">
+                <a:solidFill>
+                  <a:srgbClr val="000000"/>
+                </a:solidFill>
+                <a:latin typeface="Courier New" panose="02070309020205020404" pitchFamily="49" charset="0"/>
+                <a:cs typeface="Courier New" panose="02070309020205020404" pitchFamily="49" charset="0"/>
+              </a:rPr>
+              <a:t>: </a:t>
+            </a:r>
+            <a:r>
+              <a:rPr lang="sk-SK" altLang="sk-SK" sz="1400" dirty="0">
+                <a:solidFill>
+                  <a:srgbClr val="0000FF"/>
+                </a:solidFill>
+                <a:latin typeface="Courier New" panose="02070309020205020404" pitchFamily="49" charset="0"/>
+                <a:cs typeface="Courier New" panose="02070309020205020404" pitchFamily="49" charset="0"/>
+              </a:rPr>
+              <a:t>0</a:t>
+            </a:r>
+            <a:r>
+              <a:rPr lang="sk-SK" altLang="sk-SK" sz="1400" dirty="0">
+                <a:solidFill>
+                  <a:srgbClr val="000000"/>
+                </a:solidFill>
+                <a:latin typeface="Courier New" panose="02070309020205020404" pitchFamily="49" charset="0"/>
+                <a:cs typeface="Courier New" panose="02070309020205020404" pitchFamily="49" charset="0"/>
+              </a:rPr>
+              <a:t>;</a:t>
+            </a:r>
+            <a:br>
+              <a:rPr lang="sk-SK" altLang="sk-SK" sz="1400" dirty="0">
+                <a:solidFill>
+                  <a:srgbClr val="000000"/>
+                </a:solidFill>
+                <a:latin typeface="Courier New" panose="02070309020205020404" pitchFamily="49" charset="0"/>
+                <a:cs typeface="Courier New" panose="02070309020205020404" pitchFamily="49" charset="0"/>
+              </a:rPr>
+            </a:br>
+            <a:r>
+              <a:rPr lang="sk-SK" altLang="sk-SK" sz="1400" dirty="0">
+                <a:solidFill>
+                  <a:srgbClr val="000000"/>
+                </a:solidFill>
+                <a:latin typeface="Courier New" panose="02070309020205020404" pitchFamily="49" charset="0"/>
+                <a:cs typeface="Courier New" panose="02070309020205020404" pitchFamily="49" charset="0"/>
+              </a:rPr>
+              <a:t>    }</a:t>
             </a:r>
             <a:endParaRPr kumimoji="0" lang="sk-SK" altLang="sk-SK" sz="1400" b="0" i="0" u="none" strike="noStrike" cap="none" normalizeH="0" baseline="0" dirty="0" smtClean="0">
               <a:ln>

--- a/Prezentacie/prezentacia.pptx
+++ b/Prezentacie/prezentacia.pptx
@@ -19,8 +19,8 @@
     <p:sldId id="265" r:id="rId10"/>
     <p:sldId id="268" r:id="rId11"/>
     <p:sldId id="261" r:id="rId12"/>
-    <p:sldId id="273" r:id="rId13"/>
-    <p:sldId id="272" r:id="rId14"/>
+    <p:sldId id="276" r:id="rId13"/>
+    <p:sldId id="273" r:id="rId14"/>
     <p:sldId id="257" r:id="rId15"/>
     <p:sldId id="270" r:id="rId16"/>
     <p:sldId id="262" r:id="rId17"/>
@@ -232,7 +232,7 @@
           <a:p>
             <a:fld id="{727BC873-594E-428D-B555-A2FF5C533890}" type="datetimeFigureOut">
               <a:rPr lang="sk-SK" smtClean="0"/>
-              <a:t>10.5.2017</a:t>
+              <a:t>27. 09. 2017</a:t>
             </a:fld>
             <a:endParaRPr lang="sk-SK"/>
           </a:p>
@@ -978,7 +978,7 @@
           <a:p>
             <a:fld id="{770B05AF-427F-4A9B-9C35-E082EAC8C421}" type="datetimeFigureOut">
               <a:rPr lang="sk-SK" smtClean="0"/>
-              <a:t>10.5.2017</a:t>
+              <a:t>27. 09. 2017</a:t>
             </a:fld>
             <a:endParaRPr lang="sk-SK"/>
           </a:p>
@@ -1186,7 +1186,7 @@
           <a:p>
             <a:fld id="{770B05AF-427F-4A9B-9C35-E082EAC8C421}" type="datetimeFigureOut">
               <a:rPr lang="sk-SK" smtClean="0"/>
-              <a:t>10.5.2017</a:t>
+              <a:t>27. 09. 2017</a:t>
             </a:fld>
             <a:endParaRPr lang="sk-SK"/>
           </a:p>
@@ -1442,7 +1442,7 @@
           <a:p>
             <a:fld id="{770B05AF-427F-4A9B-9C35-E082EAC8C421}" type="datetimeFigureOut">
               <a:rPr lang="sk-SK" smtClean="0"/>
-              <a:t>10.5.2017</a:t>
+              <a:t>27. 09. 2017</a:t>
             </a:fld>
             <a:endParaRPr lang="sk-SK"/>
           </a:p>
@@ -1612,7 +1612,7 @@
           <a:p>
             <a:fld id="{770B05AF-427F-4A9B-9C35-E082EAC8C421}" type="datetimeFigureOut">
               <a:rPr lang="sk-SK" smtClean="0"/>
-              <a:t>10.5.2017</a:t>
+              <a:t>27. 09. 2017</a:t>
             </a:fld>
             <a:endParaRPr lang="sk-SK"/>
           </a:p>
@@ -1955,7 +1955,7 @@
           <a:p>
             <a:fld id="{770B05AF-427F-4A9B-9C35-E082EAC8C421}" type="datetimeFigureOut">
               <a:rPr lang="sk-SK" smtClean="0"/>
-              <a:t>10.5.2017</a:t>
+              <a:t>27. 09. 2017</a:t>
             </a:fld>
             <a:endParaRPr lang="sk-SK"/>
           </a:p>
@@ -2230,7 +2230,7 @@
           <a:p>
             <a:fld id="{770B05AF-427F-4A9B-9C35-E082EAC8C421}" type="datetimeFigureOut">
               <a:rPr lang="sk-SK" smtClean="0"/>
-              <a:t>10.5.2017</a:t>
+              <a:t>27. 09. 2017</a:t>
             </a:fld>
             <a:endParaRPr lang="sk-SK"/>
           </a:p>
@@ -2609,7 +2609,7 @@
           <a:p>
             <a:fld id="{770B05AF-427F-4A9B-9C35-E082EAC8C421}" type="datetimeFigureOut">
               <a:rPr lang="sk-SK" smtClean="0"/>
-              <a:t>10.5.2017</a:t>
+              <a:t>27. 09. 2017</a:t>
             </a:fld>
             <a:endParaRPr lang="sk-SK"/>
           </a:p>
@@ -2727,7 +2727,7 @@
           <a:p>
             <a:fld id="{770B05AF-427F-4A9B-9C35-E082EAC8C421}" type="datetimeFigureOut">
               <a:rPr lang="sk-SK" smtClean="0"/>
-              <a:t>10.5.2017</a:t>
+              <a:t>27. 09. 2017</a:t>
             </a:fld>
             <a:endParaRPr lang="sk-SK"/>
           </a:p>
@@ -2898,7 +2898,7 @@
           <a:p>
             <a:fld id="{770B05AF-427F-4A9B-9C35-E082EAC8C421}" type="datetimeFigureOut">
               <a:rPr lang="sk-SK" smtClean="0"/>
-              <a:t>10.5.2017</a:t>
+              <a:t>27. 09. 2017</a:t>
             </a:fld>
             <a:endParaRPr lang="sk-SK"/>
           </a:p>
@@ -3252,7 +3252,7 @@
           <a:p>
             <a:fld id="{770B05AF-427F-4A9B-9C35-E082EAC8C421}" type="datetimeFigureOut">
               <a:rPr lang="sk-SK" smtClean="0"/>
-              <a:t>10.5.2017</a:t>
+              <a:t>27. 09. 2017</a:t>
             </a:fld>
             <a:endParaRPr lang="sk-SK"/>
           </a:p>
@@ -3629,7 +3629,7 @@
           <a:p>
             <a:fld id="{770B05AF-427F-4A9B-9C35-E082EAC8C421}" type="datetimeFigureOut">
               <a:rPr lang="sk-SK" smtClean="0"/>
-              <a:t>10.5.2017</a:t>
+              <a:t>27. 09. 2017</a:t>
             </a:fld>
             <a:endParaRPr lang="sk-SK"/>
           </a:p>
@@ -3916,7 +3916,7 @@
           <a:p>
             <a:fld id="{770B05AF-427F-4A9B-9C35-E082EAC8C421}" type="datetimeFigureOut">
               <a:rPr lang="sk-SK" smtClean="0"/>
-              <a:t>10.5.2017</a:t>
+              <a:t>27. 09. 2017</a:t>
             </a:fld>
             <a:endParaRPr lang="sk-SK"/>
           </a:p>
@@ -7316,13 +7316,9 @@
           <a:p>
             <a:r>
               <a:rPr lang="sk-SK" dirty="0" smtClean="0"/>
-              <a:t>Analýza </a:t>
-            </a:r>
-            <a:r>
-              <a:rPr lang="sk-SK" sz="2400" dirty="0" smtClean="0"/>
-              <a:t>alebo čomu sa budeme venovať</a:t>
-            </a:r>
-            <a:endParaRPr lang="sk-SK" sz="2400" dirty="0"/>
+              <a:t>Čo už máme</a:t>
+            </a:r>
+            <a:endParaRPr lang="sk-SK" dirty="0"/>
           </a:p>
         </p:txBody>
       </p:sp>
@@ -7341,80 +7337,72 @@
           <a:bodyPr/>
           <a:lstStyle/>
           <a:p>
-            <a:pPr>
-              <a:buFont typeface="Arial" panose="020B0604020202020204" pitchFamily="34" charset="0"/>
-              <a:buChar char="•"/>
-            </a:pPr>
-            <a:r>
-              <a:rPr lang="sk-SK" sz="2400" dirty="0" smtClean="0"/>
-              <a:t> Plánovač úloh procesora</a:t>
-            </a:r>
-          </a:p>
-          <a:p>
-            <a:pPr>
-              <a:buFont typeface="Arial" panose="020B0604020202020204" pitchFamily="34" charset="0"/>
-              <a:buChar char="•"/>
-            </a:pPr>
-            <a:r>
-              <a:rPr lang="sk-SK" sz="2400" dirty="0"/>
-              <a:t> </a:t>
-            </a:r>
-            <a:r>
-              <a:rPr lang="sk-SK" sz="2400" dirty="0" smtClean="0"/>
-              <a:t>Kompilátor</a:t>
-            </a:r>
-          </a:p>
-          <a:p>
-            <a:pPr>
-              <a:buFont typeface="Arial" panose="020B0604020202020204" pitchFamily="34" charset="0"/>
-              <a:buChar char="•"/>
-            </a:pPr>
-            <a:r>
-              <a:rPr lang="sk-SK" sz="2400" dirty="0"/>
-              <a:t> </a:t>
-            </a:r>
-            <a:r>
-              <a:rPr lang="sk-SK" sz="2400" dirty="0" smtClean="0"/>
-              <a:t>Analyzátor logiky programu</a:t>
-            </a:r>
-          </a:p>
-          <a:p>
-            <a:pPr>
-              <a:buFont typeface="Arial" panose="020B0604020202020204" pitchFamily="34" charset="0"/>
-              <a:buChar char="•"/>
-            </a:pPr>
-            <a:r>
-              <a:rPr lang="sk-SK" sz="2400" dirty="0"/>
-              <a:t> </a:t>
-            </a:r>
-            <a:r>
-              <a:rPr lang="sk-SK" sz="2400" dirty="0" smtClean="0"/>
-              <a:t>Implementovať komponenty</a:t>
-            </a:r>
-          </a:p>
-          <a:p>
-            <a:pPr>
-              <a:buFont typeface="Arial" panose="020B0604020202020204" pitchFamily="34" charset="0"/>
-              <a:buChar char="•"/>
-            </a:pPr>
-            <a:r>
-              <a:rPr lang="sk-SK" sz="2400" dirty="0"/>
-              <a:t> </a:t>
-            </a:r>
-            <a:r>
-              <a:rPr lang="sk-SK" sz="2400" dirty="0" smtClean="0"/>
-              <a:t>GUI</a:t>
-            </a:r>
-          </a:p>
-          <a:p>
-            <a:endParaRPr lang="sk-SK" dirty="0" smtClean="0"/>
+            <a:endParaRPr lang="sk-SK"/>
           </a:p>
         </p:txBody>
       </p:sp>
+      <p:pic>
+        <p:nvPicPr>
+          <p:cNvPr id="6" name="Obrázok 5"/>
+          <p:cNvPicPr>
+            <a:picLocks noChangeAspect="1"/>
+          </p:cNvPicPr>
+          <p:nvPr/>
+        </p:nvPicPr>
+        <p:blipFill>
+          <a:blip r:embed="rId2"/>
+          <a:stretch>
+            <a:fillRect/>
+          </a:stretch>
+        </p:blipFill>
+        <p:spPr>
+          <a:xfrm>
+            <a:off x="691440" y="1810566"/>
+            <a:ext cx="7806837" cy="4432794"/>
+          </a:xfrm>
+          <a:prstGeom prst="rect">
+            <a:avLst/>
+          </a:prstGeom>
+        </p:spPr>
+      </p:pic>
+      <p:pic>
+        <p:nvPicPr>
+          <p:cNvPr id="7" name="Obrázok 6"/>
+          <p:cNvPicPr>
+            <a:picLocks noChangeAspect="1"/>
+          </p:cNvPicPr>
+          <p:nvPr/>
+        </p:nvPicPr>
+        <p:blipFill>
+          <a:blip r:embed="rId3"/>
+          <a:stretch>
+            <a:fillRect/>
+          </a:stretch>
+        </p:blipFill>
+        <p:spPr>
+          <a:xfrm>
+            <a:off x="5482371" y="4150309"/>
+            <a:ext cx="2158146" cy="2093051"/>
+          </a:xfrm>
+          <a:prstGeom prst="rect">
+            <a:avLst/>
+          </a:prstGeom>
+          <a:ln>
+            <a:noFill/>
+          </a:ln>
+          <a:effectLst>
+            <a:outerShdw blurRad="190500" algn="tl" rotWithShape="0">
+              <a:srgbClr val="000000">
+                <a:alpha val="70000"/>
+              </a:srgbClr>
+            </a:outerShdw>
+          </a:effectLst>
+        </p:spPr>
+      </p:pic>
     </p:spTree>
     <p:extLst>
       <p:ext uri="{BB962C8B-B14F-4D97-AF65-F5344CB8AC3E}">
-        <p14:creationId xmlns:p14="http://schemas.microsoft.com/office/powerpoint/2010/main" val="2344161649"/>
+        <p14:creationId xmlns:p14="http://schemas.microsoft.com/office/powerpoint/2010/main" val="957596871"/>
       </p:ext>
     </p:extLst>
   </p:cSld>
@@ -7451,54 +7439,136 @@
             <p:ph type="title"/>
           </p:nvPr>
         </p:nvSpPr>
-        <p:spPr>
-          <a:xfrm>
-            <a:off x="822324" y="286605"/>
-            <a:ext cx="7543800" cy="1450757"/>
-          </a:xfrm>
-        </p:spPr>
+        <p:spPr/>
         <p:txBody>
           <a:bodyPr/>
           <a:lstStyle/>
           <a:p>
             <a:r>
-              <a:rPr lang="sk-SK" dirty="0" err="1" smtClean="0"/>
-              <a:t>Mock-up</a:t>
-            </a:r>
-            <a:endParaRPr lang="sk-SK" dirty="0"/>
+              <a:rPr lang="sk-SK" dirty="0" smtClean="0"/>
+              <a:t>Analýza </a:t>
+            </a:r>
+            <a:r>
+              <a:rPr lang="sk-SK" sz="2400" dirty="0" smtClean="0"/>
+              <a:t>alebo čomu sa budeme venovať</a:t>
+            </a:r>
+            <a:endParaRPr lang="sk-SK" sz="2400" dirty="0"/>
           </a:p>
         </p:txBody>
       </p:sp>
-      <p:pic>
-        <p:nvPicPr>
-          <p:cNvPr id="5" name="Zástupný objekt pre obsah 4"/>
-          <p:cNvPicPr>
-            <a:picLocks noGrp="1" noChangeAspect="1"/>
-          </p:cNvPicPr>
+      <p:sp>
+        <p:nvSpPr>
+          <p:cNvPr id="3" name="Zástupný objekt pre obsah 2"/>
+          <p:cNvSpPr>
+            <a:spLocks noGrp="1"/>
+          </p:cNvSpPr>
           <p:nvPr>
             <p:ph idx="1"/>
           </p:nvPr>
-        </p:nvPicPr>
-        <p:blipFill>
-          <a:blip r:embed="rId2"/>
-          <a:stretch>
-            <a:fillRect/>
-          </a:stretch>
-        </p:blipFill>
-        <p:spPr>
-          <a:xfrm>
-            <a:off x="1343485" y="1846263"/>
-            <a:ext cx="6501479" cy="4022725"/>
-          </a:xfrm>
-          <a:prstGeom prst="rect">
-            <a:avLst/>
-          </a:prstGeom>
-        </p:spPr>
-      </p:pic>
+        </p:nvSpPr>
+        <p:spPr/>
+        <p:txBody>
+          <a:bodyPr/>
+          <a:lstStyle/>
+          <a:p>
+            <a:pPr>
+              <a:buFont typeface="Arial" panose="020B0604020202020204" pitchFamily="34" charset="0"/>
+              <a:buChar char="•"/>
+            </a:pPr>
+            <a:r>
+              <a:rPr lang="sk-SK" sz="2400" dirty="0" smtClean="0"/>
+              <a:t> Plánovač úloh procesora</a:t>
+            </a:r>
+          </a:p>
+          <a:p>
+            <a:pPr>
+              <a:buFont typeface="Arial" panose="020B0604020202020204" pitchFamily="34" charset="0"/>
+              <a:buChar char="•"/>
+            </a:pPr>
+            <a:r>
+              <a:rPr lang="sk-SK" sz="2400" dirty="0"/>
+              <a:t> </a:t>
+            </a:r>
+            <a:r>
+              <a:rPr lang="sk-SK" sz="2400" strike="sngStrike" dirty="0" smtClean="0"/>
+              <a:t>Kompilátor</a:t>
+            </a:r>
+          </a:p>
+          <a:p>
+            <a:pPr>
+              <a:buFont typeface="Arial" panose="020B0604020202020204" pitchFamily="34" charset="0"/>
+              <a:buChar char="•"/>
+            </a:pPr>
+            <a:r>
+              <a:rPr lang="sk-SK" sz="2400" dirty="0"/>
+              <a:t> </a:t>
+            </a:r>
+            <a:r>
+              <a:rPr lang="sk-SK" sz="2400" dirty="0" smtClean="0"/>
+              <a:t>Analyzátor logiky programu</a:t>
+            </a:r>
+          </a:p>
+          <a:p>
+            <a:pPr>
+              <a:buFont typeface="Arial" panose="020B0604020202020204" pitchFamily="34" charset="0"/>
+              <a:buChar char="•"/>
+            </a:pPr>
+            <a:r>
+              <a:rPr lang="sk-SK" sz="2400" dirty="0"/>
+              <a:t> </a:t>
+            </a:r>
+            <a:r>
+              <a:rPr lang="sk-SK" sz="2400" dirty="0" smtClean="0"/>
+              <a:t>Implementovať komponenty</a:t>
+            </a:r>
+          </a:p>
+          <a:p>
+            <a:pPr>
+              <a:buFont typeface="Arial" panose="020B0604020202020204" pitchFamily="34" charset="0"/>
+              <a:buChar char="•"/>
+            </a:pPr>
+            <a:r>
+              <a:rPr lang="sk-SK" sz="2400" dirty="0"/>
+              <a:t> </a:t>
+            </a:r>
+            <a:r>
+              <a:rPr lang="sk-SK" sz="2400" strike="sngStrike" dirty="0" smtClean="0"/>
+              <a:t>GUI</a:t>
+            </a:r>
+            <a:endParaRPr lang="sk-SK" sz="2400" dirty="0" smtClean="0"/>
+          </a:p>
+          <a:p>
+            <a:pPr>
+              <a:buFont typeface="Arial" panose="020B0604020202020204" pitchFamily="34" charset="0"/>
+              <a:buChar char="•"/>
+            </a:pPr>
+            <a:r>
+              <a:rPr lang="sk-SK" sz="2400" dirty="0" err="1" smtClean="0"/>
+              <a:t>Abstract</a:t>
+            </a:r>
+            <a:r>
+              <a:rPr lang="sk-SK" sz="2400" dirty="0" smtClean="0"/>
+              <a:t> syntax </a:t>
+            </a:r>
+            <a:r>
+              <a:rPr lang="sk-SK" sz="2400" dirty="0" err="1" smtClean="0"/>
+              <a:t>tree</a:t>
+            </a:r>
+            <a:r>
+              <a:rPr lang="sk-SK" sz="2400" dirty="0" smtClean="0"/>
+              <a:t> pre editor</a:t>
+            </a:r>
+            <a:endParaRPr lang="sk-SK" sz="2400" dirty="0" smtClean="0"/>
+          </a:p>
+          <a:p>
+            <a:endParaRPr lang="sk-SK" dirty="0" smtClean="0"/>
+          </a:p>
+        </p:txBody>
+      </p:sp>
     </p:spTree>
     <p:extLst>
       <p:ext uri="{BB962C8B-B14F-4D97-AF65-F5344CB8AC3E}">
-        <p14:creationId xmlns:p14="http://schemas.microsoft.com/office/powerpoint/2010/main" val="3870488756"/>
+        <p14:creationId xmlns:p14="http://schemas.microsoft.com/office/powerpoint/2010/main" val="2344161649"/>
       </p:ext>
     </p:extLst>
   </p:cSld>

--- a/Prezentacie/prezentacia.pptx
+++ b/Prezentacie/prezentacia.pptx
@@ -7558,7 +7558,6 @@
               <a:rPr lang="sk-SK" sz="2400" dirty="0" smtClean="0"/>
               <a:t> pre editor</a:t>
             </a:r>
-            <a:endParaRPr lang="sk-SK" sz="2400" dirty="0" smtClean="0"/>
           </a:p>
           <a:p>
             <a:endParaRPr lang="sk-SK" dirty="0" smtClean="0"/>
@@ -8184,8 +8183,8 @@
         </p:nvSpPr>
         <p:spPr>
           <a:xfrm>
-            <a:off x="4888523" y="-1468315"/>
-            <a:ext cx="4068743" cy="9325630"/>
+            <a:off x="4888523" y="-1072662"/>
+            <a:ext cx="5020408" cy="7786747"/>
           </a:xfrm>
           <a:prstGeom prst="rect">
             <a:avLst/>
@@ -8193,13 +8192,13 @@
           <a:noFill/>
         </p:spPr>
         <p:txBody>
-          <a:bodyPr wrap="none" rtlCol="0">
+          <a:bodyPr wrap="square" rtlCol="0">
             <a:spAutoFit/>
           </a:bodyPr>
           <a:lstStyle/>
           <a:p>
             <a:r>
-              <a:rPr lang="sk-SK" sz="60000" dirty="0" smtClean="0">
+              <a:rPr lang="sk-SK" sz="50000" dirty="0" smtClean="0">
                 <a:solidFill>
                   <a:srgbClr val="63A537"/>
                 </a:solidFill>
@@ -8209,7 +8208,7 @@
               </a:rPr>
               <a:t>?</a:t>
             </a:r>
-            <a:endParaRPr lang="sk-SK" sz="60000" dirty="0">
+            <a:endParaRPr lang="sk-SK" sz="50000" dirty="0">
               <a:solidFill>
                 <a:srgbClr val="63A537"/>
               </a:solidFill>
